--- a/Component Interaction.pptx
+++ b/Component Interaction.pptx
@@ -5,18 +5,19 @@
     <p:sldMasterId id="2147484241" r:id="rId4"/>
   </p:sldMasterIdLst>
   <p:notesMasterIdLst>
-    <p:notesMasterId r:id="rId6"/>
+    <p:notesMasterId r:id="rId7"/>
   </p:notesMasterIdLst>
   <p:handoutMasterIdLst>
-    <p:handoutMasterId r:id="rId7"/>
+    <p:handoutMasterId r:id="rId8"/>
   </p:handoutMasterIdLst>
   <p:sldIdLst>
     <p:sldId id="257" r:id="rId5"/>
+    <p:sldId id="258" r:id="rId6"/>
   </p:sldIdLst>
   <p:sldSz cx="9144000" cy="5143500" type="screen16x9"/>
   <p:notesSz cx="6807200" cy="9939338"/>
   <p:custDataLst>
-    <p:tags r:id="rId8"/>
+    <p:tags r:id="rId9"/>
   </p:custDataLst>
   <p:defaultTextStyle>
     <a:defPPr>
@@ -149,6 +150,7 @@
         <p14:section name="Untitled Section" id="{D9EB05FD-7A8E-46E3-907A-ADD569691B65}">
           <p14:sldIdLst>
             <p14:sldId id="257"/>
+            <p14:sldId id="258"/>
           </p14:sldIdLst>
         </p14:section>
       </p14:sectionLst>
@@ -4829,7 +4831,7 @@
                   <a:schemeClr val="bg1"/>
                 </a:buClr>
               </a:pPr>
-              <a:t>9/6/2018</a:t>
+              <a:t>9/16/2018</a:t>
             </a:fld>
             <a:endParaRPr lang="en-US" sz="900" dirty="0" smtClean="0">
               <a:solidFill>
@@ -4903,7 +4905,7 @@
                   <a:schemeClr val="bg1"/>
                 </a:buClr>
               </a:pPr>
-              <a:t>9/6/2018</a:t>
+              <a:t>9/16/2018</a:t>
             </a:fld>
             <a:endParaRPr lang="en-US" sz="900" dirty="0" smtClean="0">
               <a:solidFill>
@@ -5718,31 +5720,31 @@
             <p:ph type="ctrTitle"/>
           </p:nvPr>
         </p:nvSpPr>
-        <p:spPr/>
+        <p:spPr>
+          <a:xfrm>
+            <a:off x="274319" y="288114"/>
+            <a:ext cx="6738600" cy="1661993"/>
+          </a:xfrm>
+        </p:spPr>
         <p:txBody>
-          <a:bodyPr/>
+          <a:bodyPr>
+            <a:normAutofit fontScale="90000"/>
+          </a:bodyPr>
           <a:lstStyle/>
           <a:p>
-            <a:endParaRPr lang="en-US"/>
-          </a:p>
-        </p:txBody>
-      </p:sp>
-      <p:sp>
-        <p:nvSpPr>
-          <p:cNvPr id="3" name="Subtitle 2"/>
-          <p:cNvSpPr>
-            <a:spLocks noGrp="1"/>
-          </p:cNvSpPr>
-          <p:nvPr>
-            <p:ph type="subTitle" idx="1"/>
-          </p:nvPr>
-        </p:nvSpPr>
-        <p:spPr/>
-        <p:txBody>
-          <a:bodyPr/>
-          <a:lstStyle/>
-          <a:p>
-            <a:endParaRPr lang="en-US"/>
+            <a:r>
+              <a:rPr lang="en-US" dirty="0" smtClean="0"/>
+              <a:t>Component </a:t>
+            </a:r>
+            <a:r>
+              <a:rPr lang="en-US" altLang="zh-CN" dirty="0" smtClean="0"/>
+              <a:t>I</a:t>
+            </a:r>
+            <a:r>
+              <a:rPr lang="en-US" dirty="0" smtClean="0"/>
+              <a:t>nteraction</a:t>
+            </a:r>
+            <a:endParaRPr lang="en-US" dirty="0"/>
           </a:p>
         </p:txBody>
       </p:sp>
@@ -5759,6 +5761,91 @@
   <p:transition spd="med">
     <p:wipe dir="r"/>
   </p:transition>
+  <p:timing>
+    <p:tnLst>
+      <p:par>
+        <p:cTn id="1" dur="indefinite" restart="never" nodeType="tmRoot"/>
+      </p:par>
+    </p:tnLst>
+  </p:timing>
+</p:sld>
+</file>
+
+<file path=ppt/slides/slide2.xml><?xml version="1.0" encoding="utf-8"?>
+<p:sld xmlns:a="http://schemas.openxmlformats.org/drawingml/2006/main" xmlns:r="http://schemas.openxmlformats.org/officeDocument/2006/relationships" xmlns:p="http://schemas.openxmlformats.org/presentationml/2006/main">
+  <p:cSld>
+    <p:spTree>
+      <p:nvGrpSpPr>
+        <p:cNvPr id="1" name=""/>
+        <p:cNvGrpSpPr/>
+        <p:nvPr/>
+      </p:nvGrpSpPr>
+      <p:grpSpPr>
+        <a:xfrm>
+          <a:off x="0" y="0"/>
+          <a:ext cx="0" cy="0"/>
+          <a:chOff x="0" y="0"/>
+          <a:chExt cx="0" cy="0"/>
+        </a:xfrm>
+      </p:grpSpPr>
+      <p:sp>
+        <p:nvSpPr>
+          <p:cNvPr id="4" name="标题 3"/>
+          <p:cNvSpPr>
+            <a:spLocks noGrp="1"/>
+          </p:cNvSpPr>
+          <p:nvPr>
+            <p:ph type="title"/>
+          </p:nvPr>
+        </p:nvSpPr>
+        <p:spPr/>
+        <p:txBody>
+          <a:bodyPr/>
+          <a:lstStyle/>
+          <a:p>
+            <a:endParaRPr lang="zh-CN" altLang="en-US" dirty="0"/>
+          </a:p>
+        </p:txBody>
+      </p:sp>
+      <p:sp>
+        <p:nvSpPr>
+          <p:cNvPr id="5" name="内容占位符 4"/>
+          <p:cNvSpPr>
+            <a:spLocks noGrp="1"/>
+          </p:cNvSpPr>
+          <p:nvPr>
+            <p:ph sz="quarter" idx="10"/>
+          </p:nvPr>
+        </p:nvSpPr>
+        <p:spPr/>
+        <p:txBody>
+          <a:bodyPr/>
+          <a:lstStyle/>
+          <a:p>
+            <a:endParaRPr lang="zh-CN" altLang="en-US" dirty="0"/>
+          </a:p>
+        </p:txBody>
+      </p:sp>
+    </p:spTree>
+    <p:extLst>
+      <p:ext uri="{BB962C8B-B14F-4D97-AF65-F5344CB8AC3E}">
+        <p14:creationId xmlns:p14="http://schemas.microsoft.com/office/powerpoint/2010/main" val="36537138"/>
+      </p:ext>
+    </p:extLst>
+  </p:cSld>
+  <p:clrMapOvr>
+    <a:masterClrMapping/>
+  </p:clrMapOvr>
+  <p:transition spd="med">
+    <p:wipe dir="r"/>
+  </p:transition>
+  <p:timing>
+    <p:tnLst>
+      <p:par>
+        <p:cTn id="1" dur="indefinite" restart="never" nodeType="tmRoot"/>
+      </p:par>
+    </p:tnLst>
+  </p:timing>
 </p:sld>
 </file>
 
@@ -6708,6 +6795,21 @@
 </file>
 
 <file path=customXml/item1.xml><?xml version="1.0" encoding="utf-8"?>
+<p:properties xmlns:p="http://schemas.microsoft.com/office/2006/metadata/properties" xmlns:xsi="http://www.w3.org/2001/XMLSchema-instance">
+  <documentManagement/>
+</p:properties>
+</file>
+
+<file path=customXml/item2.xml><?xml version="1.0" encoding="utf-8"?>
+<?mso-contentType ?>
+<FormTemplates xmlns="http://schemas.microsoft.com/sharepoint/v3/contenttype/forms">
+  <Display>DocumentLibraryForm</Display>
+  <Edit>DocumentLibraryForm</Edit>
+  <New>DocumentLibraryForm</New>
+</FormTemplates>
+</file>
+
+<file path=customXml/item3.xml><?xml version="1.0" encoding="utf-8"?>
 <ct:contentTypeSchema xmlns:ct="http://schemas.microsoft.com/office/2006/metadata/contentType" xmlns:ma="http://schemas.microsoft.com/office/2006/metadata/properties/metaAttributes" ct:_="" ma:_="" ma:contentTypeName="Document" ma:contentTypeID="0x010100EAEEBEE83C66E54EA9BED83B0A9A60DB" ma:contentTypeVersion="1" ma:contentTypeDescription="Create a new document." ma:contentTypeScope="" ma:versionID="51a43b2161297f783d65b37e357c79e9">
   <xsd:schema xmlns:xsd="http://www.w3.org/2001/XMLSchema" xmlns:p="http://schemas.microsoft.com/office/2006/metadata/properties" targetNamespace="http://schemas.microsoft.com/office/2006/metadata/properties" ma:root="true" ma:fieldsID="b9cfef283e0bc2d986a66f9ec0cdc424">
     <xsd:element name="properties">
@@ -6756,32 +6858,16 @@
 </ct:contentTypeSchema>
 </file>
 
-<file path=customXml/item2.xml><?xml version="1.0" encoding="utf-8"?>
-<?mso-contentType ?>
-<FormTemplates xmlns="http://schemas.microsoft.com/sharepoint/v3/contenttype/forms">
-  <Display>DocumentLibraryForm</Display>
-  <Edit>DocumentLibraryForm</Edit>
-  <New>DocumentLibraryForm</New>
-</FormTemplates>
-</file>
-
-<file path=customXml/item3.xml><?xml version="1.0" encoding="utf-8"?>
-<p:properties xmlns:p="http://schemas.microsoft.com/office/2006/metadata/properties" xmlns:xsi="http://www.w3.org/2001/XMLSchema-instance">
-  <documentManagement/>
-</p:properties>
-</file>
-
 <file path=customXml/itemProps1.xml><?xml version="1.0" encoding="utf-8"?>
-<ds:datastoreItem xmlns:ds="http://schemas.openxmlformats.org/officeDocument/2006/customXml" ds:itemID="{A3332CB6-AB82-4DD3-8C89-C660A1C3944B}">
+<ds:datastoreItem xmlns:ds="http://schemas.openxmlformats.org/officeDocument/2006/customXml" ds:itemID="{0873BDD3-AA35-4F19-A12A-C6462BECFBD1}">
   <ds:schemaRefs>
-    <ds:schemaRef ds:uri="http://schemas.microsoft.com/office/2006/metadata/contentType"/>
-    <ds:schemaRef ds:uri="http://schemas.microsoft.com/office/2006/metadata/properties/metaAttributes"/>
-    <ds:schemaRef ds:uri="http://www.w3.org/2001/XMLSchema"/>
+    <ds:schemaRef ds:uri="http://schemas.microsoft.com/office/2006/documentManagement/types"/>
+    <ds:schemaRef ds:uri="http://purl.org/dc/elements/1.1/"/>
     <ds:schemaRef ds:uri="http://schemas.microsoft.com/office/2006/metadata/properties"/>
+    <ds:schemaRef ds:uri="http://purl.org/dc/terms/"/>
     <ds:schemaRef ds:uri="http://schemas.openxmlformats.org/package/2006/metadata/core-properties"/>
-    <ds:schemaRef ds:uri="http://purl.org/dc/elements/1.1/"/>
-    <ds:schemaRef ds:uri="http://purl.org/dc/terms/"/>
-    <ds:schemaRef ds:uri="http://schemas.microsoft.com/office/internal/2005/internalDocumentation"/>
+    <ds:schemaRef ds:uri="http://www.w3.org/XML/1998/namespace"/>
+    <ds:schemaRef ds:uri="http://purl.org/dc/dcmitype/"/>
   </ds:schemaRefs>
 </ds:datastoreItem>
 </file>
@@ -6795,15 +6881,16 @@
 </file>
 
 <file path=customXml/itemProps3.xml><?xml version="1.0" encoding="utf-8"?>
-<ds:datastoreItem xmlns:ds="http://schemas.openxmlformats.org/officeDocument/2006/customXml" ds:itemID="{0873BDD3-AA35-4F19-A12A-C6462BECFBD1}">
+<ds:datastoreItem xmlns:ds="http://schemas.openxmlformats.org/officeDocument/2006/customXml" ds:itemID="{A3332CB6-AB82-4DD3-8C89-C660A1C3944B}">
   <ds:schemaRefs>
-    <ds:schemaRef ds:uri="http://schemas.microsoft.com/office/2006/documentManagement/types"/>
+    <ds:schemaRef ds:uri="http://schemas.microsoft.com/office/2006/metadata/contentType"/>
+    <ds:schemaRef ds:uri="http://schemas.microsoft.com/office/2006/metadata/properties/metaAttributes"/>
+    <ds:schemaRef ds:uri="http://www.w3.org/2001/XMLSchema"/>
+    <ds:schemaRef ds:uri="http://schemas.microsoft.com/office/2006/metadata/properties"/>
+    <ds:schemaRef ds:uri="http://schemas.openxmlformats.org/package/2006/metadata/core-properties"/>
     <ds:schemaRef ds:uri="http://purl.org/dc/elements/1.1/"/>
-    <ds:schemaRef ds:uri="http://schemas.microsoft.com/office/2006/metadata/properties"/>
     <ds:schemaRef ds:uri="http://purl.org/dc/terms/"/>
-    <ds:schemaRef ds:uri="http://schemas.openxmlformats.org/package/2006/metadata/core-properties"/>
-    <ds:schemaRef ds:uri="http://www.w3.org/XML/1998/namespace"/>
-    <ds:schemaRef ds:uri="http://purl.org/dc/dcmitype/"/>
+    <ds:schemaRef ds:uri="http://schemas.microsoft.com/office/internal/2005/internalDocumentation"/>
   </ds:schemaRefs>
 </ds:datastoreItem>
 </file>
--- a/Component Interaction.pptx
+++ b/Component Interaction.pptx
@@ -5,19 +5,27 @@
     <p:sldMasterId id="2147484241" r:id="rId4"/>
   </p:sldMasterIdLst>
   <p:notesMasterIdLst>
-    <p:notesMasterId r:id="rId7"/>
+    <p:notesMasterId r:id="rId15"/>
   </p:notesMasterIdLst>
   <p:handoutMasterIdLst>
-    <p:handoutMasterId r:id="rId8"/>
+    <p:handoutMasterId r:id="rId16"/>
   </p:handoutMasterIdLst>
   <p:sldIdLst>
     <p:sldId id="257" r:id="rId5"/>
     <p:sldId id="258" r:id="rId6"/>
+    <p:sldId id="259" r:id="rId7"/>
+    <p:sldId id="262" r:id="rId8"/>
+    <p:sldId id="260" r:id="rId9"/>
+    <p:sldId id="261" r:id="rId10"/>
+    <p:sldId id="263" r:id="rId11"/>
+    <p:sldId id="264" r:id="rId12"/>
+    <p:sldId id="265" r:id="rId13"/>
+    <p:sldId id="266" r:id="rId14"/>
   </p:sldIdLst>
   <p:sldSz cx="9144000" cy="5143500" type="screen16x9"/>
   <p:notesSz cx="6807200" cy="9939338"/>
   <p:custDataLst>
-    <p:tags r:id="rId9"/>
+    <p:tags r:id="rId17"/>
   </p:custDataLst>
   <p:defaultTextStyle>
     <a:defPPr>
@@ -151,6 +159,14 @@
           <p14:sldIdLst>
             <p14:sldId id="257"/>
             <p14:sldId id="258"/>
+            <p14:sldId id="259"/>
+            <p14:sldId id="262"/>
+            <p14:sldId id="260"/>
+            <p14:sldId id="261"/>
+            <p14:sldId id="263"/>
+            <p14:sldId id="264"/>
+            <p14:sldId id="265"/>
+            <p14:sldId id="266"/>
           </p14:sldIdLst>
         </p14:section>
       </p14:sectionLst>
@@ -677,6 +693,101 @@
     </a:lvl9pPr>
   </p:notesStyle>
 </p:notesMaster>
+</file>
+
+<file path=ppt/notesSlides/notesSlide1.xml><?xml version="1.0" encoding="utf-8"?>
+<p:notes xmlns:a="http://schemas.openxmlformats.org/drawingml/2006/main" xmlns:r="http://schemas.openxmlformats.org/officeDocument/2006/relationships" xmlns:p="http://schemas.openxmlformats.org/presentationml/2006/main">
+  <p:cSld>
+    <p:spTree>
+      <p:nvGrpSpPr>
+        <p:cNvPr id="1" name=""/>
+        <p:cNvGrpSpPr/>
+        <p:nvPr/>
+      </p:nvGrpSpPr>
+      <p:grpSpPr>
+        <a:xfrm>
+          <a:off x="0" y="0"/>
+          <a:ext cx="0" cy="0"/>
+          <a:chOff x="0" y="0"/>
+          <a:chExt cx="0" cy="0"/>
+        </a:xfrm>
+      </p:grpSpPr>
+      <p:sp>
+        <p:nvSpPr>
+          <p:cNvPr id="2" name="幻灯片图像占位符 1"/>
+          <p:cNvSpPr>
+            <a:spLocks noGrp="1" noRot="1" noChangeAspect="1"/>
+          </p:cNvSpPr>
+          <p:nvPr>
+            <p:ph type="sldImg"/>
+          </p:nvPr>
+        </p:nvSpPr>
+        <p:spPr/>
+      </p:sp>
+      <p:sp>
+        <p:nvSpPr>
+          <p:cNvPr id="3" name="备注占位符 2"/>
+          <p:cNvSpPr>
+            <a:spLocks noGrp="1"/>
+          </p:cNvSpPr>
+          <p:nvPr>
+            <p:ph type="body" idx="1"/>
+          </p:nvPr>
+        </p:nvSpPr>
+        <p:spPr/>
+        <p:txBody>
+          <a:bodyPr/>
+          <a:lstStyle/>
+          <a:p>
+            <a:endParaRPr lang="zh-CN" altLang="en-US" dirty="0"/>
+          </a:p>
+        </p:txBody>
+      </p:sp>
+      <p:sp>
+        <p:nvSpPr>
+          <p:cNvPr id="4" name="灯片编号占位符 3"/>
+          <p:cNvSpPr>
+            <a:spLocks noGrp="1"/>
+          </p:cNvSpPr>
+          <p:nvPr>
+            <p:ph type="sldNum" sz="quarter" idx="10"/>
+          </p:nvPr>
+        </p:nvSpPr>
+        <p:spPr/>
+        <p:txBody>
+          <a:bodyPr/>
+          <a:lstStyle/>
+          <a:p>
+            <a:fld id="{AC8DF440-AC1E-4EB3-BCAA-2AAB8924A793}" type="slidenum">
+              <a:rPr lang="en-US" sz="800" smtClean="0">
+                <a:solidFill>
+                  <a:schemeClr val="bg1"/>
+                </a:solidFill>
+                <a:latin typeface="Arial"/>
+              </a:rPr>
+              <a:pPr/>
+              <a:t>10</a:t>
+            </a:fld>
+            <a:endParaRPr lang="en-US" sz="800" dirty="0">
+              <a:solidFill>
+                <a:schemeClr val="bg1"/>
+              </a:solidFill>
+              <a:latin typeface="Arial"/>
+            </a:endParaRPr>
+          </a:p>
+        </p:txBody>
+      </p:sp>
+    </p:spTree>
+    <p:extLst>
+      <p:ext uri="{BB962C8B-B14F-4D97-AF65-F5344CB8AC3E}">
+        <p14:creationId xmlns:p14="http://schemas.microsoft.com/office/powerpoint/2010/main" val="3617377276"/>
+      </p:ext>
+    </p:extLst>
+  </p:cSld>
+  <p:clrMapOvr>
+    <a:masterClrMapping/>
+  </p:clrMapOvr>
+</p:notes>
 </file>
 
 <file path=ppt/slideLayouts/slideLayout1.xml><?xml version="1.0" encoding="utf-8"?>
@@ -4831,7 +4942,7 @@
                   <a:schemeClr val="bg1"/>
                 </a:buClr>
               </a:pPr>
-              <a:t>9/16/2018</a:t>
+              <a:t>9/17/2018</a:t>
             </a:fld>
             <a:endParaRPr lang="en-US" sz="900" dirty="0" smtClean="0">
               <a:solidFill>
@@ -4905,7 +5016,7 @@
                   <a:schemeClr val="bg1"/>
                 </a:buClr>
               </a:pPr>
-              <a:t>9/16/2018</a:t>
+              <a:t>9/17/2018</a:t>
             </a:fld>
             <a:endParaRPr lang="en-US" sz="900" dirty="0" smtClean="0">
               <a:solidFill>
@@ -5771,6 +5882,338 @@
 </p:sld>
 </file>
 
+<file path=ppt/slides/slide10.xml><?xml version="1.0" encoding="utf-8"?>
+<p:sld xmlns:a="http://schemas.openxmlformats.org/drawingml/2006/main" xmlns:r="http://schemas.openxmlformats.org/officeDocument/2006/relationships" xmlns:p="http://schemas.openxmlformats.org/presentationml/2006/main">
+  <p:cSld>
+    <p:spTree>
+      <p:nvGrpSpPr>
+        <p:cNvPr id="1" name=""/>
+        <p:cNvGrpSpPr/>
+        <p:nvPr/>
+      </p:nvGrpSpPr>
+      <p:grpSpPr>
+        <a:xfrm>
+          <a:off x="0" y="0"/>
+          <a:ext cx="0" cy="0"/>
+          <a:chOff x="0" y="0"/>
+          <a:chExt cx="0" cy="0"/>
+        </a:xfrm>
+      </p:grpSpPr>
+      <p:sp>
+        <p:nvSpPr>
+          <p:cNvPr id="2" name="标题 1"/>
+          <p:cNvSpPr>
+            <a:spLocks noGrp="1"/>
+          </p:cNvSpPr>
+          <p:nvPr>
+            <p:ph type="title"/>
+          </p:nvPr>
+        </p:nvSpPr>
+        <p:spPr/>
+        <p:txBody>
+          <a:bodyPr/>
+          <a:lstStyle/>
+          <a:p>
+            <a:r>
+              <a:rPr lang="en-US" altLang="zh-CN" dirty="0"/>
+              <a:t> </a:t>
+            </a:r>
+            <a:r>
+              <a:rPr lang="en-US" altLang="zh-CN" dirty="0" smtClean="0"/>
+              <a:t>Practical</a:t>
+            </a:r>
+            <a:r>
+              <a:rPr lang="en-US" altLang="zh-CN" dirty="0"/>
+              <a:t> case</a:t>
+            </a:r>
+            <a:endParaRPr lang="zh-CN" altLang="en-US" dirty="0"/>
+          </a:p>
+        </p:txBody>
+      </p:sp>
+      <p:sp>
+        <p:nvSpPr>
+          <p:cNvPr id="4" name="矩形 3"/>
+          <p:cNvSpPr/>
+          <p:nvPr/>
+        </p:nvSpPr>
+        <p:spPr>
+          <a:xfrm>
+            <a:off x="638627" y="1006309"/>
+            <a:ext cx="1618342" cy="757177"/>
+          </a:xfrm>
+          <a:prstGeom prst="rect">
+            <a:avLst/>
+          </a:prstGeom>
+          <a:noFill/>
+          <a:ln w="19050">
+            <a:solidFill>
+              <a:schemeClr val="accent1"/>
+            </a:solidFill>
+          </a:ln>
+        </p:spPr>
+        <p:style>
+          <a:lnRef idx="1">
+            <a:schemeClr val="accent1"/>
+          </a:lnRef>
+          <a:fillRef idx="2">
+            <a:schemeClr val="accent1"/>
+          </a:fillRef>
+          <a:effectRef idx="1">
+            <a:schemeClr val="accent1"/>
+          </a:effectRef>
+          <a:fontRef idx="minor">
+            <a:schemeClr val="dk1"/>
+          </a:fontRef>
+        </p:style>
+        <p:txBody>
+          <a:bodyPr wrap="square" lIns="182880" tIns="137160" rIns="137160" bIns="137160" rtlCol="0" anchor="ctr">
+            <a:noAutofit/>
+          </a:bodyPr>
+          <a:lstStyle/>
+          <a:p>
+            <a:pPr algn="ctr">
+              <a:lnSpc>
+                <a:spcPct val="90000"/>
+              </a:lnSpc>
+              <a:spcBef>
+                <a:spcPts val="600"/>
+              </a:spcBef>
+              <a:spcAft>
+                <a:spcPts val="0"/>
+              </a:spcAft>
+            </a:pPr>
+            <a:r>
+              <a:rPr lang="en-US" altLang="zh-CN" sz="2000" dirty="0" smtClean="0">
+                <a:ln w="0"/>
+                <a:solidFill>
+                  <a:schemeClr val="tx1"/>
+                </a:solidFill>
+                <a:effectLst>
+                  <a:outerShdw blurRad="38100" dist="19050" dir="2700000" algn="tl" rotWithShape="0">
+                    <a:schemeClr val="dk1">
+                      <a:alpha val="40000"/>
+                    </a:schemeClr>
+                  </a:outerShdw>
+                </a:effectLst>
+                <a:latin typeface="+mn-lt"/>
+              </a:rPr>
+              <a:t>A</a:t>
+            </a:r>
+            <a:endParaRPr lang="zh-CN" altLang="en-US" sz="2000" dirty="0" err="1" smtClean="0">
+              <a:ln w="0"/>
+              <a:solidFill>
+                <a:schemeClr val="tx1"/>
+              </a:solidFill>
+              <a:effectLst>
+                <a:outerShdw blurRad="38100" dist="19050" dir="2700000" algn="tl" rotWithShape="0">
+                  <a:schemeClr val="dk1">
+                    <a:alpha val="40000"/>
+                  </a:schemeClr>
+                </a:outerShdw>
+              </a:effectLst>
+              <a:latin typeface="+mn-lt"/>
+            </a:endParaRPr>
+          </a:p>
+        </p:txBody>
+      </p:sp>
+      <p:sp>
+        <p:nvSpPr>
+          <p:cNvPr id="5" name="矩形 4"/>
+          <p:cNvSpPr/>
+          <p:nvPr/>
+        </p:nvSpPr>
+        <p:spPr>
+          <a:xfrm>
+            <a:off x="638627" y="2024977"/>
+            <a:ext cx="1618343" cy="757177"/>
+          </a:xfrm>
+          <a:prstGeom prst="rect">
+            <a:avLst/>
+          </a:prstGeom>
+          <a:noFill/>
+          <a:ln w="19050">
+            <a:solidFill>
+              <a:srgbClr val="92D050"/>
+            </a:solidFill>
+          </a:ln>
+        </p:spPr>
+        <p:style>
+          <a:lnRef idx="1">
+            <a:schemeClr val="accent2"/>
+          </a:lnRef>
+          <a:fillRef idx="2">
+            <a:schemeClr val="accent2"/>
+          </a:fillRef>
+          <a:effectRef idx="1">
+            <a:schemeClr val="accent2"/>
+          </a:effectRef>
+          <a:fontRef idx="minor">
+            <a:schemeClr val="dk1"/>
+          </a:fontRef>
+        </p:style>
+        <p:txBody>
+          <a:bodyPr wrap="square" lIns="182880" tIns="137160" rIns="137160" bIns="137160" rtlCol="0" anchor="ctr">
+            <a:noAutofit/>
+          </a:bodyPr>
+          <a:lstStyle/>
+          <a:p>
+            <a:pPr algn="ctr">
+              <a:lnSpc>
+                <a:spcPct val="90000"/>
+              </a:lnSpc>
+              <a:spcBef>
+                <a:spcPts val="600"/>
+              </a:spcBef>
+              <a:spcAft>
+                <a:spcPts val="0"/>
+              </a:spcAft>
+            </a:pPr>
+            <a:r>
+              <a:rPr lang="en-US" altLang="zh-CN" sz="2000" dirty="0" smtClean="0">
+                <a:ln w="0"/>
+                <a:solidFill>
+                  <a:schemeClr val="tx1"/>
+                </a:solidFill>
+                <a:effectLst>
+                  <a:outerShdw blurRad="38100" dist="19050" dir="2700000" algn="tl" rotWithShape="0">
+                    <a:schemeClr val="dk1">
+                      <a:alpha val="40000"/>
+                    </a:schemeClr>
+                  </a:outerShdw>
+                </a:effectLst>
+                <a:latin typeface="+mn-lt"/>
+              </a:rPr>
+              <a:t>B</a:t>
+            </a:r>
+            <a:endParaRPr lang="zh-CN" altLang="en-US" sz="2000" dirty="0" err="1" smtClean="0">
+              <a:ln w="0"/>
+              <a:solidFill>
+                <a:schemeClr val="tx1"/>
+              </a:solidFill>
+              <a:effectLst>
+                <a:outerShdw blurRad="38100" dist="19050" dir="2700000" algn="tl" rotWithShape="0">
+                  <a:schemeClr val="dk1">
+                    <a:alpha val="40000"/>
+                  </a:schemeClr>
+                </a:outerShdw>
+              </a:effectLst>
+              <a:latin typeface="+mn-lt"/>
+            </a:endParaRPr>
+          </a:p>
+        </p:txBody>
+      </p:sp>
+      <p:sp>
+        <p:nvSpPr>
+          <p:cNvPr id="6" name="矩形 5"/>
+          <p:cNvSpPr/>
+          <p:nvPr/>
+        </p:nvSpPr>
+        <p:spPr>
+          <a:xfrm>
+            <a:off x="638627" y="3043645"/>
+            <a:ext cx="1618343" cy="757177"/>
+          </a:xfrm>
+          <a:prstGeom prst="rect">
+            <a:avLst/>
+          </a:prstGeom>
+          <a:noFill/>
+          <a:ln w="19050">
+            <a:solidFill>
+              <a:schemeClr val="accent3">
+                <a:lumMod val="60000"/>
+                <a:lumOff val="40000"/>
+              </a:schemeClr>
+            </a:solidFill>
+          </a:ln>
+        </p:spPr>
+        <p:style>
+          <a:lnRef idx="1">
+            <a:schemeClr val="accent2"/>
+          </a:lnRef>
+          <a:fillRef idx="2">
+            <a:schemeClr val="accent2"/>
+          </a:fillRef>
+          <a:effectRef idx="1">
+            <a:schemeClr val="accent2"/>
+          </a:effectRef>
+          <a:fontRef idx="minor">
+            <a:schemeClr val="dk1"/>
+          </a:fontRef>
+        </p:style>
+        <p:txBody>
+          <a:bodyPr wrap="square" lIns="182880" tIns="137160" rIns="137160" bIns="137160" rtlCol="0" anchor="ctr">
+            <a:noAutofit/>
+          </a:bodyPr>
+          <a:lstStyle/>
+          <a:p>
+            <a:pPr algn="ctr">
+              <a:lnSpc>
+                <a:spcPct val="90000"/>
+              </a:lnSpc>
+              <a:spcBef>
+                <a:spcPts val="600"/>
+              </a:spcBef>
+              <a:spcAft>
+                <a:spcPts val="0"/>
+              </a:spcAft>
+            </a:pPr>
+            <a:r>
+              <a:rPr lang="en-US" altLang="zh-CN" sz="2000" dirty="0" smtClean="0">
+                <a:ln w="0"/>
+                <a:solidFill>
+                  <a:schemeClr val="tx1"/>
+                </a:solidFill>
+                <a:effectLst>
+                  <a:outerShdw blurRad="38100" dist="19050" dir="2700000" algn="tl" rotWithShape="0">
+                    <a:schemeClr val="dk1">
+                      <a:alpha val="40000"/>
+                    </a:schemeClr>
+                  </a:outerShdw>
+                </a:effectLst>
+                <a:latin typeface="+mn-lt"/>
+              </a:rPr>
+              <a:t>C</a:t>
+            </a:r>
+            <a:endParaRPr lang="zh-CN" altLang="en-US" sz="2000" dirty="0" err="1" smtClean="0">
+              <a:ln w="0"/>
+              <a:solidFill>
+                <a:schemeClr val="tx1"/>
+              </a:solidFill>
+              <a:effectLst>
+                <a:outerShdw blurRad="38100" dist="19050" dir="2700000" algn="tl" rotWithShape="0">
+                  <a:schemeClr val="dk1">
+                    <a:alpha val="40000"/>
+                  </a:schemeClr>
+                </a:outerShdw>
+              </a:effectLst>
+              <a:latin typeface="+mn-lt"/>
+            </a:endParaRPr>
+          </a:p>
+        </p:txBody>
+      </p:sp>
+    </p:spTree>
+    <p:extLst>
+      <p:ext uri="{BB962C8B-B14F-4D97-AF65-F5344CB8AC3E}">
+        <p14:creationId xmlns:p14="http://schemas.microsoft.com/office/powerpoint/2010/main" val="667723034"/>
+      </p:ext>
+    </p:extLst>
+  </p:cSld>
+  <p:clrMapOvr>
+    <a:masterClrMapping/>
+  </p:clrMapOvr>
+  <p:transition spd="med">
+    <p:wipe dir="r"/>
+  </p:transition>
+  <p:timing>
+    <p:tnLst>
+      <p:par>
+        <p:cTn id="1" dur="indefinite" restart="never" nodeType="tmRoot"/>
+      </p:par>
+    </p:tnLst>
+  </p:timing>
+</p:sld>
+</file>
+
 <file path=ppt/slides/slide2.xml><?xml version="1.0" encoding="utf-8"?>
 <p:sld xmlns:a="http://schemas.openxmlformats.org/drawingml/2006/main" xmlns:r="http://schemas.openxmlformats.org/officeDocument/2006/relationships" xmlns:p="http://schemas.openxmlformats.org/presentationml/2006/main">
   <p:cSld>
@@ -5803,6 +6246,10 @@
           <a:bodyPr/>
           <a:lstStyle/>
           <a:p>
+            <a:r>
+              <a:rPr lang="en-US" altLang="zh-CN" dirty="0" smtClean="0"/>
+              <a:t>Agenda</a:t>
+            </a:r>
             <a:endParaRPr lang="zh-CN" altLang="en-US" dirty="0"/>
           </a:p>
         </p:txBody>
@@ -5822,7 +6269,88 @@
           <a:bodyPr/>
           <a:lstStyle/>
           <a:p>
-            <a:endParaRPr lang="zh-CN" altLang="en-US" dirty="0"/>
+            <a:pPr marL="285750" indent="-285750">
+              <a:buFont typeface="Arial" panose="020B0604020202020204" pitchFamily="34" charset="0"/>
+              <a:buChar char="•"/>
+            </a:pPr>
+            <a:r>
+              <a:rPr lang="en-US" altLang="zh-CN" dirty="0"/>
+              <a:t>Parent to </a:t>
+            </a:r>
+            <a:r>
+              <a:rPr lang="en-US" altLang="zh-CN" dirty="0" smtClean="0"/>
+              <a:t>child</a:t>
+            </a:r>
+          </a:p>
+          <a:p>
+            <a:pPr marL="285750" indent="-285750">
+              <a:buFont typeface="Arial" panose="020B0604020202020204" pitchFamily="34" charset="0"/>
+              <a:buChar char="•"/>
+            </a:pPr>
+            <a:r>
+              <a:rPr lang="en-US" altLang="zh-CN" dirty="0"/>
+              <a:t>Child to </a:t>
+            </a:r>
+            <a:r>
+              <a:rPr lang="en-US" altLang="zh-CN" dirty="0" smtClean="0"/>
+              <a:t>parent</a:t>
+            </a:r>
+          </a:p>
+          <a:p>
+            <a:pPr marL="285750" indent="-285750">
+              <a:buFont typeface="Arial" panose="020B0604020202020204" pitchFamily="34" charset="0"/>
+              <a:buChar char="•"/>
+            </a:pPr>
+            <a:r>
+              <a:rPr lang="en-US" altLang="zh-CN" dirty="0"/>
+              <a:t>Child gets parent </a:t>
+            </a:r>
+            <a:r>
+              <a:rPr lang="en-US" altLang="zh-CN" dirty="0" smtClean="0"/>
+              <a:t>instance</a:t>
+            </a:r>
+          </a:p>
+          <a:p>
+            <a:pPr marL="285750" indent="-285750">
+              <a:buFont typeface="Arial" panose="020B0604020202020204" pitchFamily="34" charset="0"/>
+              <a:buChar char="•"/>
+            </a:pPr>
+            <a:r>
+              <a:rPr lang="en-US" altLang="zh-CN" dirty="0" smtClean="0"/>
+              <a:t>Parent gets child instance</a:t>
+            </a:r>
+          </a:p>
+          <a:p>
+            <a:pPr marL="285750" indent="-285750">
+              <a:buFont typeface="Arial" panose="020B0604020202020204" pitchFamily="34" charset="0"/>
+              <a:buChar char="•"/>
+            </a:pPr>
+            <a:r>
+              <a:rPr lang="en-US" altLang="zh-CN" dirty="0" smtClean="0"/>
+              <a:t>Service</a:t>
+            </a:r>
+          </a:p>
+          <a:p>
+            <a:pPr marL="285750" indent="-285750">
+              <a:buFont typeface="Arial" panose="020B0604020202020204" pitchFamily="34" charset="0"/>
+              <a:buChar char="•"/>
+            </a:pPr>
+            <a:r>
+              <a:rPr lang="en-US" altLang="zh-CN" dirty="0" err="1" smtClean="0"/>
+              <a:t>EventEmitter</a:t>
+            </a:r>
+            <a:endParaRPr lang="en-US" altLang="zh-CN" dirty="0" smtClean="0"/>
+          </a:p>
+          <a:p>
+            <a:pPr marL="285750" indent="-285750">
+              <a:buFont typeface="Arial" panose="020B0604020202020204" pitchFamily="34" charset="0"/>
+              <a:buChar char="•"/>
+            </a:pPr>
+            <a:r>
+              <a:rPr lang="en-US" altLang="zh-CN" dirty="0"/>
+              <a:t>Subscribe</a:t>
+            </a:r>
+            <a:endParaRPr lang="en-US" altLang="zh-CN" dirty="0" smtClean="0"/>
           </a:p>
         </p:txBody>
       </p:sp>
@@ -5830,6 +6358,2778 @@
     <p:extLst>
       <p:ext uri="{BB962C8B-B14F-4D97-AF65-F5344CB8AC3E}">
         <p14:creationId xmlns:p14="http://schemas.microsoft.com/office/powerpoint/2010/main" val="36537138"/>
+      </p:ext>
+    </p:extLst>
+  </p:cSld>
+  <p:clrMapOvr>
+    <a:masterClrMapping/>
+  </p:clrMapOvr>
+  <p:transition spd="med">
+    <p:wipe dir="r"/>
+  </p:transition>
+  <p:timing>
+    <p:tnLst>
+      <p:par>
+        <p:cTn id="1" dur="indefinite" restart="never" nodeType="tmRoot"/>
+      </p:par>
+    </p:tnLst>
+  </p:timing>
+</p:sld>
+</file>
+
+<file path=ppt/slides/slide3.xml><?xml version="1.0" encoding="utf-8"?>
+<p:sld xmlns:a="http://schemas.openxmlformats.org/drawingml/2006/main" xmlns:r="http://schemas.openxmlformats.org/officeDocument/2006/relationships" xmlns:p="http://schemas.openxmlformats.org/presentationml/2006/main">
+  <p:cSld>
+    <p:spTree>
+      <p:nvGrpSpPr>
+        <p:cNvPr id="1" name=""/>
+        <p:cNvGrpSpPr/>
+        <p:nvPr/>
+      </p:nvGrpSpPr>
+      <p:grpSpPr>
+        <a:xfrm>
+          <a:off x="0" y="0"/>
+          <a:ext cx="0" cy="0"/>
+          <a:chOff x="0" y="0"/>
+          <a:chExt cx="0" cy="0"/>
+        </a:xfrm>
+      </p:grpSpPr>
+      <p:sp>
+        <p:nvSpPr>
+          <p:cNvPr id="2" name="标题 1"/>
+          <p:cNvSpPr>
+            <a:spLocks noGrp="1"/>
+          </p:cNvSpPr>
+          <p:nvPr>
+            <p:ph type="title"/>
+          </p:nvPr>
+        </p:nvSpPr>
+        <p:spPr/>
+        <p:txBody>
+          <a:bodyPr/>
+          <a:lstStyle/>
+          <a:p>
+            <a:r>
+              <a:rPr lang="en-US" altLang="zh-CN" dirty="0"/>
+              <a:t> </a:t>
+            </a:r>
+            <a:r>
+              <a:rPr lang="en-US" altLang="zh-CN" dirty="0" smtClean="0"/>
+              <a:t>Parent </a:t>
+            </a:r>
+            <a:r>
+              <a:rPr lang="en-US" altLang="zh-CN" dirty="0"/>
+              <a:t>to </a:t>
+            </a:r>
+            <a:r>
+              <a:rPr lang="en-US" altLang="zh-CN" dirty="0"/>
+              <a:t>c</a:t>
+            </a:r>
+            <a:r>
+              <a:rPr lang="en-US" altLang="zh-CN" dirty="0" smtClean="0"/>
+              <a:t>hild</a:t>
+            </a:r>
+            <a:endParaRPr lang="en-US" altLang="zh-CN" dirty="0"/>
+          </a:p>
+        </p:txBody>
+      </p:sp>
+      <p:sp>
+        <p:nvSpPr>
+          <p:cNvPr id="5" name="矩形 4"/>
+          <p:cNvSpPr/>
+          <p:nvPr/>
+        </p:nvSpPr>
+        <p:spPr>
+          <a:xfrm>
+            <a:off x="6270170" y="911966"/>
+            <a:ext cx="1959429" cy="1192605"/>
+          </a:xfrm>
+          <a:prstGeom prst="rect">
+            <a:avLst/>
+          </a:prstGeom>
+          <a:noFill/>
+          <a:ln w="19050">
+            <a:solidFill>
+              <a:schemeClr val="accent1"/>
+            </a:solidFill>
+          </a:ln>
+        </p:spPr>
+        <p:style>
+          <a:lnRef idx="1">
+            <a:schemeClr val="accent1"/>
+          </a:lnRef>
+          <a:fillRef idx="2">
+            <a:schemeClr val="accent1"/>
+          </a:fillRef>
+          <a:effectRef idx="1">
+            <a:schemeClr val="accent1"/>
+          </a:effectRef>
+          <a:fontRef idx="minor">
+            <a:schemeClr val="dk1"/>
+          </a:fontRef>
+        </p:style>
+        <p:txBody>
+          <a:bodyPr wrap="square" lIns="182880" tIns="137160" rIns="137160" bIns="137160" rtlCol="0" anchor="ctr">
+            <a:noAutofit/>
+          </a:bodyPr>
+          <a:lstStyle/>
+          <a:p>
+            <a:pPr algn="ctr">
+              <a:lnSpc>
+                <a:spcPct val="90000"/>
+              </a:lnSpc>
+              <a:spcBef>
+                <a:spcPts val="600"/>
+              </a:spcBef>
+              <a:spcAft>
+                <a:spcPts val="0"/>
+              </a:spcAft>
+            </a:pPr>
+            <a:r>
+              <a:rPr lang="en-US" altLang="zh-CN" sz="2000" dirty="0" smtClean="0">
+                <a:ln w="0"/>
+                <a:solidFill>
+                  <a:schemeClr val="tx1"/>
+                </a:solidFill>
+                <a:effectLst>
+                  <a:outerShdw blurRad="38100" dist="19050" dir="2700000" algn="tl" rotWithShape="0">
+                    <a:schemeClr val="dk1">
+                      <a:alpha val="40000"/>
+                    </a:schemeClr>
+                  </a:outerShdw>
+                </a:effectLst>
+                <a:latin typeface="+mn-lt"/>
+              </a:rPr>
+              <a:t>Parent</a:t>
+            </a:r>
+            <a:endParaRPr lang="zh-CN" altLang="en-US" sz="2000" dirty="0" err="1" smtClean="0">
+              <a:ln w="0"/>
+              <a:solidFill>
+                <a:schemeClr val="tx1"/>
+              </a:solidFill>
+              <a:effectLst>
+                <a:outerShdw blurRad="38100" dist="19050" dir="2700000" algn="tl" rotWithShape="0">
+                  <a:schemeClr val="dk1">
+                    <a:alpha val="40000"/>
+                  </a:schemeClr>
+                </a:outerShdw>
+              </a:effectLst>
+              <a:latin typeface="+mn-lt"/>
+            </a:endParaRPr>
+          </a:p>
+        </p:txBody>
+      </p:sp>
+      <p:sp>
+        <p:nvSpPr>
+          <p:cNvPr id="8" name="矩形 7"/>
+          <p:cNvSpPr/>
+          <p:nvPr/>
+        </p:nvSpPr>
+        <p:spPr>
+          <a:xfrm>
+            <a:off x="6473370" y="1690914"/>
+            <a:ext cx="1553028" cy="331396"/>
+          </a:xfrm>
+          <a:prstGeom prst="rect">
+            <a:avLst/>
+          </a:prstGeom>
+          <a:noFill/>
+          <a:ln w="19050">
+            <a:solidFill>
+              <a:srgbClr val="92D050"/>
+            </a:solidFill>
+          </a:ln>
+        </p:spPr>
+        <p:style>
+          <a:lnRef idx="1">
+            <a:schemeClr val="accent2"/>
+          </a:lnRef>
+          <a:fillRef idx="2">
+            <a:schemeClr val="accent2"/>
+          </a:fillRef>
+          <a:effectRef idx="1">
+            <a:schemeClr val="accent2"/>
+          </a:effectRef>
+          <a:fontRef idx="minor">
+            <a:schemeClr val="dk1"/>
+          </a:fontRef>
+        </p:style>
+        <p:txBody>
+          <a:bodyPr wrap="square" lIns="182880" tIns="137160" rIns="137160" bIns="137160" rtlCol="0" anchor="ctr">
+            <a:noAutofit/>
+          </a:bodyPr>
+          <a:lstStyle/>
+          <a:p>
+            <a:pPr algn="ctr">
+              <a:lnSpc>
+                <a:spcPct val="90000"/>
+              </a:lnSpc>
+              <a:spcBef>
+                <a:spcPts val="600"/>
+              </a:spcBef>
+              <a:spcAft>
+                <a:spcPts val="0"/>
+              </a:spcAft>
+            </a:pPr>
+            <a:r>
+              <a:rPr lang="en-US" altLang="zh-CN" sz="2000" dirty="0" smtClean="0">
+                <a:ln w="0"/>
+                <a:solidFill>
+                  <a:schemeClr val="tx1"/>
+                </a:solidFill>
+                <a:effectLst>
+                  <a:outerShdw blurRad="38100" dist="19050" dir="2700000" algn="tl" rotWithShape="0">
+                    <a:schemeClr val="dk1">
+                      <a:alpha val="40000"/>
+                    </a:schemeClr>
+                  </a:outerShdw>
+                </a:effectLst>
+                <a:latin typeface="+mn-lt"/>
+              </a:rPr>
+              <a:t>Child</a:t>
+            </a:r>
+            <a:endParaRPr lang="zh-CN" altLang="en-US" sz="2000" dirty="0" err="1" smtClean="0">
+              <a:ln w="0"/>
+              <a:solidFill>
+                <a:schemeClr val="tx1"/>
+              </a:solidFill>
+              <a:effectLst>
+                <a:outerShdw blurRad="38100" dist="19050" dir="2700000" algn="tl" rotWithShape="0">
+                  <a:schemeClr val="dk1">
+                    <a:alpha val="40000"/>
+                  </a:schemeClr>
+                </a:outerShdw>
+              </a:effectLst>
+              <a:latin typeface="+mn-lt"/>
+            </a:endParaRPr>
+          </a:p>
+        </p:txBody>
+      </p:sp>
+      <p:cxnSp>
+        <p:nvCxnSpPr>
+          <p:cNvPr id="10" name="直接箭头连接符 9"/>
+          <p:cNvCxnSpPr/>
+          <p:nvPr/>
+        </p:nvCxnSpPr>
+        <p:spPr>
+          <a:xfrm>
+            <a:off x="6640286" y="1458686"/>
+            <a:ext cx="0" cy="397926"/>
+          </a:xfrm>
+          <a:prstGeom prst="straightConnector1">
+            <a:avLst/>
+          </a:prstGeom>
+          <a:ln w="12700" cmpd="sng">
+            <a:solidFill>
+              <a:srgbClr val="000000"/>
+            </a:solidFill>
+            <a:tailEnd type="triangle"/>
+          </a:ln>
+          <a:effectLst/>
+        </p:spPr>
+        <p:style>
+          <a:lnRef idx="2">
+            <a:schemeClr val="accent1"/>
+          </a:lnRef>
+          <a:fillRef idx="0">
+            <a:schemeClr val="accent1"/>
+          </a:fillRef>
+          <a:effectRef idx="1">
+            <a:schemeClr val="accent1"/>
+          </a:effectRef>
+          <a:fontRef idx="minor">
+            <a:schemeClr val="tx1"/>
+          </a:fontRef>
+        </p:style>
+      </p:cxnSp>
+    </p:spTree>
+    <p:extLst>
+      <p:ext uri="{BB962C8B-B14F-4D97-AF65-F5344CB8AC3E}">
+        <p14:creationId xmlns:p14="http://schemas.microsoft.com/office/powerpoint/2010/main" val="2113312541"/>
+      </p:ext>
+    </p:extLst>
+  </p:cSld>
+  <p:clrMapOvr>
+    <a:masterClrMapping/>
+  </p:clrMapOvr>
+  <p:transition spd="med">
+    <p:wipe dir="r"/>
+  </p:transition>
+  <p:timing>
+    <p:tnLst>
+      <p:par>
+        <p:cTn id="1" dur="indefinite" restart="never" nodeType="tmRoot"/>
+      </p:par>
+    </p:tnLst>
+  </p:timing>
+</p:sld>
+</file>
+
+<file path=ppt/slides/slide4.xml><?xml version="1.0" encoding="utf-8"?>
+<p:sld xmlns:a="http://schemas.openxmlformats.org/drawingml/2006/main" xmlns:r="http://schemas.openxmlformats.org/officeDocument/2006/relationships" xmlns:p="http://schemas.openxmlformats.org/presentationml/2006/main">
+  <p:cSld>
+    <p:spTree>
+      <p:nvGrpSpPr>
+        <p:cNvPr id="1" name=""/>
+        <p:cNvGrpSpPr/>
+        <p:nvPr/>
+      </p:nvGrpSpPr>
+      <p:grpSpPr>
+        <a:xfrm>
+          <a:off x="0" y="0"/>
+          <a:ext cx="0" cy="0"/>
+          <a:chOff x="0" y="0"/>
+          <a:chExt cx="0" cy="0"/>
+        </a:xfrm>
+      </p:grpSpPr>
+      <p:sp>
+        <p:nvSpPr>
+          <p:cNvPr id="2" name="标题 1"/>
+          <p:cNvSpPr>
+            <a:spLocks noGrp="1"/>
+          </p:cNvSpPr>
+          <p:nvPr>
+            <p:ph type="title"/>
+          </p:nvPr>
+        </p:nvSpPr>
+        <p:spPr/>
+        <p:txBody>
+          <a:bodyPr/>
+          <a:lstStyle/>
+          <a:p>
+            <a:r>
+              <a:rPr lang="en-US" altLang="zh-CN" dirty="0" smtClean="0"/>
+              <a:t>Child </a:t>
+            </a:r>
+            <a:r>
+              <a:rPr lang="en-US" altLang="zh-CN" dirty="0"/>
+              <a:t>to </a:t>
+            </a:r>
+            <a:r>
+              <a:rPr lang="en-US" altLang="zh-CN" dirty="0" smtClean="0"/>
+              <a:t>parent</a:t>
+            </a:r>
+            <a:endParaRPr lang="zh-CN" altLang="en-US" dirty="0"/>
+          </a:p>
+        </p:txBody>
+      </p:sp>
+      <p:sp>
+        <p:nvSpPr>
+          <p:cNvPr id="6" name="矩形 5"/>
+          <p:cNvSpPr/>
+          <p:nvPr/>
+        </p:nvSpPr>
+        <p:spPr>
+          <a:xfrm>
+            <a:off x="6270170" y="911966"/>
+            <a:ext cx="1959429" cy="1192605"/>
+          </a:xfrm>
+          <a:prstGeom prst="rect">
+            <a:avLst/>
+          </a:prstGeom>
+          <a:noFill/>
+          <a:ln w="19050">
+            <a:solidFill>
+              <a:schemeClr val="accent1"/>
+            </a:solidFill>
+          </a:ln>
+        </p:spPr>
+        <p:style>
+          <a:lnRef idx="1">
+            <a:schemeClr val="accent1"/>
+          </a:lnRef>
+          <a:fillRef idx="2">
+            <a:schemeClr val="accent1"/>
+          </a:fillRef>
+          <a:effectRef idx="1">
+            <a:schemeClr val="accent1"/>
+          </a:effectRef>
+          <a:fontRef idx="minor">
+            <a:schemeClr val="dk1"/>
+          </a:fontRef>
+        </p:style>
+        <p:txBody>
+          <a:bodyPr wrap="square" lIns="182880" tIns="137160" rIns="137160" bIns="137160" rtlCol="0" anchor="ctr">
+            <a:noAutofit/>
+          </a:bodyPr>
+          <a:lstStyle/>
+          <a:p>
+            <a:pPr algn="ctr">
+              <a:lnSpc>
+                <a:spcPct val="90000"/>
+              </a:lnSpc>
+              <a:spcBef>
+                <a:spcPts val="600"/>
+              </a:spcBef>
+              <a:spcAft>
+                <a:spcPts val="0"/>
+              </a:spcAft>
+            </a:pPr>
+            <a:r>
+              <a:rPr lang="en-US" altLang="zh-CN" sz="2000" dirty="0" smtClean="0">
+                <a:ln w="0"/>
+                <a:solidFill>
+                  <a:schemeClr val="tx1"/>
+                </a:solidFill>
+                <a:effectLst>
+                  <a:outerShdw blurRad="38100" dist="19050" dir="2700000" algn="tl" rotWithShape="0">
+                    <a:schemeClr val="dk1">
+                      <a:alpha val="40000"/>
+                    </a:schemeClr>
+                  </a:outerShdw>
+                </a:effectLst>
+                <a:latin typeface="+mn-lt"/>
+              </a:rPr>
+              <a:t>Parent</a:t>
+            </a:r>
+            <a:endParaRPr lang="zh-CN" altLang="en-US" sz="2000" dirty="0" err="1" smtClean="0">
+              <a:ln w="0"/>
+              <a:solidFill>
+                <a:schemeClr val="tx1"/>
+              </a:solidFill>
+              <a:effectLst>
+                <a:outerShdw blurRad="38100" dist="19050" dir="2700000" algn="tl" rotWithShape="0">
+                  <a:schemeClr val="dk1">
+                    <a:alpha val="40000"/>
+                  </a:schemeClr>
+                </a:outerShdw>
+              </a:effectLst>
+              <a:latin typeface="+mn-lt"/>
+            </a:endParaRPr>
+          </a:p>
+        </p:txBody>
+      </p:sp>
+      <p:sp>
+        <p:nvSpPr>
+          <p:cNvPr id="7" name="矩形 6"/>
+          <p:cNvSpPr/>
+          <p:nvPr/>
+        </p:nvSpPr>
+        <p:spPr>
+          <a:xfrm>
+            <a:off x="6473370" y="1690914"/>
+            <a:ext cx="1553028" cy="331396"/>
+          </a:xfrm>
+          <a:prstGeom prst="rect">
+            <a:avLst/>
+          </a:prstGeom>
+          <a:noFill/>
+          <a:ln w="19050">
+            <a:solidFill>
+              <a:srgbClr val="92D050"/>
+            </a:solidFill>
+          </a:ln>
+        </p:spPr>
+        <p:style>
+          <a:lnRef idx="1">
+            <a:schemeClr val="accent2"/>
+          </a:lnRef>
+          <a:fillRef idx="2">
+            <a:schemeClr val="accent2"/>
+          </a:fillRef>
+          <a:effectRef idx="1">
+            <a:schemeClr val="accent2"/>
+          </a:effectRef>
+          <a:fontRef idx="minor">
+            <a:schemeClr val="dk1"/>
+          </a:fontRef>
+        </p:style>
+        <p:txBody>
+          <a:bodyPr wrap="square" lIns="182880" tIns="137160" rIns="137160" bIns="137160" rtlCol="0" anchor="ctr">
+            <a:noAutofit/>
+          </a:bodyPr>
+          <a:lstStyle/>
+          <a:p>
+            <a:pPr algn="ctr">
+              <a:lnSpc>
+                <a:spcPct val="90000"/>
+              </a:lnSpc>
+              <a:spcBef>
+                <a:spcPts val="600"/>
+              </a:spcBef>
+              <a:spcAft>
+                <a:spcPts val="0"/>
+              </a:spcAft>
+            </a:pPr>
+            <a:r>
+              <a:rPr lang="en-US" altLang="zh-CN" sz="2000" dirty="0" smtClean="0">
+                <a:ln w="0"/>
+                <a:solidFill>
+                  <a:schemeClr val="tx1"/>
+                </a:solidFill>
+                <a:effectLst>
+                  <a:outerShdw blurRad="38100" dist="19050" dir="2700000" algn="tl" rotWithShape="0">
+                    <a:schemeClr val="dk1">
+                      <a:alpha val="40000"/>
+                    </a:schemeClr>
+                  </a:outerShdw>
+                </a:effectLst>
+                <a:latin typeface="+mn-lt"/>
+              </a:rPr>
+              <a:t>Child</a:t>
+            </a:r>
+            <a:endParaRPr lang="zh-CN" altLang="en-US" sz="2000" dirty="0" err="1" smtClean="0">
+              <a:ln w="0"/>
+              <a:solidFill>
+                <a:schemeClr val="tx1"/>
+              </a:solidFill>
+              <a:effectLst>
+                <a:outerShdw blurRad="38100" dist="19050" dir="2700000" algn="tl" rotWithShape="0">
+                  <a:schemeClr val="dk1">
+                    <a:alpha val="40000"/>
+                  </a:schemeClr>
+                </a:outerShdw>
+              </a:effectLst>
+              <a:latin typeface="+mn-lt"/>
+            </a:endParaRPr>
+          </a:p>
+        </p:txBody>
+      </p:sp>
+      <p:cxnSp>
+        <p:nvCxnSpPr>
+          <p:cNvPr id="8" name="直接箭头连接符 7"/>
+          <p:cNvCxnSpPr/>
+          <p:nvPr/>
+        </p:nvCxnSpPr>
+        <p:spPr>
+          <a:xfrm flipV="1">
+            <a:off x="6640286" y="1465944"/>
+            <a:ext cx="0" cy="391885"/>
+          </a:xfrm>
+          <a:prstGeom prst="straightConnector1">
+            <a:avLst/>
+          </a:prstGeom>
+          <a:ln w="12700" cmpd="sng">
+            <a:solidFill>
+              <a:srgbClr val="000000"/>
+            </a:solidFill>
+            <a:tailEnd type="triangle"/>
+          </a:ln>
+          <a:effectLst/>
+        </p:spPr>
+        <p:style>
+          <a:lnRef idx="2">
+            <a:schemeClr val="accent1"/>
+          </a:lnRef>
+          <a:fillRef idx="0">
+            <a:schemeClr val="accent1"/>
+          </a:fillRef>
+          <a:effectRef idx="1">
+            <a:schemeClr val="accent1"/>
+          </a:effectRef>
+          <a:fontRef idx="minor">
+            <a:schemeClr val="tx1"/>
+          </a:fontRef>
+        </p:style>
+      </p:cxnSp>
+    </p:spTree>
+    <p:extLst>
+      <p:ext uri="{BB962C8B-B14F-4D97-AF65-F5344CB8AC3E}">
+        <p14:creationId xmlns:p14="http://schemas.microsoft.com/office/powerpoint/2010/main" val="2155660333"/>
+      </p:ext>
+    </p:extLst>
+  </p:cSld>
+  <p:clrMapOvr>
+    <a:masterClrMapping/>
+  </p:clrMapOvr>
+  <p:transition spd="med">
+    <p:wipe dir="r"/>
+  </p:transition>
+  <p:timing>
+    <p:tnLst>
+      <p:par>
+        <p:cTn id="1" dur="indefinite" restart="never" nodeType="tmRoot"/>
+      </p:par>
+    </p:tnLst>
+  </p:timing>
+</p:sld>
+</file>
+
+<file path=ppt/slides/slide5.xml><?xml version="1.0" encoding="utf-8"?>
+<p:sld xmlns:a="http://schemas.openxmlformats.org/drawingml/2006/main" xmlns:r="http://schemas.openxmlformats.org/officeDocument/2006/relationships" xmlns:p="http://schemas.openxmlformats.org/presentationml/2006/main">
+  <p:cSld>
+    <p:spTree>
+      <p:nvGrpSpPr>
+        <p:cNvPr id="1" name=""/>
+        <p:cNvGrpSpPr/>
+        <p:nvPr/>
+      </p:nvGrpSpPr>
+      <p:grpSpPr>
+        <a:xfrm>
+          <a:off x="0" y="0"/>
+          <a:ext cx="0" cy="0"/>
+          <a:chOff x="0" y="0"/>
+          <a:chExt cx="0" cy="0"/>
+        </a:xfrm>
+      </p:grpSpPr>
+      <p:sp>
+        <p:nvSpPr>
+          <p:cNvPr id="2" name="标题 1"/>
+          <p:cNvSpPr>
+            <a:spLocks noGrp="1"/>
+          </p:cNvSpPr>
+          <p:nvPr>
+            <p:ph type="title"/>
+          </p:nvPr>
+        </p:nvSpPr>
+        <p:spPr/>
+        <p:txBody>
+          <a:bodyPr/>
+          <a:lstStyle/>
+          <a:p>
+            <a:r>
+              <a:rPr lang="en-US" altLang="zh-CN" dirty="0"/>
+              <a:t>Child gets parent instance</a:t>
+            </a:r>
+            <a:endParaRPr lang="zh-CN" altLang="en-US" dirty="0"/>
+          </a:p>
+        </p:txBody>
+      </p:sp>
+      <p:sp>
+        <p:nvSpPr>
+          <p:cNvPr id="3" name="内容占位符 2"/>
+          <p:cNvSpPr>
+            <a:spLocks noGrp="1"/>
+          </p:cNvSpPr>
+          <p:nvPr>
+            <p:ph sz="quarter" idx="10"/>
+          </p:nvPr>
+        </p:nvSpPr>
+        <p:spPr/>
+        <p:txBody>
+          <a:bodyPr/>
+          <a:lstStyle/>
+          <a:p>
+            <a:endParaRPr lang="zh-CN" altLang="en-US" dirty="0"/>
+          </a:p>
+        </p:txBody>
+      </p:sp>
+    </p:spTree>
+    <p:extLst>
+      <p:ext uri="{BB962C8B-B14F-4D97-AF65-F5344CB8AC3E}">
+        <p14:creationId xmlns:p14="http://schemas.microsoft.com/office/powerpoint/2010/main" val="3650385007"/>
+      </p:ext>
+    </p:extLst>
+  </p:cSld>
+  <p:clrMapOvr>
+    <a:masterClrMapping/>
+  </p:clrMapOvr>
+  <p:transition spd="med">
+    <p:wipe dir="r"/>
+  </p:transition>
+  <p:timing>
+    <p:tnLst>
+      <p:par>
+        <p:cTn id="1" dur="indefinite" restart="never" nodeType="tmRoot"/>
+      </p:par>
+    </p:tnLst>
+  </p:timing>
+</p:sld>
+</file>
+
+<file path=ppt/slides/slide6.xml><?xml version="1.0" encoding="utf-8"?>
+<p:sld xmlns:a="http://schemas.openxmlformats.org/drawingml/2006/main" xmlns:r="http://schemas.openxmlformats.org/officeDocument/2006/relationships" xmlns:p="http://schemas.openxmlformats.org/presentationml/2006/main">
+  <p:cSld>
+    <p:spTree>
+      <p:nvGrpSpPr>
+        <p:cNvPr id="1" name=""/>
+        <p:cNvGrpSpPr/>
+        <p:nvPr/>
+      </p:nvGrpSpPr>
+      <p:grpSpPr>
+        <a:xfrm>
+          <a:off x="0" y="0"/>
+          <a:ext cx="0" cy="0"/>
+          <a:chOff x="0" y="0"/>
+          <a:chExt cx="0" cy="0"/>
+        </a:xfrm>
+      </p:grpSpPr>
+      <p:sp>
+        <p:nvSpPr>
+          <p:cNvPr id="2" name="标题 1"/>
+          <p:cNvSpPr>
+            <a:spLocks noGrp="1"/>
+          </p:cNvSpPr>
+          <p:nvPr>
+            <p:ph type="title"/>
+          </p:nvPr>
+        </p:nvSpPr>
+        <p:spPr/>
+        <p:txBody>
+          <a:bodyPr/>
+          <a:lstStyle/>
+          <a:p>
+            <a:r>
+              <a:rPr lang="en-US" altLang="zh-CN" dirty="0"/>
+              <a:t>Parent gets child instance</a:t>
+            </a:r>
+            <a:endParaRPr lang="zh-CN" altLang="en-US" dirty="0"/>
+          </a:p>
+        </p:txBody>
+      </p:sp>
+      <p:sp>
+        <p:nvSpPr>
+          <p:cNvPr id="4" name="矩形 3"/>
+          <p:cNvSpPr/>
+          <p:nvPr/>
+        </p:nvSpPr>
+        <p:spPr>
+          <a:xfrm>
+            <a:off x="6611257" y="911966"/>
+            <a:ext cx="1618342" cy="757177"/>
+          </a:xfrm>
+          <a:prstGeom prst="rect">
+            <a:avLst/>
+          </a:prstGeom>
+          <a:noFill/>
+          <a:ln w="19050">
+            <a:solidFill>
+              <a:schemeClr val="accent1"/>
+            </a:solidFill>
+          </a:ln>
+        </p:spPr>
+        <p:style>
+          <a:lnRef idx="1">
+            <a:schemeClr val="accent1"/>
+          </a:lnRef>
+          <a:fillRef idx="2">
+            <a:schemeClr val="accent1"/>
+          </a:fillRef>
+          <a:effectRef idx="1">
+            <a:schemeClr val="accent1"/>
+          </a:effectRef>
+          <a:fontRef idx="minor">
+            <a:schemeClr val="dk1"/>
+          </a:fontRef>
+        </p:style>
+        <p:txBody>
+          <a:bodyPr wrap="square" lIns="182880" tIns="137160" rIns="137160" bIns="137160" rtlCol="0" anchor="ctr">
+            <a:noAutofit/>
+          </a:bodyPr>
+          <a:lstStyle/>
+          <a:p>
+            <a:pPr algn="ctr">
+              <a:lnSpc>
+                <a:spcPct val="90000"/>
+              </a:lnSpc>
+              <a:spcBef>
+                <a:spcPts val="600"/>
+              </a:spcBef>
+              <a:spcAft>
+                <a:spcPts val="0"/>
+              </a:spcAft>
+            </a:pPr>
+            <a:r>
+              <a:rPr lang="en-US" altLang="zh-CN" sz="2000" dirty="0" smtClean="0">
+                <a:ln w="0"/>
+                <a:solidFill>
+                  <a:schemeClr val="tx1"/>
+                </a:solidFill>
+                <a:effectLst>
+                  <a:outerShdw blurRad="38100" dist="19050" dir="2700000" algn="tl" rotWithShape="0">
+                    <a:schemeClr val="dk1">
+                      <a:alpha val="40000"/>
+                    </a:schemeClr>
+                  </a:outerShdw>
+                </a:effectLst>
+                <a:latin typeface="+mn-lt"/>
+              </a:rPr>
+              <a:t>A</a:t>
+            </a:r>
+            <a:endParaRPr lang="zh-CN" altLang="en-US" sz="2000" dirty="0" err="1" smtClean="0">
+              <a:ln w="0"/>
+              <a:solidFill>
+                <a:schemeClr val="tx1"/>
+              </a:solidFill>
+              <a:effectLst>
+                <a:outerShdw blurRad="38100" dist="19050" dir="2700000" algn="tl" rotWithShape="0">
+                  <a:schemeClr val="dk1">
+                    <a:alpha val="40000"/>
+                  </a:schemeClr>
+                </a:outerShdw>
+              </a:effectLst>
+              <a:latin typeface="+mn-lt"/>
+            </a:endParaRPr>
+          </a:p>
+        </p:txBody>
+      </p:sp>
+      <p:sp>
+        <p:nvSpPr>
+          <p:cNvPr id="5" name="矩形 4"/>
+          <p:cNvSpPr/>
+          <p:nvPr/>
+        </p:nvSpPr>
+        <p:spPr>
+          <a:xfrm>
+            <a:off x="6611256" y="1930634"/>
+            <a:ext cx="1618343" cy="757177"/>
+          </a:xfrm>
+          <a:prstGeom prst="rect">
+            <a:avLst/>
+          </a:prstGeom>
+          <a:noFill/>
+          <a:ln w="19050">
+            <a:solidFill>
+              <a:srgbClr val="92D050"/>
+            </a:solidFill>
+          </a:ln>
+        </p:spPr>
+        <p:style>
+          <a:lnRef idx="1">
+            <a:schemeClr val="accent2"/>
+          </a:lnRef>
+          <a:fillRef idx="2">
+            <a:schemeClr val="accent2"/>
+          </a:fillRef>
+          <a:effectRef idx="1">
+            <a:schemeClr val="accent2"/>
+          </a:effectRef>
+          <a:fontRef idx="minor">
+            <a:schemeClr val="dk1"/>
+          </a:fontRef>
+        </p:style>
+        <p:txBody>
+          <a:bodyPr wrap="square" lIns="182880" tIns="137160" rIns="137160" bIns="137160" rtlCol="0" anchor="ctr">
+            <a:noAutofit/>
+          </a:bodyPr>
+          <a:lstStyle/>
+          <a:p>
+            <a:pPr algn="ctr">
+              <a:lnSpc>
+                <a:spcPct val="90000"/>
+              </a:lnSpc>
+              <a:spcBef>
+                <a:spcPts val="600"/>
+              </a:spcBef>
+              <a:spcAft>
+                <a:spcPts val="0"/>
+              </a:spcAft>
+            </a:pPr>
+            <a:r>
+              <a:rPr lang="en-US" altLang="zh-CN" sz="2000" dirty="0" smtClean="0">
+                <a:ln w="0"/>
+                <a:solidFill>
+                  <a:schemeClr val="tx1"/>
+                </a:solidFill>
+                <a:effectLst>
+                  <a:outerShdw blurRad="38100" dist="19050" dir="2700000" algn="tl" rotWithShape="0">
+                    <a:schemeClr val="dk1">
+                      <a:alpha val="40000"/>
+                    </a:schemeClr>
+                  </a:outerShdw>
+                </a:effectLst>
+                <a:latin typeface="+mn-lt"/>
+              </a:rPr>
+              <a:t>B</a:t>
+            </a:r>
+            <a:endParaRPr lang="zh-CN" altLang="en-US" sz="2000" dirty="0" err="1" smtClean="0">
+              <a:ln w="0"/>
+              <a:solidFill>
+                <a:schemeClr val="tx1"/>
+              </a:solidFill>
+              <a:effectLst>
+                <a:outerShdw blurRad="38100" dist="19050" dir="2700000" algn="tl" rotWithShape="0">
+                  <a:schemeClr val="dk1">
+                    <a:alpha val="40000"/>
+                  </a:schemeClr>
+                </a:outerShdw>
+              </a:effectLst>
+              <a:latin typeface="+mn-lt"/>
+            </a:endParaRPr>
+          </a:p>
+        </p:txBody>
+      </p:sp>
+      <p:sp>
+        <p:nvSpPr>
+          <p:cNvPr id="7" name="矩形 6"/>
+          <p:cNvSpPr/>
+          <p:nvPr/>
+        </p:nvSpPr>
+        <p:spPr>
+          <a:xfrm>
+            <a:off x="6611256" y="2949302"/>
+            <a:ext cx="1618343" cy="757177"/>
+          </a:xfrm>
+          <a:prstGeom prst="rect">
+            <a:avLst/>
+          </a:prstGeom>
+          <a:noFill/>
+          <a:ln w="19050">
+            <a:solidFill>
+              <a:schemeClr val="accent3">
+                <a:lumMod val="60000"/>
+                <a:lumOff val="40000"/>
+              </a:schemeClr>
+            </a:solidFill>
+          </a:ln>
+        </p:spPr>
+        <p:style>
+          <a:lnRef idx="1">
+            <a:schemeClr val="accent2"/>
+          </a:lnRef>
+          <a:fillRef idx="2">
+            <a:schemeClr val="accent2"/>
+          </a:fillRef>
+          <a:effectRef idx="1">
+            <a:schemeClr val="accent2"/>
+          </a:effectRef>
+          <a:fontRef idx="minor">
+            <a:schemeClr val="dk1"/>
+          </a:fontRef>
+        </p:style>
+        <p:txBody>
+          <a:bodyPr wrap="square" lIns="182880" tIns="137160" rIns="137160" bIns="137160" rtlCol="0" anchor="ctr">
+            <a:noAutofit/>
+          </a:bodyPr>
+          <a:lstStyle/>
+          <a:p>
+            <a:pPr algn="ctr">
+              <a:lnSpc>
+                <a:spcPct val="90000"/>
+              </a:lnSpc>
+              <a:spcBef>
+                <a:spcPts val="600"/>
+              </a:spcBef>
+              <a:spcAft>
+                <a:spcPts val="0"/>
+              </a:spcAft>
+            </a:pPr>
+            <a:r>
+              <a:rPr lang="en-US" altLang="zh-CN" sz="2000" dirty="0" smtClean="0">
+                <a:ln w="0"/>
+                <a:solidFill>
+                  <a:schemeClr val="tx1"/>
+                </a:solidFill>
+                <a:effectLst>
+                  <a:outerShdw blurRad="38100" dist="19050" dir="2700000" algn="tl" rotWithShape="0">
+                    <a:schemeClr val="dk1">
+                      <a:alpha val="40000"/>
+                    </a:schemeClr>
+                  </a:outerShdw>
+                </a:effectLst>
+                <a:latin typeface="+mn-lt"/>
+              </a:rPr>
+              <a:t>C</a:t>
+            </a:r>
+            <a:endParaRPr lang="zh-CN" altLang="en-US" sz="2000" dirty="0" err="1" smtClean="0">
+              <a:ln w="0"/>
+              <a:solidFill>
+                <a:schemeClr val="tx1"/>
+              </a:solidFill>
+              <a:effectLst>
+                <a:outerShdw blurRad="38100" dist="19050" dir="2700000" algn="tl" rotWithShape="0">
+                  <a:schemeClr val="dk1">
+                    <a:alpha val="40000"/>
+                  </a:schemeClr>
+                </a:outerShdw>
+              </a:effectLst>
+              <a:latin typeface="+mn-lt"/>
+            </a:endParaRPr>
+          </a:p>
+        </p:txBody>
+      </p:sp>
+    </p:spTree>
+    <p:extLst>
+      <p:ext uri="{BB962C8B-B14F-4D97-AF65-F5344CB8AC3E}">
+        <p14:creationId xmlns:p14="http://schemas.microsoft.com/office/powerpoint/2010/main" val="2055196634"/>
+      </p:ext>
+    </p:extLst>
+  </p:cSld>
+  <p:clrMapOvr>
+    <a:masterClrMapping/>
+  </p:clrMapOvr>
+  <p:transition spd="med">
+    <p:wipe dir="r"/>
+  </p:transition>
+  <p:timing>
+    <p:tnLst>
+      <p:par>
+        <p:cTn id="1" dur="indefinite" restart="never" nodeType="tmRoot"/>
+      </p:par>
+    </p:tnLst>
+  </p:timing>
+</p:sld>
+</file>
+
+<file path=ppt/slides/slide7.xml><?xml version="1.0" encoding="utf-8"?>
+<p:sld xmlns:a="http://schemas.openxmlformats.org/drawingml/2006/main" xmlns:r="http://schemas.openxmlformats.org/officeDocument/2006/relationships" xmlns:p="http://schemas.openxmlformats.org/presentationml/2006/main">
+  <p:cSld>
+    <p:spTree>
+      <p:nvGrpSpPr>
+        <p:cNvPr id="1" name=""/>
+        <p:cNvGrpSpPr/>
+        <p:nvPr/>
+      </p:nvGrpSpPr>
+      <p:grpSpPr>
+        <a:xfrm>
+          <a:off x="0" y="0"/>
+          <a:ext cx="0" cy="0"/>
+          <a:chOff x="0" y="0"/>
+          <a:chExt cx="0" cy="0"/>
+        </a:xfrm>
+      </p:grpSpPr>
+      <p:sp>
+        <p:nvSpPr>
+          <p:cNvPr id="6" name="矩形 5"/>
+          <p:cNvSpPr/>
+          <p:nvPr/>
+        </p:nvSpPr>
+        <p:spPr>
+          <a:xfrm>
+            <a:off x="6814456" y="544287"/>
+            <a:ext cx="1705429" cy="2540000"/>
+          </a:xfrm>
+          <a:prstGeom prst="rect">
+            <a:avLst/>
+          </a:prstGeom>
+          <a:noFill/>
+          <a:ln w="19050">
+            <a:solidFill>
+              <a:schemeClr val="accent3">
+                <a:lumMod val="60000"/>
+                <a:lumOff val="40000"/>
+              </a:schemeClr>
+            </a:solidFill>
+          </a:ln>
+        </p:spPr>
+        <p:style>
+          <a:lnRef idx="1">
+            <a:schemeClr val="accent2"/>
+          </a:lnRef>
+          <a:fillRef idx="2">
+            <a:schemeClr val="accent2"/>
+          </a:fillRef>
+          <a:effectRef idx="1">
+            <a:schemeClr val="accent2"/>
+          </a:effectRef>
+          <a:fontRef idx="minor">
+            <a:schemeClr val="dk1"/>
+          </a:fontRef>
+        </p:style>
+        <p:txBody>
+          <a:bodyPr wrap="square" lIns="182880" tIns="137160" rIns="137160" bIns="137160" rtlCol="0" anchor="ctr">
+            <a:noAutofit/>
+          </a:bodyPr>
+          <a:lstStyle/>
+          <a:p>
+            <a:pPr>
+              <a:lnSpc>
+                <a:spcPct val="90000"/>
+              </a:lnSpc>
+              <a:spcBef>
+                <a:spcPts val="600"/>
+              </a:spcBef>
+              <a:spcAft>
+                <a:spcPts val="0"/>
+              </a:spcAft>
+            </a:pPr>
+            <a:endParaRPr lang="en-US" altLang="zh-CN" sz="2000" dirty="0" smtClean="0">
+              <a:ln w="0"/>
+              <a:solidFill>
+                <a:schemeClr val="tx1"/>
+              </a:solidFill>
+              <a:effectLst>
+                <a:outerShdw blurRad="38100" dist="19050" dir="2700000" algn="tl" rotWithShape="0">
+                  <a:schemeClr val="dk1">
+                    <a:alpha val="40000"/>
+                  </a:schemeClr>
+                </a:outerShdw>
+              </a:effectLst>
+            </a:endParaRPr>
+          </a:p>
+          <a:p>
+            <a:pPr>
+              <a:lnSpc>
+                <a:spcPct val="90000"/>
+              </a:lnSpc>
+              <a:spcBef>
+                <a:spcPts val="600"/>
+              </a:spcBef>
+              <a:spcAft>
+                <a:spcPts val="0"/>
+              </a:spcAft>
+            </a:pPr>
+            <a:endParaRPr lang="en-US" altLang="zh-CN" sz="2000" dirty="0">
+              <a:ln w="0"/>
+              <a:solidFill>
+                <a:schemeClr val="tx1"/>
+              </a:solidFill>
+              <a:effectLst>
+                <a:outerShdw blurRad="38100" dist="19050" dir="2700000" algn="tl" rotWithShape="0">
+                  <a:schemeClr val="dk1">
+                    <a:alpha val="40000"/>
+                  </a:schemeClr>
+                </a:outerShdw>
+              </a:effectLst>
+            </a:endParaRPr>
+          </a:p>
+          <a:p>
+            <a:pPr>
+              <a:lnSpc>
+                <a:spcPct val="90000"/>
+              </a:lnSpc>
+              <a:spcBef>
+                <a:spcPts val="600"/>
+              </a:spcBef>
+              <a:spcAft>
+                <a:spcPts val="0"/>
+              </a:spcAft>
+            </a:pPr>
+            <a:endParaRPr lang="en-US" altLang="zh-CN" sz="2000" dirty="0" smtClean="0">
+              <a:ln w="0"/>
+              <a:solidFill>
+                <a:schemeClr val="tx1"/>
+              </a:solidFill>
+              <a:effectLst>
+                <a:outerShdw blurRad="38100" dist="19050" dir="2700000" algn="tl" rotWithShape="0">
+                  <a:schemeClr val="dk1">
+                    <a:alpha val="40000"/>
+                  </a:schemeClr>
+                </a:outerShdw>
+              </a:effectLst>
+            </a:endParaRPr>
+          </a:p>
+          <a:p>
+            <a:pPr>
+              <a:lnSpc>
+                <a:spcPct val="90000"/>
+              </a:lnSpc>
+              <a:spcBef>
+                <a:spcPts val="600"/>
+              </a:spcBef>
+              <a:spcAft>
+                <a:spcPts val="0"/>
+              </a:spcAft>
+            </a:pPr>
+            <a:endParaRPr lang="en-US" altLang="zh-CN" sz="2000" dirty="0">
+              <a:ln w="0"/>
+              <a:solidFill>
+                <a:schemeClr val="tx1"/>
+              </a:solidFill>
+              <a:effectLst>
+                <a:outerShdw blurRad="38100" dist="19050" dir="2700000" algn="tl" rotWithShape="0">
+                  <a:schemeClr val="dk1">
+                    <a:alpha val="40000"/>
+                  </a:schemeClr>
+                </a:outerShdw>
+              </a:effectLst>
+            </a:endParaRPr>
+          </a:p>
+          <a:p>
+            <a:pPr>
+              <a:lnSpc>
+                <a:spcPct val="90000"/>
+              </a:lnSpc>
+              <a:spcBef>
+                <a:spcPts val="600"/>
+              </a:spcBef>
+              <a:spcAft>
+                <a:spcPts val="0"/>
+              </a:spcAft>
+            </a:pPr>
+            <a:endParaRPr lang="en-US" altLang="zh-CN" sz="2000" dirty="0" smtClean="0">
+              <a:ln w="0"/>
+              <a:solidFill>
+                <a:schemeClr val="tx1"/>
+              </a:solidFill>
+              <a:effectLst>
+                <a:outerShdw blurRad="38100" dist="19050" dir="2700000" algn="tl" rotWithShape="0">
+                  <a:schemeClr val="dk1">
+                    <a:alpha val="40000"/>
+                  </a:schemeClr>
+                </a:outerShdw>
+              </a:effectLst>
+            </a:endParaRPr>
+          </a:p>
+          <a:p>
+            <a:pPr>
+              <a:lnSpc>
+                <a:spcPct val="90000"/>
+              </a:lnSpc>
+              <a:spcBef>
+                <a:spcPts val="600"/>
+              </a:spcBef>
+              <a:spcAft>
+                <a:spcPts val="0"/>
+              </a:spcAft>
+            </a:pPr>
+            <a:endParaRPr lang="en-US" altLang="zh-CN" sz="2000" dirty="0">
+              <a:ln w="0"/>
+              <a:solidFill>
+                <a:schemeClr val="tx1"/>
+              </a:solidFill>
+              <a:effectLst>
+                <a:outerShdw blurRad="38100" dist="19050" dir="2700000" algn="tl" rotWithShape="0">
+                  <a:schemeClr val="dk1">
+                    <a:alpha val="40000"/>
+                  </a:schemeClr>
+                </a:outerShdw>
+              </a:effectLst>
+            </a:endParaRPr>
+          </a:p>
+          <a:p>
+            <a:pPr>
+              <a:lnSpc>
+                <a:spcPct val="90000"/>
+              </a:lnSpc>
+              <a:spcBef>
+                <a:spcPts val="600"/>
+              </a:spcBef>
+              <a:spcAft>
+                <a:spcPts val="0"/>
+              </a:spcAft>
+            </a:pPr>
+            <a:r>
+              <a:rPr lang="en-US" altLang="zh-CN" sz="2000" dirty="0" smtClean="0">
+                <a:ln w="0"/>
+                <a:solidFill>
+                  <a:schemeClr val="tx1"/>
+                </a:solidFill>
+                <a:effectLst>
+                  <a:outerShdw blurRad="38100" dist="19050" dir="2700000" algn="tl" rotWithShape="0">
+                    <a:schemeClr val="dk1">
+                      <a:alpha val="40000"/>
+                    </a:schemeClr>
+                  </a:outerShdw>
+                </a:effectLst>
+              </a:rPr>
+              <a:t>Service</a:t>
+            </a:r>
+            <a:endParaRPr lang="zh-CN" altLang="en-US" sz="2000" dirty="0" err="1" smtClean="0">
+              <a:ln w="0"/>
+              <a:solidFill>
+                <a:schemeClr val="tx1"/>
+              </a:solidFill>
+              <a:effectLst>
+                <a:outerShdw blurRad="38100" dist="19050" dir="2700000" algn="tl" rotWithShape="0">
+                  <a:schemeClr val="dk1">
+                    <a:alpha val="40000"/>
+                  </a:schemeClr>
+                </a:outerShdw>
+              </a:effectLst>
+              <a:latin typeface="+mn-lt"/>
+            </a:endParaRPr>
+          </a:p>
+        </p:txBody>
+      </p:sp>
+      <p:sp>
+        <p:nvSpPr>
+          <p:cNvPr id="2" name="标题 1"/>
+          <p:cNvSpPr>
+            <a:spLocks noGrp="1"/>
+          </p:cNvSpPr>
+          <p:nvPr>
+            <p:ph type="title"/>
+          </p:nvPr>
+        </p:nvSpPr>
+        <p:spPr/>
+        <p:txBody>
+          <a:bodyPr/>
+          <a:lstStyle/>
+          <a:p>
+            <a:r>
+              <a:rPr lang="en-US" altLang="zh-CN" b="1" dirty="0"/>
+              <a:t>S</a:t>
+            </a:r>
+            <a:r>
+              <a:rPr lang="en-US" altLang="zh-CN" b="1" dirty="0" smtClean="0"/>
+              <a:t>ervice</a:t>
+            </a:r>
+            <a:r>
+              <a:rPr lang="en-US" altLang="zh-CN" b="1" dirty="0"/>
+              <a:t/>
+            </a:r>
+            <a:br>
+              <a:rPr lang="en-US" altLang="zh-CN" b="1" dirty="0"/>
+            </a:br>
+            <a:endParaRPr lang="zh-CN" altLang="en-US" dirty="0"/>
+          </a:p>
+        </p:txBody>
+      </p:sp>
+      <p:sp>
+        <p:nvSpPr>
+          <p:cNvPr id="4" name="矩形 3"/>
+          <p:cNvSpPr/>
+          <p:nvPr/>
+        </p:nvSpPr>
+        <p:spPr>
+          <a:xfrm>
+            <a:off x="7050313" y="756876"/>
+            <a:ext cx="1353458" cy="1144495"/>
+          </a:xfrm>
+          <a:prstGeom prst="rect">
+            <a:avLst/>
+          </a:prstGeom>
+          <a:noFill/>
+          <a:ln w="19050">
+            <a:solidFill>
+              <a:schemeClr val="accent1"/>
+            </a:solidFill>
+          </a:ln>
+        </p:spPr>
+        <p:style>
+          <a:lnRef idx="1">
+            <a:schemeClr val="accent1"/>
+          </a:lnRef>
+          <a:fillRef idx="2">
+            <a:schemeClr val="accent1"/>
+          </a:fillRef>
+          <a:effectRef idx="1">
+            <a:schemeClr val="accent1"/>
+          </a:effectRef>
+          <a:fontRef idx="minor">
+            <a:schemeClr val="dk1"/>
+          </a:fontRef>
+        </p:style>
+        <p:txBody>
+          <a:bodyPr wrap="square" lIns="182880" tIns="137160" rIns="137160" bIns="137160" rtlCol="0" anchor="ctr">
+            <a:noAutofit/>
+          </a:bodyPr>
+          <a:lstStyle/>
+          <a:p>
+            <a:pPr algn="r">
+              <a:lnSpc>
+                <a:spcPct val="90000"/>
+              </a:lnSpc>
+              <a:spcBef>
+                <a:spcPts val="600"/>
+              </a:spcBef>
+              <a:spcAft>
+                <a:spcPts val="0"/>
+              </a:spcAft>
+            </a:pPr>
+            <a:endParaRPr lang="en-US" altLang="zh-CN" sz="2000" dirty="0" smtClean="0">
+              <a:ln w="0"/>
+              <a:solidFill>
+                <a:schemeClr val="tx1"/>
+              </a:solidFill>
+              <a:effectLst>
+                <a:outerShdw blurRad="38100" dist="19050" dir="2700000" algn="tl" rotWithShape="0">
+                  <a:schemeClr val="dk1">
+                    <a:alpha val="40000"/>
+                  </a:schemeClr>
+                </a:outerShdw>
+              </a:effectLst>
+              <a:latin typeface="+mn-lt"/>
+            </a:endParaRPr>
+          </a:p>
+          <a:p>
+            <a:pPr algn="r">
+              <a:lnSpc>
+                <a:spcPct val="90000"/>
+              </a:lnSpc>
+              <a:spcBef>
+                <a:spcPts val="600"/>
+              </a:spcBef>
+              <a:spcAft>
+                <a:spcPts val="0"/>
+              </a:spcAft>
+            </a:pPr>
+            <a:endParaRPr lang="en-US" altLang="zh-CN" sz="2000" dirty="0" smtClean="0">
+              <a:ln w="0"/>
+              <a:solidFill>
+                <a:schemeClr val="tx1"/>
+              </a:solidFill>
+              <a:effectLst>
+                <a:outerShdw blurRad="38100" dist="19050" dir="2700000" algn="tl" rotWithShape="0">
+                  <a:schemeClr val="dk1">
+                    <a:alpha val="40000"/>
+                  </a:schemeClr>
+                </a:outerShdw>
+              </a:effectLst>
+            </a:endParaRPr>
+          </a:p>
+          <a:p>
+            <a:pPr algn="r">
+              <a:lnSpc>
+                <a:spcPct val="90000"/>
+              </a:lnSpc>
+              <a:spcBef>
+                <a:spcPts val="600"/>
+              </a:spcBef>
+              <a:spcAft>
+                <a:spcPts val="0"/>
+              </a:spcAft>
+            </a:pPr>
+            <a:r>
+              <a:rPr lang="en-US" altLang="zh-CN" sz="2000" dirty="0" smtClean="0">
+                <a:ln w="0"/>
+                <a:solidFill>
+                  <a:schemeClr val="tx1"/>
+                </a:solidFill>
+                <a:effectLst>
+                  <a:outerShdw blurRad="38100" dist="19050" dir="2700000" algn="tl" rotWithShape="0">
+                    <a:schemeClr val="dk1">
+                      <a:alpha val="40000"/>
+                    </a:schemeClr>
+                  </a:outerShdw>
+                </a:effectLst>
+                <a:latin typeface="+mn-lt"/>
+              </a:rPr>
+              <a:t>Parent </a:t>
+            </a:r>
+            <a:endParaRPr lang="zh-CN" altLang="en-US" sz="2000" dirty="0" err="1" smtClean="0">
+              <a:ln w="0"/>
+              <a:solidFill>
+                <a:schemeClr val="tx1"/>
+              </a:solidFill>
+              <a:effectLst>
+                <a:outerShdw blurRad="38100" dist="19050" dir="2700000" algn="tl" rotWithShape="0">
+                  <a:schemeClr val="dk1">
+                    <a:alpha val="40000"/>
+                  </a:schemeClr>
+                </a:outerShdw>
+              </a:effectLst>
+              <a:latin typeface="+mn-lt"/>
+            </a:endParaRPr>
+          </a:p>
+        </p:txBody>
+      </p:sp>
+      <p:sp>
+        <p:nvSpPr>
+          <p:cNvPr id="5" name="矩形 4"/>
+          <p:cNvSpPr/>
+          <p:nvPr/>
+        </p:nvSpPr>
+        <p:spPr>
+          <a:xfrm>
+            <a:off x="7177314" y="911966"/>
+            <a:ext cx="1052285" cy="452610"/>
+          </a:xfrm>
+          <a:prstGeom prst="rect">
+            <a:avLst/>
+          </a:prstGeom>
+          <a:noFill/>
+          <a:ln w="19050">
+            <a:solidFill>
+              <a:srgbClr val="92D050"/>
+            </a:solidFill>
+          </a:ln>
+        </p:spPr>
+        <p:style>
+          <a:lnRef idx="1">
+            <a:schemeClr val="accent2"/>
+          </a:lnRef>
+          <a:fillRef idx="2">
+            <a:schemeClr val="accent2"/>
+          </a:fillRef>
+          <a:effectRef idx="1">
+            <a:schemeClr val="accent2"/>
+          </a:effectRef>
+          <a:fontRef idx="minor">
+            <a:schemeClr val="dk1"/>
+          </a:fontRef>
+        </p:style>
+        <p:txBody>
+          <a:bodyPr wrap="square" lIns="182880" tIns="137160" rIns="137160" bIns="137160" rtlCol="0" anchor="ctr">
+            <a:noAutofit/>
+          </a:bodyPr>
+          <a:lstStyle/>
+          <a:p>
+            <a:pPr algn="ctr">
+              <a:lnSpc>
+                <a:spcPct val="90000"/>
+              </a:lnSpc>
+              <a:spcBef>
+                <a:spcPts val="600"/>
+              </a:spcBef>
+              <a:spcAft>
+                <a:spcPts val="0"/>
+              </a:spcAft>
+            </a:pPr>
+            <a:r>
+              <a:rPr lang="en-US" altLang="zh-CN" sz="2000" dirty="0" smtClean="0">
+                <a:ln w="0"/>
+                <a:solidFill>
+                  <a:schemeClr val="tx1"/>
+                </a:solidFill>
+                <a:effectLst>
+                  <a:outerShdw blurRad="38100" dist="19050" dir="2700000" algn="tl" rotWithShape="0">
+                    <a:schemeClr val="dk1">
+                      <a:alpha val="40000"/>
+                    </a:schemeClr>
+                  </a:outerShdw>
+                </a:effectLst>
+              </a:rPr>
+              <a:t>Child</a:t>
+            </a:r>
+            <a:endParaRPr lang="zh-CN" altLang="en-US" sz="2000" dirty="0" err="1" smtClean="0">
+              <a:ln w="0"/>
+              <a:solidFill>
+                <a:schemeClr val="tx1"/>
+              </a:solidFill>
+              <a:effectLst>
+                <a:outerShdw blurRad="38100" dist="19050" dir="2700000" algn="tl" rotWithShape="0">
+                  <a:schemeClr val="dk1">
+                    <a:alpha val="40000"/>
+                  </a:schemeClr>
+                </a:outerShdw>
+              </a:effectLst>
+              <a:latin typeface="+mn-lt"/>
+            </a:endParaRPr>
+          </a:p>
+        </p:txBody>
+      </p:sp>
+      <p:cxnSp>
+        <p:nvCxnSpPr>
+          <p:cNvPr id="12" name="直接箭头连接符 11"/>
+          <p:cNvCxnSpPr/>
+          <p:nvPr/>
+        </p:nvCxnSpPr>
+        <p:spPr>
+          <a:xfrm>
+            <a:off x="8055429" y="1901371"/>
+            <a:ext cx="0" cy="384629"/>
+          </a:xfrm>
+          <a:prstGeom prst="straightConnector1">
+            <a:avLst/>
+          </a:prstGeom>
+          <a:ln w="12700" cmpd="sng">
+            <a:solidFill>
+              <a:srgbClr val="000000"/>
+            </a:solidFill>
+            <a:tailEnd type="triangle"/>
+          </a:ln>
+          <a:effectLst/>
+        </p:spPr>
+        <p:style>
+          <a:lnRef idx="2">
+            <a:schemeClr val="accent1"/>
+          </a:lnRef>
+          <a:fillRef idx="0">
+            <a:schemeClr val="accent1"/>
+          </a:fillRef>
+          <a:effectRef idx="1">
+            <a:schemeClr val="accent1"/>
+          </a:effectRef>
+          <a:fontRef idx="minor">
+            <a:schemeClr val="tx1"/>
+          </a:fontRef>
+        </p:style>
+      </p:cxnSp>
+      <p:cxnSp>
+        <p:nvCxnSpPr>
+          <p:cNvPr id="14" name="直接箭头连接符 13"/>
+          <p:cNvCxnSpPr/>
+          <p:nvPr/>
+        </p:nvCxnSpPr>
+        <p:spPr>
+          <a:xfrm flipV="1">
+            <a:off x="7344229" y="1364576"/>
+            <a:ext cx="0" cy="921424"/>
+          </a:xfrm>
+          <a:prstGeom prst="straightConnector1">
+            <a:avLst/>
+          </a:prstGeom>
+          <a:ln w="12700" cmpd="sng">
+            <a:solidFill>
+              <a:srgbClr val="000000"/>
+            </a:solidFill>
+            <a:tailEnd type="triangle"/>
+          </a:ln>
+          <a:effectLst/>
+        </p:spPr>
+        <p:style>
+          <a:lnRef idx="2">
+            <a:schemeClr val="accent1"/>
+          </a:lnRef>
+          <a:fillRef idx="0">
+            <a:schemeClr val="accent1"/>
+          </a:fillRef>
+          <a:effectRef idx="1">
+            <a:schemeClr val="accent1"/>
+          </a:effectRef>
+          <a:fontRef idx="minor">
+            <a:schemeClr val="tx1"/>
+          </a:fontRef>
+        </p:style>
+      </p:cxnSp>
+      <p:sp>
+        <p:nvSpPr>
+          <p:cNvPr id="15" name="矩形 14"/>
+          <p:cNvSpPr/>
+          <p:nvPr/>
+        </p:nvSpPr>
+        <p:spPr>
+          <a:xfrm>
+            <a:off x="7177313" y="2288319"/>
+            <a:ext cx="1052285" cy="346024"/>
+          </a:xfrm>
+          <a:prstGeom prst="rect">
+            <a:avLst/>
+          </a:prstGeom>
+          <a:noFill/>
+          <a:ln w="19050">
+            <a:solidFill>
+              <a:schemeClr val="tx2">
+                <a:lumMod val="65000"/>
+              </a:schemeClr>
+            </a:solidFill>
+          </a:ln>
+        </p:spPr>
+        <p:style>
+          <a:lnRef idx="1">
+            <a:schemeClr val="accent2"/>
+          </a:lnRef>
+          <a:fillRef idx="2">
+            <a:schemeClr val="accent2"/>
+          </a:fillRef>
+          <a:effectRef idx="1">
+            <a:schemeClr val="accent2"/>
+          </a:effectRef>
+          <a:fontRef idx="minor">
+            <a:schemeClr val="dk1"/>
+          </a:fontRef>
+        </p:style>
+        <p:txBody>
+          <a:bodyPr wrap="square" lIns="182880" tIns="137160" rIns="137160" bIns="137160" rtlCol="0" anchor="ctr">
+            <a:noAutofit/>
+          </a:bodyPr>
+          <a:lstStyle/>
+          <a:p>
+            <a:pPr algn="ctr">
+              <a:lnSpc>
+                <a:spcPct val="90000"/>
+              </a:lnSpc>
+              <a:spcBef>
+                <a:spcPts val="600"/>
+              </a:spcBef>
+              <a:spcAft>
+                <a:spcPts val="0"/>
+              </a:spcAft>
+            </a:pPr>
+            <a:r>
+              <a:rPr lang="en-US" altLang="zh-CN" sz="2000" dirty="0" smtClean="0">
+                <a:ln w="0"/>
+                <a:solidFill>
+                  <a:schemeClr val="tx1"/>
+                </a:solidFill>
+                <a:effectLst>
+                  <a:outerShdw blurRad="38100" dist="19050" dir="2700000" algn="tl" rotWithShape="0">
+                    <a:schemeClr val="dk1">
+                      <a:alpha val="40000"/>
+                    </a:schemeClr>
+                  </a:outerShdw>
+                </a:effectLst>
+              </a:rPr>
+              <a:t>Data</a:t>
+            </a:r>
+            <a:endParaRPr lang="zh-CN" altLang="en-US" sz="2000" dirty="0" err="1" smtClean="0">
+              <a:ln w="0"/>
+              <a:solidFill>
+                <a:schemeClr val="tx1"/>
+              </a:solidFill>
+              <a:effectLst>
+                <a:outerShdw blurRad="38100" dist="19050" dir="2700000" algn="tl" rotWithShape="0">
+                  <a:schemeClr val="dk1">
+                    <a:alpha val="40000"/>
+                  </a:schemeClr>
+                </a:outerShdw>
+              </a:effectLst>
+              <a:latin typeface="+mn-lt"/>
+            </a:endParaRPr>
+          </a:p>
+        </p:txBody>
+      </p:sp>
+    </p:spTree>
+    <p:extLst>
+      <p:ext uri="{BB962C8B-B14F-4D97-AF65-F5344CB8AC3E}">
+        <p14:creationId xmlns:p14="http://schemas.microsoft.com/office/powerpoint/2010/main" val="970778251"/>
+      </p:ext>
+    </p:extLst>
+  </p:cSld>
+  <p:clrMapOvr>
+    <a:masterClrMapping/>
+  </p:clrMapOvr>
+  <p:transition spd="med">
+    <p:wipe dir="r"/>
+  </p:transition>
+  <p:timing>
+    <p:tnLst>
+      <p:par>
+        <p:cTn id="1" dur="indefinite" restart="never" nodeType="tmRoot"/>
+      </p:par>
+    </p:tnLst>
+  </p:timing>
+</p:sld>
+</file>
+
+<file path=ppt/slides/slide8.xml><?xml version="1.0" encoding="utf-8"?>
+<p:sld xmlns:a="http://schemas.openxmlformats.org/drawingml/2006/main" xmlns:r="http://schemas.openxmlformats.org/officeDocument/2006/relationships" xmlns:p="http://schemas.openxmlformats.org/presentationml/2006/main">
+  <p:cSld>
+    <p:spTree>
+      <p:nvGrpSpPr>
+        <p:cNvPr id="1" name=""/>
+        <p:cNvGrpSpPr/>
+        <p:nvPr/>
+      </p:nvGrpSpPr>
+      <p:grpSpPr>
+        <a:xfrm>
+          <a:off x="0" y="0"/>
+          <a:ext cx="0" cy="0"/>
+          <a:chOff x="0" y="0"/>
+          <a:chExt cx="0" cy="0"/>
+        </a:xfrm>
+      </p:grpSpPr>
+      <p:sp>
+        <p:nvSpPr>
+          <p:cNvPr id="2" name="标题 1"/>
+          <p:cNvSpPr>
+            <a:spLocks noGrp="1"/>
+          </p:cNvSpPr>
+          <p:nvPr>
+            <p:ph type="title"/>
+          </p:nvPr>
+        </p:nvSpPr>
+        <p:spPr/>
+        <p:txBody>
+          <a:bodyPr/>
+          <a:lstStyle/>
+          <a:p>
+            <a:r>
+              <a:rPr lang="en-US" altLang="zh-CN" b="1" dirty="0" err="1"/>
+              <a:t>EventEmitter</a:t>
+            </a:r>
+            <a:r>
+              <a:rPr lang="en-US" altLang="zh-CN" b="1" dirty="0"/>
+              <a:t/>
+            </a:r>
+            <a:br>
+              <a:rPr lang="en-US" altLang="zh-CN" b="1" dirty="0"/>
+            </a:br>
+            <a:endParaRPr lang="zh-CN" altLang="en-US" dirty="0"/>
+          </a:p>
+        </p:txBody>
+      </p:sp>
+      <p:sp>
+        <p:nvSpPr>
+          <p:cNvPr id="4" name="矩形 3"/>
+          <p:cNvSpPr/>
+          <p:nvPr/>
+        </p:nvSpPr>
+        <p:spPr>
+          <a:xfrm>
+            <a:off x="6814456" y="544287"/>
+            <a:ext cx="1705429" cy="2540000"/>
+          </a:xfrm>
+          <a:prstGeom prst="rect">
+            <a:avLst/>
+          </a:prstGeom>
+          <a:noFill/>
+          <a:ln w="19050">
+            <a:solidFill>
+              <a:schemeClr val="accent3">
+                <a:lumMod val="60000"/>
+                <a:lumOff val="40000"/>
+              </a:schemeClr>
+            </a:solidFill>
+          </a:ln>
+        </p:spPr>
+        <p:style>
+          <a:lnRef idx="1">
+            <a:schemeClr val="accent2"/>
+          </a:lnRef>
+          <a:fillRef idx="2">
+            <a:schemeClr val="accent2"/>
+          </a:fillRef>
+          <a:effectRef idx="1">
+            <a:schemeClr val="accent2"/>
+          </a:effectRef>
+          <a:fontRef idx="minor">
+            <a:schemeClr val="dk1"/>
+          </a:fontRef>
+        </p:style>
+        <p:txBody>
+          <a:bodyPr wrap="square" lIns="182880" tIns="137160" rIns="137160" bIns="137160" rtlCol="0" anchor="ctr">
+            <a:noAutofit/>
+          </a:bodyPr>
+          <a:lstStyle/>
+          <a:p>
+            <a:pPr>
+              <a:lnSpc>
+                <a:spcPct val="90000"/>
+              </a:lnSpc>
+              <a:spcBef>
+                <a:spcPts val="600"/>
+              </a:spcBef>
+              <a:spcAft>
+                <a:spcPts val="0"/>
+              </a:spcAft>
+            </a:pPr>
+            <a:endParaRPr lang="en-US" altLang="zh-CN" sz="2000" dirty="0" smtClean="0">
+              <a:ln w="0"/>
+              <a:solidFill>
+                <a:schemeClr val="tx1"/>
+              </a:solidFill>
+              <a:effectLst>
+                <a:outerShdw blurRad="38100" dist="19050" dir="2700000" algn="tl" rotWithShape="0">
+                  <a:schemeClr val="dk1">
+                    <a:alpha val="40000"/>
+                  </a:schemeClr>
+                </a:outerShdw>
+              </a:effectLst>
+            </a:endParaRPr>
+          </a:p>
+          <a:p>
+            <a:pPr>
+              <a:lnSpc>
+                <a:spcPct val="90000"/>
+              </a:lnSpc>
+              <a:spcBef>
+                <a:spcPts val="600"/>
+              </a:spcBef>
+              <a:spcAft>
+                <a:spcPts val="0"/>
+              </a:spcAft>
+            </a:pPr>
+            <a:endParaRPr lang="en-US" altLang="zh-CN" sz="2000" dirty="0">
+              <a:ln w="0"/>
+              <a:solidFill>
+                <a:schemeClr val="tx1"/>
+              </a:solidFill>
+              <a:effectLst>
+                <a:outerShdw blurRad="38100" dist="19050" dir="2700000" algn="tl" rotWithShape="0">
+                  <a:schemeClr val="dk1">
+                    <a:alpha val="40000"/>
+                  </a:schemeClr>
+                </a:outerShdw>
+              </a:effectLst>
+            </a:endParaRPr>
+          </a:p>
+          <a:p>
+            <a:pPr>
+              <a:lnSpc>
+                <a:spcPct val="90000"/>
+              </a:lnSpc>
+              <a:spcBef>
+                <a:spcPts val="600"/>
+              </a:spcBef>
+              <a:spcAft>
+                <a:spcPts val="0"/>
+              </a:spcAft>
+            </a:pPr>
+            <a:endParaRPr lang="en-US" altLang="zh-CN" sz="2000" dirty="0" smtClean="0">
+              <a:ln w="0"/>
+              <a:solidFill>
+                <a:schemeClr val="tx1"/>
+              </a:solidFill>
+              <a:effectLst>
+                <a:outerShdw blurRad="38100" dist="19050" dir="2700000" algn="tl" rotWithShape="0">
+                  <a:schemeClr val="dk1">
+                    <a:alpha val="40000"/>
+                  </a:schemeClr>
+                </a:outerShdw>
+              </a:effectLst>
+            </a:endParaRPr>
+          </a:p>
+          <a:p>
+            <a:pPr>
+              <a:lnSpc>
+                <a:spcPct val="90000"/>
+              </a:lnSpc>
+              <a:spcBef>
+                <a:spcPts val="600"/>
+              </a:spcBef>
+              <a:spcAft>
+                <a:spcPts val="0"/>
+              </a:spcAft>
+            </a:pPr>
+            <a:endParaRPr lang="en-US" altLang="zh-CN" sz="2000" dirty="0">
+              <a:ln w="0"/>
+              <a:solidFill>
+                <a:schemeClr val="tx1"/>
+              </a:solidFill>
+              <a:effectLst>
+                <a:outerShdw blurRad="38100" dist="19050" dir="2700000" algn="tl" rotWithShape="0">
+                  <a:schemeClr val="dk1">
+                    <a:alpha val="40000"/>
+                  </a:schemeClr>
+                </a:outerShdw>
+              </a:effectLst>
+            </a:endParaRPr>
+          </a:p>
+          <a:p>
+            <a:pPr>
+              <a:lnSpc>
+                <a:spcPct val="90000"/>
+              </a:lnSpc>
+              <a:spcBef>
+                <a:spcPts val="600"/>
+              </a:spcBef>
+              <a:spcAft>
+                <a:spcPts val="0"/>
+              </a:spcAft>
+            </a:pPr>
+            <a:endParaRPr lang="en-US" altLang="zh-CN" sz="2000" dirty="0" smtClean="0">
+              <a:ln w="0"/>
+              <a:solidFill>
+                <a:schemeClr val="tx1"/>
+              </a:solidFill>
+              <a:effectLst>
+                <a:outerShdw blurRad="38100" dist="19050" dir="2700000" algn="tl" rotWithShape="0">
+                  <a:schemeClr val="dk1">
+                    <a:alpha val="40000"/>
+                  </a:schemeClr>
+                </a:outerShdw>
+              </a:effectLst>
+            </a:endParaRPr>
+          </a:p>
+          <a:p>
+            <a:pPr>
+              <a:lnSpc>
+                <a:spcPct val="90000"/>
+              </a:lnSpc>
+              <a:spcBef>
+                <a:spcPts val="600"/>
+              </a:spcBef>
+              <a:spcAft>
+                <a:spcPts val="0"/>
+              </a:spcAft>
+            </a:pPr>
+            <a:endParaRPr lang="en-US" altLang="zh-CN" sz="2000" dirty="0">
+              <a:ln w="0"/>
+              <a:solidFill>
+                <a:schemeClr val="tx1"/>
+              </a:solidFill>
+              <a:effectLst>
+                <a:outerShdw blurRad="38100" dist="19050" dir="2700000" algn="tl" rotWithShape="0">
+                  <a:schemeClr val="dk1">
+                    <a:alpha val="40000"/>
+                  </a:schemeClr>
+                </a:outerShdw>
+              </a:effectLst>
+            </a:endParaRPr>
+          </a:p>
+          <a:p>
+            <a:pPr>
+              <a:lnSpc>
+                <a:spcPct val="90000"/>
+              </a:lnSpc>
+              <a:spcBef>
+                <a:spcPts val="600"/>
+              </a:spcBef>
+              <a:spcAft>
+                <a:spcPts val="0"/>
+              </a:spcAft>
+            </a:pPr>
+            <a:r>
+              <a:rPr lang="en-US" altLang="zh-CN" sz="2000" dirty="0" smtClean="0">
+                <a:ln w="0"/>
+                <a:solidFill>
+                  <a:schemeClr val="tx1"/>
+                </a:solidFill>
+                <a:effectLst>
+                  <a:outerShdw blurRad="38100" dist="19050" dir="2700000" algn="tl" rotWithShape="0">
+                    <a:schemeClr val="dk1">
+                      <a:alpha val="40000"/>
+                    </a:schemeClr>
+                  </a:outerShdw>
+                </a:effectLst>
+              </a:rPr>
+              <a:t>Service</a:t>
+            </a:r>
+            <a:endParaRPr lang="zh-CN" altLang="en-US" sz="2000" dirty="0" err="1" smtClean="0">
+              <a:ln w="0"/>
+              <a:solidFill>
+                <a:schemeClr val="tx1"/>
+              </a:solidFill>
+              <a:effectLst>
+                <a:outerShdw blurRad="38100" dist="19050" dir="2700000" algn="tl" rotWithShape="0">
+                  <a:schemeClr val="dk1">
+                    <a:alpha val="40000"/>
+                  </a:schemeClr>
+                </a:outerShdw>
+              </a:effectLst>
+              <a:latin typeface="+mn-lt"/>
+            </a:endParaRPr>
+          </a:p>
+        </p:txBody>
+      </p:sp>
+      <p:sp>
+        <p:nvSpPr>
+          <p:cNvPr id="5" name="矩形 4"/>
+          <p:cNvSpPr/>
+          <p:nvPr/>
+        </p:nvSpPr>
+        <p:spPr>
+          <a:xfrm>
+            <a:off x="7050313" y="756876"/>
+            <a:ext cx="1353458" cy="1144495"/>
+          </a:xfrm>
+          <a:prstGeom prst="rect">
+            <a:avLst/>
+          </a:prstGeom>
+          <a:noFill/>
+          <a:ln w="19050">
+            <a:solidFill>
+              <a:schemeClr val="accent1"/>
+            </a:solidFill>
+          </a:ln>
+        </p:spPr>
+        <p:style>
+          <a:lnRef idx="1">
+            <a:schemeClr val="accent1"/>
+          </a:lnRef>
+          <a:fillRef idx="2">
+            <a:schemeClr val="accent1"/>
+          </a:fillRef>
+          <a:effectRef idx="1">
+            <a:schemeClr val="accent1"/>
+          </a:effectRef>
+          <a:fontRef idx="minor">
+            <a:schemeClr val="dk1"/>
+          </a:fontRef>
+        </p:style>
+        <p:txBody>
+          <a:bodyPr wrap="square" lIns="182880" tIns="137160" rIns="137160" bIns="137160" rtlCol="0" anchor="ctr">
+            <a:noAutofit/>
+          </a:bodyPr>
+          <a:lstStyle/>
+          <a:p>
+            <a:pPr algn="r">
+              <a:lnSpc>
+                <a:spcPct val="90000"/>
+              </a:lnSpc>
+              <a:spcBef>
+                <a:spcPts val="600"/>
+              </a:spcBef>
+              <a:spcAft>
+                <a:spcPts val="0"/>
+              </a:spcAft>
+            </a:pPr>
+            <a:endParaRPr lang="en-US" altLang="zh-CN" sz="2000" dirty="0" smtClean="0">
+              <a:ln w="0"/>
+              <a:solidFill>
+                <a:schemeClr val="tx1"/>
+              </a:solidFill>
+              <a:effectLst>
+                <a:outerShdw blurRad="38100" dist="19050" dir="2700000" algn="tl" rotWithShape="0">
+                  <a:schemeClr val="dk1">
+                    <a:alpha val="40000"/>
+                  </a:schemeClr>
+                </a:outerShdw>
+              </a:effectLst>
+              <a:latin typeface="+mn-lt"/>
+            </a:endParaRPr>
+          </a:p>
+          <a:p>
+            <a:pPr algn="r">
+              <a:lnSpc>
+                <a:spcPct val="90000"/>
+              </a:lnSpc>
+              <a:spcBef>
+                <a:spcPts val="600"/>
+              </a:spcBef>
+              <a:spcAft>
+                <a:spcPts val="0"/>
+              </a:spcAft>
+            </a:pPr>
+            <a:endParaRPr lang="en-US" altLang="zh-CN" sz="2000" dirty="0" smtClean="0">
+              <a:ln w="0"/>
+              <a:solidFill>
+                <a:schemeClr val="tx1"/>
+              </a:solidFill>
+              <a:effectLst>
+                <a:outerShdw blurRad="38100" dist="19050" dir="2700000" algn="tl" rotWithShape="0">
+                  <a:schemeClr val="dk1">
+                    <a:alpha val="40000"/>
+                  </a:schemeClr>
+                </a:outerShdw>
+              </a:effectLst>
+            </a:endParaRPr>
+          </a:p>
+          <a:p>
+            <a:pPr algn="r">
+              <a:lnSpc>
+                <a:spcPct val="90000"/>
+              </a:lnSpc>
+              <a:spcBef>
+                <a:spcPts val="600"/>
+              </a:spcBef>
+              <a:spcAft>
+                <a:spcPts val="0"/>
+              </a:spcAft>
+            </a:pPr>
+            <a:r>
+              <a:rPr lang="en-US" altLang="zh-CN" sz="2000" dirty="0" smtClean="0">
+                <a:ln w="0"/>
+                <a:solidFill>
+                  <a:schemeClr val="tx1"/>
+                </a:solidFill>
+                <a:effectLst>
+                  <a:outerShdw blurRad="38100" dist="19050" dir="2700000" algn="tl" rotWithShape="0">
+                    <a:schemeClr val="dk1">
+                      <a:alpha val="40000"/>
+                    </a:schemeClr>
+                  </a:outerShdw>
+                </a:effectLst>
+                <a:latin typeface="+mn-lt"/>
+              </a:rPr>
+              <a:t>Parent </a:t>
+            </a:r>
+            <a:endParaRPr lang="zh-CN" altLang="en-US" sz="2000" dirty="0" err="1" smtClean="0">
+              <a:ln w="0"/>
+              <a:solidFill>
+                <a:schemeClr val="tx1"/>
+              </a:solidFill>
+              <a:effectLst>
+                <a:outerShdw blurRad="38100" dist="19050" dir="2700000" algn="tl" rotWithShape="0">
+                  <a:schemeClr val="dk1">
+                    <a:alpha val="40000"/>
+                  </a:schemeClr>
+                </a:outerShdw>
+              </a:effectLst>
+              <a:latin typeface="+mn-lt"/>
+            </a:endParaRPr>
+          </a:p>
+        </p:txBody>
+      </p:sp>
+      <p:sp>
+        <p:nvSpPr>
+          <p:cNvPr id="6" name="矩形 5"/>
+          <p:cNvSpPr/>
+          <p:nvPr/>
+        </p:nvSpPr>
+        <p:spPr>
+          <a:xfrm>
+            <a:off x="7177314" y="911966"/>
+            <a:ext cx="1052285" cy="452610"/>
+          </a:xfrm>
+          <a:prstGeom prst="rect">
+            <a:avLst/>
+          </a:prstGeom>
+          <a:noFill/>
+          <a:ln w="19050">
+            <a:solidFill>
+              <a:srgbClr val="92D050"/>
+            </a:solidFill>
+          </a:ln>
+        </p:spPr>
+        <p:style>
+          <a:lnRef idx="1">
+            <a:schemeClr val="accent2"/>
+          </a:lnRef>
+          <a:fillRef idx="2">
+            <a:schemeClr val="accent2"/>
+          </a:fillRef>
+          <a:effectRef idx="1">
+            <a:schemeClr val="accent2"/>
+          </a:effectRef>
+          <a:fontRef idx="minor">
+            <a:schemeClr val="dk1"/>
+          </a:fontRef>
+        </p:style>
+        <p:txBody>
+          <a:bodyPr wrap="square" lIns="182880" tIns="137160" rIns="137160" bIns="137160" rtlCol="0" anchor="ctr">
+            <a:noAutofit/>
+          </a:bodyPr>
+          <a:lstStyle/>
+          <a:p>
+            <a:pPr algn="ctr">
+              <a:lnSpc>
+                <a:spcPct val="90000"/>
+              </a:lnSpc>
+              <a:spcBef>
+                <a:spcPts val="600"/>
+              </a:spcBef>
+              <a:spcAft>
+                <a:spcPts val="0"/>
+              </a:spcAft>
+            </a:pPr>
+            <a:r>
+              <a:rPr lang="en-US" altLang="zh-CN" sz="2000" dirty="0" smtClean="0">
+                <a:ln w="0"/>
+                <a:solidFill>
+                  <a:schemeClr val="tx1"/>
+                </a:solidFill>
+                <a:effectLst>
+                  <a:outerShdw blurRad="38100" dist="19050" dir="2700000" algn="tl" rotWithShape="0">
+                    <a:schemeClr val="dk1">
+                      <a:alpha val="40000"/>
+                    </a:schemeClr>
+                  </a:outerShdw>
+                </a:effectLst>
+              </a:rPr>
+              <a:t>Child</a:t>
+            </a:r>
+            <a:endParaRPr lang="zh-CN" altLang="en-US" sz="2000" dirty="0" err="1" smtClean="0">
+              <a:ln w="0"/>
+              <a:solidFill>
+                <a:schemeClr val="tx1"/>
+              </a:solidFill>
+              <a:effectLst>
+                <a:outerShdw blurRad="38100" dist="19050" dir="2700000" algn="tl" rotWithShape="0">
+                  <a:schemeClr val="dk1">
+                    <a:alpha val="40000"/>
+                  </a:schemeClr>
+                </a:outerShdw>
+              </a:effectLst>
+              <a:latin typeface="+mn-lt"/>
+            </a:endParaRPr>
+          </a:p>
+        </p:txBody>
+      </p:sp>
+      <p:cxnSp>
+        <p:nvCxnSpPr>
+          <p:cNvPr id="7" name="直接箭头连接符 6"/>
+          <p:cNvCxnSpPr/>
+          <p:nvPr/>
+        </p:nvCxnSpPr>
+        <p:spPr>
+          <a:xfrm>
+            <a:off x="8055429" y="1901371"/>
+            <a:ext cx="0" cy="384629"/>
+          </a:xfrm>
+          <a:prstGeom prst="straightConnector1">
+            <a:avLst/>
+          </a:prstGeom>
+          <a:ln w="12700" cmpd="sng">
+            <a:solidFill>
+              <a:srgbClr val="000000"/>
+            </a:solidFill>
+            <a:tailEnd type="triangle"/>
+          </a:ln>
+          <a:effectLst/>
+        </p:spPr>
+        <p:style>
+          <a:lnRef idx="2">
+            <a:schemeClr val="accent1"/>
+          </a:lnRef>
+          <a:fillRef idx="0">
+            <a:schemeClr val="accent1"/>
+          </a:fillRef>
+          <a:effectRef idx="1">
+            <a:schemeClr val="accent1"/>
+          </a:effectRef>
+          <a:fontRef idx="minor">
+            <a:schemeClr val="tx1"/>
+          </a:fontRef>
+        </p:style>
+      </p:cxnSp>
+      <p:cxnSp>
+        <p:nvCxnSpPr>
+          <p:cNvPr id="8" name="直接箭头连接符 7"/>
+          <p:cNvCxnSpPr/>
+          <p:nvPr/>
+        </p:nvCxnSpPr>
+        <p:spPr>
+          <a:xfrm flipV="1">
+            <a:off x="7344229" y="1364576"/>
+            <a:ext cx="0" cy="921424"/>
+          </a:xfrm>
+          <a:prstGeom prst="straightConnector1">
+            <a:avLst/>
+          </a:prstGeom>
+          <a:ln w="12700" cmpd="sng">
+            <a:solidFill>
+              <a:srgbClr val="000000"/>
+            </a:solidFill>
+            <a:tailEnd type="triangle"/>
+          </a:ln>
+          <a:effectLst/>
+        </p:spPr>
+        <p:style>
+          <a:lnRef idx="2">
+            <a:schemeClr val="accent1"/>
+          </a:lnRef>
+          <a:fillRef idx="0">
+            <a:schemeClr val="accent1"/>
+          </a:fillRef>
+          <a:effectRef idx="1">
+            <a:schemeClr val="accent1"/>
+          </a:effectRef>
+          <a:fontRef idx="minor">
+            <a:schemeClr val="tx1"/>
+          </a:fontRef>
+        </p:style>
+      </p:cxnSp>
+      <p:sp>
+        <p:nvSpPr>
+          <p:cNvPr id="9" name="矩形 8"/>
+          <p:cNvSpPr/>
+          <p:nvPr/>
+        </p:nvSpPr>
+        <p:spPr>
+          <a:xfrm>
+            <a:off x="7177313" y="2288319"/>
+            <a:ext cx="1052285" cy="346024"/>
+          </a:xfrm>
+          <a:prstGeom prst="rect">
+            <a:avLst/>
+          </a:prstGeom>
+          <a:noFill/>
+          <a:ln w="19050">
+            <a:solidFill>
+              <a:schemeClr val="tx2">
+                <a:lumMod val="65000"/>
+              </a:schemeClr>
+            </a:solidFill>
+          </a:ln>
+        </p:spPr>
+        <p:style>
+          <a:lnRef idx="1">
+            <a:schemeClr val="accent2"/>
+          </a:lnRef>
+          <a:fillRef idx="2">
+            <a:schemeClr val="accent2"/>
+          </a:fillRef>
+          <a:effectRef idx="1">
+            <a:schemeClr val="accent2"/>
+          </a:effectRef>
+          <a:fontRef idx="minor">
+            <a:schemeClr val="dk1"/>
+          </a:fontRef>
+        </p:style>
+        <p:txBody>
+          <a:bodyPr wrap="square" lIns="182880" tIns="137160" rIns="137160" bIns="137160" rtlCol="0" anchor="ctr">
+            <a:noAutofit/>
+          </a:bodyPr>
+          <a:lstStyle/>
+          <a:p>
+            <a:pPr algn="ctr">
+              <a:lnSpc>
+                <a:spcPct val="90000"/>
+              </a:lnSpc>
+              <a:spcBef>
+                <a:spcPts val="600"/>
+              </a:spcBef>
+              <a:spcAft>
+                <a:spcPts val="0"/>
+              </a:spcAft>
+            </a:pPr>
+            <a:r>
+              <a:rPr lang="en-US" altLang="zh-CN" sz="1000" dirty="0" err="1" smtClean="0">
+                <a:ln w="0"/>
+                <a:solidFill>
+                  <a:schemeClr val="tx1"/>
+                </a:solidFill>
+                <a:effectLst>
+                  <a:outerShdw blurRad="38100" dist="19050" dir="2700000" algn="tl" rotWithShape="0">
+                    <a:schemeClr val="dk1">
+                      <a:alpha val="40000"/>
+                    </a:schemeClr>
+                  </a:outerShdw>
+                </a:effectLst>
+                <a:latin typeface="+mn-lt"/>
+              </a:rPr>
+              <a:t>EventEmitter</a:t>
+            </a:r>
+            <a:endParaRPr lang="zh-CN" altLang="en-US" sz="1000" dirty="0" err="1" smtClean="0">
+              <a:ln w="0"/>
+              <a:solidFill>
+                <a:schemeClr val="tx1"/>
+              </a:solidFill>
+              <a:effectLst>
+                <a:outerShdw blurRad="38100" dist="19050" dir="2700000" algn="tl" rotWithShape="0">
+                  <a:schemeClr val="dk1">
+                    <a:alpha val="40000"/>
+                  </a:schemeClr>
+                </a:outerShdw>
+              </a:effectLst>
+              <a:latin typeface="+mn-lt"/>
+            </a:endParaRPr>
+          </a:p>
+        </p:txBody>
+      </p:sp>
+    </p:spTree>
+    <p:extLst>
+      <p:ext uri="{BB962C8B-B14F-4D97-AF65-F5344CB8AC3E}">
+        <p14:creationId xmlns:p14="http://schemas.microsoft.com/office/powerpoint/2010/main" val="1395926639"/>
+      </p:ext>
+    </p:extLst>
+  </p:cSld>
+  <p:clrMapOvr>
+    <a:masterClrMapping/>
+  </p:clrMapOvr>
+  <p:transition spd="med">
+    <p:wipe dir="r"/>
+  </p:transition>
+  <p:timing>
+    <p:tnLst>
+      <p:par>
+        <p:cTn id="1" dur="indefinite" restart="never" nodeType="tmRoot"/>
+      </p:par>
+    </p:tnLst>
+  </p:timing>
+</p:sld>
+</file>
+
+<file path=ppt/slides/slide9.xml><?xml version="1.0" encoding="utf-8"?>
+<p:sld xmlns:a="http://schemas.openxmlformats.org/drawingml/2006/main" xmlns:r="http://schemas.openxmlformats.org/officeDocument/2006/relationships" xmlns:p="http://schemas.openxmlformats.org/presentationml/2006/main">
+  <p:cSld>
+    <p:spTree>
+      <p:nvGrpSpPr>
+        <p:cNvPr id="1" name=""/>
+        <p:cNvGrpSpPr/>
+        <p:nvPr/>
+      </p:nvGrpSpPr>
+      <p:grpSpPr>
+        <a:xfrm>
+          <a:off x="0" y="0"/>
+          <a:ext cx="0" cy="0"/>
+          <a:chOff x="0" y="0"/>
+          <a:chExt cx="0" cy="0"/>
+        </a:xfrm>
+      </p:grpSpPr>
+      <p:sp>
+        <p:nvSpPr>
+          <p:cNvPr id="2" name="标题 1"/>
+          <p:cNvSpPr>
+            <a:spLocks noGrp="1"/>
+          </p:cNvSpPr>
+          <p:nvPr>
+            <p:ph type="title"/>
+          </p:nvPr>
+        </p:nvSpPr>
+        <p:spPr/>
+        <p:txBody>
+          <a:bodyPr/>
+          <a:lstStyle/>
+          <a:p>
+            <a:r>
+              <a:rPr lang="en-US" altLang="zh-CN" dirty="0"/>
+              <a:t>Subscribe</a:t>
+            </a:r>
+            <a:endParaRPr lang="zh-CN" altLang="en-US" dirty="0"/>
+          </a:p>
+        </p:txBody>
+      </p:sp>
+      <p:sp>
+        <p:nvSpPr>
+          <p:cNvPr id="4" name="矩形 3"/>
+          <p:cNvSpPr/>
+          <p:nvPr/>
+        </p:nvSpPr>
+        <p:spPr>
+          <a:xfrm>
+            <a:off x="7170057" y="911966"/>
+            <a:ext cx="1618342" cy="757177"/>
+          </a:xfrm>
+          <a:prstGeom prst="rect">
+            <a:avLst/>
+          </a:prstGeom>
+          <a:noFill/>
+          <a:ln w="19050">
+            <a:solidFill>
+              <a:schemeClr val="accent1"/>
+            </a:solidFill>
+          </a:ln>
+        </p:spPr>
+        <p:style>
+          <a:lnRef idx="1">
+            <a:schemeClr val="accent1"/>
+          </a:lnRef>
+          <a:fillRef idx="2">
+            <a:schemeClr val="accent1"/>
+          </a:fillRef>
+          <a:effectRef idx="1">
+            <a:schemeClr val="accent1"/>
+          </a:effectRef>
+          <a:fontRef idx="minor">
+            <a:schemeClr val="dk1"/>
+          </a:fontRef>
+        </p:style>
+        <p:txBody>
+          <a:bodyPr wrap="square" lIns="182880" tIns="137160" rIns="137160" bIns="137160" rtlCol="0" anchor="ctr">
+            <a:noAutofit/>
+          </a:bodyPr>
+          <a:lstStyle/>
+          <a:p>
+            <a:pPr algn="ctr">
+              <a:lnSpc>
+                <a:spcPct val="90000"/>
+              </a:lnSpc>
+              <a:spcBef>
+                <a:spcPts val="600"/>
+              </a:spcBef>
+              <a:spcAft>
+                <a:spcPts val="0"/>
+              </a:spcAft>
+            </a:pPr>
+            <a:r>
+              <a:rPr lang="en-US" altLang="zh-CN" sz="2000" dirty="0" smtClean="0">
+                <a:ln w="0"/>
+                <a:solidFill>
+                  <a:schemeClr val="tx1"/>
+                </a:solidFill>
+                <a:effectLst>
+                  <a:outerShdw blurRad="38100" dist="19050" dir="2700000" algn="tl" rotWithShape="0">
+                    <a:schemeClr val="dk1">
+                      <a:alpha val="40000"/>
+                    </a:schemeClr>
+                  </a:outerShdw>
+                </a:effectLst>
+              </a:rPr>
+              <a:t>Parent</a:t>
+            </a:r>
+            <a:endParaRPr lang="zh-CN" altLang="en-US" sz="2000" dirty="0" err="1" smtClean="0">
+              <a:ln w="0"/>
+              <a:solidFill>
+                <a:schemeClr val="tx1"/>
+              </a:solidFill>
+              <a:effectLst>
+                <a:outerShdw blurRad="38100" dist="19050" dir="2700000" algn="tl" rotWithShape="0">
+                  <a:schemeClr val="dk1">
+                    <a:alpha val="40000"/>
+                  </a:schemeClr>
+                </a:outerShdw>
+              </a:effectLst>
+              <a:latin typeface="+mn-lt"/>
+            </a:endParaRPr>
+          </a:p>
+        </p:txBody>
+      </p:sp>
+      <p:sp>
+        <p:nvSpPr>
+          <p:cNvPr id="5" name="矩形 4"/>
+          <p:cNvSpPr/>
+          <p:nvPr/>
+        </p:nvSpPr>
+        <p:spPr>
+          <a:xfrm>
+            <a:off x="7170057" y="1930634"/>
+            <a:ext cx="1618343" cy="757177"/>
+          </a:xfrm>
+          <a:prstGeom prst="rect">
+            <a:avLst/>
+          </a:prstGeom>
+          <a:noFill/>
+          <a:ln w="19050">
+            <a:solidFill>
+              <a:srgbClr val="92D050"/>
+            </a:solidFill>
+          </a:ln>
+        </p:spPr>
+        <p:style>
+          <a:lnRef idx="1">
+            <a:schemeClr val="accent2"/>
+          </a:lnRef>
+          <a:fillRef idx="2">
+            <a:schemeClr val="accent2"/>
+          </a:fillRef>
+          <a:effectRef idx="1">
+            <a:schemeClr val="accent2"/>
+          </a:effectRef>
+          <a:fontRef idx="minor">
+            <a:schemeClr val="dk1"/>
+          </a:fontRef>
+        </p:style>
+        <p:txBody>
+          <a:bodyPr wrap="square" lIns="182880" tIns="137160" rIns="137160" bIns="137160" rtlCol="0" anchor="ctr">
+            <a:noAutofit/>
+          </a:bodyPr>
+          <a:lstStyle/>
+          <a:p>
+            <a:pPr algn="ctr">
+              <a:lnSpc>
+                <a:spcPct val="90000"/>
+              </a:lnSpc>
+              <a:spcBef>
+                <a:spcPts val="600"/>
+              </a:spcBef>
+              <a:spcAft>
+                <a:spcPts val="0"/>
+              </a:spcAft>
+            </a:pPr>
+            <a:r>
+              <a:rPr lang="en-US" altLang="zh-CN" sz="2000" dirty="0" smtClean="0">
+                <a:ln w="0"/>
+                <a:solidFill>
+                  <a:schemeClr val="tx1"/>
+                </a:solidFill>
+                <a:effectLst>
+                  <a:outerShdw blurRad="38100" dist="19050" dir="2700000" algn="tl" rotWithShape="0">
+                    <a:schemeClr val="dk1">
+                      <a:alpha val="40000"/>
+                    </a:schemeClr>
+                  </a:outerShdw>
+                </a:effectLst>
+              </a:rPr>
+              <a:t>Child</a:t>
+            </a:r>
+            <a:endParaRPr lang="zh-CN" altLang="en-US" sz="2000" dirty="0" err="1" smtClean="0">
+              <a:ln w="0"/>
+              <a:solidFill>
+                <a:schemeClr val="tx1"/>
+              </a:solidFill>
+              <a:effectLst>
+                <a:outerShdw blurRad="38100" dist="19050" dir="2700000" algn="tl" rotWithShape="0">
+                  <a:schemeClr val="dk1">
+                    <a:alpha val="40000"/>
+                  </a:schemeClr>
+                </a:outerShdw>
+              </a:effectLst>
+              <a:latin typeface="+mn-lt"/>
+            </a:endParaRPr>
+          </a:p>
+        </p:txBody>
+      </p:sp>
+      <p:sp>
+        <p:nvSpPr>
+          <p:cNvPr id="6" name="矩形 5"/>
+          <p:cNvSpPr/>
+          <p:nvPr/>
+        </p:nvSpPr>
+        <p:spPr>
+          <a:xfrm>
+            <a:off x="5711371" y="911966"/>
+            <a:ext cx="1262742" cy="1775845"/>
+          </a:xfrm>
+          <a:prstGeom prst="rect">
+            <a:avLst/>
+          </a:prstGeom>
+          <a:noFill/>
+          <a:ln w="19050">
+            <a:solidFill>
+              <a:schemeClr val="accent3">
+                <a:lumMod val="60000"/>
+                <a:lumOff val="40000"/>
+              </a:schemeClr>
+            </a:solidFill>
+          </a:ln>
+        </p:spPr>
+        <p:style>
+          <a:lnRef idx="1">
+            <a:schemeClr val="accent2"/>
+          </a:lnRef>
+          <a:fillRef idx="2">
+            <a:schemeClr val="accent2"/>
+          </a:fillRef>
+          <a:effectRef idx="1">
+            <a:schemeClr val="accent2"/>
+          </a:effectRef>
+          <a:fontRef idx="minor">
+            <a:schemeClr val="dk1"/>
+          </a:fontRef>
+        </p:style>
+        <p:txBody>
+          <a:bodyPr wrap="square" lIns="182880" tIns="137160" rIns="137160" bIns="137160" rtlCol="0" anchor="ctr">
+            <a:noAutofit/>
+          </a:bodyPr>
+          <a:lstStyle/>
+          <a:p>
+            <a:pPr algn="ctr">
+              <a:lnSpc>
+                <a:spcPct val="90000"/>
+              </a:lnSpc>
+              <a:spcBef>
+                <a:spcPts val="600"/>
+              </a:spcBef>
+              <a:spcAft>
+                <a:spcPts val="0"/>
+              </a:spcAft>
+            </a:pPr>
+            <a:r>
+              <a:rPr lang="en-US" altLang="zh-CN" sz="2000" dirty="0" smtClean="0">
+                <a:ln w="0"/>
+                <a:solidFill>
+                  <a:schemeClr val="tx1"/>
+                </a:solidFill>
+                <a:effectLst>
+                  <a:outerShdw blurRad="38100" dist="19050" dir="2700000" algn="tl" rotWithShape="0">
+                    <a:schemeClr val="dk1">
+                      <a:alpha val="40000"/>
+                    </a:schemeClr>
+                  </a:outerShdw>
+                </a:effectLst>
+              </a:rPr>
+              <a:t>Service</a:t>
+            </a:r>
+            <a:endParaRPr lang="zh-CN" altLang="en-US" sz="2000" dirty="0" err="1" smtClean="0">
+              <a:ln w="0"/>
+              <a:solidFill>
+                <a:schemeClr val="tx1"/>
+              </a:solidFill>
+              <a:effectLst>
+                <a:outerShdw blurRad="38100" dist="19050" dir="2700000" algn="tl" rotWithShape="0">
+                  <a:schemeClr val="dk1">
+                    <a:alpha val="40000"/>
+                  </a:schemeClr>
+                </a:outerShdw>
+              </a:effectLst>
+              <a:latin typeface="+mn-lt"/>
+            </a:endParaRPr>
+          </a:p>
+        </p:txBody>
+      </p:sp>
+      <p:cxnSp>
+        <p:nvCxnSpPr>
+          <p:cNvPr id="10" name="直接箭头连接符 9"/>
+          <p:cNvCxnSpPr/>
+          <p:nvPr/>
+        </p:nvCxnSpPr>
+        <p:spPr>
+          <a:xfrm flipH="1">
+            <a:off x="6640286" y="1290554"/>
+            <a:ext cx="725714" cy="0"/>
+          </a:xfrm>
+          <a:prstGeom prst="straightConnector1">
+            <a:avLst/>
+          </a:prstGeom>
+          <a:ln w="12700" cmpd="sng">
+            <a:solidFill>
+              <a:srgbClr val="000000"/>
+            </a:solidFill>
+            <a:tailEnd type="triangle"/>
+          </a:ln>
+          <a:effectLst/>
+        </p:spPr>
+        <p:style>
+          <a:lnRef idx="2">
+            <a:schemeClr val="accent1"/>
+          </a:lnRef>
+          <a:fillRef idx="0">
+            <a:schemeClr val="accent1"/>
+          </a:fillRef>
+          <a:effectRef idx="1">
+            <a:schemeClr val="accent1"/>
+          </a:effectRef>
+          <a:fontRef idx="minor">
+            <a:schemeClr val="tx1"/>
+          </a:fontRef>
+        </p:style>
+      </p:cxnSp>
+      <p:cxnSp>
+        <p:nvCxnSpPr>
+          <p:cNvPr id="12" name="直接箭头连接符 11"/>
+          <p:cNvCxnSpPr/>
+          <p:nvPr/>
+        </p:nvCxnSpPr>
+        <p:spPr>
+          <a:xfrm>
+            <a:off x="6640286" y="2309222"/>
+            <a:ext cx="805543" cy="0"/>
+          </a:xfrm>
+          <a:prstGeom prst="straightConnector1">
+            <a:avLst/>
+          </a:prstGeom>
+          <a:ln w="12700" cmpd="sng">
+            <a:solidFill>
+              <a:srgbClr val="000000"/>
+            </a:solidFill>
+            <a:tailEnd type="triangle"/>
+          </a:ln>
+          <a:effectLst/>
+        </p:spPr>
+        <p:style>
+          <a:lnRef idx="2">
+            <a:schemeClr val="accent1"/>
+          </a:lnRef>
+          <a:fillRef idx="0">
+            <a:schemeClr val="accent1"/>
+          </a:fillRef>
+          <a:effectRef idx="1">
+            <a:schemeClr val="accent1"/>
+          </a:effectRef>
+          <a:fontRef idx="minor">
+            <a:schemeClr val="tx1"/>
+          </a:fontRef>
+        </p:style>
+      </p:cxnSp>
+    </p:spTree>
+    <p:extLst>
+      <p:ext uri="{BB962C8B-B14F-4D97-AF65-F5344CB8AC3E}">
+        <p14:creationId xmlns:p14="http://schemas.microsoft.com/office/powerpoint/2010/main" val="1680421521"/>
       </p:ext>
     </p:extLst>
   </p:cSld>
@@ -6795,21 +10095,6 @@
 </file>
 
 <file path=customXml/item1.xml><?xml version="1.0" encoding="utf-8"?>
-<p:properties xmlns:p="http://schemas.microsoft.com/office/2006/metadata/properties" xmlns:xsi="http://www.w3.org/2001/XMLSchema-instance">
-  <documentManagement/>
-</p:properties>
-</file>
-
-<file path=customXml/item2.xml><?xml version="1.0" encoding="utf-8"?>
-<?mso-contentType ?>
-<FormTemplates xmlns="http://schemas.microsoft.com/sharepoint/v3/contenttype/forms">
-  <Display>DocumentLibraryForm</Display>
-  <Edit>DocumentLibraryForm</Edit>
-  <New>DocumentLibraryForm</New>
-</FormTemplates>
-</file>
-
-<file path=customXml/item3.xml><?xml version="1.0" encoding="utf-8"?>
 <ct:contentTypeSchema xmlns:ct="http://schemas.microsoft.com/office/2006/metadata/contentType" xmlns:ma="http://schemas.microsoft.com/office/2006/metadata/properties/metaAttributes" ct:_="" ma:_="" ma:contentTypeName="Document" ma:contentTypeID="0x010100EAEEBEE83C66E54EA9BED83B0A9A60DB" ma:contentTypeVersion="1" ma:contentTypeDescription="Create a new document." ma:contentTypeScope="" ma:versionID="51a43b2161297f783d65b37e357c79e9">
   <xsd:schema xmlns:xsd="http://www.w3.org/2001/XMLSchema" xmlns:p="http://schemas.microsoft.com/office/2006/metadata/properties" targetNamespace="http://schemas.microsoft.com/office/2006/metadata/properties" ma:root="true" ma:fieldsID="b9cfef283e0bc2d986a66f9ec0cdc424">
     <xsd:element name="properties">
@@ -6858,16 +10143,32 @@
 </ct:contentTypeSchema>
 </file>
 
+<file path=customXml/item2.xml><?xml version="1.0" encoding="utf-8"?>
+<?mso-contentType ?>
+<FormTemplates xmlns="http://schemas.microsoft.com/sharepoint/v3/contenttype/forms">
+  <Display>DocumentLibraryForm</Display>
+  <Edit>DocumentLibraryForm</Edit>
+  <New>DocumentLibraryForm</New>
+</FormTemplates>
+</file>
+
+<file path=customXml/item3.xml><?xml version="1.0" encoding="utf-8"?>
+<p:properties xmlns:p="http://schemas.microsoft.com/office/2006/metadata/properties" xmlns:xsi="http://www.w3.org/2001/XMLSchema-instance">
+  <documentManagement/>
+</p:properties>
+</file>
+
 <file path=customXml/itemProps1.xml><?xml version="1.0" encoding="utf-8"?>
-<ds:datastoreItem xmlns:ds="http://schemas.openxmlformats.org/officeDocument/2006/customXml" ds:itemID="{0873BDD3-AA35-4F19-A12A-C6462BECFBD1}">
+<ds:datastoreItem xmlns:ds="http://schemas.openxmlformats.org/officeDocument/2006/customXml" ds:itemID="{A3332CB6-AB82-4DD3-8C89-C660A1C3944B}">
   <ds:schemaRefs>
-    <ds:schemaRef ds:uri="http://schemas.microsoft.com/office/2006/documentManagement/types"/>
+    <ds:schemaRef ds:uri="http://schemas.microsoft.com/office/2006/metadata/contentType"/>
+    <ds:schemaRef ds:uri="http://schemas.microsoft.com/office/2006/metadata/properties/metaAttributes"/>
+    <ds:schemaRef ds:uri="http://www.w3.org/2001/XMLSchema"/>
+    <ds:schemaRef ds:uri="http://schemas.microsoft.com/office/2006/metadata/properties"/>
+    <ds:schemaRef ds:uri="http://schemas.openxmlformats.org/package/2006/metadata/core-properties"/>
     <ds:schemaRef ds:uri="http://purl.org/dc/elements/1.1/"/>
-    <ds:schemaRef ds:uri="http://schemas.microsoft.com/office/2006/metadata/properties"/>
     <ds:schemaRef ds:uri="http://purl.org/dc/terms/"/>
-    <ds:schemaRef ds:uri="http://schemas.openxmlformats.org/package/2006/metadata/core-properties"/>
-    <ds:schemaRef ds:uri="http://www.w3.org/XML/1998/namespace"/>
-    <ds:schemaRef ds:uri="http://purl.org/dc/dcmitype/"/>
+    <ds:schemaRef ds:uri="http://schemas.microsoft.com/office/internal/2005/internalDocumentation"/>
   </ds:schemaRefs>
 </ds:datastoreItem>
 </file>
@@ -6881,16 +10182,15 @@
 </file>
 
 <file path=customXml/itemProps3.xml><?xml version="1.0" encoding="utf-8"?>
-<ds:datastoreItem xmlns:ds="http://schemas.openxmlformats.org/officeDocument/2006/customXml" ds:itemID="{A3332CB6-AB82-4DD3-8C89-C660A1C3944B}">
+<ds:datastoreItem xmlns:ds="http://schemas.openxmlformats.org/officeDocument/2006/customXml" ds:itemID="{0873BDD3-AA35-4F19-A12A-C6462BECFBD1}">
   <ds:schemaRefs>
-    <ds:schemaRef ds:uri="http://schemas.microsoft.com/office/2006/metadata/contentType"/>
-    <ds:schemaRef ds:uri="http://schemas.microsoft.com/office/2006/metadata/properties/metaAttributes"/>
-    <ds:schemaRef ds:uri="http://www.w3.org/2001/XMLSchema"/>
+    <ds:schemaRef ds:uri="http://schemas.microsoft.com/office/2006/documentManagement/types"/>
+    <ds:schemaRef ds:uri="http://purl.org/dc/elements/1.1/"/>
     <ds:schemaRef ds:uri="http://schemas.microsoft.com/office/2006/metadata/properties"/>
+    <ds:schemaRef ds:uri="http://purl.org/dc/terms/"/>
     <ds:schemaRef ds:uri="http://schemas.openxmlformats.org/package/2006/metadata/core-properties"/>
-    <ds:schemaRef ds:uri="http://purl.org/dc/elements/1.1/"/>
-    <ds:schemaRef ds:uri="http://purl.org/dc/terms/"/>
-    <ds:schemaRef ds:uri="http://schemas.microsoft.com/office/internal/2005/internalDocumentation"/>
+    <ds:schemaRef ds:uri="http://www.w3.org/XML/1998/namespace"/>
+    <ds:schemaRef ds:uri="http://purl.org/dc/dcmitype/"/>
   </ds:schemaRefs>
 </ds:datastoreItem>
 </file>
--- a/Component Interaction.pptx
+++ b/Component Interaction.pptx
@@ -5,10 +5,10 @@
     <p:sldMasterId id="2147484241" r:id="rId4"/>
   </p:sldMasterIdLst>
   <p:notesMasterIdLst>
-    <p:notesMasterId r:id="rId15"/>
+    <p:notesMasterId r:id="rId18"/>
   </p:notesMasterIdLst>
   <p:handoutMasterIdLst>
-    <p:handoutMasterId r:id="rId16"/>
+    <p:handoutMasterId r:id="rId19"/>
   </p:handoutMasterIdLst>
   <p:sldIdLst>
     <p:sldId id="257" r:id="rId5"/>
@@ -18,14 +18,17 @@
     <p:sldId id="260" r:id="rId9"/>
     <p:sldId id="261" r:id="rId10"/>
     <p:sldId id="263" r:id="rId11"/>
-    <p:sldId id="264" r:id="rId12"/>
-    <p:sldId id="265" r:id="rId13"/>
-    <p:sldId id="266" r:id="rId14"/>
+    <p:sldId id="268" r:id="rId12"/>
+    <p:sldId id="264" r:id="rId13"/>
+    <p:sldId id="269" r:id="rId14"/>
+    <p:sldId id="265" r:id="rId15"/>
+    <p:sldId id="270" r:id="rId16"/>
+    <p:sldId id="266" r:id="rId17"/>
   </p:sldIdLst>
   <p:sldSz cx="9144000" cy="5143500" type="screen16x9"/>
   <p:notesSz cx="6807200" cy="9939338"/>
   <p:custDataLst>
-    <p:tags r:id="rId17"/>
+    <p:tags r:id="rId20"/>
   </p:custDataLst>
   <p:defaultTextStyle>
     <a:defPPr>
@@ -164,8 +167,11 @@
             <p14:sldId id="260"/>
             <p14:sldId id="261"/>
             <p14:sldId id="263"/>
+            <p14:sldId id="268"/>
             <p14:sldId id="264"/>
+            <p14:sldId id="269"/>
             <p14:sldId id="265"/>
+            <p14:sldId id="270"/>
             <p14:sldId id="266"/>
           </p14:sldIdLst>
         </p14:section>
@@ -739,6 +745,12 @@
           <a:bodyPr/>
           <a:lstStyle/>
           <a:p>
+            <a:r>
+              <a:rPr lang="zh-CN" altLang="en-US" dirty="0" smtClean="0"/>
+              <a:t>通过输入型绑定把数据从父组件传到子组件。</a:t>
+            </a:r>
+          </a:p>
+          <a:p>
             <a:endParaRPr lang="zh-CN" altLang="en-US" dirty="0"/>
           </a:p>
         </p:txBody>
@@ -766,7 +778,1003 @@
                 <a:latin typeface="Arial"/>
               </a:rPr>
               <a:pPr/>
-              <a:t>10</a:t>
+              <a:t>3</a:t>
+            </a:fld>
+            <a:endParaRPr lang="en-US" sz="800" dirty="0">
+              <a:solidFill>
+                <a:schemeClr val="bg1"/>
+              </a:solidFill>
+              <a:latin typeface="Arial"/>
+            </a:endParaRPr>
+          </a:p>
+        </p:txBody>
+      </p:sp>
+    </p:spTree>
+    <p:extLst>
+      <p:ext uri="{BB962C8B-B14F-4D97-AF65-F5344CB8AC3E}">
+        <p14:creationId xmlns:p14="http://schemas.microsoft.com/office/powerpoint/2010/main" val="3852608750"/>
+      </p:ext>
+    </p:extLst>
+  </p:cSld>
+  <p:clrMapOvr>
+    <a:masterClrMapping/>
+  </p:clrMapOvr>
+</p:notes>
+</file>
+
+<file path=ppt/notesSlides/notesSlide2.xml><?xml version="1.0" encoding="utf-8"?>
+<p:notes xmlns:a="http://schemas.openxmlformats.org/drawingml/2006/main" xmlns:r="http://schemas.openxmlformats.org/officeDocument/2006/relationships" xmlns:p="http://schemas.openxmlformats.org/presentationml/2006/main">
+  <p:cSld>
+    <p:spTree>
+      <p:nvGrpSpPr>
+        <p:cNvPr id="1" name=""/>
+        <p:cNvGrpSpPr/>
+        <p:nvPr/>
+      </p:nvGrpSpPr>
+      <p:grpSpPr>
+        <a:xfrm>
+          <a:off x="0" y="0"/>
+          <a:ext cx="0" cy="0"/>
+          <a:chOff x="0" y="0"/>
+          <a:chExt cx="0" cy="0"/>
+        </a:xfrm>
+      </p:grpSpPr>
+      <p:sp>
+        <p:nvSpPr>
+          <p:cNvPr id="2" name="幻灯片图像占位符 1"/>
+          <p:cNvSpPr>
+            <a:spLocks noGrp="1" noRot="1" noChangeAspect="1"/>
+          </p:cNvSpPr>
+          <p:nvPr>
+            <p:ph type="sldImg"/>
+          </p:nvPr>
+        </p:nvSpPr>
+        <p:spPr/>
+      </p:sp>
+      <p:sp>
+        <p:nvSpPr>
+          <p:cNvPr id="3" name="备注占位符 2"/>
+          <p:cNvSpPr>
+            <a:spLocks noGrp="1"/>
+          </p:cNvSpPr>
+          <p:nvPr>
+            <p:ph type="body" idx="1"/>
+          </p:nvPr>
+        </p:nvSpPr>
+        <p:spPr/>
+        <p:txBody>
+          <a:bodyPr/>
+          <a:lstStyle/>
+          <a:p>
+            <a:r>
+              <a:rPr lang="zh-CN" altLang="en-US" sz="1200" b="0" i="0" kern="1200" dirty="0" smtClean="0">
+                <a:solidFill>
+                  <a:schemeClr val="tx1"/>
+                </a:solidFill>
+                <a:effectLst/>
+                <a:latin typeface="Arial"/>
+                <a:ea typeface="+mn-ea"/>
+                <a:cs typeface="+mn-cs"/>
+              </a:rPr>
+              <a:t>子组件暴露一个 </a:t>
+            </a:r>
+            <a:r>
+              <a:rPr lang="en-US" altLang="zh-CN" sz="1200" b="0" i="0" kern="1200" dirty="0" err="1" smtClean="0">
+                <a:solidFill>
+                  <a:schemeClr val="tx1"/>
+                </a:solidFill>
+                <a:effectLst/>
+                <a:latin typeface="Arial"/>
+                <a:ea typeface="+mn-ea"/>
+                <a:cs typeface="+mn-cs"/>
+              </a:rPr>
+              <a:t>EventEmitter</a:t>
+            </a:r>
+            <a:r>
+              <a:rPr lang="en-US" altLang="zh-CN" sz="1200" b="0" i="0" kern="1200" dirty="0" smtClean="0">
+                <a:solidFill>
+                  <a:schemeClr val="tx1"/>
+                </a:solidFill>
+                <a:effectLst/>
+                <a:latin typeface="Arial"/>
+                <a:ea typeface="+mn-ea"/>
+                <a:cs typeface="+mn-cs"/>
+              </a:rPr>
+              <a:t> </a:t>
+            </a:r>
+            <a:r>
+              <a:rPr lang="zh-CN" altLang="en-US" sz="1200" b="0" i="0" kern="1200" dirty="0" smtClean="0">
+                <a:solidFill>
+                  <a:schemeClr val="tx1"/>
+                </a:solidFill>
+                <a:effectLst/>
+                <a:latin typeface="Arial"/>
+                <a:ea typeface="+mn-ea"/>
+                <a:cs typeface="+mn-cs"/>
+              </a:rPr>
+              <a:t>属性，当事件发生时，子组件利用该属性 </a:t>
+            </a:r>
+            <a:r>
+              <a:rPr lang="en-US" altLang="zh-CN" sz="1200" b="0" i="0" kern="1200" dirty="0" smtClean="0">
+                <a:solidFill>
+                  <a:schemeClr val="tx1"/>
+                </a:solidFill>
+                <a:effectLst/>
+                <a:latin typeface="Arial"/>
+                <a:ea typeface="+mn-ea"/>
+                <a:cs typeface="+mn-cs"/>
+              </a:rPr>
+              <a:t>emits(</a:t>
+            </a:r>
+            <a:r>
+              <a:rPr lang="zh-CN" altLang="en-US" sz="1200" b="0" i="0" kern="1200" dirty="0" smtClean="0">
+                <a:solidFill>
+                  <a:schemeClr val="tx1"/>
+                </a:solidFill>
+                <a:effectLst/>
+                <a:latin typeface="Arial"/>
+                <a:ea typeface="+mn-ea"/>
+                <a:cs typeface="+mn-cs"/>
+              </a:rPr>
+              <a:t>向上弹射</a:t>
+            </a:r>
+            <a:r>
+              <a:rPr lang="en-US" altLang="zh-CN" sz="1200" b="0" i="0" kern="1200" dirty="0" smtClean="0">
+                <a:solidFill>
+                  <a:schemeClr val="tx1"/>
+                </a:solidFill>
+                <a:effectLst/>
+                <a:latin typeface="Arial"/>
+                <a:ea typeface="+mn-ea"/>
+                <a:cs typeface="+mn-cs"/>
+              </a:rPr>
+              <a:t>)</a:t>
+            </a:r>
+            <a:r>
+              <a:rPr lang="zh-CN" altLang="en-US" sz="1200" b="0" i="0" kern="1200" dirty="0" smtClean="0">
+                <a:solidFill>
+                  <a:schemeClr val="tx1"/>
+                </a:solidFill>
+                <a:effectLst/>
+                <a:latin typeface="Arial"/>
+                <a:ea typeface="+mn-ea"/>
+                <a:cs typeface="+mn-cs"/>
+              </a:rPr>
+              <a:t>事件。父组件绑定到这个事件属性，并在事件发生时作出回应。</a:t>
+            </a:r>
+            <a:endParaRPr lang="zh-CN" altLang="en-US" dirty="0"/>
+          </a:p>
+        </p:txBody>
+      </p:sp>
+      <p:sp>
+        <p:nvSpPr>
+          <p:cNvPr id="4" name="灯片编号占位符 3"/>
+          <p:cNvSpPr>
+            <a:spLocks noGrp="1"/>
+          </p:cNvSpPr>
+          <p:nvPr>
+            <p:ph type="sldNum" sz="quarter" idx="10"/>
+          </p:nvPr>
+        </p:nvSpPr>
+        <p:spPr/>
+        <p:txBody>
+          <a:bodyPr/>
+          <a:lstStyle/>
+          <a:p>
+            <a:fld id="{AC8DF440-AC1E-4EB3-BCAA-2AAB8924A793}" type="slidenum">
+              <a:rPr lang="en-US" sz="800" smtClean="0">
+                <a:solidFill>
+                  <a:schemeClr val="bg1"/>
+                </a:solidFill>
+                <a:latin typeface="Arial"/>
+              </a:rPr>
+              <a:pPr/>
+              <a:t>4</a:t>
+            </a:fld>
+            <a:endParaRPr lang="en-US" sz="800" dirty="0">
+              <a:solidFill>
+                <a:schemeClr val="bg1"/>
+              </a:solidFill>
+              <a:latin typeface="Arial"/>
+            </a:endParaRPr>
+          </a:p>
+        </p:txBody>
+      </p:sp>
+    </p:spTree>
+    <p:extLst>
+      <p:ext uri="{BB962C8B-B14F-4D97-AF65-F5344CB8AC3E}">
+        <p14:creationId xmlns:p14="http://schemas.microsoft.com/office/powerpoint/2010/main" val="1627728936"/>
+      </p:ext>
+    </p:extLst>
+  </p:cSld>
+  <p:clrMapOvr>
+    <a:masterClrMapping/>
+  </p:clrMapOvr>
+</p:notes>
+</file>
+
+<file path=ppt/notesSlides/notesSlide3.xml><?xml version="1.0" encoding="utf-8"?>
+<p:notes xmlns:a="http://schemas.openxmlformats.org/drawingml/2006/main" xmlns:r="http://schemas.openxmlformats.org/officeDocument/2006/relationships" xmlns:p="http://schemas.openxmlformats.org/presentationml/2006/main">
+  <p:cSld>
+    <p:spTree>
+      <p:nvGrpSpPr>
+        <p:cNvPr id="1" name=""/>
+        <p:cNvGrpSpPr/>
+        <p:nvPr/>
+      </p:nvGrpSpPr>
+      <p:grpSpPr>
+        <a:xfrm>
+          <a:off x="0" y="0"/>
+          <a:ext cx="0" cy="0"/>
+          <a:chOff x="0" y="0"/>
+          <a:chExt cx="0" cy="0"/>
+        </a:xfrm>
+      </p:grpSpPr>
+      <p:sp>
+        <p:nvSpPr>
+          <p:cNvPr id="2" name="幻灯片图像占位符 1"/>
+          <p:cNvSpPr>
+            <a:spLocks noGrp="1" noRot="1" noChangeAspect="1"/>
+          </p:cNvSpPr>
+          <p:nvPr>
+            <p:ph type="sldImg"/>
+          </p:nvPr>
+        </p:nvSpPr>
+        <p:spPr/>
+      </p:sp>
+      <p:sp>
+        <p:nvSpPr>
+          <p:cNvPr id="3" name="备注占位符 2"/>
+          <p:cNvSpPr>
+            <a:spLocks noGrp="1"/>
+          </p:cNvSpPr>
+          <p:nvPr>
+            <p:ph type="body" idx="1"/>
+          </p:nvPr>
+        </p:nvSpPr>
+        <p:spPr/>
+        <p:txBody>
+          <a:bodyPr/>
+          <a:lstStyle/>
+          <a:p>
+            <a:r>
+              <a:rPr lang="zh-CN" altLang="en-US" dirty="0" smtClean="0"/>
+              <a:t>当父组件类需要这种访问时，可以把子组件作为 </a:t>
+            </a:r>
+            <a:r>
+              <a:rPr lang="en-US" altLang="zh-CN" dirty="0" err="1" smtClean="0"/>
+              <a:t>ViewChild</a:t>
+            </a:r>
+            <a:r>
+              <a:rPr lang="zh-CN" altLang="en-US" dirty="0" smtClean="0"/>
+              <a:t>，注入到父组件里面。</a:t>
+            </a:r>
+            <a:endParaRPr lang="zh-CN" altLang="en-US" dirty="0"/>
+          </a:p>
+        </p:txBody>
+      </p:sp>
+      <p:sp>
+        <p:nvSpPr>
+          <p:cNvPr id="4" name="灯片编号占位符 3"/>
+          <p:cNvSpPr>
+            <a:spLocks noGrp="1"/>
+          </p:cNvSpPr>
+          <p:nvPr>
+            <p:ph type="sldNum" sz="quarter" idx="10"/>
+          </p:nvPr>
+        </p:nvSpPr>
+        <p:spPr/>
+        <p:txBody>
+          <a:bodyPr/>
+          <a:lstStyle/>
+          <a:p>
+            <a:fld id="{AC8DF440-AC1E-4EB3-BCAA-2AAB8924A793}" type="slidenum">
+              <a:rPr lang="en-US" sz="800" smtClean="0">
+                <a:solidFill>
+                  <a:schemeClr val="bg1"/>
+                </a:solidFill>
+                <a:latin typeface="Arial"/>
+              </a:rPr>
+              <a:pPr/>
+              <a:t>6</a:t>
+            </a:fld>
+            <a:endParaRPr lang="en-US" sz="800" dirty="0">
+              <a:solidFill>
+                <a:schemeClr val="bg1"/>
+              </a:solidFill>
+              <a:latin typeface="Arial"/>
+            </a:endParaRPr>
+          </a:p>
+        </p:txBody>
+      </p:sp>
+    </p:spTree>
+    <p:extLst>
+      <p:ext uri="{BB962C8B-B14F-4D97-AF65-F5344CB8AC3E}">
+        <p14:creationId xmlns:p14="http://schemas.microsoft.com/office/powerpoint/2010/main" val="3024686704"/>
+      </p:ext>
+    </p:extLst>
+  </p:cSld>
+  <p:clrMapOvr>
+    <a:masterClrMapping/>
+  </p:clrMapOvr>
+</p:notes>
+</file>
+
+<file path=ppt/notesSlides/notesSlide4.xml><?xml version="1.0" encoding="utf-8"?>
+<p:notes xmlns:a="http://schemas.openxmlformats.org/drawingml/2006/main" xmlns:r="http://schemas.openxmlformats.org/officeDocument/2006/relationships" xmlns:p="http://schemas.openxmlformats.org/presentationml/2006/main">
+  <p:cSld>
+    <p:spTree>
+      <p:nvGrpSpPr>
+        <p:cNvPr id="1" name=""/>
+        <p:cNvGrpSpPr/>
+        <p:nvPr/>
+      </p:nvGrpSpPr>
+      <p:grpSpPr>
+        <a:xfrm>
+          <a:off x="0" y="0"/>
+          <a:ext cx="0" cy="0"/>
+          <a:chOff x="0" y="0"/>
+          <a:chExt cx="0" cy="0"/>
+        </a:xfrm>
+      </p:grpSpPr>
+      <p:sp>
+        <p:nvSpPr>
+          <p:cNvPr id="2" name="幻灯片图像占位符 1"/>
+          <p:cNvSpPr>
+            <a:spLocks noGrp="1" noRot="1" noChangeAspect="1"/>
+          </p:cNvSpPr>
+          <p:nvPr>
+            <p:ph type="sldImg"/>
+          </p:nvPr>
+        </p:nvSpPr>
+        <p:spPr/>
+      </p:sp>
+      <p:sp>
+        <p:nvSpPr>
+          <p:cNvPr id="3" name="备注占位符 2"/>
+          <p:cNvSpPr>
+            <a:spLocks noGrp="1"/>
+          </p:cNvSpPr>
+          <p:nvPr>
+            <p:ph type="body" idx="1"/>
+          </p:nvPr>
+        </p:nvSpPr>
+        <p:spPr/>
+        <p:txBody>
+          <a:bodyPr/>
+          <a:lstStyle/>
+          <a:p>
+            <a:endParaRPr lang="zh-CN" altLang="en-US" dirty="0"/>
+          </a:p>
+        </p:txBody>
+      </p:sp>
+      <p:sp>
+        <p:nvSpPr>
+          <p:cNvPr id="4" name="灯片编号占位符 3"/>
+          <p:cNvSpPr>
+            <a:spLocks noGrp="1"/>
+          </p:cNvSpPr>
+          <p:nvPr>
+            <p:ph type="sldNum" sz="quarter" idx="10"/>
+          </p:nvPr>
+        </p:nvSpPr>
+        <p:spPr/>
+        <p:txBody>
+          <a:bodyPr/>
+          <a:lstStyle/>
+          <a:p>
+            <a:fld id="{AC8DF440-AC1E-4EB3-BCAA-2AAB8924A793}" type="slidenum">
+              <a:rPr lang="en-US" sz="800" smtClean="0">
+                <a:solidFill>
+                  <a:schemeClr val="bg1"/>
+                </a:solidFill>
+                <a:latin typeface="Arial"/>
+              </a:rPr>
+              <a:pPr/>
+              <a:t>7</a:t>
+            </a:fld>
+            <a:endParaRPr lang="en-US" sz="800" dirty="0">
+              <a:solidFill>
+                <a:schemeClr val="bg1"/>
+              </a:solidFill>
+              <a:latin typeface="Arial"/>
+            </a:endParaRPr>
+          </a:p>
+        </p:txBody>
+      </p:sp>
+    </p:spTree>
+    <p:extLst>
+      <p:ext uri="{BB962C8B-B14F-4D97-AF65-F5344CB8AC3E}">
+        <p14:creationId xmlns:p14="http://schemas.microsoft.com/office/powerpoint/2010/main" val="202820752"/>
+      </p:ext>
+    </p:extLst>
+  </p:cSld>
+  <p:clrMapOvr>
+    <a:masterClrMapping/>
+  </p:clrMapOvr>
+</p:notes>
+</file>
+
+<file path=ppt/notesSlides/notesSlide5.xml><?xml version="1.0" encoding="utf-8"?>
+<p:notes xmlns:a="http://schemas.openxmlformats.org/drawingml/2006/main" xmlns:r="http://schemas.openxmlformats.org/officeDocument/2006/relationships" xmlns:p="http://schemas.openxmlformats.org/presentationml/2006/main">
+  <p:cSld>
+    <p:spTree>
+      <p:nvGrpSpPr>
+        <p:cNvPr id="1" name=""/>
+        <p:cNvGrpSpPr/>
+        <p:nvPr/>
+      </p:nvGrpSpPr>
+      <p:grpSpPr>
+        <a:xfrm>
+          <a:off x="0" y="0"/>
+          <a:ext cx="0" cy="0"/>
+          <a:chOff x="0" y="0"/>
+          <a:chExt cx="0" cy="0"/>
+        </a:xfrm>
+      </p:grpSpPr>
+      <p:sp>
+        <p:nvSpPr>
+          <p:cNvPr id="2" name="幻灯片图像占位符 1"/>
+          <p:cNvSpPr>
+            <a:spLocks noGrp="1" noRot="1" noChangeAspect="1"/>
+          </p:cNvSpPr>
+          <p:nvPr>
+            <p:ph type="sldImg"/>
+          </p:nvPr>
+        </p:nvSpPr>
+        <p:spPr/>
+      </p:sp>
+      <p:sp>
+        <p:nvSpPr>
+          <p:cNvPr id="3" name="备注占位符 2"/>
+          <p:cNvSpPr>
+            <a:spLocks noGrp="1"/>
+          </p:cNvSpPr>
+          <p:nvPr>
+            <p:ph type="body" idx="1"/>
+          </p:nvPr>
+        </p:nvSpPr>
+        <p:spPr/>
+        <p:txBody>
+          <a:bodyPr/>
+          <a:lstStyle/>
+          <a:p>
+            <a:endParaRPr lang="zh-CN" altLang="en-US" dirty="0"/>
+          </a:p>
+        </p:txBody>
+      </p:sp>
+      <p:sp>
+        <p:nvSpPr>
+          <p:cNvPr id="4" name="灯片编号占位符 3"/>
+          <p:cNvSpPr>
+            <a:spLocks noGrp="1"/>
+          </p:cNvSpPr>
+          <p:nvPr>
+            <p:ph type="sldNum" sz="quarter" idx="10"/>
+          </p:nvPr>
+        </p:nvSpPr>
+        <p:spPr/>
+        <p:txBody>
+          <a:bodyPr/>
+          <a:lstStyle/>
+          <a:p>
+            <a:fld id="{AC8DF440-AC1E-4EB3-BCAA-2AAB8924A793}" type="slidenum">
+              <a:rPr lang="en-US" sz="800" smtClean="0">
+                <a:solidFill>
+                  <a:schemeClr val="bg1"/>
+                </a:solidFill>
+                <a:latin typeface="Arial"/>
+              </a:rPr>
+              <a:pPr/>
+              <a:t>8</a:t>
+            </a:fld>
+            <a:endParaRPr lang="en-US" sz="800" dirty="0">
+              <a:solidFill>
+                <a:schemeClr val="bg1"/>
+              </a:solidFill>
+              <a:latin typeface="Arial"/>
+            </a:endParaRPr>
+          </a:p>
+        </p:txBody>
+      </p:sp>
+    </p:spTree>
+    <p:extLst>
+      <p:ext uri="{BB962C8B-B14F-4D97-AF65-F5344CB8AC3E}">
+        <p14:creationId xmlns:p14="http://schemas.microsoft.com/office/powerpoint/2010/main" val="1478978399"/>
+      </p:ext>
+    </p:extLst>
+  </p:cSld>
+  <p:clrMapOvr>
+    <a:masterClrMapping/>
+  </p:clrMapOvr>
+</p:notes>
+</file>
+
+<file path=ppt/notesSlides/notesSlide6.xml><?xml version="1.0" encoding="utf-8"?>
+<p:notes xmlns:a="http://schemas.openxmlformats.org/drawingml/2006/main" xmlns:r="http://schemas.openxmlformats.org/officeDocument/2006/relationships" xmlns:p="http://schemas.openxmlformats.org/presentationml/2006/main">
+  <p:cSld>
+    <p:spTree>
+      <p:nvGrpSpPr>
+        <p:cNvPr id="1" name=""/>
+        <p:cNvGrpSpPr/>
+        <p:nvPr/>
+      </p:nvGrpSpPr>
+      <p:grpSpPr>
+        <a:xfrm>
+          <a:off x="0" y="0"/>
+          <a:ext cx="0" cy="0"/>
+          <a:chOff x="0" y="0"/>
+          <a:chExt cx="0" cy="0"/>
+        </a:xfrm>
+      </p:grpSpPr>
+      <p:sp>
+        <p:nvSpPr>
+          <p:cNvPr id="2" name="幻灯片图像占位符 1"/>
+          <p:cNvSpPr>
+            <a:spLocks noGrp="1" noRot="1" noChangeAspect="1"/>
+          </p:cNvSpPr>
+          <p:nvPr>
+            <p:ph type="sldImg"/>
+          </p:nvPr>
+        </p:nvSpPr>
+        <p:spPr/>
+      </p:sp>
+      <p:sp>
+        <p:nvSpPr>
+          <p:cNvPr id="3" name="备注占位符 2"/>
+          <p:cNvSpPr>
+            <a:spLocks noGrp="1"/>
+          </p:cNvSpPr>
+          <p:nvPr>
+            <p:ph type="body" idx="1"/>
+          </p:nvPr>
+        </p:nvSpPr>
+        <p:spPr/>
+        <p:txBody>
+          <a:bodyPr/>
+          <a:lstStyle/>
+          <a:p>
+            <a:r>
+              <a:rPr lang="zh-CN" altLang="en-US" sz="1200" b="0" i="0" kern="1200" dirty="0" smtClean="0">
+                <a:solidFill>
+                  <a:schemeClr val="tx1"/>
+                </a:solidFill>
+                <a:effectLst/>
+                <a:latin typeface="Arial"/>
+                <a:ea typeface="+mn-ea"/>
+                <a:cs typeface="+mn-cs"/>
+              </a:rPr>
+              <a:t>父组件监听子组件的事件</a:t>
+            </a:r>
+            <a:r>
+              <a:rPr lang="en-US" altLang="zh-CN" sz="1200" b="0" i="0" kern="1200" dirty="0" smtClean="0">
+                <a:solidFill>
+                  <a:schemeClr val="tx1"/>
+                </a:solidFill>
+                <a:effectLst/>
+                <a:latin typeface="Arial"/>
+                <a:ea typeface="+mn-ea"/>
+                <a:cs typeface="+mn-cs"/>
+              </a:rPr>
+              <a:t>.</a:t>
+            </a:r>
+            <a:r>
+              <a:rPr lang="zh-CN" altLang="en-US" sz="1200" b="0" i="0" kern="1200" dirty="0" smtClean="0">
+                <a:solidFill>
+                  <a:schemeClr val="tx1"/>
+                </a:solidFill>
+                <a:effectLst/>
+                <a:latin typeface="Arial"/>
+                <a:ea typeface="+mn-ea"/>
+                <a:cs typeface="+mn-cs"/>
+              </a:rPr>
+              <a:t>子组件暴露一个 </a:t>
+            </a:r>
+            <a:r>
+              <a:rPr lang="en-US" altLang="zh-CN" sz="1200" b="0" i="0" kern="1200" dirty="0" err="1" smtClean="0">
+                <a:solidFill>
+                  <a:schemeClr val="tx1"/>
+                </a:solidFill>
+                <a:effectLst/>
+                <a:latin typeface="Arial"/>
+                <a:ea typeface="+mn-ea"/>
+                <a:cs typeface="+mn-cs"/>
+              </a:rPr>
+              <a:t>EventEmitter</a:t>
+            </a:r>
+            <a:r>
+              <a:rPr lang="en-US" altLang="zh-CN" sz="1200" b="0" i="0" kern="1200" dirty="0" smtClean="0">
+                <a:solidFill>
+                  <a:schemeClr val="tx1"/>
+                </a:solidFill>
+                <a:effectLst/>
+                <a:latin typeface="Arial"/>
+                <a:ea typeface="+mn-ea"/>
+                <a:cs typeface="+mn-cs"/>
+              </a:rPr>
+              <a:t> </a:t>
+            </a:r>
+            <a:r>
+              <a:rPr lang="zh-CN" altLang="en-US" sz="1200" b="0" i="0" kern="1200" dirty="0" smtClean="0">
+                <a:solidFill>
+                  <a:schemeClr val="tx1"/>
+                </a:solidFill>
+                <a:effectLst/>
+                <a:latin typeface="Arial"/>
+                <a:ea typeface="+mn-ea"/>
+                <a:cs typeface="+mn-cs"/>
+              </a:rPr>
+              <a:t>属性，当事件发生时，子组件利用该属性 </a:t>
+            </a:r>
+            <a:r>
+              <a:rPr lang="en-US" altLang="zh-CN" sz="1200" b="0" i="0" kern="1200" dirty="0" smtClean="0">
+                <a:solidFill>
+                  <a:schemeClr val="tx1"/>
+                </a:solidFill>
+                <a:effectLst/>
+                <a:latin typeface="Arial"/>
+                <a:ea typeface="+mn-ea"/>
+                <a:cs typeface="+mn-cs"/>
+              </a:rPr>
+              <a:t>emits(</a:t>
+            </a:r>
+            <a:r>
+              <a:rPr lang="zh-CN" altLang="en-US" sz="1200" b="0" i="0" kern="1200" dirty="0" smtClean="0">
+                <a:solidFill>
+                  <a:schemeClr val="tx1"/>
+                </a:solidFill>
+                <a:effectLst/>
+                <a:latin typeface="Arial"/>
+                <a:ea typeface="+mn-ea"/>
+                <a:cs typeface="+mn-cs"/>
+              </a:rPr>
+              <a:t>向上弹射</a:t>
+            </a:r>
+            <a:r>
+              <a:rPr lang="en-US" altLang="zh-CN" sz="1200" b="0" i="0" kern="1200" dirty="0" smtClean="0">
+                <a:solidFill>
+                  <a:schemeClr val="tx1"/>
+                </a:solidFill>
+                <a:effectLst/>
+                <a:latin typeface="Arial"/>
+                <a:ea typeface="+mn-ea"/>
+                <a:cs typeface="+mn-cs"/>
+              </a:rPr>
+              <a:t>)</a:t>
+            </a:r>
+            <a:r>
+              <a:rPr lang="zh-CN" altLang="en-US" sz="1200" b="0" i="0" kern="1200" smtClean="0">
+                <a:solidFill>
+                  <a:schemeClr val="tx1"/>
+                </a:solidFill>
+                <a:effectLst/>
+                <a:latin typeface="Arial"/>
+                <a:ea typeface="+mn-ea"/>
+                <a:cs typeface="+mn-cs"/>
+              </a:rPr>
+              <a:t>事件。父组件绑定到这个事件属性，并在事件发生时作出回应。</a:t>
+            </a:r>
+            <a:endParaRPr lang="zh-CN" altLang="en-US" sz="1200" b="0" i="0" kern="1200" dirty="0" smtClean="0">
+              <a:solidFill>
+                <a:schemeClr val="tx1"/>
+              </a:solidFill>
+              <a:effectLst/>
+              <a:latin typeface="Arial"/>
+              <a:ea typeface="+mn-ea"/>
+              <a:cs typeface="+mn-cs"/>
+            </a:endParaRPr>
+          </a:p>
+        </p:txBody>
+      </p:sp>
+      <p:sp>
+        <p:nvSpPr>
+          <p:cNvPr id="4" name="灯片编号占位符 3"/>
+          <p:cNvSpPr>
+            <a:spLocks noGrp="1"/>
+          </p:cNvSpPr>
+          <p:nvPr>
+            <p:ph type="sldNum" sz="quarter" idx="10"/>
+          </p:nvPr>
+        </p:nvSpPr>
+        <p:spPr/>
+        <p:txBody>
+          <a:bodyPr/>
+          <a:lstStyle/>
+          <a:p>
+            <a:fld id="{AC8DF440-AC1E-4EB3-BCAA-2AAB8924A793}" type="slidenum">
+              <a:rPr lang="en-US" sz="800" smtClean="0">
+                <a:solidFill>
+                  <a:schemeClr val="bg1"/>
+                </a:solidFill>
+                <a:latin typeface="Arial"/>
+              </a:rPr>
+              <a:pPr/>
+              <a:t>9</a:t>
+            </a:fld>
+            <a:endParaRPr lang="en-US" sz="800" dirty="0">
+              <a:solidFill>
+                <a:schemeClr val="bg1"/>
+              </a:solidFill>
+              <a:latin typeface="Arial"/>
+            </a:endParaRPr>
+          </a:p>
+        </p:txBody>
+      </p:sp>
+    </p:spTree>
+    <p:extLst>
+      <p:ext uri="{BB962C8B-B14F-4D97-AF65-F5344CB8AC3E}">
+        <p14:creationId xmlns:p14="http://schemas.microsoft.com/office/powerpoint/2010/main" val="927829123"/>
+      </p:ext>
+    </p:extLst>
+  </p:cSld>
+  <p:clrMapOvr>
+    <a:masterClrMapping/>
+  </p:clrMapOvr>
+</p:notes>
+</file>
+
+<file path=ppt/notesSlides/notesSlide7.xml><?xml version="1.0" encoding="utf-8"?>
+<p:notes xmlns:a="http://schemas.openxmlformats.org/drawingml/2006/main" xmlns:r="http://schemas.openxmlformats.org/officeDocument/2006/relationships" xmlns:p="http://schemas.openxmlformats.org/presentationml/2006/main">
+  <p:cSld>
+    <p:spTree>
+      <p:nvGrpSpPr>
+        <p:cNvPr id="1" name=""/>
+        <p:cNvGrpSpPr/>
+        <p:nvPr/>
+      </p:nvGrpSpPr>
+      <p:grpSpPr>
+        <a:xfrm>
+          <a:off x="0" y="0"/>
+          <a:ext cx="0" cy="0"/>
+          <a:chOff x="0" y="0"/>
+          <a:chExt cx="0" cy="0"/>
+        </a:xfrm>
+      </p:grpSpPr>
+      <p:sp>
+        <p:nvSpPr>
+          <p:cNvPr id="2" name="幻灯片图像占位符 1"/>
+          <p:cNvSpPr>
+            <a:spLocks noGrp="1" noRot="1" noChangeAspect="1"/>
+          </p:cNvSpPr>
+          <p:nvPr>
+            <p:ph type="sldImg"/>
+          </p:nvPr>
+        </p:nvSpPr>
+        <p:spPr/>
+      </p:sp>
+      <p:sp>
+        <p:nvSpPr>
+          <p:cNvPr id="3" name="备注占位符 2"/>
+          <p:cNvSpPr>
+            <a:spLocks noGrp="1"/>
+          </p:cNvSpPr>
+          <p:nvPr>
+            <p:ph type="body" idx="1"/>
+          </p:nvPr>
+        </p:nvSpPr>
+        <p:spPr/>
+        <p:txBody>
+          <a:bodyPr/>
+          <a:lstStyle/>
+          <a:p>
+            <a:endParaRPr lang="zh-CN" altLang="en-US" dirty="0"/>
+          </a:p>
+        </p:txBody>
+      </p:sp>
+      <p:sp>
+        <p:nvSpPr>
+          <p:cNvPr id="4" name="灯片编号占位符 3"/>
+          <p:cNvSpPr>
+            <a:spLocks noGrp="1"/>
+          </p:cNvSpPr>
+          <p:nvPr>
+            <p:ph type="sldNum" sz="quarter" idx="10"/>
+          </p:nvPr>
+        </p:nvSpPr>
+        <p:spPr/>
+        <p:txBody>
+          <a:bodyPr/>
+          <a:lstStyle/>
+          <a:p>
+            <a:fld id="{AC8DF440-AC1E-4EB3-BCAA-2AAB8924A793}" type="slidenum">
+              <a:rPr lang="en-US" sz="800" smtClean="0">
+                <a:solidFill>
+                  <a:schemeClr val="bg1"/>
+                </a:solidFill>
+                <a:latin typeface="Arial"/>
+              </a:rPr>
+              <a:pPr/>
+              <a:t>11</a:t>
+            </a:fld>
+            <a:endParaRPr lang="en-US" sz="800" dirty="0">
+              <a:solidFill>
+                <a:schemeClr val="bg1"/>
+              </a:solidFill>
+              <a:latin typeface="Arial"/>
+            </a:endParaRPr>
+          </a:p>
+        </p:txBody>
+      </p:sp>
+    </p:spTree>
+    <p:extLst>
+      <p:ext uri="{BB962C8B-B14F-4D97-AF65-F5344CB8AC3E}">
+        <p14:creationId xmlns:p14="http://schemas.microsoft.com/office/powerpoint/2010/main" val="957041586"/>
+      </p:ext>
+    </p:extLst>
+  </p:cSld>
+  <p:clrMapOvr>
+    <a:masterClrMapping/>
+  </p:clrMapOvr>
+</p:notes>
+</file>
+
+<file path=ppt/notesSlides/notesSlide8.xml><?xml version="1.0" encoding="utf-8"?>
+<p:notes xmlns:a="http://schemas.openxmlformats.org/drawingml/2006/main" xmlns:r="http://schemas.openxmlformats.org/officeDocument/2006/relationships" xmlns:p="http://schemas.openxmlformats.org/presentationml/2006/main">
+  <p:cSld>
+    <p:spTree>
+      <p:nvGrpSpPr>
+        <p:cNvPr id="1" name=""/>
+        <p:cNvGrpSpPr/>
+        <p:nvPr/>
+      </p:nvGrpSpPr>
+      <p:grpSpPr>
+        <a:xfrm>
+          <a:off x="0" y="0"/>
+          <a:ext cx="0" cy="0"/>
+          <a:chOff x="0" y="0"/>
+          <a:chExt cx="0" cy="0"/>
+        </a:xfrm>
+      </p:grpSpPr>
+      <p:sp>
+        <p:nvSpPr>
+          <p:cNvPr id="2" name="幻灯片图像占位符 1"/>
+          <p:cNvSpPr>
+            <a:spLocks noGrp="1" noRot="1" noChangeAspect="1"/>
+          </p:cNvSpPr>
+          <p:nvPr>
+            <p:ph type="sldImg"/>
+          </p:nvPr>
+        </p:nvSpPr>
+        <p:spPr/>
+      </p:sp>
+      <p:sp>
+        <p:nvSpPr>
+          <p:cNvPr id="3" name="备注占位符 2"/>
+          <p:cNvSpPr>
+            <a:spLocks noGrp="1"/>
+          </p:cNvSpPr>
+          <p:nvPr>
+            <p:ph type="body" idx="1"/>
+          </p:nvPr>
+        </p:nvSpPr>
+        <p:spPr/>
+        <p:txBody>
+          <a:bodyPr/>
+          <a:lstStyle/>
+          <a:p>
+            <a:endParaRPr lang="zh-CN" altLang="en-US" dirty="0"/>
+          </a:p>
+        </p:txBody>
+      </p:sp>
+      <p:sp>
+        <p:nvSpPr>
+          <p:cNvPr id="4" name="灯片编号占位符 3"/>
+          <p:cNvSpPr>
+            <a:spLocks noGrp="1"/>
+          </p:cNvSpPr>
+          <p:nvPr>
+            <p:ph type="sldNum" sz="quarter" idx="10"/>
+          </p:nvPr>
+        </p:nvSpPr>
+        <p:spPr/>
+        <p:txBody>
+          <a:bodyPr/>
+          <a:lstStyle/>
+          <a:p>
+            <a:fld id="{AC8DF440-AC1E-4EB3-BCAA-2AAB8924A793}" type="slidenum">
+              <a:rPr lang="en-US" sz="800" smtClean="0">
+                <a:solidFill>
+                  <a:schemeClr val="bg1"/>
+                </a:solidFill>
+                <a:latin typeface="Arial"/>
+              </a:rPr>
+              <a:pPr/>
+              <a:t>12</a:t>
+            </a:fld>
+            <a:endParaRPr lang="en-US" sz="800" dirty="0">
+              <a:solidFill>
+                <a:schemeClr val="bg1"/>
+              </a:solidFill>
+              <a:latin typeface="Arial"/>
+            </a:endParaRPr>
+          </a:p>
+        </p:txBody>
+      </p:sp>
+    </p:spTree>
+    <p:extLst>
+      <p:ext uri="{BB962C8B-B14F-4D97-AF65-F5344CB8AC3E}">
+        <p14:creationId xmlns:p14="http://schemas.microsoft.com/office/powerpoint/2010/main" val="1986306649"/>
+      </p:ext>
+    </p:extLst>
+  </p:cSld>
+  <p:clrMapOvr>
+    <a:masterClrMapping/>
+  </p:clrMapOvr>
+</p:notes>
+</file>
+
+<file path=ppt/notesSlides/notesSlide9.xml><?xml version="1.0" encoding="utf-8"?>
+<p:notes xmlns:a="http://schemas.openxmlformats.org/drawingml/2006/main" xmlns:r="http://schemas.openxmlformats.org/officeDocument/2006/relationships" xmlns:p="http://schemas.openxmlformats.org/presentationml/2006/main">
+  <p:cSld>
+    <p:spTree>
+      <p:nvGrpSpPr>
+        <p:cNvPr id="1" name=""/>
+        <p:cNvGrpSpPr/>
+        <p:nvPr/>
+      </p:nvGrpSpPr>
+      <p:grpSpPr>
+        <a:xfrm>
+          <a:off x="0" y="0"/>
+          <a:ext cx="0" cy="0"/>
+          <a:chOff x="0" y="0"/>
+          <a:chExt cx="0" cy="0"/>
+        </a:xfrm>
+      </p:grpSpPr>
+      <p:sp>
+        <p:nvSpPr>
+          <p:cNvPr id="2" name="幻灯片图像占位符 1"/>
+          <p:cNvSpPr>
+            <a:spLocks noGrp="1" noRot="1" noChangeAspect="1"/>
+          </p:cNvSpPr>
+          <p:nvPr>
+            <p:ph type="sldImg"/>
+          </p:nvPr>
+        </p:nvSpPr>
+        <p:spPr/>
+      </p:sp>
+      <p:sp>
+        <p:nvSpPr>
+          <p:cNvPr id="3" name="备注占位符 2"/>
+          <p:cNvSpPr>
+            <a:spLocks noGrp="1"/>
+          </p:cNvSpPr>
+          <p:nvPr>
+            <p:ph type="body" idx="1"/>
+          </p:nvPr>
+        </p:nvSpPr>
+        <p:spPr/>
+        <p:txBody>
+          <a:bodyPr/>
+          <a:lstStyle/>
+          <a:p>
+            <a:endParaRPr lang="zh-CN" altLang="en-US" dirty="0"/>
+          </a:p>
+        </p:txBody>
+      </p:sp>
+      <p:sp>
+        <p:nvSpPr>
+          <p:cNvPr id="4" name="灯片编号占位符 3"/>
+          <p:cNvSpPr>
+            <a:spLocks noGrp="1"/>
+          </p:cNvSpPr>
+          <p:nvPr>
+            <p:ph type="sldNum" sz="quarter" idx="10"/>
+          </p:nvPr>
+        </p:nvSpPr>
+        <p:spPr/>
+        <p:txBody>
+          <a:bodyPr/>
+          <a:lstStyle/>
+          <a:p>
+            <a:fld id="{AC8DF440-AC1E-4EB3-BCAA-2AAB8924A793}" type="slidenum">
+              <a:rPr lang="en-US" sz="800" smtClean="0">
+                <a:solidFill>
+                  <a:schemeClr val="bg1"/>
+                </a:solidFill>
+                <a:latin typeface="Arial"/>
+              </a:rPr>
+              <a:pPr/>
+              <a:t>13</a:t>
             </a:fld>
             <a:endParaRPr lang="en-US" sz="800" dirty="0">
               <a:solidFill>
@@ -4942,7 +5950,7 @@
                   <a:schemeClr val="bg1"/>
                 </a:buClr>
               </a:pPr>
-              <a:t>9/17/2018</a:t>
+              <a:t>10/8/2018</a:t>
             </a:fld>
             <a:endParaRPr lang="en-US" sz="900" dirty="0" smtClean="0">
               <a:solidFill>
@@ -5016,7 +6024,7 @@
                   <a:schemeClr val="bg1"/>
                 </a:buClr>
               </a:pPr>
-              <a:t>9/17/2018</a:t>
+              <a:t>10/8/2018</a:t>
             </a:fld>
             <a:endParaRPr lang="en-US" sz="900" dirty="0" smtClean="0">
               <a:solidFill>
@@ -5915,16 +6923,3351 @@
           <a:lstStyle/>
           <a:p>
             <a:r>
+              <a:rPr lang="en-US" altLang="zh-CN" b="1" dirty="0" err="1" smtClean="0"/>
+              <a:t>EventEmitter</a:t>
+            </a:r>
+            <a:r>
+              <a:rPr lang="en-US" altLang="zh-CN" b="1" dirty="0" smtClean="0"/>
+              <a:t>(2)</a:t>
+            </a:r>
+            <a:r>
+              <a:rPr lang="en-US" altLang="zh-CN" b="1" dirty="0"/>
+              <a:t/>
+            </a:r>
+            <a:br>
+              <a:rPr lang="en-US" altLang="zh-CN" b="1" dirty="0"/>
+            </a:br>
+            <a:endParaRPr lang="zh-CN" altLang="en-US" dirty="0"/>
+          </a:p>
+        </p:txBody>
+      </p:sp>
+      <p:sp>
+        <p:nvSpPr>
+          <p:cNvPr id="4" name="矩形 3"/>
+          <p:cNvSpPr/>
+          <p:nvPr/>
+        </p:nvSpPr>
+        <p:spPr>
+          <a:xfrm>
+            <a:off x="6814456" y="544287"/>
+            <a:ext cx="1705429" cy="2540000"/>
+          </a:xfrm>
+          <a:prstGeom prst="rect">
+            <a:avLst/>
+          </a:prstGeom>
+          <a:noFill/>
+          <a:ln w="19050">
+            <a:solidFill>
+              <a:schemeClr val="accent3">
+                <a:lumMod val="60000"/>
+                <a:lumOff val="40000"/>
+              </a:schemeClr>
+            </a:solidFill>
+          </a:ln>
+        </p:spPr>
+        <p:style>
+          <a:lnRef idx="1">
+            <a:schemeClr val="accent2"/>
+          </a:lnRef>
+          <a:fillRef idx="2">
+            <a:schemeClr val="accent2"/>
+          </a:fillRef>
+          <a:effectRef idx="1">
+            <a:schemeClr val="accent2"/>
+          </a:effectRef>
+          <a:fontRef idx="minor">
+            <a:schemeClr val="dk1"/>
+          </a:fontRef>
+        </p:style>
+        <p:txBody>
+          <a:bodyPr wrap="square" lIns="182880" tIns="137160" rIns="137160" bIns="137160" rtlCol="0" anchor="ctr">
+            <a:noAutofit/>
+          </a:bodyPr>
+          <a:lstStyle/>
+          <a:p>
+            <a:pPr>
+              <a:lnSpc>
+                <a:spcPct val="90000"/>
+              </a:lnSpc>
+              <a:spcBef>
+                <a:spcPts val="600"/>
+              </a:spcBef>
+              <a:spcAft>
+                <a:spcPts val="0"/>
+              </a:spcAft>
+            </a:pPr>
+            <a:endParaRPr lang="en-US" altLang="zh-CN" sz="2000" dirty="0" smtClean="0">
+              <a:ln w="0"/>
+              <a:solidFill>
+                <a:schemeClr val="tx1"/>
+              </a:solidFill>
+              <a:effectLst>
+                <a:outerShdw blurRad="38100" dist="19050" dir="2700000" algn="tl" rotWithShape="0">
+                  <a:schemeClr val="dk1">
+                    <a:alpha val="40000"/>
+                  </a:schemeClr>
+                </a:outerShdw>
+              </a:effectLst>
+            </a:endParaRPr>
+          </a:p>
+          <a:p>
+            <a:pPr>
+              <a:lnSpc>
+                <a:spcPct val="90000"/>
+              </a:lnSpc>
+              <a:spcBef>
+                <a:spcPts val="600"/>
+              </a:spcBef>
+              <a:spcAft>
+                <a:spcPts val="0"/>
+              </a:spcAft>
+            </a:pPr>
+            <a:endParaRPr lang="en-US" altLang="zh-CN" sz="2000" dirty="0">
+              <a:ln w="0"/>
+              <a:solidFill>
+                <a:schemeClr val="tx1"/>
+              </a:solidFill>
+              <a:effectLst>
+                <a:outerShdw blurRad="38100" dist="19050" dir="2700000" algn="tl" rotWithShape="0">
+                  <a:schemeClr val="dk1">
+                    <a:alpha val="40000"/>
+                  </a:schemeClr>
+                </a:outerShdw>
+              </a:effectLst>
+            </a:endParaRPr>
+          </a:p>
+          <a:p>
+            <a:pPr>
+              <a:lnSpc>
+                <a:spcPct val="90000"/>
+              </a:lnSpc>
+              <a:spcBef>
+                <a:spcPts val="600"/>
+              </a:spcBef>
+              <a:spcAft>
+                <a:spcPts val="0"/>
+              </a:spcAft>
+            </a:pPr>
+            <a:endParaRPr lang="en-US" altLang="zh-CN" sz="2000" dirty="0" smtClean="0">
+              <a:ln w="0"/>
+              <a:solidFill>
+                <a:schemeClr val="tx1"/>
+              </a:solidFill>
+              <a:effectLst>
+                <a:outerShdw blurRad="38100" dist="19050" dir="2700000" algn="tl" rotWithShape="0">
+                  <a:schemeClr val="dk1">
+                    <a:alpha val="40000"/>
+                  </a:schemeClr>
+                </a:outerShdw>
+              </a:effectLst>
+            </a:endParaRPr>
+          </a:p>
+          <a:p>
+            <a:pPr>
+              <a:lnSpc>
+                <a:spcPct val="90000"/>
+              </a:lnSpc>
+              <a:spcBef>
+                <a:spcPts val="600"/>
+              </a:spcBef>
+              <a:spcAft>
+                <a:spcPts val="0"/>
+              </a:spcAft>
+            </a:pPr>
+            <a:endParaRPr lang="en-US" altLang="zh-CN" sz="2000" dirty="0">
+              <a:ln w="0"/>
+              <a:solidFill>
+                <a:schemeClr val="tx1"/>
+              </a:solidFill>
+              <a:effectLst>
+                <a:outerShdw blurRad="38100" dist="19050" dir="2700000" algn="tl" rotWithShape="0">
+                  <a:schemeClr val="dk1">
+                    <a:alpha val="40000"/>
+                  </a:schemeClr>
+                </a:outerShdw>
+              </a:effectLst>
+            </a:endParaRPr>
+          </a:p>
+          <a:p>
+            <a:pPr>
+              <a:lnSpc>
+                <a:spcPct val="90000"/>
+              </a:lnSpc>
+              <a:spcBef>
+                <a:spcPts val="600"/>
+              </a:spcBef>
+              <a:spcAft>
+                <a:spcPts val="0"/>
+              </a:spcAft>
+            </a:pPr>
+            <a:endParaRPr lang="en-US" altLang="zh-CN" sz="2000" dirty="0" smtClean="0">
+              <a:ln w="0"/>
+              <a:solidFill>
+                <a:schemeClr val="tx1"/>
+              </a:solidFill>
+              <a:effectLst>
+                <a:outerShdw blurRad="38100" dist="19050" dir="2700000" algn="tl" rotWithShape="0">
+                  <a:schemeClr val="dk1">
+                    <a:alpha val="40000"/>
+                  </a:schemeClr>
+                </a:outerShdw>
+              </a:effectLst>
+            </a:endParaRPr>
+          </a:p>
+          <a:p>
+            <a:pPr>
+              <a:lnSpc>
+                <a:spcPct val="90000"/>
+              </a:lnSpc>
+              <a:spcBef>
+                <a:spcPts val="600"/>
+              </a:spcBef>
+              <a:spcAft>
+                <a:spcPts val="0"/>
+              </a:spcAft>
+            </a:pPr>
+            <a:endParaRPr lang="en-US" altLang="zh-CN" sz="2000" dirty="0">
+              <a:ln w="0"/>
+              <a:solidFill>
+                <a:schemeClr val="tx1"/>
+              </a:solidFill>
+              <a:effectLst>
+                <a:outerShdw blurRad="38100" dist="19050" dir="2700000" algn="tl" rotWithShape="0">
+                  <a:schemeClr val="dk1">
+                    <a:alpha val="40000"/>
+                  </a:schemeClr>
+                </a:outerShdw>
+              </a:effectLst>
+            </a:endParaRPr>
+          </a:p>
+          <a:p>
+            <a:pPr>
+              <a:lnSpc>
+                <a:spcPct val="90000"/>
+              </a:lnSpc>
+              <a:spcBef>
+                <a:spcPts val="600"/>
+              </a:spcBef>
+              <a:spcAft>
+                <a:spcPts val="0"/>
+              </a:spcAft>
+            </a:pPr>
+            <a:r>
+              <a:rPr lang="en-US" altLang="zh-CN" sz="2000" dirty="0" smtClean="0">
+                <a:ln w="0"/>
+                <a:solidFill>
+                  <a:schemeClr val="tx1"/>
+                </a:solidFill>
+                <a:effectLst>
+                  <a:outerShdw blurRad="38100" dist="19050" dir="2700000" algn="tl" rotWithShape="0">
+                    <a:schemeClr val="dk1">
+                      <a:alpha val="40000"/>
+                    </a:schemeClr>
+                  </a:outerShdw>
+                </a:effectLst>
+              </a:rPr>
+              <a:t>Service</a:t>
+            </a:r>
+            <a:endParaRPr lang="zh-CN" altLang="en-US" sz="2000" dirty="0" err="1" smtClean="0">
+              <a:ln w="0"/>
+              <a:solidFill>
+                <a:schemeClr val="tx1"/>
+              </a:solidFill>
+              <a:effectLst>
+                <a:outerShdw blurRad="38100" dist="19050" dir="2700000" algn="tl" rotWithShape="0">
+                  <a:schemeClr val="dk1">
+                    <a:alpha val="40000"/>
+                  </a:schemeClr>
+                </a:outerShdw>
+              </a:effectLst>
+              <a:latin typeface="+mn-lt"/>
+            </a:endParaRPr>
+          </a:p>
+        </p:txBody>
+      </p:sp>
+      <p:sp>
+        <p:nvSpPr>
+          <p:cNvPr id="5" name="矩形 4"/>
+          <p:cNvSpPr/>
+          <p:nvPr/>
+        </p:nvSpPr>
+        <p:spPr>
+          <a:xfrm>
+            <a:off x="7050313" y="756876"/>
+            <a:ext cx="1353458" cy="1144495"/>
+          </a:xfrm>
+          <a:prstGeom prst="rect">
+            <a:avLst/>
+          </a:prstGeom>
+          <a:noFill/>
+          <a:ln w="19050">
+            <a:solidFill>
+              <a:schemeClr val="accent1"/>
+            </a:solidFill>
+          </a:ln>
+        </p:spPr>
+        <p:style>
+          <a:lnRef idx="1">
+            <a:schemeClr val="accent1"/>
+          </a:lnRef>
+          <a:fillRef idx="2">
+            <a:schemeClr val="accent1"/>
+          </a:fillRef>
+          <a:effectRef idx="1">
+            <a:schemeClr val="accent1"/>
+          </a:effectRef>
+          <a:fontRef idx="minor">
+            <a:schemeClr val="dk1"/>
+          </a:fontRef>
+        </p:style>
+        <p:txBody>
+          <a:bodyPr wrap="square" lIns="182880" tIns="137160" rIns="137160" bIns="137160" rtlCol="0" anchor="ctr">
+            <a:noAutofit/>
+          </a:bodyPr>
+          <a:lstStyle/>
+          <a:p>
+            <a:pPr algn="r">
+              <a:lnSpc>
+                <a:spcPct val="90000"/>
+              </a:lnSpc>
+              <a:spcBef>
+                <a:spcPts val="600"/>
+              </a:spcBef>
+              <a:spcAft>
+                <a:spcPts val="0"/>
+              </a:spcAft>
+            </a:pPr>
+            <a:endParaRPr lang="en-US" altLang="zh-CN" sz="2000" dirty="0" smtClean="0">
+              <a:ln w="0"/>
+              <a:solidFill>
+                <a:schemeClr val="tx1"/>
+              </a:solidFill>
+              <a:effectLst>
+                <a:outerShdw blurRad="38100" dist="19050" dir="2700000" algn="tl" rotWithShape="0">
+                  <a:schemeClr val="dk1">
+                    <a:alpha val="40000"/>
+                  </a:schemeClr>
+                </a:outerShdw>
+              </a:effectLst>
+              <a:latin typeface="+mn-lt"/>
+            </a:endParaRPr>
+          </a:p>
+          <a:p>
+            <a:pPr algn="r">
+              <a:lnSpc>
+                <a:spcPct val="90000"/>
+              </a:lnSpc>
+              <a:spcBef>
+                <a:spcPts val="600"/>
+              </a:spcBef>
+              <a:spcAft>
+                <a:spcPts val="0"/>
+              </a:spcAft>
+            </a:pPr>
+            <a:endParaRPr lang="en-US" altLang="zh-CN" sz="2000" dirty="0" smtClean="0">
+              <a:ln w="0"/>
+              <a:solidFill>
+                <a:schemeClr val="tx1"/>
+              </a:solidFill>
+              <a:effectLst>
+                <a:outerShdw blurRad="38100" dist="19050" dir="2700000" algn="tl" rotWithShape="0">
+                  <a:schemeClr val="dk1">
+                    <a:alpha val="40000"/>
+                  </a:schemeClr>
+                </a:outerShdw>
+              </a:effectLst>
+            </a:endParaRPr>
+          </a:p>
+          <a:p>
+            <a:pPr algn="r">
+              <a:lnSpc>
+                <a:spcPct val="90000"/>
+              </a:lnSpc>
+              <a:spcBef>
+                <a:spcPts val="600"/>
+              </a:spcBef>
+              <a:spcAft>
+                <a:spcPts val="0"/>
+              </a:spcAft>
+            </a:pPr>
+            <a:r>
+              <a:rPr lang="en-US" altLang="zh-CN" sz="2000" dirty="0" smtClean="0">
+                <a:ln w="0"/>
+                <a:solidFill>
+                  <a:schemeClr val="tx1"/>
+                </a:solidFill>
+                <a:effectLst>
+                  <a:outerShdw blurRad="38100" dist="19050" dir="2700000" algn="tl" rotWithShape="0">
+                    <a:schemeClr val="dk1">
+                      <a:alpha val="40000"/>
+                    </a:schemeClr>
+                  </a:outerShdw>
+                </a:effectLst>
+                <a:latin typeface="+mn-lt"/>
+              </a:rPr>
+              <a:t>Parent </a:t>
+            </a:r>
+            <a:endParaRPr lang="zh-CN" altLang="en-US" sz="2000" dirty="0" err="1" smtClean="0">
+              <a:ln w="0"/>
+              <a:solidFill>
+                <a:schemeClr val="tx1"/>
+              </a:solidFill>
+              <a:effectLst>
+                <a:outerShdw blurRad="38100" dist="19050" dir="2700000" algn="tl" rotWithShape="0">
+                  <a:schemeClr val="dk1">
+                    <a:alpha val="40000"/>
+                  </a:schemeClr>
+                </a:outerShdw>
+              </a:effectLst>
+              <a:latin typeface="+mn-lt"/>
+            </a:endParaRPr>
+          </a:p>
+        </p:txBody>
+      </p:sp>
+      <p:sp>
+        <p:nvSpPr>
+          <p:cNvPr id="6" name="矩形 5"/>
+          <p:cNvSpPr/>
+          <p:nvPr/>
+        </p:nvSpPr>
+        <p:spPr>
+          <a:xfrm>
+            <a:off x="7177314" y="911966"/>
+            <a:ext cx="1052285" cy="452610"/>
+          </a:xfrm>
+          <a:prstGeom prst="rect">
+            <a:avLst/>
+          </a:prstGeom>
+          <a:noFill/>
+          <a:ln w="19050">
+            <a:solidFill>
+              <a:srgbClr val="92D050"/>
+            </a:solidFill>
+          </a:ln>
+        </p:spPr>
+        <p:style>
+          <a:lnRef idx="1">
+            <a:schemeClr val="accent2"/>
+          </a:lnRef>
+          <a:fillRef idx="2">
+            <a:schemeClr val="accent2"/>
+          </a:fillRef>
+          <a:effectRef idx="1">
+            <a:schemeClr val="accent2"/>
+          </a:effectRef>
+          <a:fontRef idx="minor">
+            <a:schemeClr val="dk1"/>
+          </a:fontRef>
+        </p:style>
+        <p:txBody>
+          <a:bodyPr wrap="square" lIns="182880" tIns="137160" rIns="137160" bIns="137160" rtlCol="0" anchor="ctr">
+            <a:noAutofit/>
+          </a:bodyPr>
+          <a:lstStyle/>
+          <a:p>
+            <a:pPr algn="ctr">
+              <a:lnSpc>
+                <a:spcPct val="90000"/>
+              </a:lnSpc>
+              <a:spcBef>
+                <a:spcPts val="600"/>
+              </a:spcBef>
+              <a:spcAft>
+                <a:spcPts val="0"/>
+              </a:spcAft>
+            </a:pPr>
+            <a:r>
+              <a:rPr lang="en-US" altLang="zh-CN" sz="2000" dirty="0" smtClean="0">
+                <a:ln w="0"/>
+                <a:solidFill>
+                  <a:schemeClr val="tx1"/>
+                </a:solidFill>
+                <a:effectLst>
+                  <a:outerShdw blurRad="38100" dist="19050" dir="2700000" algn="tl" rotWithShape="0">
+                    <a:schemeClr val="dk1">
+                      <a:alpha val="40000"/>
+                    </a:schemeClr>
+                  </a:outerShdw>
+                </a:effectLst>
+              </a:rPr>
+              <a:t>Child</a:t>
+            </a:r>
+            <a:endParaRPr lang="zh-CN" altLang="en-US" sz="2000" dirty="0" err="1" smtClean="0">
+              <a:ln w="0"/>
+              <a:solidFill>
+                <a:schemeClr val="tx1"/>
+              </a:solidFill>
+              <a:effectLst>
+                <a:outerShdw blurRad="38100" dist="19050" dir="2700000" algn="tl" rotWithShape="0">
+                  <a:schemeClr val="dk1">
+                    <a:alpha val="40000"/>
+                  </a:schemeClr>
+                </a:outerShdw>
+              </a:effectLst>
+              <a:latin typeface="+mn-lt"/>
+            </a:endParaRPr>
+          </a:p>
+        </p:txBody>
+      </p:sp>
+      <p:cxnSp>
+        <p:nvCxnSpPr>
+          <p:cNvPr id="7" name="直接箭头连接符 6"/>
+          <p:cNvCxnSpPr/>
+          <p:nvPr/>
+        </p:nvCxnSpPr>
+        <p:spPr>
+          <a:xfrm>
+            <a:off x="8055429" y="1901371"/>
+            <a:ext cx="0" cy="384629"/>
+          </a:xfrm>
+          <a:prstGeom prst="straightConnector1">
+            <a:avLst/>
+          </a:prstGeom>
+          <a:ln w="12700" cmpd="sng">
+            <a:solidFill>
+              <a:srgbClr val="000000"/>
+            </a:solidFill>
+            <a:tailEnd type="triangle"/>
+          </a:ln>
+          <a:effectLst/>
+        </p:spPr>
+        <p:style>
+          <a:lnRef idx="2">
+            <a:schemeClr val="accent1"/>
+          </a:lnRef>
+          <a:fillRef idx="0">
+            <a:schemeClr val="accent1"/>
+          </a:fillRef>
+          <a:effectRef idx="1">
+            <a:schemeClr val="accent1"/>
+          </a:effectRef>
+          <a:fontRef idx="minor">
+            <a:schemeClr val="tx1"/>
+          </a:fontRef>
+        </p:style>
+      </p:cxnSp>
+      <p:cxnSp>
+        <p:nvCxnSpPr>
+          <p:cNvPr id="8" name="直接箭头连接符 7"/>
+          <p:cNvCxnSpPr/>
+          <p:nvPr/>
+        </p:nvCxnSpPr>
+        <p:spPr>
+          <a:xfrm flipV="1">
+            <a:off x="7344229" y="1364576"/>
+            <a:ext cx="0" cy="921424"/>
+          </a:xfrm>
+          <a:prstGeom prst="straightConnector1">
+            <a:avLst/>
+          </a:prstGeom>
+          <a:ln w="12700" cmpd="sng">
+            <a:solidFill>
+              <a:srgbClr val="000000"/>
+            </a:solidFill>
+            <a:tailEnd type="triangle"/>
+          </a:ln>
+          <a:effectLst/>
+        </p:spPr>
+        <p:style>
+          <a:lnRef idx="2">
+            <a:schemeClr val="accent1"/>
+          </a:lnRef>
+          <a:fillRef idx="0">
+            <a:schemeClr val="accent1"/>
+          </a:fillRef>
+          <a:effectRef idx="1">
+            <a:schemeClr val="accent1"/>
+          </a:effectRef>
+          <a:fontRef idx="minor">
+            <a:schemeClr val="tx1"/>
+          </a:fontRef>
+        </p:style>
+      </p:cxnSp>
+      <p:sp>
+        <p:nvSpPr>
+          <p:cNvPr id="9" name="矩形 8"/>
+          <p:cNvSpPr/>
+          <p:nvPr/>
+        </p:nvSpPr>
+        <p:spPr>
+          <a:xfrm>
+            <a:off x="7177313" y="2288319"/>
+            <a:ext cx="1052285" cy="346024"/>
+          </a:xfrm>
+          <a:prstGeom prst="rect">
+            <a:avLst/>
+          </a:prstGeom>
+          <a:noFill/>
+          <a:ln w="19050">
+            <a:solidFill>
+              <a:schemeClr val="tx2">
+                <a:lumMod val="65000"/>
+              </a:schemeClr>
+            </a:solidFill>
+          </a:ln>
+        </p:spPr>
+        <p:style>
+          <a:lnRef idx="1">
+            <a:schemeClr val="accent2"/>
+          </a:lnRef>
+          <a:fillRef idx="2">
+            <a:schemeClr val="accent2"/>
+          </a:fillRef>
+          <a:effectRef idx="1">
+            <a:schemeClr val="accent2"/>
+          </a:effectRef>
+          <a:fontRef idx="minor">
+            <a:schemeClr val="dk1"/>
+          </a:fontRef>
+        </p:style>
+        <p:txBody>
+          <a:bodyPr wrap="square" lIns="182880" tIns="137160" rIns="137160" bIns="137160" rtlCol="0" anchor="ctr">
+            <a:noAutofit/>
+          </a:bodyPr>
+          <a:lstStyle/>
+          <a:p>
+            <a:pPr algn="ctr">
+              <a:lnSpc>
+                <a:spcPct val="90000"/>
+              </a:lnSpc>
+              <a:spcBef>
+                <a:spcPts val="600"/>
+              </a:spcBef>
+              <a:spcAft>
+                <a:spcPts val="0"/>
+              </a:spcAft>
+            </a:pPr>
+            <a:r>
+              <a:rPr lang="en-US" altLang="zh-CN" sz="1000" dirty="0" err="1" smtClean="0">
+                <a:ln w="0"/>
+                <a:solidFill>
+                  <a:schemeClr val="tx1"/>
+                </a:solidFill>
+                <a:effectLst>
+                  <a:outerShdw blurRad="38100" dist="19050" dir="2700000" algn="tl" rotWithShape="0">
+                    <a:schemeClr val="dk1">
+                      <a:alpha val="40000"/>
+                    </a:schemeClr>
+                  </a:outerShdw>
+                </a:effectLst>
+                <a:latin typeface="+mn-lt"/>
+              </a:rPr>
+              <a:t>EventEmitter</a:t>
+            </a:r>
+            <a:endParaRPr lang="zh-CN" altLang="en-US" sz="1000" dirty="0" err="1" smtClean="0">
+              <a:ln w="0"/>
+              <a:solidFill>
+                <a:schemeClr val="tx1"/>
+              </a:solidFill>
+              <a:effectLst>
+                <a:outerShdw blurRad="38100" dist="19050" dir="2700000" algn="tl" rotWithShape="0">
+                  <a:schemeClr val="dk1">
+                    <a:alpha val="40000"/>
+                  </a:schemeClr>
+                </a:outerShdw>
+              </a:effectLst>
+              <a:latin typeface="+mn-lt"/>
+            </a:endParaRPr>
+          </a:p>
+        </p:txBody>
+      </p:sp>
+      <p:sp>
+        <p:nvSpPr>
+          <p:cNvPr id="10" name="文本框 9"/>
+          <p:cNvSpPr txBox="1"/>
+          <p:nvPr/>
+        </p:nvSpPr>
+        <p:spPr>
+          <a:xfrm>
+            <a:off x="8095441" y="1923613"/>
+            <a:ext cx="284052" cy="307777"/>
+          </a:xfrm>
+          <a:prstGeom prst="rect">
+            <a:avLst/>
+          </a:prstGeom>
+          <a:noFill/>
+        </p:spPr>
+        <p:txBody>
+          <a:bodyPr wrap="none" rtlCol="0">
+            <a:spAutoFit/>
+          </a:bodyPr>
+          <a:lstStyle/>
+          <a:p>
+            <a:pPr>
+              <a:spcBef>
+                <a:spcPts val="0"/>
+              </a:spcBef>
+              <a:spcAft>
+                <a:spcPts val="0"/>
+              </a:spcAft>
+              <a:buClr>
+                <a:schemeClr val="bg1"/>
+              </a:buClr>
+            </a:pPr>
+            <a:r>
+              <a:rPr lang="en-US" altLang="zh-CN" sz="1400" dirty="0" smtClean="0">
+                <a:solidFill>
+                  <a:schemeClr val="bg2"/>
+                </a:solidFill>
+                <a:latin typeface="+mn-lt"/>
+              </a:rPr>
+              <a:t>1</a:t>
+            </a:r>
+            <a:endParaRPr lang="zh-CN" altLang="en-US" sz="1400" dirty="0" err="1" smtClean="0">
+              <a:solidFill>
+                <a:schemeClr val="bg2"/>
+              </a:solidFill>
+              <a:latin typeface="+mn-lt"/>
+            </a:endParaRPr>
+          </a:p>
+        </p:txBody>
+      </p:sp>
+      <p:sp>
+        <p:nvSpPr>
+          <p:cNvPr id="11" name="文本框 10"/>
+          <p:cNvSpPr txBox="1"/>
+          <p:nvPr/>
+        </p:nvSpPr>
+        <p:spPr>
+          <a:xfrm>
+            <a:off x="7061811" y="1924697"/>
+            <a:ext cx="284052" cy="307777"/>
+          </a:xfrm>
+          <a:prstGeom prst="rect">
+            <a:avLst/>
+          </a:prstGeom>
+          <a:noFill/>
+        </p:spPr>
+        <p:txBody>
+          <a:bodyPr wrap="none" rtlCol="0">
+            <a:spAutoFit/>
+          </a:bodyPr>
+          <a:lstStyle/>
+          <a:p>
+            <a:pPr>
+              <a:spcBef>
+                <a:spcPts val="0"/>
+              </a:spcBef>
+              <a:spcAft>
+                <a:spcPts val="0"/>
+              </a:spcAft>
+              <a:buClr>
+                <a:schemeClr val="bg1"/>
+              </a:buClr>
+            </a:pPr>
+            <a:r>
+              <a:rPr lang="en-US" altLang="zh-CN" sz="1400" dirty="0" smtClean="0">
+                <a:solidFill>
+                  <a:schemeClr val="bg2"/>
+                </a:solidFill>
+                <a:latin typeface="+mn-lt"/>
+              </a:rPr>
+              <a:t>2</a:t>
+            </a:r>
+            <a:endParaRPr lang="zh-CN" altLang="en-US" sz="1400" dirty="0" err="1" smtClean="0">
+              <a:solidFill>
+                <a:schemeClr val="bg2"/>
+              </a:solidFill>
+              <a:latin typeface="+mn-lt"/>
+            </a:endParaRPr>
+          </a:p>
+        </p:txBody>
+      </p:sp>
+      <p:sp>
+        <p:nvSpPr>
+          <p:cNvPr id="12" name="矩形 11"/>
+          <p:cNvSpPr/>
+          <p:nvPr/>
+        </p:nvSpPr>
+        <p:spPr>
+          <a:xfrm>
+            <a:off x="236580" y="3160011"/>
+            <a:ext cx="4764046" cy="1588320"/>
+          </a:xfrm>
+          <a:prstGeom prst="rect">
+            <a:avLst/>
+          </a:prstGeom>
+          <a:noFill/>
+          <a:ln>
+            <a:solidFill>
+              <a:schemeClr val="tx1">
+                <a:lumMod val="20000"/>
+                <a:lumOff val="80000"/>
+              </a:schemeClr>
+            </a:solidFill>
+          </a:ln>
+        </p:spPr>
+        <p:style>
+          <a:lnRef idx="1">
+            <a:schemeClr val="accent2"/>
+          </a:lnRef>
+          <a:fillRef idx="2">
+            <a:schemeClr val="accent2"/>
+          </a:fillRef>
+          <a:effectRef idx="1">
+            <a:schemeClr val="accent2"/>
+          </a:effectRef>
+          <a:fontRef idx="minor">
+            <a:schemeClr val="dk1"/>
+          </a:fontRef>
+        </p:style>
+        <p:txBody>
+          <a:bodyPr wrap="square" lIns="182880" tIns="137160" rIns="137160" bIns="137160" rtlCol="0" anchor="ctr">
+            <a:noAutofit/>
+          </a:bodyPr>
+          <a:lstStyle/>
+          <a:p>
+            <a:pPr algn="ctr">
+              <a:lnSpc>
+                <a:spcPct val="90000"/>
+              </a:lnSpc>
+              <a:spcBef>
+                <a:spcPts val="600"/>
+              </a:spcBef>
+              <a:spcAft>
+                <a:spcPts val="0"/>
+              </a:spcAft>
+            </a:pPr>
+            <a:endParaRPr lang="zh-CN" altLang="en-US" sz="2000" dirty="0" err="1" smtClean="0">
+              <a:solidFill>
+                <a:schemeClr val="tx2"/>
+              </a:solidFill>
+              <a:latin typeface="+mn-lt"/>
+            </a:endParaRPr>
+          </a:p>
+        </p:txBody>
+      </p:sp>
+      <p:sp>
+        <p:nvSpPr>
+          <p:cNvPr id="13" name="矩形 12"/>
+          <p:cNvSpPr/>
+          <p:nvPr/>
+        </p:nvSpPr>
+        <p:spPr>
+          <a:xfrm>
+            <a:off x="236579" y="3178671"/>
+            <a:ext cx="4764047" cy="1569660"/>
+          </a:xfrm>
+          <a:prstGeom prst="rect">
+            <a:avLst/>
+          </a:prstGeom>
+        </p:spPr>
+        <p:txBody>
+          <a:bodyPr wrap="square">
+            <a:spAutoFit/>
+          </a:bodyPr>
+          <a:lstStyle/>
+          <a:p>
+            <a:r>
+              <a:rPr lang="en-US" altLang="zh-CN" sz="1200" b="1" dirty="0" err="1"/>
+              <a:t>m</a:t>
+            </a:r>
+            <a:r>
+              <a:rPr lang="en-US" altLang="zh-CN" sz="1200" b="1" dirty="0" err="1" smtClean="0"/>
+              <a:t>y.service.ts</a:t>
+            </a:r>
+            <a:endParaRPr lang="en-US" altLang="zh-CN" sz="1200" b="1" dirty="0" smtClean="0"/>
+          </a:p>
+          <a:p>
+            <a:endParaRPr lang="en-US" altLang="zh-CN" sz="1200" b="1" dirty="0"/>
+          </a:p>
+          <a:p>
+            <a:r>
+              <a:rPr lang="en-US" altLang="zh-CN" sz="1200" dirty="0"/>
+              <a:t>import {</a:t>
+            </a:r>
+            <a:r>
+              <a:rPr lang="en-US" altLang="zh-CN" sz="1200" dirty="0" err="1"/>
+              <a:t>Component,Injectable,EventEmitter</a:t>
+            </a:r>
+            <a:r>
+              <a:rPr lang="en-US" altLang="zh-CN" sz="1200" dirty="0"/>
+              <a:t>} from '@angular/core';</a:t>
+            </a:r>
+          </a:p>
+          <a:p>
+            <a:r>
+              <a:rPr lang="en-US" altLang="zh-CN" sz="1200" dirty="0"/>
+              <a:t>@Injectable()</a:t>
+            </a:r>
+          </a:p>
+          <a:p>
+            <a:r>
+              <a:rPr lang="en-US" altLang="zh-CN" sz="1200" dirty="0"/>
+              <a:t>export class </a:t>
+            </a:r>
+            <a:r>
+              <a:rPr lang="en-US" altLang="zh-CN" sz="1200" dirty="0" err="1" smtClean="0"/>
+              <a:t>MyService</a:t>
+            </a:r>
+            <a:r>
+              <a:rPr lang="en-US" altLang="zh-CN" sz="1200" dirty="0" smtClean="0"/>
+              <a:t> </a:t>
+            </a:r>
+            <a:r>
+              <a:rPr lang="en-US" altLang="zh-CN" sz="1200" dirty="0"/>
+              <a:t>{</a:t>
+            </a:r>
+          </a:p>
+          <a:p>
+            <a:r>
+              <a:rPr lang="en-US" altLang="zh-CN" sz="1200" dirty="0"/>
+              <a:t>    </a:t>
+            </a:r>
+            <a:r>
+              <a:rPr lang="en-US" altLang="zh-CN" sz="1200" b="1" dirty="0">
+                <a:solidFill>
+                  <a:srgbClr val="007DB8"/>
+                </a:solidFill>
+              </a:rPr>
+              <a:t>change: </a:t>
+            </a:r>
+            <a:r>
+              <a:rPr lang="en-US" altLang="zh-CN" sz="1200" b="1" dirty="0" err="1">
+                <a:solidFill>
+                  <a:srgbClr val="007DB8"/>
+                </a:solidFill>
+              </a:rPr>
+              <a:t>EventEmitter</a:t>
+            </a:r>
+            <a:r>
+              <a:rPr lang="en-US" altLang="zh-CN" sz="1200" b="1" dirty="0">
+                <a:solidFill>
+                  <a:srgbClr val="007DB8"/>
+                </a:solidFill>
+              </a:rPr>
+              <a:t>&lt;number</a:t>
+            </a:r>
+            <a:r>
+              <a:rPr lang="en-US" altLang="zh-CN" sz="1200" b="1" dirty="0" smtClean="0">
+                <a:solidFill>
+                  <a:srgbClr val="007DB8"/>
+                </a:solidFill>
+              </a:rPr>
+              <a:t>&gt;;</a:t>
+            </a:r>
+            <a:endParaRPr lang="en-US" altLang="zh-CN" sz="1200" b="1" dirty="0">
+              <a:solidFill>
+                <a:srgbClr val="007DB8"/>
+              </a:solidFill>
+            </a:endParaRPr>
+          </a:p>
+          <a:p>
+            <a:r>
+              <a:rPr lang="en-US" altLang="zh-CN" sz="1200" b="1" dirty="0">
+                <a:solidFill>
+                  <a:srgbClr val="007DB8"/>
+                </a:solidFill>
+              </a:rPr>
+              <a:t>    constructor</a:t>
+            </a:r>
+            <a:r>
+              <a:rPr lang="en-US" altLang="zh-CN" sz="1200" b="1" dirty="0" smtClean="0">
+                <a:solidFill>
+                  <a:srgbClr val="007DB8"/>
+                </a:solidFill>
+              </a:rPr>
+              <a:t>(){ </a:t>
+            </a:r>
+            <a:r>
+              <a:rPr lang="en-US" altLang="zh-CN" sz="1200" b="1" dirty="0" err="1" smtClean="0">
+                <a:solidFill>
+                  <a:srgbClr val="007DB8"/>
+                </a:solidFill>
+              </a:rPr>
+              <a:t>this.change</a:t>
+            </a:r>
+            <a:r>
+              <a:rPr lang="en-US" altLang="zh-CN" sz="1200" b="1" dirty="0" smtClean="0">
+                <a:solidFill>
+                  <a:srgbClr val="007DB8"/>
+                </a:solidFill>
+              </a:rPr>
+              <a:t> </a:t>
+            </a:r>
+            <a:r>
+              <a:rPr lang="en-US" altLang="zh-CN" sz="1200" b="1" dirty="0">
+                <a:solidFill>
+                  <a:srgbClr val="007DB8"/>
+                </a:solidFill>
+              </a:rPr>
+              <a:t>= new </a:t>
+            </a:r>
+            <a:r>
+              <a:rPr lang="en-US" altLang="zh-CN" sz="1200" b="1" dirty="0" err="1">
+                <a:solidFill>
+                  <a:srgbClr val="007DB8"/>
+                </a:solidFill>
+              </a:rPr>
+              <a:t>EventEmitter</a:t>
+            </a:r>
+            <a:r>
+              <a:rPr lang="en-US" altLang="zh-CN" sz="1200" b="1" dirty="0" smtClean="0">
+                <a:solidFill>
+                  <a:srgbClr val="007DB8"/>
+                </a:solidFill>
+              </a:rPr>
+              <a:t>();  </a:t>
+            </a:r>
+            <a:r>
+              <a:rPr lang="en-US" altLang="zh-CN" sz="1200" b="1" dirty="0">
+                <a:solidFill>
+                  <a:srgbClr val="007DB8"/>
+                </a:solidFill>
+              </a:rPr>
+              <a:t>}</a:t>
+            </a:r>
+          </a:p>
+          <a:p>
+            <a:r>
+              <a:rPr lang="en-US" altLang="zh-CN" sz="1200" dirty="0"/>
+              <a:t>}</a:t>
+            </a:r>
+            <a:endParaRPr lang="zh-CN" altLang="en-US" sz="1200" dirty="0"/>
+          </a:p>
+        </p:txBody>
+      </p:sp>
+      <p:cxnSp>
+        <p:nvCxnSpPr>
+          <p:cNvPr id="14" name="直接连接符 13"/>
+          <p:cNvCxnSpPr/>
+          <p:nvPr/>
+        </p:nvCxnSpPr>
+        <p:spPr>
+          <a:xfrm>
+            <a:off x="334495" y="3527399"/>
+            <a:ext cx="4300532" cy="0"/>
+          </a:xfrm>
+          <a:prstGeom prst="line">
+            <a:avLst/>
+          </a:prstGeom>
+          <a:ln w="12700" cmpd="sng">
+            <a:solidFill>
+              <a:srgbClr val="000000"/>
+            </a:solidFill>
+          </a:ln>
+          <a:effectLst/>
+        </p:spPr>
+        <p:style>
+          <a:lnRef idx="2">
+            <a:schemeClr val="accent1"/>
+          </a:lnRef>
+          <a:fillRef idx="0">
+            <a:schemeClr val="accent1"/>
+          </a:fillRef>
+          <a:effectRef idx="1">
+            <a:schemeClr val="accent1"/>
+          </a:effectRef>
+          <a:fontRef idx="minor">
+            <a:schemeClr val="tx1"/>
+          </a:fontRef>
+        </p:style>
+      </p:cxnSp>
+      <p:sp>
+        <p:nvSpPr>
+          <p:cNvPr id="15" name="矩形 14"/>
+          <p:cNvSpPr/>
+          <p:nvPr/>
+        </p:nvSpPr>
+        <p:spPr>
+          <a:xfrm>
+            <a:off x="236579" y="1269215"/>
+            <a:ext cx="4764047" cy="1792037"/>
+          </a:xfrm>
+          <a:prstGeom prst="rect">
+            <a:avLst/>
+          </a:prstGeom>
+          <a:noFill/>
+          <a:ln>
+            <a:solidFill>
+              <a:schemeClr val="tx1">
+                <a:lumMod val="20000"/>
+                <a:lumOff val="80000"/>
+              </a:schemeClr>
+            </a:solidFill>
+          </a:ln>
+        </p:spPr>
+        <p:style>
+          <a:lnRef idx="1">
+            <a:schemeClr val="accent2"/>
+          </a:lnRef>
+          <a:fillRef idx="2">
+            <a:schemeClr val="accent2"/>
+          </a:fillRef>
+          <a:effectRef idx="1">
+            <a:schemeClr val="accent2"/>
+          </a:effectRef>
+          <a:fontRef idx="minor">
+            <a:schemeClr val="dk1"/>
+          </a:fontRef>
+        </p:style>
+        <p:txBody>
+          <a:bodyPr wrap="square" lIns="182880" tIns="137160" rIns="137160" bIns="137160" rtlCol="0" anchor="ctr">
+            <a:noAutofit/>
+          </a:bodyPr>
+          <a:lstStyle/>
+          <a:p>
+            <a:pPr algn="ctr">
+              <a:lnSpc>
+                <a:spcPct val="90000"/>
+              </a:lnSpc>
+              <a:spcBef>
+                <a:spcPts val="600"/>
+              </a:spcBef>
+              <a:spcAft>
+                <a:spcPts val="0"/>
+              </a:spcAft>
+            </a:pPr>
+            <a:endParaRPr lang="zh-CN" altLang="en-US" sz="2000" dirty="0" err="1" smtClean="0">
+              <a:solidFill>
+                <a:schemeClr val="tx2"/>
+              </a:solidFill>
+              <a:latin typeface="+mn-lt"/>
+            </a:endParaRPr>
+          </a:p>
+        </p:txBody>
+      </p:sp>
+      <p:sp>
+        <p:nvSpPr>
+          <p:cNvPr id="16" name="矩形 15"/>
+          <p:cNvSpPr/>
+          <p:nvPr/>
+        </p:nvSpPr>
+        <p:spPr>
+          <a:xfrm>
+            <a:off x="274319" y="1306926"/>
+            <a:ext cx="4726307" cy="1754326"/>
+          </a:xfrm>
+          <a:prstGeom prst="rect">
+            <a:avLst/>
+          </a:prstGeom>
+        </p:spPr>
+        <p:txBody>
+          <a:bodyPr wrap="square">
+            <a:spAutoFit/>
+          </a:bodyPr>
+          <a:lstStyle/>
+          <a:p>
+            <a:r>
+              <a:rPr lang="en-US" altLang="zh-CN" sz="1200" b="1" dirty="0" err="1"/>
+              <a:t>c</a:t>
+            </a:r>
+            <a:r>
+              <a:rPr lang="en-US" altLang="zh-CN" sz="1200" b="1" dirty="0" err="1" smtClean="0"/>
+              <a:t>hild.ts</a:t>
+            </a:r>
+            <a:endParaRPr lang="en-US" altLang="zh-CN" sz="1200" b="1" dirty="0" smtClean="0"/>
+          </a:p>
+          <a:p>
+            <a:endParaRPr lang="en-US" altLang="zh-CN" sz="1200" b="1" dirty="0"/>
+          </a:p>
+          <a:p>
+            <a:r>
+              <a:rPr lang="en-US" altLang="zh-CN" sz="1200" dirty="0"/>
+              <a:t>export class </a:t>
+            </a:r>
+            <a:r>
+              <a:rPr lang="en-US" altLang="zh-CN" sz="1200" dirty="0" err="1"/>
+              <a:t>ChildPage</a:t>
+            </a:r>
+            <a:r>
+              <a:rPr lang="en-US" altLang="zh-CN" sz="1200" dirty="0"/>
+              <a:t> {</a:t>
+            </a:r>
+          </a:p>
+          <a:p>
+            <a:r>
+              <a:rPr lang="en-US" altLang="zh-CN" sz="1200" dirty="0"/>
+              <a:t>    </a:t>
+            </a:r>
+            <a:r>
+              <a:rPr lang="en-US" altLang="zh-CN" sz="1200" b="1" dirty="0">
+                <a:solidFill>
+                  <a:srgbClr val="007DB8"/>
+                </a:solidFill>
+              </a:rPr>
+              <a:t>constructor(public </a:t>
+            </a:r>
+            <a:r>
+              <a:rPr lang="en-US" altLang="zh-CN" sz="1200" b="1" dirty="0" err="1" smtClean="0">
+                <a:solidFill>
+                  <a:srgbClr val="007DB8"/>
+                </a:solidFill>
+              </a:rPr>
+              <a:t>service:MyService</a:t>
+            </a:r>
+            <a:r>
+              <a:rPr lang="en-US" altLang="zh-CN" sz="1200" b="1" dirty="0" smtClean="0">
+                <a:solidFill>
+                  <a:srgbClr val="007DB8"/>
+                </a:solidFill>
+              </a:rPr>
+              <a:t>){</a:t>
+            </a:r>
+          </a:p>
+          <a:p>
+            <a:r>
+              <a:rPr lang="en-US" altLang="zh-CN" sz="1200" b="1" dirty="0">
+                <a:solidFill>
+                  <a:srgbClr val="007DB8"/>
+                </a:solidFill>
+              </a:rPr>
+              <a:t>        </a:t>
+            </a:r>
+            <a:r>
+              <a:rPr lang="en-US" altLang="zh-CN" sz="1200" b="1" dirty="0" err="1">
+                <a:solidFill>
+                  <a:srgbClr val="007DB8"/>
+                </a:solidFill>
+              </a:rPr>
+              <a:t>service.change.subscribe</a:t>
+            </a:r>
+            <a:r>
+              <a:rPr lang="en-US" altLang="zh-CN" sz="1200" b="1" dirty="0">
+                <a:solidFill>
+                  <a:srgbClr val="007DB8"/>
+                </a:solidFill>
+              </a:rPr>
+              <a:t>((</a:t>
+            </a:r>
+            <a:r>
+              <a:rPr lang="en-US" altLang="zh-CN" sz="1200" b="1" dirty="0" err="1">
+                <a:solidFill>
+                  <a:srgbClr val="007DB8"/>
+                </a:solidFill>
+              </a:rPr>
+              <a:t>value:number</a:t>
+            </a:r>
+            <a:r>
+              <a:rPr lang="en-US" altLang="zh-CN" sz="1200" b="1" dirty="0">
+                <a:solidFill>
+                  <a:srgbClr val="007DB8"/>
+                </a:solidFill>
+              </a:rPr>
+              <a:t>)=&gt;{</a:t>
+            </a:r>
+          </a:p>
+          <a:p>
+            <a:r>
+              <a:rPr lang="en-US" altLang="zh-CN" sz="1200" b="1" dirty="0">
+                <a:solidFill>
+                  <a:srgbClr val="007DB8"/>
+                </a:solidFill>
+              </a:rPr>
+              <a:t>            </a:t>
+            </a:r>
+            <a:r>
+              <a:rPr lang="en-US" altLang="zh-CN" sz="1200" b="1" dirty="0" smtClean="0">
+                <a:solidFill>
+                  <a:srgbClr val="007DB8"/>
+                </a:solidFill>
+              </a:rPr>
+              <a:t>console.log(value);</a:t>
+            </a:r>
+            <a:endParaRPr lang="en-US" altLang="zh-CN" sz="1200" b="1" dirty="0">
+              <a:solidFill>
+                <a:srgbClr val="007DB8"/>
+              </a:solidFill>
+            </a:endParaRPr>
+          </a:p>
+          <a:p>
+            <a:r>
+              <a:rPr lang="en-US" altLang="zh-CN" sz="1200" b="1" dirty="0">
+                <a:solidFill>
+                  <a:srgbClr val="007DB8"/>
+                </a:solidFill>
+              </a:rPr>
+              <a:t>        </a:t>
+            </a:r>
+            <a:r>
+              <a:rPr lang="en-US" altLang="zh-CN" sz="1200" b="1" dirty="0" smtClean="0">
+                <a:solidFill>
+                  <a:srgbClr val="007DB8"/>
+                </a:solidFill>
+              </a:rPr>
+              <a:t>})</a:t>
+            </a:r>
+          </a:p>
+          <a:p>
+            <a:r>
+              <a:rPr lang="en-US" altLang="zh-CN" sz="1200" b="1" dirty="0">
+                <a:solidFill>
+                  <a:srgbClr val="007DB8"/>
+                </a:solidFill>
+              </a:rPr>
+              <a:t> </a:t>
+            </a:r>
+            <a:r>
+              <a:rPr lang="en-US" altLang="zh-CN" sz="1200" b="1" dirty="0" smtClean="0">
+                <a:solidFill>
+                  <a:srgbClr val="007DB8"/>
+                </a:solidFill>
+              </a:rPr>
+              <a:t>   }</a:t>
+            </a:r>
+            <a:endParaRPr lang="en-US" altLang="zh-CN" sz="1200" b="1" dirty="0">
+              <a:solidFill>
+                <a:srgbClr val="007DB8"/>
+              </a:solidFill>
+            </a:endParaRPr>
+          </a:p>
+          <a:p>
+            <a:r>
+              <a:rPr lang="en-US" altLang="zh-CN" sz="1200" dirty="0"/>
+              <a:t>}</a:t>
+            </a:r>
+            <a:endParaRPr lang="zh-CN" altLang="en-US" sz="1200" dirty="0"/>
+          </a:p>
+        </p:txBody>
+      </p:sp>
+      <p:cxnSp>
+        <p:nvCxnSpPr>
+          <p:cNvPr id="17" name="直接连接符 16"/>
+          <p:cNvCxnSpPr/>
+          <p:nvPr/>
+        </p:nvCxnSpPr>
+        <p:spPr>
+          <a:xfrm>
+            <a:off x="334495" y="1636604"/>
+            <a:ext cx="4300532" cy="0"/>
+          </a:xfrm>
+          <a:prstGeom prst="line">
+            <a:avLst/>
+          </a:prstGeom>
+          <a:ln w="12700" cmpd="sng">
+            <a:solidFill>
+              <a:srgbClr val="000000"/>
+            </a:solidFill>
+          </a:ln>
+          <a:effectLst/>
+        </p:spPr>
+        <p:style>
+          <a:lnRef idx="2">
+            <a:schemeClr val="accent1"/>
+          </a:lnRef>
+          <a:fillRef idx="0">
+            <a:schemeClr val="accent1"/>
+          </a:fillRef>
+          <a:effectRef idx="1">
+            <a:schemeClr val="accent1"/>
+          </a:effectRef>
+          <a:fontRef idx="minor">
+            <a:schemeClr val="tx1"/>
+          </a:fontRef>
+        </p:style>
+      </p:cxnSp>
+    </p:spTree>
+    <p:extLst>
+      <p:ext uri="{BB962C8B-B14F-4D97-AF65-F5344CB8AC3E}">
+        <p14:creationId xmlns:p14="http://schemas.microsoft.com/office/powerpoint/2010/main" val="1698726869"/>
+      </p:ext>
+    </p:extLst>
+  </p:cSld>
+  <p:clrMapOvr>
+    <a:masterClrMapping/>
+  </p:clrMapOvr>
+  <p:transition spd="med">
+    <p:wipe dir="r"/>
+  </p:transition>
+  <p:timing>
+    <p:tnLst>
+      <p:par>
+        <p:cTn id="1" dur="indefinite" restart="never" nodeType="tmRoot"/>
+      </p:par>
+    </p:tnLst>
+  </p:timing>
+</p:sld>
+</file>
+
+<file path=ppt/slides/slide11.xml><?xml version="1.0" encoding="utf-8"?>
+<p:sld xmlns:a="http://schemas.openxmlformats.org/drawingml/2006/main" xmlns:r="http://schemas.openxmlformats.org/officeDocument/2006/relationships" xmlns:p="http://schemas.openxmlformats.org/presentationml/2006/main">
+  <p:cSld>
+    <p:spTree>
+      <p:nvGrpSpPr>
+        <p:cNvPr id="1" name=""/>
+        <p:cNvGrpSpPr/>
+        <p:nvPr/>
+      </p:nvGrpSpPr>
+      <p:grpSpPr>
+        <a:xfrm>
+          <a:off x="0" y="0"/>
+          <a:ext cx="0" cy="0"/>
+          <a:chOff x="0" y="0"/>
+          <a:chExt cx="0" cy="0"/>
+        </a:xfrm>
+      </p:grpSpPr>
+      <p:sp>
+        <p:nvSpPr>
+          <p:cNvPr id="2" name="标题 1"/>
+          <p:cNvSpPr>
+            <a:spLocks noGrp="1"/>
+          </p:cNvSpPr>
+          <p:nvPr>
+            <p:ph type="title"/>
+          </p:nvPr>
+        </p:nvSpPr>
+        <p:spPr/>
+        <p:txBody>
+          <a:bodyPr/>
+          <a:lstStyle/>
+          <a:p>
+            <a:r>
+              <a:rPr lang="en-US" altLang="zh-CN" dirty="0" smtClean="0"/>
+              <a:t>Subscribe(1)</a:t>
+            </a:r>
+            <a:endParaRPr lang="zh-CN" altLang="en-US" dirty="0"/>
+          </a:p>
+        </p:txBody>
+      </p:sp>
+      <p:sp>
+        <p:nvSpPr>
+          <p:cNvPr id="4" name="矩形 3"/>
+          <p:cNvSpPr/>
+          <p:nvPr/>
+        </p:nvSpPr>
+        <p:spPr>
+          <a:xfrm>
+            <a:off x="7170057" y="911966"/>
+            <a:ext cx="1618342" cy="757177"/>
+          </a:xfrm>
+          <a:prstGeom prst="rect">
+            <a:avLst/>
+          </a:prstGeom>
+          <a:noFill/>
+          <a:ln w="19050">
+            <a:solidFill>
+              <a:schemeClr val="accent1"/>
+            </a:solidFill>
+          </a:ln>
+        </p:spPr>
+        <p:style>
+          <a:lnRef idx="1">
+            <a:schemeClr val="accent1"/>
+          </a:lnRef>
+          <a:fillRef idx="2">
+            <a:schemeClr val="accent1"/>
+          </a:fillRef>
+          <a:effectRef idx="1">
+            <a:schemeClr val="accent1"/>
+          </a:effectRef>
+          <a:fontRef idx="minor">
+            <a:schemeClr val="dk1"/>
+          </a:fontRef>
+        </p:style>
+        <p:txBody>
+          <a:bodyPr wrap="square" lIns="182880" tIns="137160" rIns="137160" bIns="137160" rtlCol="0" anchor="ctr">
+            <a:noAutofit/>
+          </a:bodyPr>
+          <a:lstStyle/>
+          <a:p>
+            <a:pPr algn="ctr">
+              <a:lnSpc>
+                <a:spcPct val="90000"/>
+              </a:lnSpc>
+              <a:spcBef>
+                <a:spcPts val="600"/>
+              </a:spcBef>
+              <a:spcAft>
+                <a:spcPts val="0"/>
+              </a:spcAft>
+            </a:pPr>
+            <a:r>
+              <a:rPr lang="en-US" altLang="zh-CN" sz="2000" dirty="0" smtClean="0">
+                <a:ln w="0"/>
+                <a:solidFill>
+                  <a:schemeClr val="tx1"/>
+                </a:solidFill>
+                <a:effectLst>
+                  <a:outerShdw blurRad="38100" dist="19050" dir="2700000" algn="tl" rotWithShape="0">
+                    <a:schemeClr val="dk1">
+                      <a:alpha val="40000"/>
+                    </a:schemeClr>
+                  </a:outerShdw>
+                </a:effectLst>
+              </a:rPr>
+              <a:t>Parent</a:t>
+            </a:r>
+            <a:endParaRPr lang="zh-CN" altLang="en-US" sz="2000" dirty="0" err="1" smtClean="0">
+              <a:ln w="0"/>
+              <a:solidFill>
+                <a:schemeClr val="tx1"/>
+              </a:solidFill>
+              <a:effectLst>
+                <a:outerShdw blurRad="38100" dist="19050" dir="2700000" algn="tl" rotWithShape="0">
+                  <a:schemeClr val="dk1">
+                    <a:alpha val="40000"/>
+                  </a:schemeClr>
+                </a:outerShdw>
+              </a:effectLst>
+              <a:latin typeface="+mn-lt"/>
+            </a:endParaRPr>
+          </a:p>
+        </p:txBody>
+      </p:sp>
+      <p:sp>
+        <p:nvSpPr>
+          <p:cNvPr id="5" name="矩形 4"/>
+          <p:cNvSpPr/>
+          <p:nvPr/>
+        </p:nvSpPr>
+        <p:spPr>
+          <a:xfrm>
+            <a:off x="7170057" y="1930634"/>
+            <a:ext cx="1618343" cy="757177"/>
+          </a:xfrm>
+          <a:prstGeom prst="rect">
+            <a:avLst/>
+          </a:prstGeom>
+          <a:noFill/>
+          <a:ln w="19050">
+            <a:solidFill>
+              <a:srgbClr val="92D050"/>
+            </a:solidFill>
+          </a:ln>
+        </p:spPr>
+        <p:style>
+          <a:lnRef idx="1">
+            <a:schemeClr val="accent2"/>
+          </a:lnRef>
+          <a:fillRef idx="2">
+            <a:schemeClr val="accent2"/>
+          </a:fillRef>
+          <a:effectRef idx="1">
+            <a:schemeClr val="accent2"/>
+          </a:effectRef>
+          <a:fontRef idx="minor">
+            <a:schemeClr val="dk1"/>
+          </a:fontRef>
+        </p:style>
+        <p:txBody>
+          <a:bodyPr wrap="square" lIns="182880" tIns="137160" rIns="137160" bIns="137160" rtlCol="0" anchor="ctr">
+            <a:noAutofit/>
+          </a:bodyPr>
+          <a:lstStyle/>
+          <a:p>
+            <a:pPr algn="ctr">
+              <a:lnSpc>
+                <a:spcPct val="90000"/>
+              </a:lnSpc>
+              <a:spcBef>
+                <a:spcPts val="600"/>
+              </a:spcBef>
+              <a:spcAft>
+                <a:spcPts val="0"/>
+              </a:spcAft>
+            </a:pPr>
+            <a:r>
+              <a:rPr lang="en-US" altLang="zh-CN" sz="2000" dirty="0" smtClean="0">
+                <a:ln w="0"/>
+                <a:solidFill>
+                  <a:schemeClr val="tx1"/>
+                </a:solidFill>
+                <a:effectLst>
+                  <a:outerShdw blurRad="38100" dist="19050" dir="2700000" algn="tl" rotWithShape="0">
+                    <a:schemeClr val="dk1">
+                      <a:alpha val="40000"/>
+                    </a:schemeClr>
+                  </a:outerShdw>
+                </a:effectLst>
+              </a:rPr>
+              <a:t>Child</a:t>
+            </a:r>
+            <a:endParaRPr lang="zh-CN" altLang="en-US" sz="2000" dirty="0" err="1" smtClean="0">
+              <a:ln w="0"/>
+              <a:solidFill>
+                <a:schemeClr val="tx1"/>
+              </a:solidFill>
+              <a:effectLst>
+                <a:outerShdw blurRad="38100" dist="19050" dir="2700000" algn="tl" rotWithShape="0">
+                  <a:schemeClr val="dk1">
+                    <a:alpha val="40000"/>
+                  </a:schemeClr>
+                </a:outerShdw>
+              </a:effectLst>
+              <a:latin typeface="+mn-lt"/>
+            </a:endParaRPr>
+          </a:p>
+        </p:txBody>
+      </p:sp>
+      <p:sp>
+        <p:nvSpPr>
+          <p:cNvPr id="6" name="矩形 5"/>
+          <p:cNvSpPr/>
+          <p:nvPr/>
+        </p:nvSpPr>
+        <p:spPr>
+          <a:xfrm>
+            <a:off x="5711371" y="911966"/>
+            <a:ext cx="1262742" cy="1775845"/>
+          </a:xfrm>
+          <a:prstGeom prst="rect">
+            <a:avLst/>
+          </a:prstGeom>
+          <a:noFill/>
+          <a:ln w="19050">
+            <a:solidFill>
+              <a:schemeClr val="accent3">
+                <a:lumMod val="60000"/>
+                <a:lumOff val="40000"/>
+              </a:schemeClr>
+            </a:solidFill>
+          </a:ln>
+        </p:spPr>
+        <p:style>
+          <a:lnRef idx="1">
+            <a:schemeClr val="accent2"/>
+          </a:lnRef>
+          <a:fillRef idx="2">
+            <a:schemeClr val="accent2"/>
+          </a:fillRef>
+          <a:effectRef idx="1">
+            <a:schemeClr val="accent2"/>
+          </a:effectRef>
+          <a:fontRef idx="minor">
+            <a:schemeClr val="dk1"/>
+          </a:fontRef>
+        </p:style>
+        <p:txBody>
+          <a:bodyPr wrap="square" lIns="182880" tIns="137160" rIns="137160" bIns="137160" rtlCol="0" anchor="ctr">
+            <a:noAutofit/>
+          </a:bodyPr>
+          <a:lstStyle/>
+          <a:p>
+            <a:pPr algn="ctr">
+              <a:lnSpc>
+                <a:spcPct val="90000"/>
+              </a:lnSpc>
+              <a:spcBef>
+                <a:spcPts val="600"/>
+              </a:spcBef>
+              <a:spcAft>
+                <a:spcPts val="0"/>
+              </a:spcAft>
+            </a:pPr>
+            <a:r>
+              <a:rPr lang="en-US" altLang="zh-CN" sz="2000" dirty="0" smtClean="0">
+                <a:ln w="0"/>
+                <a:solidFill>
+                  <a:schemeClr val="tx1"/>
+                </a:solidFill>
+                <a:effectLst>
+                  <a:outerShdw blurRad="38100" dist="19050" dir="2700000" algn="tl" rotWithShape="0">
+                    <a:schemeClr val="dk1">
+                      <a:alpha val="40000"/>
+                    </a:schemeClr>
+                  </a:outerShdw>
+                </a:effectLst>
+              </a:rPr>
+              <a:t>Service</a:t>
+            </a:r>
+            <a:endParaRPr lang="zh-CN" altLang="en-US" sz="2000" dirty="0" err="1" smtClean="0">
+              <a:ln w="0"/>
+              <a:solidFill>
+                <a:schemeClr val="tx1"/>
+              </a:solidFill>
+              <a:effectLst>
+                <a:outerShdw blurRad="38100" dist="19050" dir="2700000" algn="tl" rotWithShape="0">
+                  <a:schemeClr val="dk1">
+                    <a:alpha val="40000"/>
+                  </a:schemeClr>
+                </a:outerShdw>
+              </a:effectLst>
+              <a:latin typeface="+mn-lt"/>
+            </a:endParaRPr>
+          </a:p>
+        </p:txBody>
+      </p:sp>
+      <p:cxnSp>
+        <p:nvCxnSpPr>
+          <p:cNvPr id="10" name="直接箭头连接符 9"/>
+          <p:cNvCxnSpPr/>
+          <p:nvPr/>
+        </p:nvCxnSpPr>
+        <p:spPr>
+          <a:xfrm flipH="1">
+            <a:off x="6640286" y="1290554"/>
+            <a:ext cx="725714" cy="0"/>
+          </a:xfrm>
+          <a:prstGeom prst="straightConnector1">
+            <a:avLst/>
+          </a:prstGeom>
+          <a:ln w="12700" cmpd="sng">
+            <a:solidFill>
+              <a:srgbClr val="000000"/>
+            </a:solidFill>
+            <a:tailEnd type="triangle"/>
+          </a:ln>
+          <a:effectLst/>
+        </p:spPr>
+        <p:style>
+          <a:lnRef idx="2">
+            <a:schemeClr val="accent1"/>
+          </a:lnRef>
+          <a:fillRef idx="0">
+            <a:schemeClr val="accent1"/>
+          </a:fillRef>
+          <a:effectRef idx="1">
+            <a:schemeClr val="accent1"/>
+          </a:effectRef>
+          <a:fontRef idx="minor">
+            <a:schemeClr val="tx1"/>
+          </a:fontRef>
+        </p:style>
+      </p:cxnSp>
+      <p:cxnSp>
+        <p:nvCxnSpPr>
+          <p:cNvPr id="12" name="直接箭头连接符 11"/>
+          <p:cNvCxnSpPr/>
+          <p:nvPr/>
+        </p:nvCxnSpPr>
+        <p:spPr>
+          <a:xfrm>
+            <a:off x="6640286" y="2309222"/>
+            <a:ext cx="805543" cy="0"/>
+          </a:xfrm>
+          <a:prstGeom prst="straightConnector1">
+            <a:avLst/>
+          </a:prstGeom>
+          <a:ln w="12700" cmpd="sng">
+            <a:solidFill>
+              <a:srgbClr val="000000"/>
+            </a:solidFill>
+            <a:tailEnd type="triangle"/>
+          </a:ln>
+          <a:effectLst/>
+        </p:spPr>
+        <p:style>
+          <a:lnRef idx="2">
+            <a:schemeClr val="accent1"/>
+          </a:lnRef>
+          <a:fillRef idx="0">
+            <a:schemeClr val="accent1"/>
+          </a:fillRef>
+          <a:effectRef idx="1">
+            <a:schemeClr val="accent1"/>
+          </a:effectRef>
+          <a:fontRef idx="minor">
+            <a:schemeClr val="tx1"/>
+          </a:fontRef>
+        </p:style>
+      </p:cxnSp>
+      <p:sp>
+        <p:nvSpPr>
+          <p:cNvPr id="8" name="文本框 7"/>
+          <p:cNvSpPr txBox="1"/>
+          <p:nvPr/>
+        </p:nvSpPr>
+        <p:spPr>
+          <a:xfrm>
+            <a:off x="6658558" y="982777"/>
+            <a:ext cx="284052" cy="307777"/>
+          </a:xfrm>
+          <a:prstGeom prst="rect">
+            <a:avLst/>
+          </a:prstGeom>
+          <a:noFill/>
+        </p:spPr>
+        <p:txBody>
+          <a:bodyPr wrap="none" rtlCol="0">
+            <a:spAutoFit/>
+          </a:bodyPr>
+          <a:lstStyle/>
+          <a:p>
+            <a:pPr>
+              <a:spcBef>
+                <a:spcPts val="0"/>
+              </a:spcBef>
+              <a:spcAft>
+                <a:spcPts val="0"/>
+              </a:spcAft>
+              <a:buClr>
+                <a:schemeClr val="bg1"/>
+              </a:buClr>
+            </a:pPr>
+            <a:r>
+              <a:rPr lang="en-US" altLang="zh-CN" sz="1400" dirty="0" smtClean="0">
+                <a:solidFill>
+                  <a:schemeClr val="bg2"/>
+                </a:solidFill>
+                <a:latin typeface="+mn-lt"/>
+              </a:rPr>
+              <a:t>1</a:t>
+            </a:r>
+            <a:endParaRPr lang="zh-CN" altLang="en-US" sz="1400" dirty="0" err="1" smtClean="0">
+              <a:solidFill>
+                <a:schemeClr val="bg2"/>
+              </a:solidFill>
+              <a:latin typeface="+mn-lt"/>
+            </a:endParaRPr>
+          </a:p>
+        </p:txBody>
+      </p:sp>
+      <p:sp>
+        <p:nvSpPr>
+          <p:cNvPr id="9" name="文本框 8"/>
+          <p:cNvSpPr txBox="1"/>
+          <p:nvPr/>
+        </p:nvSpPr>
+        <p:spPr>
+          <a:xfrm>
+            <a:off x="6640286" y="1997308"/>
+            <a:ext cx="284052" cy="307777"/>
+          </a:xfrm>
+          <a:prstGeom prst="rect">
+            <a:avLst/>
+          </a:prstGeom>
+          <a:noFill/>
+        </p:spPr>
+        <p:txBody>
+          <a:bodyPr wrap="none" rtlCol="0">
+            <a:spAutoFit/>
+          </a:bodyPr>
+          <a:lstStyle/>
+          <a:p>
+            <a:pPr>
+              <a:spcBef>
+                <a:spcPts val="0"/>
+              </a:spcBef>
+              <a:spcAft>
+                <a:spcPts val="0"/>
+              </a:spcAft>
+              <a:buClr>
+                <a:schemeClr val="bg1"/>
+              </a:buClr>
+            </a:pPr>
+            <a:r>
+              <a:rPr lang="en-US" altLang="zh-CN" sz="1400" dirty="0" smtClean="0">
+                <a:solidFill>
+                  <a:schemeClr val="bg2"/>
+                </a:solidFill>
+                <a:latin typeface="+mn-lt"/>
+              </a:rPr>
+              <a:t>2</a:t>
+            </a:r>
+            <a:endParaRPr lang="zh-CN" altLang="en-US" sz="1400" dirty="0" err="1" smtClean="0">
+              <a:solidFill>
+                <a:schemeClr val="bg2"/>
+              </a:solidFill>
+              <a:latin typeface="+mn-lt"/>
+            </a:endParaRPr>
+          </a:p>
+        </p:txBody>
+      </p:sp>
+      <p:sp>
+        <p:nvSpPr>
+          <p:cNvPr id="11" name="矩形 10"/>
+          <p:cNvSpPr/>
+          <p:nvPr/>
+        </p:nvSpPr>
+        <p:spPr>
+          <a:xfrm>
+            <a:off x="236580" y="2848214"/>
+            <a:ext cx="4991636" cy="1422705"/>
+          </a:xfrm>
+          <a:prstGeom prst="rect">
+            <a:avLst/>
+          </a:prstGeom>
+          <a:noFill/>
+          <a:ln>
+            <a:solidFill>
+              <a:schemeClr val="tx1">
+                <a:lumMod val="20000"/>
+                <a:lumOff val="80000"/>
+              </a:schemeClr>
+            </a:solidFill>
+          </a:ln>
+        </p:spPr>
+        <p:style>
+          <a:lnRef idx="1">
+            <a:schemeClr val="accent2"/>
+          </a:lnRef>
+          <a:fillRef idx="2">
+            <a:schemeClr val="accent2"/>
+          </a:fillRef>
+          <a:effectRef idx="1">
+            <a:schemeClr val="accent2"/>
+          </a:effectRef>
+          <a:fontRef idx="minor">
+            <a:schemeClr val="dk1"/>
+          </a:fontRef>
+        </p:style>
+        <p:txBody>
+          <a:bodyPr wrap="square" lIns="182880" tIns="137160" rIns="137160" bIns="137160" rtlCol="0" anchor="ctr">
+            <a:noAutofit/>
+          </a:bodyPr>
+          <a:lstStyle/>
+          <a:p>
+            <a:pPr algn="ctr">
+              <a:lnSpc>
+                <a:spcPct val="90000"/>
+              </a:lnSpc>
+              <a:spcBef>
+                <a:spcPts val="600"/>
+              </a:spcBef>
+              <a:spcAft>
+                <a:spcPts val="0"/>
+              </a:spcAft>
+            </a:pPr>
+            <a:endParaRPr lang="zh-CN" altLang="en-US" sz="2000" dirty="0" err="1" smtClean="0">
+              <a:solidFill>
+                <a:schemeClr val="tx2"/>
+              </a:solidFill>
+              <a:latin typeface="+mn-lt"/>
+            </a:endParaRPr>
+          </a:p>
+        </p:txBody>
+      </p:sp>
+      <p:sp>
+        <p:nvSpPr>
+          <p:cNvPr id="13" name="矩形 12"/>
+          <p:cNvSpPr/>
+          <p:nvPr/>
+        </p:nvSpPr>
+        <p:spPr>
+          <a:xfrm>
+            <a:off x="274319" y="2885924"/>
+            <a:ext cx="4953897" cy="1384995"/>
+          </a:xfrm>
+          <a:prstGeom prst="rect">
+            <a:avLst/>
+          </a:prstGeom>
+        </p:spPr>
+        <p:txBody>
+          <a:bodyPr wrap="square">
+            <a:spAutoFit/>
+          </a:bodyPr>
+          <a:lstStyle/>
+          <a:p>
+            <a:r>
+              <a:rPr lang="en-US" altLang="zh-CN" sz="1200" b="1" dirty="0" err="1" smtClean="0"/>
+              <a:t>parent.ts</a:t>
+            </a:r>
+            <a:endParaRPr lang="en-US" altLang="zh-CN" sz="1200" b="1" dirty="0" smtClean="0"/>
+          </a:p>
+          <a:p>
+            <a:endParaRPr lang="en-US" altLang="zh-CN" sz="1200" b="1" dirty="0"/>
+          </a:p>
+          <a:p>
+            <a:r>
+              <a:rPr lang="en-US" altLang="zh-CN" sz="1200" dirty="0"/>
+              <a:t>export class </a:t>
+            </a:r>
+            <a:r>
+              <a:rPr lang="en-US" altLang="zh-CN" sz="1200" dirty="0" err="1"/>
+              <a:t>ParentPage</a:t>
+            </a:r>
+            <a:r>
+              <a:rPr lang="en-US" altLang="zh-CN" sz="1200" dirty="0"/>
+              <a:t> {</a:t>
+            </a:r>
+          </a:p>
+          <a:p>
+            <a:r>
+              <a:rPr lang="en-US" altLang="zh-CN" sz="1200" b="1" dirty="0" smtClean="0">
+                <a:solidFill>
+                  <a:srgbClr val="007DB8"/>
+                </a:solidFill>
+              </a:rPr>
+              <a:t>    constructor(public </a:t>
+            </a:r>
+            <a:r>
+              <a:rPr lang="en-US" altLang="zh-CN" sz="1200" b="1" dirty="0" err="1" smtClean="0">
+                <a:solidFill>
+                  <a:srgbClr val="007DB8"/>
+                </a:solidFill>
+              </a:rPr>
+              <a:t>service:MyService</a:t>
+            </a:r>
+            <a:r>
+              <a:rPr lang="en-US" altLang="zh-CN" sz="1200" b="1" dirty="0">
+                <a:solidFill>
+                  <a:srgbClr val="007DB8"/>
+                </a:solidFill>
+              </a:rPr>
+              <a:t>) {</a:t>
+            </a:r>
+          </a:p>
+          <a:p>
+            <a:r>
+              <a:rPr lang="en-US" altLang="zh-CN" sz="1200" b="1" dirty="0" smtClean="0">
+                <a:solidFill>
+                  <a:srgbClr val="007DB8"/>
+                </a:solidFill>
+              </a:rPr>
+              <a:t>        </a:t>
+            </a:r>
+            <a:r>
+              <a:rPr lang="en-US" altLang="zh-CN" sz="1200" b="1" dirty="0" err="1" smtClean="0">
+                <a:solidFill>
+                  <a:srgbClr val="007DB8"/>
+                </a:solidFill>
+              </a:rPr>
+              <a:t>this.service.StatusMission</a:t>
+            </a:r>
+            <a:r>
+              <a:rPr lang="en-US" altLang="zh-CN" sz="1200" b="1" dirty="0" smtClean="0">
+                <a:solidFill>
+                  <a:srgbClr val="007DB8"/>
+                </a:solidFill>
+              </a:rPr>
+              <a:t>(123);</a:t>
+            </a:r>
+            <a:endParaRPr lang="en-US" altLang="zh-CN" sz="1200" b="1" dirty="0">
+              <a:solidFill>
+                <a:srgbClr val="007DB8"/>
+              </a:solidFill>
+            </a:endParaRPr>
+          </a:p>
+          <a:p>
+            <a:r>
+              <a:rPr lang="en-US" altLang="zh-CN" sz="1200" b="1" dirty="0" smtClean="0">
+                <a:solidFill>
+                  <a:srgbClr val="007DB8"/>
+                </a:solidFill>
+              </a:rPr>
+              <a:t>    }</a:t>
+            </a:r>
+            <a:endParaRPr lang="en-US" altLang="zh-CN" sz="1200" b="1" dirty="0">
+              <a:solidFill>
+                <a:srgbClr val="007DB8"/>
+              </a:solidFill>
+            </a:endParaRPr>
+          </a:p>
+          <a:p>
+            <a:r>
+              <a:rPr lang="en-US" altLang="zh-CN" sz="1200" dirty="0"/>
+              <a:t>}</a:t>
+            </a:r>
+            <a:endParaRPr lang="zh-CN" altLang="en-US" sz="1200" dirty="0"/>
+          </a:p>
+        </p:txBody>
+      </p:sp>
+      <p:cxnSp>
+        <p:nvCxnSpPr>
+          <p:cNvPr id="14" name="直接连接符 13"/>
+          <p:cNvCxnSpPr/>
+          <p:nvPr/>
+        </p:nvCxnSpPr>
+        <p:spPr>
+          <a:xfrm>
+            <a:off x="334495" y="3215602"/>
+            <a:ext cx="4300532" cy="0"/>
+          </a:xfrm>
+          <a:prstGeom prst="line">
+            <a:avLst/>
+          </a:prstGeom>
+          <a:ln w="12700" cmpd="sng">
+            <a:solidFill>
+              <a:srgbClr val="000000"/>
+            </a:solidFill>
+          </a:ln>
+          <a:effectLst/>
+        </p:spPr>
+        <p:style>
+          <a:lnRef idx="2">
+            <a:schemeClr val="accent1"/>
+          </a:lnRef>
+          <a:fillRef idx="0">
+            <a:schemeClr val="accent1"/>
+          </a:fillRef>
+          <a:effectRef idx="1">
+            <a:schemeClr val="accent1"/>
+          </a:effectRef>
+          <a:fontRef idx="minor">
+            <a:schemeClr val="tx1"/>
+          </a:fontRef>
+        </p:style>
+      </p:cxnSp>
+      <p:sp>
+        <p:nvSpPr>
+          <p:cNvPr id="15" name="矩形 14"/>
+          <p:cNvSpPr/>
+          <p:nvPr/>
+        </p:nvSpPr>
+        <p:spPr>
+          <a:xfrm>
+            <a:off x="236579" y="1455241"/>
+            <a:ext cx="4991637" cy="1275747"/>
+          </a:xfrm>
+          <a:prstGeom prst="rect">
+            <a:avLst/>
+          </a:prstGeom>
+          <a:noFill/>
+          <a:ln>
+            <a:solidFill>
+              <a:schemeClr val="tx1">
+                <a:lumMod val="20000"/>
+                <a:lumOff val="80000"/>
+              </a:schemeClr>
+            </a:solidFill>
+          </a:ln>
+        </p:spPr>
+        <p:style>
+          <a:lnRef idx="1">
+            <a:schemeClr val="accent2"/>
+          </a:lnRef>
+          <a:fillRef idx="2">
+            <a:schemeClr val="accent2"/>
+          </a:fillRef>
+          <a:effectRef idx="1">
+            <a:schemeClr val="accent2"/>
+          </a:effectRef>
+          <a:fontRef idx="minor">
+            <a:schemeClr val="dk1"/>
+          </a:fontRef>
+        </p:style>
+        <p:txBody>
+          <a:bodyPr wrap="square" lIns="182880" tIns="137160" rIns="137160" bIns="137160" rtlCol="0" anchor="ctr">
+            <a:noAutofit/>
+          </a:bodyPr>
+          <a:lstStyle/>
+          <a:p>
+            <a:pPr algn="ctr">
+              <a:lnSpc>
+                <a:spcPct val="90000"/>
+              </a:lnSpc>
+              <a:spcBef>
+                <a:spcPts val="600"/>
+              </a:spcBef>
+              <a:spcAft>
+                <a:spcPts val="0"/>
+              </a:spcAft>
+            </a:pPr>
+            <a:endParaRPr lang="zh-CN" altLang="en-US" sz="2000" dirty="0" err="1" smtClean="0">
+              <a:solidFill>
+                <a:schemeClr val="tx2"/>
+              </a:solidFill>
+              <a:latin typeface="+mn-lt"/>
+            </a:endParaRPr>
+          </a:p>
+        </p:txBody>
+      </p:sp>
+      <p:sp>
+        <p:nvSpPr>
+          <p:cNvPr id="16" name="矩形 15"/>
+          <p:cNvSpPr/>
+          <p:nvPr/>
+        </p:nvSpPr>
+        <p:spPr>
+          <a:xfrm>
+            <a:off x="274319" y="1492951"/>
+            <a:ext cx="4726307" cy="1200329"/>
+          </a:xfrm>
+          <a:prstGeom prst="rect">
+            <a:avLst/>
+          </a:prstGeom>
+        </p:spPr>
+        <p:txBody>
+          <a:bodyPr wrap="square">
+            <a:spAutoFit/>
+          </a:bodyPr>
+          <a:lstStyle/>
+          <a:p>
+            <a:r>
+              <a:rPr lang="en-US" altLang="zh-CN" sz="1200" b="1" dirty="0"/>
+              <a:t>container.html</a:t>
+            </a:r>
+            <a:endParaRPr lang="en-US" altLang="zh-CN" sz="1200" b="1" dirty="0" smtClean="0"/>
+          </a:p>
+          <a:p>
+            <a:endParaRPr lang="en-US" altLang="zh-CN" sz="1200" b="1" dirty="0"/>
+          </a:p>
+          <a:p>
+            <a:r>
+              <a:rPr lang="en-US" altLang="zh-CN" sz="1200" dirty="0" smtClean="0"/>
+              <a:t>&lt;div&gt;</a:t>
+            </a:r>
+          </a:p>
+          <a:p>
+            <a:r>
+              <a:rPr lang="en-US" altLang="zh-CN" sz="1200" b="1" dirty="0" smtClean="0">
+                <a:solidFill>
+                  <a:srgbClr val="007DB8"/>
+                </a:solidFill>
+              </a:rPr>
+              <a:t>&lt;page-parent&gt;&lt;/page-parent&gt;</a:t>
+            </a:r>
+            <a:endParaRPr lang="en-US" altLang="zh-CN" sz="1200" b="1" dirty="0">
+              <a:solidFill>
+                <a:srgbClr val="007DB8"/>
+              </a:solidFill>
+            </a:endParaRPr>
+          </a:p>
+          <a:p>
+            <a:r>
+              <a:rPr lang="en-US" altLang="zh-CN" sz="1200" b="1" dirty="0" smtClean="0">
+                <a:solidFill>
+                  <a:srgbClr val="007DB8"/>
+                </a:solidFill>
+              </a:rPr>
+              <a:t>&lt;page-child&gt;&lt;/</a:t>
+            </a:r>
+            <a:r>
+              <a:rPr lang="en-US" altLang="zh-CN" sz="1200" b="1" dirty="0">
+                <a:solidFill>
+                  <a:srgbClr val="007DB8"/>
+                </a:solidFill>
+              </a:rPr>
+              <a:t>page-child&gt;</a:t>
+            </a:r>
+          </a:p>
+          <a:p>
+            <a:r>
+              <a:rPr lang="en-US" altLang="zh-CN" sz="1200" dirty="0" smtClean="0"/>
+              <a:t>&lt;/div&gt;</a:t>
+            </a:r>
+            <a:endParaRPr lang="zh-CN" altLang="en-US" sz="1200" dirty="0"/>
+          </a:p>
+        </p:txBody>
+      </p:sp>
+      <p:cxnSp>
+        <p:nvCxnSpPr>
+          <p:cNvPr id="17" name="直接连接符 16"/>
+          <p:cNvCxnSpPr/>
+          <p:nvPr/>
+        </p:nvCxnSpPr>
+        <p:spPr>
+          <a:xfrm>
+            <a:off x="334495" y="1822629"/>
+            <a:ext cx="4300532" cy="0"/>
+          </a:xfrm>
+          <a:prstGeom prst="line">
+            <a:avLst/>
+          </a:prstGeom>
+          <a:ln w="12700" cmpd="sng">
+            <a:solidFill>
+              <a:srgbClr val="000000"/>
+            </a:solidFill>
+          </a:ln>
+          <a:effectLst/>
+        </p:spPr>
+        <p:style>
+          <a:lnRef idx="2">
+            <a:schemeClr val="accent1"/>
+          </a:lnRef>
+          <a:fillRef idx="0">
+            <a:schemeClr val="accent1"/>
+          </a:fillRef>
+          <a:effectRef idx="1">
+            <a:schemeClr val="accent1"/>
+          </a:effectRef>
+          <a:fontRef idx="minor">
+            <a:schemeClr val="tx1"/>
+          </a:fontRef>
+        </p:style>
+      </p:cxnSp>
+    </p:spTree>
+    <p:extLst>
+      <p:ext uri="{BB962C8B-B14F-4D97-AF65-F5344CB8AC3E}">
+        <p14:creationId xmlns:p14="http://schemas.microsoft.com/office/powerpoint/2010/main" val="1680421521"/>
+      </p:ext>
+    </p:extLst>
+  </p:cSld>
+  <p:clrMapOvr>
+    <a:masterClrMapping/>
+  </p:clrMapOvr>
+  <p:transition spd="med">
+    <p:wipe dir="r"/>
+  </p:transition>
+  <p:timing>
+    <p:tnLst>
+      <p:par>
+        <p:cTn id="1" dur="indefinite" restart="never" nodeType="tmRoot"/>
+      </p:par>
+    </p:tnLst>
+  </p:timing>
+</p:sld>
+</file>
+
+<file path=ppt/slides/slide12.xml><?xml version="1.0" encoding="utf-8"?>
+<p:sld xmlns:a="http://schemas.openxmlformats.org/drawingml/2006/main" xmlns:r="http://schemas.openxmlformats.org/officeDocument/2006/relationships" xmlns:p="http://schemas.openxmlformats.org/presentationml/2006/main">
+  <p:cSld>
+    <p:spTree>
+      <p:nvGrpSpPr>
+        <p:cNvPr id="1" name=""/>
+        <p:cNvGrpSpPr/>
+        <p:nvPr/>
+      </p:nvGrpSpPr>
+      <p:grpSpPr>
+        <a:xfrm>
+          <a:off x="0" y="0"/>
+          <a:ext cx="0" cy="0"/>
+          <a:chOff x="0" y="0"/>
+          <a:chExt cx="0" cy="0"/>
+        </a:xfrm>
+      </p:grpSpPr>
+      <p:sp>
+        <p:nvSpPr>
+          <p:cNvPr id="2" name="标题 1"/>
+          <p:cNvSpPr>
+            <a:spLocks noGrp="1"/>
+          </p:cNvSpPr>
+          <p:nvPr>
+            <p:ph type="title"/>
+          </p:nvPr>
+        </p:nvSpPr>
+        <p:spPr/>
+        <p:txBody>
+          <a:bodyPr/>
+          <a:lstStyle/>
+          <a:p>
+            <a:r>
+              <a:rPr lang="en-US" altLang="zh-CN" dirty="0" smtClean="0"/>
+              <a:t>Subscribe(2)</a:t>
+            </a:r>
+            <a:endParaRPr lang="zh-CN" altLang="en-US" dirty="0"/>
+          </a:p>
+        </p:txBody>
+      </p:sp>
+      <p:sp>
+        <p:nvSpPr>
+          <p:cNvPr id="4" name="矩形 3"/>
+          <p:cNvSpPr/>
+          <p:nvPr/>
+        </p:nvSpPr>
+        <p:spPr>
+          <a:xfrm>
+            <a:off x="7170057" y="911966"/>
+            <a:ext cx="1618342" cy="757177"/>
+          </a:xfrm>
+          <a:prstGeom prst="rect">
+            <a:avLst/>
+          </a:prstGeom>
+          <a:noFill/>
+          <a:ln w="19050">
+            <a:solidFill>
+              <a:schemeClr val="accent1"/>
+            </a:solidFill>
+          </a:ln>
+        </p:spPr>
+        <p:style>
+          <a:lnRef idx="1">
+            <a:schemeClr val="accent1"/>
+          </a:lnRef>
+          <a:fillRef idx="2">
+            <a:schemeClr val="accent1"/>
+          </a:fillRef>
+          <a:effectRef idx="1">
+            <a:schemeClr val="accent1"/>
+          </a:effectRef>
+          <a:fontRef idx="minor">
+            <a:schemeClr val="dk1"/>
+          </a:fontRef>
+        </p:style>
+        <p:txBody>
+          <a:bodyPr wrap="square" lIns="182880" tIns="137160" rIns="137160" bIns="137160" rtlCol="0" anchor="ctr">
+            <a:noAutofit/>
+          </a:bodyPr>
+          <a:lstStyle/>
+          <a:p>
+            <a:pPr algn="ctr">
+              <a:lnSpc>
+                <a:spcPct val="90000"/>
+              </a:lnSpc>
+              <a:spcBef>
+                <a:spcPts val="600"/>
+              </a:spcBef>
+              <a:spcAft>
+                <a:spcPts val="0"/>
+              </a:spcAft>
+            </a:pPr>
+            <a:r>
+              <a:rPr lang="en-US" altLang="zh-CN" sz="2000" dirty="0" smtClean="0">
+                <a:ln w="0"/>
+                <a:solidFill>
+                  <a:schemeClr val="tx1"/>
+                </a:solidFill>
+                <a:effectLst>
+                  <a:outerShdw blurRad="38100" dist="19050" dir="2700000" algn="tl" rotWithShape="0">
+                    <a:schemeClr val="dk1">
+                      <a:alpha val="40000"/>
+                    </a:schemeClr>
+                  </a:outerShdw>
+                </a:effectLst>
+              </a:rPr>
+              <a:t>Parent</a:t>
+            </a:r>
+            <a:endParaRPr lang="zh-CN" altLang="en-US" sz="2000" dirty="0" err="1" smtClean="0">
+              <a:ln w="0"/>
+              <a:solidFill>
+                <a:schemeClr val="tx1"/>
+              </a:solidFill>
+              <a:effectLst>
+                <a:outerShdw blurRad="38100" dist="19050" dir="2700000" algn="tl" rotWithShape="0">
+                  <a:schemeClr val="dk1">
+                    <a:alpha val="40000"/>
+                  </a:schemeClr>
+                </a:outerShdw>
+              </a:effectLst>
+              <a:latin typeface="+mn-lt"/>
+            </a:endParaRPr>
+          </a:p>
+        </p:txBody>
+      </p:sp>
+      <p:sp>
+        <p:nvSpPr>
+          <p:cNvPr id="5" name="矩形 4"/>
+          <p:cNvSpPr/>
+          <p:nvPr/>
+        </p:nvSpPr>
+        <p:spPr>
+          <a:xfrm>
+            <a:off x="7170057" y="1930634"/>
+            <a:ext cx="1618343" cy="757177"/>
+          </a:xfrm>
+          <a:prstGeom prst="rect">
+            <a:avLst/>
+          </a:prstGeom>
+          <a:noFill/>
+          <a:ln w="19050">
+            <a:solidFill>
+              <a:srgbClr val="92D050"/>
+            </a:solidFill>
+          </a:ln>
+        </p:spPr>
+        <p:style>
+          <a:lnRef idx="1">
+            <a:schemeClr val="accent2"/>
+          </a:lnRef>
+          <a:fillRef idx="2">
+            <a:schemeClr val="accent2"/>
+          </a:fillRef>
+          <a:effectRef idx="1">
+            <a:schemeClr val="accent2"/>
+          </a:effectRef>
+          <a:fontRef idx="minor">
+            <a:schemeClr val="dk1"/>
+          </a:fontRef>
+        </p:style>
+        <p:txBody>
+          <a:bodyPr wrap="square" lIns="182880" tIns="137160" rIns="137160" bIns="137160" rtlCol="0" anchor="ctr">
+            <a:noAutofit/>
+          </a:bodyPr>
+          <a:lstStyle/>
+          <a:p>
+            <a:pPr algn="ctr">
+              <a:lnSpc>
+                <a:spcPct val="90000"/>
+              </a:lnSpc>
+              <a:spcBef>
+                <a:spcPts val="600"/>
+              </a:spcBef>
+              <a:spcAft>
+                <a:spcPts val="0"/>
+              </a:spcAft>
+            </a:pPr>
+            <a:r>
+              <a:rPr lang="en-US" altLang="zh-CN" sz="2000" dirty="0" smtClean="0">
+                <a:ln w="0"/>
+                <a:solidFill>
+                  <a:schemeClr val="tx1"/>
+                </a:solidFill>
+                <a:effectLst>
+                  <a:outerShdw blurRad="38100" dist="19050" dir="2700000" algn="tl" rotWithShape="0">
+                    <a:schemeClr val="dk1">
+                      <a:alpha val="40000"/>
+                    </a:schemeClr>
+                  </a:outerShdw>
+                </a:effectLst>
+              </a:rPr>
+              <a:t>Child</a:t>
+            </a:r>
+            <a:endParaRPr lang="zh-CN" altLang="en-US" sz="2000" dirty="0" err="1" smtClean="0">
+              <a:ln w="0"/>
+              <a:solidFill>
+                <a:schemeClr val="tx1"/>
+              </a:solidFill>
+              <a:effectLst>
+                <a:outerShdw blurRad="38100" dist="19050" dir="2700000" algn="tl" rotWithShape="0">
+                  <a:schemeClr val="dk1">
+                    <a:alpha val="40000"/>
+                  </a:schemeClr>
+                </a:outerShdw>
+              </a:effectLst>
+              <a:latin typeface="+mn-lt"/>
+            </a:endParaRPr>
+          </a:p>
+        </p:txBody>
+      </p:sp>
+      <p:sp>
+        <p:nvSpPr>
+          <p:cNvPr id="6" name="矩形 5"/>
+          <p:cNvSpPr/>
+          <p:nvPr/>
+        </p:nvSpPr>
+        <p:spPr>
+          <a:xfrm>
+            <a:off x="5711371" y="911966"/>
+            <a:ext cx="1262742" cy="1775845"/>
+          </a:xfrm>
+          <a:prstGeom prst="rect">
+            <a:avLst/>
+          </a:prstGeom>
+          <a:noFill/>
+          <a:ln w="19050">
+            <a:solidFill>
+              <a:schemeClr val="accent3">
+                <a:lumMod val="60000"/>
+                <a:lumOff val="40000"/>
+              </a:schemeClr>
+            </a:solidFill>
+          </a:ln>
+        </p:spPr>
+        <p:style>
+          <a:lnRef idx="1">
+            <a:schemeClr val="accent2"/>
+          </a:lnRef>
+          <a:fillRef idx="2">
+            <a:schemeClr val="accent2"/>
+          </a:fillRef>
+          <a:effectRef idx="1">
+            <a:schemeClr val="accent2"/>
+          </a:effectRef>
+          <a:fontRef idx="minor">
+            <a:schemeClr val="dk1"/>
+          </a:fontRef>
+        </p:style>
+        <p:txBody>
+          <a:bodyPr wrap="square" lIns="182880" tIns="137160" rIns="137160" bIns="137160" rtlCol="0" anchor="ctr">
+            <a:noAutofit/>
+          </a:bodyPr>
+          <a:lstStyle/>
+          <a:p>
+            <a:pPr algn="ctr">
+              <a:lnSpc>
+                <a:spcPct val="90000"/>
+              </a:lnSpc>
+              <a:spcBef>
+                <a:spcPts val="600"/>
+              </a:spcBef>
+              <a:spcAft>
+                <a:spcPts val="0"/>
+              </a:spcAft>
+            </a:pPr>
+            <a:r>
+              <a:rPr lang="en-US" altLang="zh-CN" sz="2000" dirty="0" smtClean="0">
+                <a:ln w="0"/>
+                <a:solidFill>
+                  <a:schemeClr val="tx1"/>
+                </a:solidFill>
+                <a:effectLst>
+                  <a:outerShdw blurRad="38100" dist="19050" dir="2700000" algn="tl" rotWithShape="0">
+                    <a:schemeClr val="dk1">
+                      <a:alpha val="40000"/>
+                    </a:schemeClr>
+                  </a:outerShdw>
+                </a:effectLst>
+              </a:rPr>
+              <a:t>Service</a:t>
+            </a:r>
+            <a:endParaRPr lang="zh-CN" altLang="en-US" sz="2000" dirty="0" err="1" smtClean="0">
+              <a:ln w="0"/>
+              <a:solidFill>
+                <a:schemeClr val="tx1"/>
+              </a:solidFill>
+              <a:effectLst>
+                <a:outerShdw blurRad="38100" dist="19050" dir="2700000" algn="tl" rotWithShape="0">
+                  <a:schemeClr val="dk1">
+                    <a:alpha val="40000"/>
+                  </a:schemeClr>
+                </a:outerShdw>
+              </a:effectLst>
+              <a:latin typeface="+mn-lt"/>
+            </a:endParaRPr>
+          </a:p>
+        </p:txBody>
+      </p:sp>
+      <p:cxnSp>
+        <p:nvCxnSpPr>
+          <p:cNvPr id="10" name="直接箭头连接符 9"/>
+          <p:cNvCxnSpPr/>
+          <p:nvPr/>
+        </p:nvCxnSpPr>
+        <p:spPr>
+          <a:xfrm flipH="1">
+            <a:off x="6640286" y="1290554"/>
+            <a:ext cx="725714" cy="0"/>
+          </a:xfrm>
+          <a:prstGeom prst="straightConnector1">
+            <a:avLst/>
+          </a:prstGeom>
+          <a:ln w="12700" cmpd="sng">
+            <a:solidFill>
+              <a:srgbClr val="000000"/>
+            </a:solidFill>
+            <a:tailEnd type="triangle"/>
+          </a:ln>
+          <a:effectLst/>
+        </p:spPr>
+        <p:style>
+          <a:lnRef idx="2">
+            <a:schemeClr val="accent1"/>
+          </a:lnRef>
+          <a:fillRef idx="0">
+            <a:schemeClr val="accent1"/>
+          </a:fillRef>
+          <a:effectRef idx="1">
+            <a:schemeClr val="accent1"/>
+          </a:effectRef>
+          <a:fontRef idx="minor">
+            <a:schemeClr val="tx1"/>
+          </a:fontRef>
+        </p:style>
+      </p:cxnSp>
+      <p:cxnSp>
+        <p:nvCxnSpPr>
+          <p:cNvPr id="12" name="直接箭头连接符 11"/>
+          <p:cNvCxnSpPr/>
+          <p:nvPr/>
+        </p:nvCxnSpPr>
+        <p:spPr>
+          <a:xfrm>
+            <a:off x="6640286" y="2309222"/>
+            <a:ext cx="805543" cy="0"/>
+          </a:xfrm>
+          <a:prstGeom prst="straightConnector1">
+            <a:avLst/>
+          </a:prstGeom>
+          <a:ln w="12700" cmpd="sng">
+            <a:solidFill>
+              <a:srgbClr val="000000"/>
+            </a:solidFill>
+            <a:tailEnd type="triangle"/>
+          </a:ln>
+          <a:effectLst/>
+        </p:spPr>
+        <p:style>
+          <a:lnRef idx="2">
+            <a:schemeClr val="accent1"/>
+          </a:lnRef>
+          <a:fillRef idx="0">
+            <a:schemeClr val="accent1"/>
+          </a:fillRef>
+          <a:effectRef idx="1">
+            <a:schemeClr val="accent1"/>
+          </a:effectRef>
+          <a:fontRef idx="minor">
+            <a:schemeClr val="tx1"/>
+          </a:fontRef>
+        </p:style>
+      </p:cxnSp>
+      <p:sp>
+        <p:nvSpPr>
+          <p:cNvPr id="8" name="文本框 7"/>
+          <p:cNvSpPr txBox="1"/>
+          <p:nvPr/>
+        </p:nvSpPr>
+        <p:spPr>
+          <a:xfrm>
+            <a:off x="6658558" y="982777"/>
+            <a:ext cx="284052" cy="307777"/>
+          </a:xfrm>
+          <a:prstGeom prst="rect">
+            <a:avLst/>
+          </a:prstGeom>
+          <a:noFill/>
+        </p:spPr>
+        <p:txBody>
+          <a:bodyPr wrap="none" rtlCol="0">
+            <a:spAutoFit/>
+          </a:bodyPr>
+          <a:lstStyle/>
+          <a:p>
+            <a:pPr>
+              <a:spcBef>
+                <a:spcPts val="0"/>
+              </a:spcBef>
+              <a:spcAft>
+                <a:spcPts val="0"/>
+              </a:spcAft>
+              <a:buClr>
+                <a:schemeClr val="bg1"/>
+              </a:buClr>
+            </a:pPr>
+            <a:r>
+              <a:rPr lang="en-US" altLang="zh-CN" sz="1400" dirty="0" smtClean="0">
+                <a:solidFill>
+                  <a:schemeClr val="bg2"/>
+                </a:solidFill>
+                <a:latin typeface="+mn-lt"/>
+              </a:rPr>
+              <a:t>1</a:t>
+            </a:r>
+            <a:endParaRPr lang="zh-CN" altLang="en-US" sz="1400" dirty="0" err="1" smtClean="0">
+              <a:solidFill>
+                <a:schemeClr val="bg2"/>
+              </a:solidFill>
+              <a:latin typeface="+mn-lt"/>
+            </a:endParaRPr>
+          </a:p>
+        </p:txBody>
+      </p:sp>
+      <p:sp>
+        <p:nvSpPr>
+          <p:cNvPr id="9" name="文本框 8"/>
+          <p:cNvSpPr txBox="1"/>
+          <p:nvPr/>
+        </p:nvSpPr>
+        <p:spPr>
+          <a:xfrm>
+            <a:off x="6640286" y="1997308"/>
+            <a:ext cx="284052" cy="307777"/>
+          </a:xfrm>
+          <a:prstGeom prst="rect">
+            <a:avLst/>
+          </a:prstGeom>
+          <a:noFill/>
+        </p:spPr>
+        <p:txBody>
+          <a:bodyPr wrap="none" rtlCol="0">
+            <a:spAutoFit/>
+          </a:bodyPr>
+          <a:lstStyle/>
+          <a:p>
+            <a:pPr>
+              <a:spcBef>
+                <a:spcPts val="0"/>
+              </a:spcBef>
+              <a:spcAft>
+                <a:spcPts val="0"/>
+              </a:spcAft>
+              <a:buClr>
+                <a:schemeClr val="bg1"/>
+              </a:buClr>
+            </a:pPr>
+            <a:r>
+              <a:rPr lang="en-US" altLang="zh-CN" sz="1400" dirty="0" smtClean="0">
+                <a:solidFill>
+                  <a:schemeClr val="bg2"/>
+                </a:solidFill>
+                <a:latin typeface="+mn-lt"/>
+              </a:rPr>
+              <a:t>2</a:t>
+            </a:r>
+            <a:endParaRPr lang="zh-CN" altLang="en-US" sz="1400" dirty="0" err="1" smtClean="0">
+              <a:solidFill>
+                <a:schemeClr val="bg2"/>
+              </a:solidFill>
+              <a:latin typeface="+mn-lt"/>
+            </a:endParaRPr>
+          </a:p>
+        </p:txBody>
+      </p:sp>
+      <p:sp>
+        <p:nvSpPr>
+          <p:cNvPr id="11" name="矩形 10"/>
+          <p:cNvSpPr/>
+          <p:nvPr/>
+        </p:nvSpPr>
+        <p:spPr>
+          <a:xfrm>
+            <a:off x="236579" y="3160011"/>
+            <a:ext cx="4981307" cy="1403655"/>
+          </a:xfrm>
+          <a:prstGeom prst="rect">
+            <a:avLst/>
+          </a:prstGeom>
+          <a:noFill/>
+          <a:ln>
+            <a:solidFill>
+              <a:schemeClr val="tx1">
+                <a:lumMod val="20000"/>
+                <a:lumOff val="80000"/>
+              </a:schemeClr>
+            </a:solidFill>
+          </a:ln>
+        </p:spPr>
+        <p:style>
+          <a:lnRef idx="1">
+            <a:schemeClr val="accent2"/>
+          </a:lnRef>
+          <a:fillRef idx="2">
+            <a:schemeClr val="accent2"/>
+          </a:fillRef>
+          <a:effectRef idx="1">
+            <a:schemeClr val="accent2"/>
+          </a:effectRef>
+          <a:fontRef idx="minor">
+            <a:schemeClr val="dk1"/>
+          </a:fontRef>
+        </p:style>
+        <p:txBody>
+          <a:bodyPr wrap="square" lIns="182880" tIns="137160" rIns="137160" bIns="137160" rtlCol="0" anchor="ctr">
+            <a:noAutofit/>
+          </a:bodyPr>
+          <a:lstStyle/>
+          <a:p>
+            <a:pPr algn="ctr">
+              <a:lnSpc>
+                <a:spcPct val="90000"/>
+              </a:lnSpc>
+              <a:spcBef>
+                <a:spcPts val="600"/>
+              </a:spcBef>
+              <a:spcAft>
+                <a:spcPts val="0"/>
+              </a:spcAft>
+            </a:pPr>
+            <a:endParaRPr lang="zh-CN" altLang="en-US" sz="2000" dirty="0" err="1" smtClean="0">
+              <a:solidFill>
+                <a:schemeClr val="tx2"/>
+              </a:solidFill>
+              <a:latin typeface="+mn-lt"/>
+            </a:endParaRPr>
+          </a:p>
+        </p:txBody>
+      </p:sp>
+      <p:sp>
+        <p:nvSpPr>
+          <p:cNvPr id="13" name="矩形 12"/>
+          <p:cNvSpPr/>
+          <p:nvPr/>
+        </p:nvSpPr>
+        <p:spPr>
+          <a:xfrm>
+            <a:off x="236579" y="3178671"/>
+            <a:ext cx="4981308" cy="1384995"/>
+          </a:xfrm>
+          <a:prstGeom prst="rect">
+            <a:avLst/>
+          </a:prstGeom>
+        </p:spPr>
+        <p:txBody>
+          <a:bodyPr wrap="square">
+            <a:spAutoFit/>
+          </a:bodyPr>
+          <a:lstStyle/>
+          <a:p>
+            <a:r>
+              <a:rPr lang="en-US" altLang="zh-CN" sz="1200" b="1" dirty="0" err="1"/>
+              <a:t>m</a:t>
+            </a:r>
+            <a:r>
+              <a:rPr lang="en-US" altLang="zh-CN" sz="1200" b="1" dirty="0" err="1" smtClean="0"/>
+              <a:t>y.service.ts</a:t>
+            </a:r>
+            <a:endParaRPr lang="en-US" altLang="zh-CN" sz="1200" b="1" dirty="0" smtClean="0"/>
+          </a:p>
+          <a:p>
+            <a:endParaRPr lang="en-US" altLang="zh-CN" sz="1200" b="1" dirty="0"/>
+          </a:p>
+          <a:p>
+            <a:r>
+              <a:rPr lang="en-US" altLang="zh-CN" sz="1200" dirty="0" smtClean="0"/>
+              <a:t>export </a:t>
+            </a:r>
+            <a:r>
+              <a:rPr lang="en-US" altLang="zh-CN" sz="1200" dirty="0"/>
+              <a:t>class </a:t>
+            </a:r>
+            <a:r>
+              <a:rPr lang="en-US" altLang="zh-CN" sz="1200" dirty="0" err="1" smtClean="0"/>
+              <a:t>MyService</a:t>
+            </a:r>
+            <a:r>
+              <a:rPr lang="en-US" altLang="zh-CN" sz="1200" dirty="0" smtClean="0"/>
+              <a:t> </a:t>
+            </a:r>
+            <a:r>
+              <a:rPr lang="en-US" altLang="zh-CN" sz="1200" dirty="0"/>
+              <a:t>{</a:t>
+            </a:r>
+          </a:p>
+          <a:p>
+            <a:r>
+              <a:rPr lang="en-US" altLang="zh-CN" sz="1200" dirty="0" smtClean="0"/>
+              <a:t>    </a:t>
+            </a:r>
+            <a:r>
+              <a:rPr lang="en-US" altLang="zh-CN" sz="1200" b="1" dirty="0" smtClean="0">
+                <a:solidFill>
+                  <a:srgbClr val="007DB8"/>
+                </a:solidFill>
+              </a:rPr>
+              <a:t>private </a:t>
+            </a:r>
+            <a:r>
+              <a:rPr lang="en-US" altLang="zh-CN" sz="1200" b="1" dirty="0">
+                <a:solidFill>
+                  <a:srgbClr val="007DB8"/>
+                </a:solidFill>
+              </a:rPr>
+              <a:t>Source=new Subject&lt;any&gt;();</a:t>
+            </a:r>
+          </a:p>
+          <a:p>
+            <a:r>
+              <a:rPr lang="en-US" altLang="zh-CN" sz="1200" b="1" dirty="0">
+                <a:solidFill>
+                  <a:srgbClr val="007DB8"/>
+                </a:solidFill>
+              </a:rPr>
+              <a:t>    Status$=</a:t>
+            </a:r>
+            <a:r>
+              <a:rPr lang="en-US" altLang="zh-CN" sz="1200" b="1" dirty="0" err="1">
+                <a:solidFill>
+                  <a:srgbClr val="007DB8"/>
+                </a:solidFill>
+              </a:rPr>
+              <a:t>this.Source.asObservable</a:t>
+            </a:r>
+            <a:r>
+              <a:rPr lang="en-US" altLang="zh-CN" sz="1200" b="1" dirty="0">
+                <a:solidFill>
+                  <a:srgbClr val="007DB8"/>
+                </a:solidFill>
+              </a:rPr>
+              <a:t>();</a:t>
+            </a:r>
+          </a:p>
+          <a:p>
+            <a:r>
+              <a:rPr lang="en-US" altLang="zh-CN" sz="1200" b="1" dirty="0">
+                <a:solidFill>
+                  <a:srgbClr val="007DB8"/>
+                </a:solidFill>
+              </a:rPr>
+              <a:t>    </a:t>
+            </a:r>
+            <a:r>
+              <a:rPr lang="en-US" altLang="zh-CN" sz="1200" b="1" dirty="0" err="1">
+                <a:solidFill>
+                  <a:srgbClr val="007DB8"/>
+                </a:solidFill>
+              </a:rPr>
+              <a:t>StatusMission</a:t>
+            </a:r>
+            <a:r>
+              <a:rPr lang="en-US" altLang="zh-CN" sz="1200" b="1" dirty="0">
+                <a:solidFill>
+                  <a:srgbClr val="007DB8"/>
+                </a:solidFill>
+              </a:rPr>
+              <a:t>(message: any) </a:t>
+            </a:r>
+            <a:r>
+              <a:rPr lang="en-US" altLang="zh-CN" sz="1200" b="1" dirty="0" smtClean="0">
+                <a:solidFill>
+                  <a:srgbClr val="007DB8"/>
+                </a:solidFill>
+              </a:rPr>
+              <a:t>{ </a:t>
+            </a:r>
+            <a:r>
+              <a:rPr lang="en-US" altLang="zh-CN" sz="1200" b="1" dirty="0" err="1" smtClean="0">
+                <a:solidFill>
+                  <a:srgbClr val="007DB8"/>
+                </a:solidFill>
+              </a:rPr>
+              <a:t>this.Source.next</a:t>
+            </a:r>
+            <a:r>
+              <a:rPr lang="en-US" altLang="zh-CN" sz="1200" b="1" dirty="0" smtClean="0">
+                <a:solidFill>
+                  <a:srgbClr val="007DB8"/>
+                </a:solidFill>
+              </a:rPr>
+              <a:t>(message); }</a:t>
+            </a:r>
+          </a:p>
+          <a:p>
+            <a:r>
+              <a:rPr lang="en-US" altLang="zh-CN" sz="1200" dirty="0" smtClean="0"/>
+              <a:t>}</a:t>
+            </a:r>
+            <a:endParaRPr lang="zh-CN" altLang="en-US" sz="1200" dirty="0"/>
+          </a:p>
+        </p:txBody>
+      </p:sp>
+      <p:cxnSp>
+        <p:nvCxnSpPr>
+          <p:cNvPr id="14" name="直接连接符 13"/>
+          <p:cNvCxnSpPr/>
+          <p:nvPr/>
+        </p:nvCxnSpPr>
+        <p:spPr>
+          <a:xfrm>
+            <a:off x="334495" y="3527399"/>
+            <a:ext cx="4300532" cy="0"/>
+          </a:xfrm>
+          <a:prstGeom prst="line">
+            <a:avLst/>
+          </a:prstGeom>
+          <a:ln w="12700" cmpd="sng">
+            <a:solidFill>
+              <a:srgbClr val="000000"/>
+            </a:solidFill>
+          </a:ln>
+          <a:effectLst/>
+        </p:spPr>
+        <p:style>
+          <a:lnRef idx="2">
+            <a:schemeClr val="accent1"/>
+          </a:lnRef>
+          <a:fillRef idx="0">
+            <a:schemeClr val="accent1"/>
+          </a:fillRef>
+          <a:effectRef idx="1">
+            <a:schemeClr val="accent1"/>
+          </a:effectRef>
+          <a:fontRef idx="minor">
+            <a:schemeClr val="tx1"/>
+          </a:fontRef>
+        </p:style>
+      </p:cxnSp>
+      <p:sp>
+        <p:nvSpPr>
+          <p:cNvPr id="15" name="矩形 14"/>
+          <p:cNvSpPr/>
+          <p:nvPr/>
+        </p:nvSpPr>
+        <p:spPr>
+          <a:xfrm>
+            <a:off x="236579" y="1269215"/>
+            <a:ext cx="4981308" cy="1792037"/>
+          </a:xfrm>
+          <a:prstGeom prst="rect">
+            <a:avLst/>
+          </a:prstGeom>
+          <a:noFill/>
+          <a:ln>
+            <a:solidFill>
+              <a:schemeClr val="tx1">
+                <a:lumMod val="20000"/>
+                <a:lumOff val="80000"/>
+              </a:schemeClr>
+            </a:solidFill>
+          </a:ln>
+        </p:spPr>
+        <p:style>
+          <a:lnRef idx="1">
+            <a:schemeClr val="accent2"/>
+          </a:lnRef>
+          <a:fillRef idx="2">
+            <a:schemeClr val="accent2"/>
+          </a:fillRef>
+          <a:effectRef idx="1">
+            <a:schemeClr val="accent2"/>
+          </a:effectRef>
+          <a:fontRef idx="minor">
+            <a:schemeClr val="dk1"/>
+          </a:fontRef>
+        </p:style>
+        <p:txBody>
+          <a:bodyPr wrap="square" lIns="182880" tIns="137160" rIns="137160" bIns="137160" rtlCol="0" anchor="ctr">
+            <a:noAutofit/>
+          </a:bodyPr>
+          <a:lstStyle/>
+          <a:p>
+            <a:pPr algn="ctr">
+              <a:lnSpc>
+                <a:spcPct val="90000"/>
+              </a:lnSpc>
+              <a:spcBef>
+                <a:spcPts val="600"/>
+              </a:spcBef>
+              <a:spcAft>
+                <a:spcPts val="0"/>
+              </a:spcAft>
+            </a:pPr>
+            <a:endParaRPr lang="zh-CN" altLang="en-US" sz="2000" dirty="0" err="1" smtClean="0">
+              <a:solidFill>
+                <a:schemeClr val="tx2"/>
+              </a:solidFill>
+              <a:latin typeface="+mn-lt"/>
+            </a:endParaRPr>
+          </a:p>
+        </p:txBody>
+      </p:sp>
+      <p:sp>
+        <p:nvSpPr>
+          <p:cNvPr id="16" name="矩形 15"/>
+          <p:cNvSpPr/>
+          <p:nvPr/>
+        </p:nvSpPr>
+        <p:spPr>
+          <a:xfrm>
+            <a:off x="274319" y="1306926"/>
+            <a:ext cx="5023396" cy="1754326"/>
+          </a:xfrm>
+          <a:prstGeom prst="rect">
+            <a:avLst/>
+          </a:prstGeom>
+        </p:spPr>
+        <p:txBody>
+          <a:bodyPr wrap="square">
+            <a:spAutoFit/>
+          </a:bodyPr>
+          <a:lstStyle/>
+          <a:p>
+            <a:r>
+              <a:rPr lang="en-US" altLang="zh-CN" sz="1200" b="1" dirty="0" err="1"/>
+              <a:t>c</a:t>
+            </a:r>
+            <a:r>
+              <a:rPr lang="en-US" altLang="zh-CN" sz="1200" b="1" dirty="0" err="1" smtClean="0"/>
+              <a:t>hild.ts</a:t>
+            </a:r>
+            <a:endParaRPr lang="en-US" altLang="zh-CN" sz="1200" b="1" dirty="0" smtClean="0"/>
+          </a:p>
+          <a:p>
+            <a:endParaRPr lang="en-US" altLang="zh-CN" sz="1200" b="1" dirty="0"/>
+          </a:p>
+          <a:p>
+            <a:r>
+              <a:rPr lang="en-US" altLang="zh-CN" sz="1200" dirty="0"/>
+              <a:t>export class </a:t>
+            </a:r>
+            <a:r>
+              <a:rPr lang="en-US" altLang="zh-CN" sz="1200" dirty="0" err="1"/>
+              <a:t>ChildPage</a:t>
+            </a:r>
+            <a:r>
+              <a:rPr lang="en-US" altLang="zh-CN" sz="1200" dirty="0"/>
+              <a:t> {</a:t>
+            </a:r>
+          </a:p>
+          <a:p>
+            <a:r>
+              <a:rPr lang="en-US" altLang="zh-CN" sz="1200" dirty="0"/>
+              <a:t>    </a:t>
+            </a:r>
+            <a:r>
+              <a:rPr lang="en-US" altLang="zh-CN" sz="1200" b="1" dirty="0">
+                <a:solidFill>
+                  <a:srgbClr val="007DB8"/>
+                </a:solidFill>
+              </a:rPr>
+              <a:t>constructor(public </a:t>
+            </a:r>
+            <a:r>
+              <a:rPr lang="en-US" altLang="zh-CN" sz="1200" b="1" dirty="0" err="1" smtClean="0">
+                <a:solidFill>
+                  <a:srgbClr val="007DB8"/>
+                </a:solidFill>
+              </a:rPr>
+              <a:t>service:MyService</a:t>
+            </a:r>
+            <a:r>
+              <a:rPr lang="en-US" altLang="zh-CN" sz="1200" b="1" dirty="0" smtClean="0">
+                <a:solidFill>
+                  <a:srgbClr val="007DB8"/>
+                </a:solidFill>
+              </a:rPr>
+              <a:t>){</a:t>
+            </a:r>
+          </a:p>
+          <a:p>
+            <a:r>
+              <a:rPr lang="en-US" altLang="zh-CN" sz="1200" b="1" dirty="0">
+                <a:solidFill>
+                  <a:srgbClr val="007DB8"/>
+                </a:solidFill>
+              </a:rPr>
+              <a:t>        </a:t>
+            </a:r>
+            <a:r>
+              <a:rPr lang="en-US" altLang="zh-CN" sz="1200" b="1" dirty="0" err="1">
+                <a:solidFill>
+                  <a:srgbClr val="007DB8"/>
+                </a:solidFill>
+              </a:rPr>
+              <a:t>this.subscription</a:t>
+            </a:r>
+            <a:r>
+              <a:rPr lang="en-US" altLang="zh-CN" sz="1200" b="1" dirty="0">
+                <a:solidFill>
+                  <a:srgbClr val="007DB8"/>
+                </a:solidFill>
+              </a:rPr>
+              <a:t> = </a:t>
+            </a:r>
+            <a:r>
+              <a:rPr lang="en-US" altLang="zh-CN" sz="1200" b="1" dirty="0" err="1">
+                <a:solidFill>
+                  <a:srgbClr val="007DB8"/>
+                </a:solidFill>
+              </a:rPr>
+              <a:t>Service.Status$.subscribe</a:t>
+            </a:r>
+            <a:r>
+              <a:rPr lang="en-US" altLang="zh-CN" sz="1200" b="1" dirty="0">
+                <a:solidFill>
+                  <a:srgbClr val="007DB8"/>
+                </a:solidFill>
+              </a:rPr>
+              <a:t>(message =&gt; {</a:t>
+            </a:r>
+          </a:p>
+          <a:p>
+            <a:r>
+              <a:rPr lang="en-US" altLang="zh-CN" sz="1200" b="1" dirty="0">
+                <a:solidFill>
+                  <a:srgbClr val="007DB8"/>
+                </a:solidFill>
+              </a:rPr>
+              <a:t>            </a:t>
+            </a:r>
+            <a:r>
+              <a:rPr lang="en-US" altLang="zh-CN" sz="1200" b="1" dirty="0" smtClean="0">
+                <a:solidFill>
+                  <a:srgbClr val="007DB8"/>
+                </a:solidFill>
+              </a:rPr>
+              <a:t>console.log(message);</a:t>
+            </a:r>
+            <a:endParaRPr lang="en-US" altLang="zh-CN" sz="1200" b="1" dirty="0">
+              <a:solidFill>
+                <a:srgbClr val="007DB8"/>
+              </a:solidFill>
+            </a:endParaRPr>
+          </a:p>
+          <a:p>
+            <a:r>
+              <a:rPr lang="en-US" altLang="zh-CN" sz="1200" b="1" dirty="0">
+                <a:solidFill>
+                  <a:srgbClr val="007DB8"/>
+                </a:solidFill>
+              </a:rPr>
+              <a:t>        });    </a:t>
+            </a:r>
+            <a:endParaRPr lang="en-US" altLang="zh-CN" sz="1200" b="1" dirty="0" smtClean="0">
+              <a:solidFill>
+                <a:srgbClr val="007DB8"/>
+              </a:solidFill>
+            </a:endParaRPr>
+          </a:p>
+          <a:p>
+            <a:r>
+              <a:rPr lang="en-US" altLang="zh-CN" sz="1200" b="1" dirty="0">
+                <a:solidFill>
+                  <a:srgbClr val="007DB8"/>
+                </a:solidFill>
+              </a:rPr>
+              <a:t> </a:t>
+            </a:r>
+            <a:r>
+              <a:rPr lang="en-US" altLang="zh-CN" sz="1200" b="1" dirty="0" smtClean="0">
+                <a:solidFill>
+                  <a:srgbClr val="007DB8"/>
+                </a:solidFill>
+              </a:rPr>
+              <a:t>   }</a:t>
+            </a:r>
+            <a:endParaRPr lang="en-US" altLang="zh-CN" sz="1200" b="1" dirty="0">
+              <a:solidFill>
+                <a:srgbClr val="007DB8"/>
+              </a:solidFill>
+            </a:endParaRPr>
+          </a:p>
+          <a:p>
+            <a:r>
+              <a:rPr lang="en-US" altLang="zh-CN" sz="1200" dirty="0"/>
+              <a:t>}</a:t>
+            </a:r>
+            <a:endParaRPr lang="zh-CN" altLang="en-US" sz="1200" dirty="0"/>
+          </a:p>
+        </p:txBody>
+      </p:sp>
+      <p:cxnSp>
+        <p:nvCxnSpPr>
+          <p:cNvPr id="17" name="直接连接符 16"/>
+          <p:cNvCxnSpPr/>
+          <p:nvPr/>
+        </p:nvCxnSpPr>
+        <p:spPr>
+          <a:xfrm>
+            <a:off x="334495" y="1636604"/>
+            <a:ext cx="4300532" cy="0"/>
+          </a:xfrm>
+          <a:prstGeom prst="line">
+            <a:avLst/>
+          </a:prstGeom>
+          <a:ln w="12700" cmpd="sng">
+            <a:solidFill>
+              <a:srgbClr val="000000"/>
+            </a:solidFill>
+          </a:ln>
+          <a:effectLst/>
+        </p:spPr>
+        <p:style>
+          <a:lnRef idx="2">
+            <a:schemeClr val="accent1"/>
+          </a:lnRef>
+          <a:fillRef idx="0">
+            <a:schemeClr val="accent1"/>
+          </a:fillRef>
+          <a:effectRef idx="1">
+            <a:schemeClr val="accent1"/>
+          </a:effectRef>
+          <a:fontRef idx="minor">
+            <a:schemeClr val="tx1"/>
+          </a:fontRef>
+        </p:style>
+      </p:cxnSp>
+    </p:spTree>
+    <p:extLst>
+      <p:ext uri="{BB962C8B-B14F-4D97-AF65-F5344CB8AC3E}">
+        <p14:creationId xmlns:p14="http://schemas.microsoft.com/office/powerpoint/2010/main" val="3800503876"/>
+      </p:ext>
+    </p:extLst>
+  </p:cSld>
+  <p:clrMapOvr>
+    <a:masterClrMapping/>
+  </p:clrMapOvr>
+  <p:transition spd="med">
+    <p:wipe dir="r"/>
+  </p:transition>
+  <p:timing>
+    <p:tnLst>
+      <p:par>
+        <p:cTn id="1" dur="indefinite" restart="never" nodeType="tmRoot"/>
+      </p:par>
+    </p:tnLst>
+  </p:timing>
+</p:sld>
+</file>
+
+<file path=ppt/slides/slide13.xml><?xml version="1.0" encoding="utf-8"?>
+<p:sld xmlns:a="http://schemas.openxmlformats.org/drawingml/2006/main" xmlns:r="http://schemas.openxmlformats.org/officeDocument/2006/relationships" xmlns:p="http://schemas.openxmlformats.org/presentationml/2006/main">
+  <p:cSld>
+    <p:spTree>
+      <p:nvGrpSpPr>
+        <p:cNvPr id="1" name=""/>
+        <p:cNvGrpSpPr/>
+        <p:nvPr/>
+      </p:nvGrpSpPr>
+      <p:grpSpPr>
+        <a:xfrm>
+          <a:off x="0" y="0"/>
+          <a:ext cx="0" cy="0"/>
+          <a:chOff x="0" y="0"/>
+          <a:chExt cx="0" cy="0"/>
+        </a:xfrm>
+      </p:grpSpPr>
+      <p:sp>
+        <p:nvSpPr>
+          <p:cNvPr id="2" name="标题 1"/>
+          <p:cNvSpPr>
+            <a:spLocks noGrp="1"/>
+          </p:cNvSpPr>
+          <p:nvPr>
+            <p:ph type="title"/>
+          </p:nvPr>
+        </p:nvSpPr>
+        <p:spPr/>
+        <p:txBody>
+          <a:bodyPr/>
+          <a:lstStyle/>
+          <a:p>
+            <a:r>
               <a:rPr lang="en-US" altLang="zh-CN" dirty="0"/>
               <a:t> </a:t>
             </a:r>
             <a:r>
               <a:rPr lang="en-US" altLang="zh-CN" dirty="0" smtClean="0"/>
-              <a:t>Practical</a:t>
-            </a:r>
-            <a:r>
-              <a:rPr lang="en-US" altLang="zh-CN" dirty="0"/>
-              <a:t> case</a:t>
+              <a:t>Example</a:t>
             </a:r>
             <a:endParaRPr lang="zh-CN" altLang="en-US" dirty="0"/>
           </a:p>
@@ -6396,6 +10739,70 @@
       </p:grpSpPr>
       <p:sp>
         <p:nvSpPr>
+          <p:cNvPr id="9" name="矩形 8"/>
+          <p:cNvSpPr/>
+          <p:nvPr/>
+        </p:nvSpPr>
+        <p:spPr>
+          <a:xfrm>
+            <a:off x="274319" y="1818902"/>
+            <a:ext cx="4609739" cy="1275747"/>
+          </a:xfrm>
+          <a:prstGeom prst="rect">
+            <a:avLst/>
+          </a:prstGeom>
+          <a:noFill/>
+          <a:ln>
+            <a:solidFill>
+              <a:schemeClr val="tx1">
+                <a:lumMod val="20000"/>
+                <a:lumOff val="80000"/>
+              </a:schemeClr>
+            </a:solidFill>
+          </a:ln>
+        </p:spPr>
+        <p:style>
+          <a:lnRef idx="1">
+            <a:schemeClr val="accent2"/>
+          </a:lnRef>
+          <a:fillRef idx="2">
+            <a:schemeClr val="accent2"/>
+          </a:fillRef>
+          <a:effectRef idx="1">
+            <a:schemeClr val="accent2"/>
+          </a:effectRef>
+          <a:fontRef idx="minor">
+            <a:schemeClr val="dk1"/>
+          </a:fontRef>
+        </p:style>
+        <p:txBody>
+          <a:bodyPr wrap="square" lIns="182880" tIns="137160" rIns="137160" bIns="137160" rtlCol="0" anchor="ctr">
+            <a:noAutofit/>
+          </a:bodyPr>
+          <a:lstStyle/>
+          <a:p>
+            <a:pPr algn="ctr">
+              <a:lnSpc>
+                <a:spcPct val="90000"/>
+              </a:lnSpc>
+              <a:spcBef>
+                <a:spcPts val="600"/>
+              </a:spcBef>
+              <a:spcAft>
+                <a:spcPts val="0"/>
+              </a:spcAft>
+            </a:pPr>
+            <a:endParaRPr lang="zh-CN" altLang="en-US" sz="2000" dirty="0" err="1" smtClean="0">
+              <a:solidFill>
+                <a:schemeClr val="tx2"/>
+              </a:solidFill>
+              <a:latin typeface="+mn-lt"/>
+            </a:endParaRPr>
+          </a:p>
+        </p:txBody>
+      </p:sp>
+      <p:sp>
+        <p:nvSpPr>
           <p:cNvPr id="2" name="标题 1"/>
           <p:cNvSpPr>
             <a:spLocks noGrp="1"/>
@@ -6419,11 +10826,7 @@
             </a:r>
             <a:r>
               <a:rPr lang="en-US" altLang="zh-CN" dirty="0"/>
-              <a:t>to </a:t>
-            </a:r>
-            <a:r>
-              <a:rPr lang="en-US" altLang="zh-CN" dirty="0"/>
-              <a:t>c</a:t>
+              <a:t>to c</a:t>
             </a:r>
             <a:r>
               <a:rPr lang="en-US" altLang="zh-CN" dirty="0" smtClean="0"/>
@@ -6642,6 +11045,430 @@
           </a:fontRef>
         </p:style>
       </p:cxnSp>
+      <p:sp>
+        <p:nvSpPr>
+          <p:cNvPr id="4" name="矩形 3"/>
+          <p:cNvSpPr/>
+          <p:nvPr/>
+        </p:nvSpPr>
+        <p:spPr>
+          <a:xfrm>
+            <a:off x="312058" y="1856612"/>
+            <a:ext cx="4572000" cy="1200329"/>
+          </a:xfrm>
+          <a:prstGeom prst="rect">
+            <a:avLst/>
+          </a:prstGeom>
+        </p:spPr>
+        <p:txBody>
+          <a:bodyPr>
+            <a:spAutoFit/>
+          </a:bodyPr>
+          <a:lstStyle/>
+          <a:p>
+            <a:r>
+              <a:rPr lang="en-US" altLang="zh-CN" sz="1200" b="1" dirty="0" smtClean="0"/>
+              <a:t>parent.html</a:t>
+            </a:r>
+          </a:p>
+          <a:p>
+            <a:endParaRPr lang="en-US" altLang="zh-CN" sz="1200" b="1" dirty="0"/>
+          </a:p>
+          <a:p>
+            <a:r>
+              <a:rPr lang="en-US" altLang="zh-CN" sz="1200" dirty="0" smtClean="0"/>
+              <a:t>&lt;div&gt;</a:t>
+            </a:r>
+            <a:endParaRPr lang="en-US" altLang="zh-CN" sz="1200" dirty="0"/>
+          </a:p>
+          <a:p>
+            <a:r>
+              <a:rPr lang="en-US" altLang="zh-CN" sz="1200" dirty="0"/>
+              <a:t>  &lt;h2&gt;Parent&lt;/h2&gt;</a:t>
+            </a:r>
+          </a:p>
+          <a:p>
+            <a:r>
+              <a:rPr lang="en-US" altLang="zh-CN" sz="1200" dirty="0"/>
+              <a:t>  </a:t>
+            </a:r>
+            <a:r>
+              <a:rPr lang="en-US" altLang="zh-CN" sz="1200" b="1" dirty="0">
+                <a:solidFill>
+                  <a:srgbClr val="007DB8"/>
+                </a:solidFill>
+              </a:rPr>
+              <a:t>&lt;page-child [content</a:t>
+            </a:r>
+            <a:r>
+              <a:rPr lang="en-US" altLang="zh-CN" sz="1200" b="1" dirty="0" smtClean="0">
+                <a:solidFill>
+                  <a:srgbClr val="007DB8"/>
+                </a:solidFill>
+              </a:rPr>
+              <a:t>]=</a:t>
+            </a:r>
+            <a:r>
+              <a:rPr lang="en-US" altLang="zh-CN" sz="1200" b="1" dirty="0">
+                <a:solidFill>
+                  <a:srgbClr val="007DB8"/>
+                </a:solidFill>
+              </a:rPr>
+              <a:t>"</a:t>
+            </a:r>
+            <a:r>
+              <a:rPr lang="en-US" altLang="zh-CN" sz="1200" b="1" dirty="0" smtClean="0">
+                <a:solidFill>
+                  <a:srgbClr val="007DB8"/>
+                </a:solidFill>
+              </a:rPr>
+              <a:t>index"&gt;&lt;/</a:t>
+            </a:r>
+            <a:r>
+              <a:rPr lang="en-US" altLang="zh-CN" sz="1200" b="1" dirty="0">
+                <a:solidFill>
+                  <a:srgbClr val="007DB8"/>
+                </a:solidFill>
+              </a:rPr>
+              <a:t>page-child&gt;</a:t>
+            </a:r>
+          </a:p>
+          <a:p>
+            <a:r>
+              <a:rPr lang="en-US" altLang="zh-CN" sz="1200" dirty="0" smtClean="0"/>
+              <a:t>&lt;/div&gt;</a:t>
+            </a:r>
+            <a:endParaRPr lang="zh-CN" altLang="en-US" sz="1200" dirty="0"/>
+          </a:p>
+        </p:txBody>
+      </p:sp>
+      <p:cxnSp>
+        <p:nvCxnSpPr>
+          <p:cNvPr id="7" name="直接连接符 6"/>
+          <p:cNvCxnSpPr/>
+          <p:nvPr/>
+        </p:nvCxnSpPr>
+        <p:spPr>
+          <a:xfrm>
+            <a:off x="372234" y="2186290"/>
+            <a:ext cx="4300532" cy="0"/>
+          </a:xfrm>
+          <a:prstGeom prst="line">
+            <a:avLst/>
+          </a:prstGeom>
+          <a:ln w="12700" cmpd="sng">
+            <a:solidFill>
+              <a:srgbClr val="000000"/>
+            </a:solidFill>
+          </a:ln>
+          <a:effectLst/>
+        </p:spPr>
+        <p:style>
+          <a:lnRef idx="2">
+            <a:schemeClr val="accent1"/>
+          </a:lnRef>
+          <a:fillRef idx="0">
+            <a:schemeClr val="accent1"/>
+          </a:fillRef>
+          <a:effectRef idx="1">
+            <a:schemeClr val="accent1"/>
+          </a:effectRef>
+          <a:fontRef idx="minor">
+            <a:schemeClr val="tx1"/>
+          </a:fontRef>
+        </p:style>
+      </p:cxnSp>
+      <p:sp>
+        <p:nvSpPr>
+          <p:cNvPr id="15" name="文本框 14"/>
+          <p:cNvSpPr txBox="1"/>
+          <p:nvPr/>
+        </p:nvSpPr>
+        <p:spPr>
+          <a:xfrm>
+            <a:off x="274319" y="3424327"/>
+            <a:ext cx="2032929" cy="1138773"/>
+          </a:xfrm>
+          <a:prstGeom prst="rect">
+            <a:avLst/>
+          </a:prstGeom>
+          <a:noFill/>
+        </p:spPr>
+        <p:txBody>
+          <a:bodyPr wrap="none" rtlCol="0">
+            <a:spAutoFit/>
+          </a:bodyPr>
+          <a:lstStyle/>
+          <a:p>
+            <a:pPr>
+              <a:spcBef>
+                <a:spcPts val="0"/>
+              </a:spcBef>
+              <a:spcAft>
+                <a:spcPts val="0"/>
+              </a:spcAft>
+              <a:buClr>
+                <a:schemeClr val="bg1"/>
+              </a:buClr>
+            </a:pPr>
+            <a:r>
+              <a:rPr lang="en-US" altLang="zh-CN" sz="1200" b="1" dirty="0" err="1" smtClean="0">
+                <a:solidFill>
+                  <a:schemeClr val="bg2"/>
+                </a:solidFill>
+                <a:latin typeface="+mn-lt"/>
+              </a:rPr>
+              <a:t>child.ts</a:t>
+            </a:r>
+            <a:endParaRPr lang="en-US" altLang="zh-CN" sz="1200" b="1" dirty="0" smtClean="0">
+              <a:solidFill>
+                <a:schemeClr val="bg2"/>
+              </a:solidFill>
+              <a:latin typeface="+mn-lt"/>
+            </a:endParaRPr>
+          </a:p>
+          <a:p>
+            <a:pPr>
+              <a:spcBef>
+                <a:spcPts val="0"/>
+              </a:spcBef>
+              <a:spcAft>
+                <a:spcPts val="0"/>
+              </a:spcAft>
+              <a:buClr>
+                <a:schemeClr val="bg1"/>
+              </a:buClr>
+            </a:pPr>
+            <a:endParaRPr lang="en-US" altLang="zh-CN" sz="1400" dirty="0">
+              <a:solidFill>
+                <a:schemeClr val="bg2"/>
+              </a:solidFill>
+              <a:latin typeface="+mn-lt"/>
+            </a:endParaRPr>
+          </a:p>
+          <a:p>
+            <a:pPr>
+              <a:spcBef>
+                <a:spcPts val="0"/>
+              </a:spcBef>
+              <a:spcAft>
+                <a:spcPts val="0"/>
+              </a:spcAft>
+              <a:buClr>
+                <a:schemeClr val="bg1"/>
+              </a:buClr>
+            </a:pPr>
+            <a:r>
+              <a:rPr lang="en-US" altLang="zh-CN" sz="1200" b="1" dirty="0">
+                <a:solidFill>
+                  <a:srgbClr val="007DB8"/>
+                </a:solidFill>
+                <a:latin typeface="+mj-lt"/>
+              </a:rPr>
+              <a:t>@Input() </a:t>
+            </a:r>
+            <a:r>
+              <a:rPr lang="en-US" altLang="zh-CN" sz="1200" b="1" dirty="0" smtClean="0">
+                <a:solidFill>
+                  <a:srgbClr val="007DB8"/>
+                </a:solidFill>
+                <a:latin typeface="+mj-lt"/>
+              </a:rPr>
+              <a:t>content : string</a:t>
+            </a:r>
+            <a:r>
+              <a:rPr lang="en-US" altLang="zh-CN" sz="1200" b="1" dirty="0">
+                <a:solidFill>
+                  <a:srgbClr val="007DB8"/>
+                </a:solidFill>
+                <a:latin typeface="+mj-lt"/>
+              </a:rPr>
+              <a:t>;</a:t>
+            </a:r>
+            <a:endParaRPr lang="en-US" altLang="zh-CN" sz="1200" b="1" dirty="0" smtClean="0">
+              <a:solidFill>
+                <a:srgbClr val="007DB8"/>
+              </a:solidFill>
+              <a:latin typeface="+mj-lt"/>
+            </a:endParaRPr>
+          </a:p>
+          <a:p>
+            <a:pPr>
+              <a:spcBef>
+                <a:spcPts val="0"/>
+              </a:spcBef>
+              <a:spcAft>
+                <a:spcPts val="0"/>
+              </a:spcAft>
+              <a:buClr>
+                <a:schemeClr val="bg1"/>
+              </a:buClr>
+            </a:pPr>
+            <a:endParaRPr lang="en-US" altLang="zh-CN" sz="1400" dirty="0">
+              <a:solidFill>
+                <a:schemeClr val="bg2"/>
+              </a:solidFill>
+              <a:latin typeface="+mn-lt"/>
+            </a:endParaRPr>
+          </a:p>
+          <a:p>
+            <a:pPr>
+              <a:spcBef>
+                <a:spcPts val="0"/>
+              </a:spcBef>
+              <a:spcAft>
+                <a:spcPts val="0"/>
+              </a:spcAft>
+              <a:buClr>
+                <a:schemeClr val="bg1"/>
+              </a:buClr>
+            </a:pPr>
+            <a:endParaRPr lang="zh-CN" altLang="en-US" sz="1400" dirty="0" err="1" smtClean="0">
+              <a:solidFill>
+                <a:schemeClr val="bg2"/>
+              </a:solidFill>
+              <a:latin typeface="+mn-lt"/>
+            </a:endParaRPr>
+          </a:p>
+        </p:txBody>
+      </p:sp>
+      <p:sp>
+        <p:nvSpPr>
+          <p:cNvPr id="18" name="矩形 17"/>
+          <p:cNvSpPr/>
+          <p:nvPr/>
+        </p:nvSpPr>
+        <p:spPr>
+          <a:xfrm>
+            <a:off x="274319" y="3396761"/>
+            <a:ext cx="4609739" cy="1275747"/>
+          </a:xfrm>
+          <a:prstGeom prst="rect">
+            <a:avLst/>
+          </a:prstGeom>
+          <a:noFill/>
+          <a:ln>
+            <a:solidFill>
+              <a:schemeClr val="tx1">
+                <a:lumMod val="20000"/>
+                <a:lumOff val="80000"/>
+              </a:schemeClr>
+            </a:solidFill>
+          </a:ln>
+        </p:spPr>
+        <p:style>
+          <a:lnRef idx="1">
+            <a:schemeClr val="accent2"/>
+          </a:lnRef>
+          <a:fillRef idx="2">
+            <a:schemeClr val="accent2"/>
+          </a:fillRef>
+          <a:effectRef idx="1">
+            <a:schemeClr val="accent2"/>
+          </a:effectRef>
+          <a:fontRef idx="minor">
+            <a:schemeClr val="dk1"/>
+          </a:fontRef>
+        </p:style>
+        <p:txBody>
+          <a:bodyPr wrap="square" lIns="182880" tIns="137160" rIns="137160" bIns="137160" rtlCol="0" anchor="ctr">
+            <a:noAutofit/>
+          </a:bodyPr>
+          <a:lstStyle/>
+          <a:p>
+            <a:pPr algn="ctr">
+              <a:lnSpc>
+                <a:spcPct val="90000"/>
+              </a:lnSpc>
+              <a:spcBef>
+                <a:spcPts val="600"/>
+              </a:spcBef>
+              <a:spcAft>
+                <a:spcPts val="0"/>
+              </a:spcAft>
+            </a:pPr>
+            <a:endParaRPr lang="zh-CN" altLang="en-US" sz="2000" dirty="0" err="1" smtClean="0">
+              <a:solidFill>
+                <a:schemeClr val="tx2"/>
+              </a:solidFill>
+              <a:latin typeface="+mn-lt"/>
+            </a:endParaRPr>
+          </a:p>
+        </p:txBody>
+      </p:sp>
+      <p:cxnSp>
+        <p:nvCxnSpPr>
+          <p:cNvPr id="19" name="直接连接符 18"/>
+          <p:cNvCxnSpPr/>
+          <p:nvPr/>
+        </p:nvCxnSpPr>
+        <p:spPr>
+          <a:xfrm>
+            <a:off x="372234" y="3764149"/>
+            <a:ext cx="4300532" cy="0"/>
+          </a:xfrm>
+          <a:prstGeom prst="line">
+            <a:avLst/>
+          </a:prstGeom>
+          <a:ln w="12700" cmpd="sng">
+            <a:solidFill>
+              <a:srgbClr val="000000"/>
+            </a:solidFill>
+          </a:ln>
+          <a:effectLst/>
+        </p:spPr>
+        <p:style>
+          <a:lnRef idx="2">
+            <a:schemeClr val="accent1"/>
+          </a:lnRef>
+          <a:fillRef idx="0">
+            <a:schemeClr val="accent1"/>
+          </a:fillRef>
+          <a:effectRef idx="1">
+            <a:schemeClr val="accent1"/>
+          </a:effectRef>
+          <a:fontRef idx="minor">
+            <a:schemeClr val="tx1"/>
+          </a:fontRef>
+        </p:style>
+      </p:cxnSp>
+      <p:sp>
+        <p:nvSpPr>
+          <p:cNvPr id="20" name="文本框 19"/>
+          <p:cNvSpPr txBox="1"/>
+          <p:nvPr/>
+        </p:nvSpPr>
+        <p:spPr>
+          <a:xfrm>
+            <a:off x="274319" y="913142"/>
+            <a:ext cx="3995004" cy="307777"/>
+          </a:xfrm>
+          <a:prstGeom prst="rect">
+            <a:avLst/>
+          </a:prstGeom>
+          <a:noFill/>
+        </p:spPr>
+        <p:txBody>
+          <a:bodyPr wrap="none" rtlCol="0">
+            <a:spAutoFit/>
+          </a:bodyPr>
+          <a:lstStyle/>
+          <a:p>
+            <a:pPr lvl="0" eaLnBrk="0" hangingPunct="0">
+              <a:spcBef>
+                <a:spcPct val="30000"/>
+              </a:spcBef>
+              <a:defRPr/>
+            </a:pPr>
+            <a:r>
+              <a:rPr lang="en-US" altLang="zh-CN" sz="1400" dirty="0">
+                <a:latin typeface="Arial"/>
+              </a:rPr>
+              <a:t>Pass data from parent to child with input binding</a:t>
+            </a:r>
+          </a:p>
+        </p:txBody>
+      </p:sp>
     </p:spTree>
     <p:extLst>
       <p:ext uri="{BB962C8B-B14F-4D97-AF65-F5344CB8AC3E}">
@@ -6699,15 +11526,7 @@
           <a:p>
             <a:r>
               <a:rPr lang="en-US" altLang="zh-CN" dirty="0" smtClean="0"/>
-              <a:t>Child </a:t>
-            </a:r>
-            <a:r>
-              <a:rPr lang="en-US" altLang="zh-CN" dirty="0"/>
-              <a:t>to </a:t>
-            </a:r>
-            <a:r>
-              <a:rPr lang="en-US" altLang="zh-CN" dirty="0" smtClean="0"/>
-              <a:t>parent</a:t>
+              <a:t>Child to parent</a:t>
             </a:r>
             <a:endParaRPr lang="zh-CN" altLang="en-US" dirty="0"/>
           </a:p>
@@ -6922,6 +11741,543 @@
           </a:fontRef>
         </p:style>
       </p:cxnSp>
+      <p:sp>
+        <p:nvSpPr>
+          <p:cNvPr id="9" name="矩形 8"/>
+          <p:cNvSpPr/>
+          <p:nvPr/>
+        </p:nvSpPr>
+        <p:spPr>
+          <a:xfrm>
+            <a:off x="333104" y="1648020"/>
+            <a:ext cx="5649051" cy="1275747"/>
+          </a:xfrm>
+          <a:prstGeom prst="rect">
+            <a:avLst/>
+          </a:prstGeom>
+          <a:noFill/>
+          <a:ln>
+            <a:solidFill>
+              <a:schemeClr val="tx1">
+                <a:lumMod val="20000"/>
+                <a:lumOff val="80000"/>
+              </a:schemeClr>
+            </a:solidFill>
+          </a:ln>
+        </p:spPr>
+        <p:style>
+          <a:lnRef idx="1">
+            <a:schemeClr val="accent2"/>
+          </a:lnRef>
+          <a:fillRef idx="2">
+            <a:schemeClr val="accent2"/>
+          </a:fillRef>
+          <a:effectRef idx="1">
+            <a:schemeClr val="accent2"/>
+          </a:effectRef>
+          <a:fontRef idx="minor">
+            <a:schemeClr val="dk1"/>
+          </a:fontRef>
+        </p:style>
+        <p:txBody>
+          <a:bodyPr wrap="square" lIns="182880" tIns="137160" rIns="137160" bIns="137160" rtlCol="0" anchor="ctr">
+            <a:noAutofit/>
+          </a:bodyPr>
+          <a:lstStyle/>
+          <a:p>
+            <a:pPr algn="ctr">
+              <a:lnSpc>
+                <a:spcPct val="90000"/>
+              </a:lnSpc>
+              <a:spcBef>
+                <a:spcPts val="600"/>
+              </a:spcBef>
+              <a:spcAft>
+                <a:spcPts val="0"/>
+              </a:spcAft>
+            </a:pPr>
+            <a:endParaRPr lang="zh-CN" altLang="en-US" sz="2000" dirty="0" err="1" smtClean="0">
+              <a:solidFill>
+                <a:schemeClr val="tx2"/>
+              </a:solidFill>
+              <a:latin typeface="+mn-lt"/>
+            </a:endParaRPr>
+          </a:p>
+        </p:txBody>
+      </p:sp>
+      <p:sp>
+        <p:nvSpPr>
+          <p:cNvPr id="10" name="矩形 9"/>
+          <p:cNvSpPr/>
+          <p:nvPr/>
+        </p:nvSpPr>
+        <p:spPr>
+          <a:xfrm>
+            <a:off x="370844" y="1685730"/>
+            <a:ext cx="5530392" cy="1200329"/>
+          </a:xfrm>
+          <a:prstGeom prst="rect">
+            <a:avLst/>
+          </a:prstGeom>
+        </p:spPr>
+        <p:txBody>
+          <a:bodyPr wrap="square">
+            <a:spAutoFit/>
+          </a:bodyPr>
+          <a:lstStyle/>
+          <a:p>
+            <a:r>
+              <a:rPr lang="en-US" altLang="zh-CN" sz="1200" b="1" dirty="0" smtClean="0"/>
+              <a:t>parent.html</a:t>
+            </a:r>
+          </a:p>
+          <a:p>
+            <a:endParaRPr lang="en-US" altLang="zh-CN" sz="1200" b="1" dirty="0"/>
+          </a:p>
+          <a:p>
+            <a:r>
+              <a:rPr lang="en-US" altLang="zh-CN" sz="1200" dirty="0" smtClean="0"/>
+              <a:t>&lt;div&gt;</a:t>
+            </a:r>
+            <a:endParaRPr lang="en-US" altLang="zh-CN" sz="1200" dirty="0"/>
+          </a:p>
+          <a:p>
+            <a:r>
+              <a:rPr lang="en-US" altLang="zh-CN" sz="1200" dirty="0"/>
+              <a:t>  &lt;h2&gt;Parent&lt;/h2&gt;</a:t>
+            </a:r>
+          </a:p>
+          <a:p>
+            <a:r>
+              <a:rPr lang="en-US" altLang="zh-CN" sz="1200" dirty="0"/>
+              <a:t>  </a:t>
+            </a:r>
+            <a:r>
+              <a:rPr lang="en-US" altLang="zh-CN" sz="1200" b="1" dirty="0">
+                <a:solidFill>
+                  <a:srgbClr val="007DB8"/>
+                </a:solidFill>
+              </a:rPr>
+              <a:t>&lt;page-child (</a:t>
+            </a:r>
+            <a:r>
+              <a:rPr lang="en-US" altLang="zh-CN" sz="1200" b="1" dirty="0" err="1" smtClean="0">
+                <a:solidFill>
+                  <a:srgbClr val="007DB8"/>
+                </a:solidFill>
+              </a:rPr>
+              <a:t>changeNumber</a:t>
+            </a:r>
+            <a:r>
+              <a:rPr lang="en-US" altLang="zh-CN" sz="1200" b="1" dirty="0">
+                <a:solidFill>
+                  <a:srgbClr val="007DB8"/>
+                </a:solidFill>
+              </a:rPr>
+              <a:t>)="</a:t>
+            </a:r>
+            <a:r>
+              <a:rPr lang="en-US" altLang="zh-CN" sz="1200" b="1" dirty="0" err="1" smtClean="0">
+                <a:solidFill>
+                  <a:srgbClr val="007DB8"/>
+                </a:solidFill>
+              </a:rPr>
+              <a:t>numberChange</a:t>
+            </a:r>
+            <a:r>
+              <a:rPr lang="en-US" altLang="zh-CN" sz="1200" b="1" dirty="0">
+                <a:solidFill>
+                  <a:srgbClr val="007DB8"/>
+                </a:solidFill>
+              </a:rPr>
+              <a:t>($event)"&gt;&lt;/page-child&gt;</a:t>
+            </a:r>
+          </a:p>
+          <a:p>
+            <a:r>
+              <a:rPr lang="en-US" altLang="zh-CN" sz="1200" dirty="0" smtClean="0"/>
+              <a:t>&lt;/div&gt;</a:t>
+            </a:r>
+            <a:endParaRPr lang="zh-CN" altLang="en-US" sz="1200" dirty="0"/>
+          </a:p>
+        </p:txBody>
+      </p:sp>
+      <p:cxnSp>
+        <p:nvCxnSpPr>
+          <p:cNvPr id="11" name="直接连接符 10"/>
+          <p:cNvCxnSpPr/>
+          <p:nvPr/>
+        </p:nvCxnSpPr>
+        <p:spPr>
+          <a:xfrm>
+            <a:off x="431020" y="2015408"/>
+            <a:ext cx="4300532" cy="0"/>
+          </a:xfrm>
+          <a:prstGeom prst="line">
+            <a:avLst/>
+          </a:prstGeom>
+          <a:ln w="12700" cmpd="sng">
+            <a:solidFill>
+              <a:srgbClr val="000000"/>
+            </a:solidFill>
+          </a:ln>
+          <a:effectLst/>
+        </p:spPr>
+        <p:style>
+          <a:lnRef idx="2">
+            <a:schemeClr val="accent1"/>
+          </a:lnRef>
+          <a:fillRef idx="0">
+            <a:schemeClr val="accent1"/>
+          </a:fillRef>
+          <a:effectRef idx="1">
+            <a:schemeClr val="accent1"/>
+          </a:effectRef>
+          <a:fontRef idx="minor">
+            <a:schemeClr val="tx1"/>
+          </a:fontRef>
+        </p:style>
+      </p:cxnSp>
+      <p:sp>
+        <p:nvSpPr>
+          <p:cNvPr id="12" name="矩形 11"/>
+          <p:cNvSpPr/>
+          <p:nvPr/>
+        </p:nvSpPr>
+        <p:spPr>
+          <a:xfrm>
+            <a:off x="333103" y="3024278"/>
+            <a:ext cx="5649052" cy="1792036"/>
+          </a:xfrm>
+          <a:prstGeom prst="rect">
+            <a:avLst/>
+          </a:prstGeom>
+          <a:noFill/>
+          <a:ln>
+            <a:solidFill>
+              <a:schemeClr val="tx1">
+                <a:lumMod val="20000"/>
+                <a:lumOff val="80000"/>
+              </a:schemeClr>
+            </a:solidFill>
+          </a:ln>
+        </p:spPr>
+        <p:style>
+          <a:lnRef idx="1">
+            <a:schemeClr val="accent2"/>
+          </a:lnRef>
+          <a:fillRef idx="2">
+            <a:schemeClr val="accent2"/>
+          </a:fillRef>
+          <a:effectRef idx="1">
+            <a:schemeClr val="accent2"/>
+          </a:effectRef>
+          <a:fontRef idx="minor">
+            <a:schemeClr val="dk1"/>
+          </a:fontRef>
+        </p:style>
+        <p:txBody>
+          <a:bodyPr wrap="square" lIns="182880" tIns="137160" rIns="137160" bIns="137160" rtlCol="0" anchor="ctr">
+            <a:noAutofit/>
+          </a:bodyPr>
+          <a:lstStyle/>
+          <a:p>
+            <a:pPr algn="ctr">
+              <a:lnSpc>
+                <a:spcPct val="90000"/>
+              </a:lnSpc>
+              <a:spcBef>
+                <a:spcPts val="600"/>
+              </a:spcBef>
+              <a:spcAft>
+                <a:spcPts val="0"/>
+              </a:spcAft>
+            </a:pPr>
+            <a:endParaRPr lang="zh-CN" altLang="en-US" sz="2000" dirty="0" err="1" smtClean="0">
+              <a:solidFill>
+                <a:schemeClr val="tx2"/>
+              </a:solidFill>
+              <a:latin typeface="+mn-lt"/>
+            </a:endParaRPr>
+          </a:p>
+        </p:txBody>
+      </p:sp>
+      <p:sp>
+        <p:nvSpPr>
+          <p:cNvPr id="13" name="矩形 12"/>
+          <p:cNvSpPr/>
+          <p:nvPr/>
+        </p:nvSpPr>
+        <p:spPr>
+          <a:xfrm>
+            <a:off x="370843" y="3061988"/>
+            <a:ext cx="5611311" cy="1754326"/>
+          </a:xfrm>
+          <a:prstGeom prst="rect">
+            <a:avLst/>
+          </a:prstGeom>
+        </p:spPr>
+        <p:txBody>
+          <a:bodyPr wrap="square">
+            <a:spAutoFit/>
+          </a:bodyPr>
+          <a:lstStyle/>
+          <a:p>
+            <a:r>
+              <a:rPr lang="en-US" altLang="zh-CN" sz="1200" b="1" dirty="0" err="1" smtClean="0"/>
+              <a:t>child.ts</a:t>
+            </a:r>
+            <a:endParaRPr lang="en-US" altLang="zh-CN" sz="1200" b="1" dirty="0" smtClean="0"/>
+          </a:p>
+          <a:p>
+            <a:endParaRPr lang="en-US" altLang="zh-CN" sz="1200" b="1" dirty="0"/>
+          </a:p>
+          <a:p>
+            <a:r>
+              <a:rPr lang="en-US" altLang="zh-CN" sz="1200" dirty="0" smtClean="0"/>
+              <a:t>…</a:t>
+            </a:r>
+          </a:p>
+          <a:p>
+            <a:r>
+              <a:rPr lang="en-US" altLang="zh-CN" sz="1200" dirty="0" smtClean="0"/>
+              <a:t>index: </a:t>
+            </a:r>
+            <a:r>
+              <a:rPr lang="en-US" altLang="zh-CN" sz="1200" dirty="0"/>
+              <a:t>number = 0;</a:t>
+            </a:r>
+            <a:endParaRPr lang="en-US" altLang="zh-CN" sz="1200" dirty="0" smtClean="0"/>
+          </a:p>
+          <a:p>
+            <a:r>
+              <a:rPr lang="en-US" altLang="zh-CN" sz="1200" dirty="0" smtClean="0"/>
+              <a:t>export </a:t>
+            </a:r>
+            <a:r>
+              <a:rPr lang="en-US" altLang="zh-CN" sz="1200" dirty="0"/>
+              <a:t>class </a:t>
+            </a:r>
+            <a:r>
+              <a:rPr lang="en-US" altLang="zh-CN" sz="1200" dirty="0" err="1"/>
+              <a:t>ChildPage</a:t>
+            </a:r>
+            <a:r>
+              <a:rPr lang="en-US" altLang="zh-CN" sz="1200" dirty="0"/>
+              <a:t> {</a:t>
+            </a:r>
+            <a:endParaRPr lang="en-US" altLang="zh-CN" sz="1200" dirty="0" smtClean="0"/>
+          </a:p>
+          <a:p>
+            <a:r>
+              <a:rPr lang="en-US" altLang="zh-CN" sz="1200" dirty="0" smtClean="0">
+                <a:solidFill>
+                  <a:srgbClr val="007DB8"/>
+                </a:solidFill>
+              </a:rPr>
+              <a:t>    </a:t>
+            </a:r>
+            <a:r>
+              <a:rPr lang="en-US" altLang="zh-CN" sz="1200" b="1" dirty="0" smtClean="0">
+                <a:solidFill>
+                  <a:srgbClr val="007DB8"/>
+                </a:solidFill>
+              </a:rPr>
+              <a:t>@</a:t>
+            </a:r>
+            <a:r>
+              <a:rPr lang="en-US" altLang="zh-CN" sz="1200" b="1" dirty="0">
+                <a:solidFill>
+                  <a:srgbClr val="007DB8"/>
+                </a:solidFill>
+              </a:rPr>
+              <a:t>Output() </a:t>
+            </a:r>
+            <a:r>
+              <a:rPr lang="en-US" altLang="zh-CN" sz="1200" b="1" dirty="0" err="1">
+                <a:solidFill>
+                  <a:srgbClr val="007DB8"/>
+                </a:solidFill>
+              </a:rPr>
+              <a:t>changeNumber</a:t>
+            </a:r>
+            <a:r>
+              <a:rPr lang="en-US" altLang="zh-CN" sz="1200" b="1" dirty="0">
+                <a:solidFill>
+                  <a:srgbClr val="007DB8"/>
+                </a:solidFill>
+              </a:rPr>
+              <a:t>: </a:t>
+            </a:r>
+            <a:r>
+              <a:rPr lang="en-US" altLang="zh-CN" sz="1200" b="1" dirty="0" err="1">
+                <a:solidFill>
+                  <a:srgbClr val="007DB8"/>
+                </a:solidFill>
+              </a:rPr>
+              <a:t>EventEmitter</a:t>
+            </a:r>
+            <a:r>
+              <a:rPr lang="en-US" altLang="zh-CN" sz="1200" b="1" dirty="0">
+                <a:solidFill>
+                  <a:srgbClr val="007DB8"/>
+                </a:solidFill>
+              </a:rPr>
+              <a:t>&lt;number&gt; = new </a:t>
+            </a:r>
+            <a:r>
+              <a:rPr lang="en-US" altLang="zh-CN" sz="1200" b="1" dirty="0" err="1">
+                <a:solidFill>
+                  <a:srgbClr val="007DB8"/>
+                </a:solidFill>
+              </a:rPr>
+              <a:t>EventEmitter</a:t>
+            </a:r>
+            <a:r>
+              <a:rPr lang="en-US" altLang="zh-CN" sz="1200" b="1" dirty="0" smtClean="0">
+                <a:solidFill>
+                  <a:srgbClr val="007DB8"/>
+                </a:solidFill>
+              </a:rPr>
+              <a:t>();</a:t>
+            </a:r>
+          </a:p>
+          <a:p>
+            <a:r>
+              <a:rPr lang="en-US" altLang="zh-CN" sz="1200" dirty="0" smtClean="0"/>
+              <a:t>…</a:t>
+            </a:r>
+          </a:p>
+          <a:p>
+            <a:r>
+              <a:rPr lang="en-US" altLang="zh-CN" sz="1200" dirty="0"/>
+              <a:t> </a:t>
+            </a:r>
+            <a:r>
+              <a:rPr lang="en-US" altLang="zh-CN" sz="1200" dirty="0" smtClean="0"/>
+              <a:t>   </a:t>
+            </a:r>
+            <a:r>
+              <a:rPr lang="en-US" altLang="zh-CN" sz="1200" b="1" dirty="0" err="1" smtClean="0">
+                <a:solidFill>
+                  <a:srgbClr val="007DB8"/>
+                </a:solidFill>
+              </a:rPr>
+              <a:t>this.changeNumber.emit</a:t>
+            </a:r>
+            <a:r>
+              <a:rPr lang="en-US" altLang="zh-CN" sz="1200" b="1" dirty="0" smtClean="0">
+                <a:solidFill>
+                  <a:srgbClr val="007DB8"/>
+                </a:solidFill>
+              </a:rPr>
+              <a:t>(</a:t>
+            </a:r>
+            <a:r>
+              <a:rPr lang="en-US" altLang="zh-CN" sz="1200" b="1" dirty="0" err="1" smtClean="0">
+                <a:solidFill>
+                  <a:srgbClr val="007DB8"/>
+                </a:solidFill>
+              </a:rPr>
+              <a:t>this.index</a:t>
+            </a:r>
+            <a:r>
+              <a:rPr lang="en-US" altLang="zh-CN" sz="1200" b="1" dirty="0" smtClean="0">
+                <a:solidFill>
+                  <a:srgbClr val="007DB8"/>
+                </a:solidFill>
+              </a:rPr>
+              <a:t>);</a:t>
+            </a:r>
+          </a:p>
+          <a:p>
+            <a:r>
+              <a:rPr lang="en-US" altLang="zh-CN" sz="1200" dirty="0" smtClean="0"/>
+              <a:t>}</a:t>
+            </a:r>
+            <a:endParaRPr lang="zh-CN" altLang="en-US" sz="1200" dirty="0"/>
+          </a:p>
+        </p:txBody>
+      </p:sp>
+      <p:cxnSp>
+        <p:nvCxnSpPr>
+          <p:cNvPr id="14" name="直接连接符 13"/>
+          <p:cNvCxnSpPr/>
+          <p:nvPr/>
+        </p:nvCxnSpPr>
+        <p:spPr>
+          <a:xfrm>
+            <a:off x="431019" y="3391666"/>
+            <a:ext cx="4300532" cy="0"/>
+          </a:xfrm>
+          <a:prstGeom prst="line">
+            <a:avLst/>
+          </a:prstGeom>
+          <a:ln w="12700" cmpd="sng">
+            <a:solidFill>
+              <a:srgbClr val="000000"/>
+            </a:solidFill>
+          </a:ln>
+          <a:effectLst/>
+        </p:spPr>
+        <p:style>
+          <a:lnRef idx="2">
+            <a:schemeClr val="accent1"/>
+          </a:lnRef>
+          <a:fillRef idx="0">
+            <a:schemeClr val="accent1"/>
+          </a:fillRef>
+          <a:effectRef idx="1">
+            <a:schemeClr val="accent1"/>
+          </a:effectRef>
+          <a:fontRef idx="minor">
+            <a:schemeClr val="tx1"/>
+          </a:fontRef>
+        </p:style>
+      </p:cxnSp>
+      <p:sp>
+        <p:nvSpPr>
+          <p:cNvPr id="19" name="文本框 18"/>
+          <p:cNvSpPr txBox="1"/>
+          <p:nvPr/>
+        </p:nvSpPr>
+        <p:spPr>
+          <a:xfrm>
+            <a:off x="274319" y="881177"/>
+            <a:ext cx="5707835" cy="738664"/>
+          </a:xfrm>
+          <a:prstGeom prst="rect">
+            <a:avLst/>
+          </a:prstGeom>
+          <a:noFill/>
+        </p:spPr>
+        <p:txBody>
+          <a:bodyPr wrap="square" rtlCol="0">
+            <a:spAutoFit/>
+          </a:bodyPr>
+          <a:lstStyle/>
+          <a:p>
+            <a:r>
+              <a:rPr lang="en-US" altLang="zh-CN" sz="1400" dirty="0">
+                <a:latin typeface="Arial"/>
+              </a:rPr>
+              <a:t>The child component exposes an </a:t>
+            </a:r>
+            <a:r>
+              <a:rPr lang="en-US" altLang="zh-CN" sz="1400" dirty="0" err="1">
+                <a:latin typeface="Arial"/>
+              </a:rPr>
+              <a:t>EventEmitter</a:t>
+            </a:r>
+            <a:r>
+              <a:rPr lang="en-US" altLang="zh-CN" sz="1400" dirty="0">
+                <a:latin typeface="Arial"/>
+              </a:rPr>
+              <a:t> property with which it emits events when something happens. The parent binds to that event property and reacts to those events.</a:t>
+            </a:r>
+          </a:p>
+        </p:txBody>
+      </p:sp>
     </p:spTree>
     <p:extLst>
       <p:ext uri="{BB962C8B-B14F-4D97-AF65-F5344CB8AC3E}">
@@ -6987,23 +12343,328 @@
       </p:sp>
       <p:sp>
         <p:nvSpPr>
-          <p:cNvPr id="3" name="内容占位符 2"/>
-          <p:cNvSpPr>
-            <a:spLocks noGrp="1"/>
-          </p:cNvSpPr>
-          <p:nvPr>
-            <p:ph sz="quarter" idx="10"/>
-          </p:nvPr>
+          <p:cNvPr id="4" name="矩形 3"/>
+          <p:cNvSpPr/>
+          <p:nvPr/>
         </p:nvSpPr>
-        <p:spPr/>
+        <p:spPr>
+          <a:xfrm>
+            <a:off x="274319" y="911153"/>
+            <a:ext cx="7097525" cy="1792036"/>
+          </a:xfrm>
+          <a:prstGeom prst="rect">
+            <a:avLst/>
+          </a:prstGeom>
+          <a:noFill/>
+          <a:ln>
+            <a:solidFill>
+              <a:schemeClr val="tx1">
+                <a:lumMod val="20000"/>
+                <a:lumOff val="80000"/>
+              </a:schemeClr>
+            </a:solidFill>
+          </a:ln>
+        </p:spPr>
+        <p:style>
+          <a:lnRef idx="1">
+            <a:schemeClr val="accent2"/>
+          </a:lnRef>
+          <a:fillRef idx="2">
+            <a:schemeClr val="accent2"/>
+          </a:fillRef>
+          <a:effectRef idx="1">
+            <a:schemeClr val="accent2"/>
+          </a:effectRef>
+          <a:fontRef idx="minor">
+            <a:schemeClr val="dk1"/>
+          </a:fontRef>
+        </p:style>
         <p:txBody>
-          <a:bodyPr/>
+          <a:bodyPr wrap="square" lIns="182880" tIns="137160" rIns="137160" bIns="137160" rtlCol="0" anchor="ctr">
+            <a:noAutofit/>
+          </a:bodyPr>
           <a:lstStyle/>
           <a:p>
-            <a:endParaRPr lang="zh-CN" altLang="en-US" dirty="0"/>
+            <a:pPr algn="ctr">
+              <a:lnSpc>
+                <a:spcPct val="90000"/>
+              </a:lnSpc>
+              <a:spcBef>
+                <a:spcPts val="600"/>
+              </a:spcBef>
+              <a:spcAft>
+                <a:spcPts val="0"/>
+              </a:spcAft>
+            </a:pPr>
+            <a:endParaRPr lang="zh-CN" altLang="en-US" sz="2000" dirty="0" err="1" smtClean="0">
+              <a:solidFill>
+                <a:schemeClr val="tx2"/>
+              </a:solidFill>
+              <a:latin typeface="+mn-lt"/>
+            </a:endParaRPr>
           </a:p>
         </p:txBody>
       </p:sp>
+      <p:sp>
+        <p:nvSpPr>
+          <p:cNvPr id="5" name="矩形 4"/>
+          <p:cNvSpPr/>
+          <p:nvPr/>
+        </p:nvSpPr>
+        <p:spPr>
+          <a:xfrm>
+            <a:off x="312057" y="948863"/>
+            <a:ext cx="7059787" cy="1754326"/>
+          </a:xfrm>
+          <a:prstGeom prst="rect">
+            <a:avLst/>
+          </a:prstGeom>
+        </p:spPr>
+        <p:txBody>
+          <a:bodyPr wrap="square">
+            <a:spAutoFit/>
+          </a:bodyPr>
+          <a:lstStyle/>
+          <a:p>
+            <a:r>
+              <a:rPr lang="en-US" altLang="zh-CN" sz="1200" b="1" dirty="0" err="1"/>
+              <a:t>c</a:t>
+            </a:r>
+            <a:r>
+              <a:rPr lang="en-US" altLang="zh-CN" sz="1200" b="1" dirty="0" err="1" smtClean="0"/>
+              <a:t>hild.ts</a:t>
+            </a:r>
+            <a:endParaRPr lang="en-US" altLang="zh-CN" sz="1200" b="1" dirty="0" smtClean="0"/>
+          </a:p>
+          <a:p>
+            <a:endParaRPr lang="en-US" altLang="zh-CN" sz="1200" b="1" dirty="0" smtClean="0"/>
+          </a:p>
+          <a:p>
+            <a:r>
+              <a:rPr lang="en-US" altLang="zh-CN" sz="1200" dirty="0"/>
+              <a:t>import { Component, </a:t>
+            </a:r>
+            <a:r>
+              <a:rPr lang="en-US" altLang="zh-CN" sz="1200" dirty="0" smtClean="0"/>
+              <a:t>Input, </a:t>
+            </a:r>
+            <a:r>
+              <a:rPr lang="en-US" altLang="zh-CN" sz="1200" dirty="0"/>
+              <a:t>Output</a:t>
+            </a:r>
+            <a:r>
+              <a:rPr lang="en-US" altLang="zh-CN" sz="1200" dirty="0" smtClean="0"/>
+              <a:t>, Host, Inject, </a:t>
+            </a:r>
+            <a:r>
+              <a:rPr lang="en-US" altLang="zh-CN" sz="1200" dirty="0" err="1" smtClean="0"/>
+              <a:t>forwardRef</a:t>
+            </a:r>
+            <a:r>
+              <a:rPr lang="en-US" altLang="zh-CN" sz="1200" dirty="0" smtClean="0"/>
+              <a:t> </a:t>
+            </a:r>
+            <a:r>
+              <a:rPr lang="en-US" altLang="zh-CN" sz="1200" dirty="0"/>
+              <a:t>} from '@angular/core';</a:t>
+            </a:r>
+            <a:endParaRPr lang="en-US" altLang="zh-CN" sz="1200" dirty="0" smtClean="0"/>
+          </a:p>
+          <a:p>
+            <a:r>
+              <a:rPr lang="en-US" altLang="zh-CN" sz="1200" dirty="0" smtClean="0"/>
+              <a:t>…</a:t>
+            </a:r>
+          </a:p>
+          <a:p>
+            <a:r>
+              <a:rPr lang="en-US" altLang="zh-CN" sz="1200" dirty="0" smtClean="0"/>
+              <a:t>export </a:t>
+            </a:r>
+            <a:r>
+              <a:rPr lang="en-US" altLang="zh-CN" sz="1200" dirty="0"/>
+              <a:t>class </a:t>
+            </a:r>
+            <a:r>
+              <a:rPr lang="en-US" altLang="zh-CN" sz="1200" dirty="0" err="1"/>
+              <a:t>ChildPage</a:t>
+            </a:r>
+            <a:r>
+              <a:rPr lang="en-US" altLang="zh-CN" sz="1200" dirty="0"/>
+              <a:t> {</a:t>
+            </a:r>
+          </a:p>
+          <a:p>
+            <a:r>
+              <a:rPr lang="en-US" altLang="zh-CN" sz="1200" dirty="0"/>
+              <a:t>    </a:t>
+            </a:r>
+            <a:r>
+              <a:rPr lang="en-US" altLang="zh-CN" sz="1200" b="1" dirty="0">
+                <a:solidFill>
+                  <a:srgbClr val="007DB8"/>
+                </a:solidFill>
+              </a:rPr>
+              <a:t>constructor( @Host() @Inject(</a:t>
+            </a:r>
+            <a:r>
+              <a:rPr lang="en-US" altLang="zh-CN" sz="1200" b="1" dirty="0" err="1">
+                <a:solidFill>
+                  <a:srgbClr val="007DB8"/>
+                </a:solidFill>
+              </a:rPr>
+              <a:t>forwardRef</a:t>
+            </a:r>
+            <a:r>
+              <a:rPr lang="en-US" altLang="zh-CN" sz="1200" b="1" dirty="0">
+                <a:solidFill>
+                  <a:srgbClr val="007DB8"/>
+                </a:solidFill>
+              </a:rPr>
+              <a:t>(() =&gt; </a:t>
+            </a:r>
+            <a:r>
+              <a:rPr lang="en-US" altLang="zh-CN" sz="1200" b="1" dirty="0" err="1">
+                <a:solidFill>
+                  <a:srgbClr val="007DB8"/>
+                </a:solidFill>
+              </a:rPr>
+              <a:t>ParentPage</a:t>
+            </a:r>
+            <a:r>
+              <a:rPr lang="en-US" altLang="zh-CN" sz="1200" b="1" dirty="0">
+                <a:solidFill>
+                  <a:srgbClr val="007DB8"/>
+                </a:solidFill>
+              </a:rPr>
+              <a:t>)) </a:t>
+            </a:r>
+            <a:r>
+              <a:rPr lang="en-US" altLang="zh-CN" sz="1200" b="1" dirty="0" err="1" smtClean="0">
+                <a:solidFill>
+                  <a:srgbClr val="007DB8"/>
+                </a:solidFill>
+              </a:rPr>
+              <a:t>parentInstance</a:t>
+            </a:r>
+            <a:r>
+              <a:rPr lang="en-US" altLang="zh-CN" sz="1200" b="1" dirty="0" smtClean="0">
+                <a:solidFill>
+                  <a:srgbClr val="007DB8"/>
+                </a:solidFill>
+              </a:rPr>
+              <a:t>: </a:t>
+            </a:r>
+            <a:r>
+              <a:rPr lang="en-US" altLang="zh-CN" sz="1200" b="1" dirty="0" err="1">
+                <a:solidFill>
+                  <a:srgbClr val="007DB8"/>
+                </a:solidFill>
+              </a:rPr>
+              <a:t>ParentPage</a:t>
+            </a:r>
+            <a:r>
+              <a:rPr lang="en-US" altLang="zh-CN" sz="1200" b="1" dirty="0">
+                <a:solidFill>
+                  <a:srgbClr val="007DB8"/>
+                </a:solidFill>
+              </a:rPr>
+              <a:t>) {</a:t>
+            </a:r>
+          </a:p>
+          <a:p>
+            <a:r>
+              <a:rPr lang="en-US" altLang="zh-CN" sz="1200" b="1" dirty="0" smtClean="0">
+                <a:solidFill>
+                  <a:srgbClr val="007DB8"/>
+                </a:solidFill>
+              </a:rPr>
+              <a:t>         </a:t>
+            </a:r>
+            <a:r>
+              <a:rPr lang="en-US" altLang="zh-CN" sz="1200" b="1" dirty="0" err="1" smtClean="0">
+                <a:solidFill>
+                  <a:srgbClr val="007DB8"/>
+                </a:solidFill>
+              </a:rPr>
+              <a:t>parentInstance.index</a:t>
+            </a:r>
+            <a:r>
+              <a:rPr lang="en-US" altLang="zh-CN" sz="1200" b="1" dirty="0" smtClean="0">
+                <a:solidFill>
+                  <a:srgbClr val="007DB8"/>
+                </a:solidFill>
+              </a:rPr>
+              <a:t> = 1;</a:t>
+            </a:r>
+          </a:p>
+          <a:p>
+            <a:r>
+              <a:rPr lang="en-US" altLang="zh-CN" sz="1200" b="1" dirty="0">
+                <a:solidFill>
+                  <a:srgbClr val="007DB8"/>
+                </a:solidFill>
+              </a:rPr>
+              <a:t> </a:t>
+            </a:r>
+            <a:r>
+              <a:rPr lang="en-US" altLang="zh-CN" sz="1200" b="1" dirty="0" smtClean="0">
+                <a:solidFill>
+                  <a:srgbClr val="007DB8"/>
+                </a:solidFill>
+              </a:rPr>
+              <a:t>   }</a:t>
+            </a:r>
+            <a:endParaRPr lang="en-US" altLang="zh-CN" sz="1200" b="1" dirty="0">
+              <a:solidFill>
+                <a:srgbClr val="007DB8"/>
+              </a:solidFill>
+            </a:endParaRPr>
+          </a:p>
+          <a:p>
+            <a:r>
+              <a:rPr lang="en-US" altLang="zh-CN" sz="1200" dirty="0"/>
+              <a:t>}</a:t>
+            </a:r>
+          </a:p>
+        </p:txBody>
+      </p:sp>
+      <p:cxnSp>
+        <p:nvCxnSpPr>
+          <p:cNvPr id="6" name="直接连接符 5"/>
+          <p:cNvCxnSpPr/>
+          <p:nvPr/>
+        </p:nvCxnSpPr>
+        <p:spPr>
+          <a:xfrm>
+            <a:off x="372234" y="1278541"/>
+            <a:ext cx="4300532" cy="0"/>
+          </a:xfrm>
+          <a:prstGeom prst="line">
+            <a:avLst/>
+          </a:prstGeom>
+          <a:ln w="12700" cmpd="sng">
+            <a:solidFill>
+              <a:srgbClr val="000000"/>
+            </a:solidFill>
+          </a:ln>
+          <a:effectLst/>
+        </p:spPr>
+        <p:style>
+          <a:lnRef idx="2">
+            <a:schemeClr val="accent1"/>
+          </a:lnRef>
+          <a:fillRef idx="0">
+            <a:schemeClr val="accent1"/>
+          </a:fillRef>
+          <a:effectRef idx="1">
+            <a:schemeClr val="accent1"/>
+          </a:effectRef>
+          <a:fontRef idx="minor">
+            <a:schemeClr val="tx1"/>
+          </a:fontRef>
+        </p:style>
+      </p:cxnSp>
     </p:spTree>
     <p:extLst>
       <p:ext uri="{BB962C8B-B14F-4D97-AF65-F5344CB8AC3E}">
@@ -7069,108 +12730,25 @@
       </p:sp>
       <p:sp>
         <p:nvSpPr>
-          <p:cNvPr id="4" name="矩形 3"/>
+          <p:cNvPr id="6" name="矩形 5"/>
           <p:cNvSpPr/>
           <p:nvPr/>
         </p:nvSpPr>
         <p:spPr>
           <a:xfrm>
-            <a:off x="6611257" y="911966"/>
-            <a:ext cx="1618342" cy="757177"/>
+            <a:off x="333104" y="1397010"/>
+            <a:ext cx="5649051" cy="1275747"/>
           </a:xfrm>
           <a:prstGeom prst="rect">
             <a:avLst/>
           </a:prstGeom>
           <a:noFill/>
-          <a:ln w="19050">
+          <a:ln>
             <a:solidFill>
-              <a:schemeClr val="accent1"/>
-            </a:solidFill>
-          </a:ln>
-        </p:spPr>
-        <p:style>
-          <a:lnRef idx="1">
-            <a:schemeClr val="accent1"/>
-          </a:lnRef>
-          <a:fillRef idx="2">
-            <a:schemeClr val="accent1"/>
-          </a:fillRef>
-          <a:effectRef idx="1">
-            <a:schemeClr val="accent1"/>
-          </a:effectRef>
-          <a:fontRef idx="minor">
-            <a:schemeClr val="dk1"/>
-          </a:fontRef>
-        </p:style>
-        <p:txBody>
-          <a:bodyPr wrap="square" lIns="182880" tIns="137160" rIns="137160" bIns="137160" rtlCol="0" anchor="ctr">
-            <a:noAutofit/>
-          </a:bodyPr>
-          <a:lstStyle/>
-          <a:p>
-            <a:pPr algn="ctr">
-              <a:lnSpc>
-                <a:spcPct val="90000"/>
-              </a:lnSpc>
-              <a:spcBef>
-                <a:spcPts val="600"/>
-              </a:spcBef>
-              <a:spcAft>
-                <a:spcPts val="0"/>
-              </a:spcAft>
-            </a:pPr>
-            <a:r>
-              <a:rPr lang="en-US" altLang="zh-CN" sz="2000" dirty="0" smtClean="0">
-                <a:ln w="0"/>
-                <a:solidFill>
-                  <a:schemeClr val="tx1"/>
-                </a:solidFill>
-                <a:effectLst>
-                  <a:outerShdw blurRad="38100" dist="19050" dir="2700000" algn="tl" rotWithShape="0">
-                    <a:schemeClr val="dk1">
-                      <a:alpha val="40000"/>
-                    </a:schemeClr>
-                  </a:outerShdw>
-                </a:effectLst>
-                <a:latin typeface="+mn-lt"/>
-              </a:rPr>
-              <a:t>A</a:t>
-            </a:r>
-            <a:endParaRPr lang="zh-CN" altLang="en-US" sz="2000" dirty="0" err="1" smtClean="0">
-              <a:ln w="0"/>
-              <a:solidFill>
-                <a:schemeClr val="tx1"/>
-              </a:solidFill>
-              <a:effectLst>
-                <a:outerShdw blurRad="38100" dist="19050" dir="2700000" algn="tl" rotWithShape="0">
-                  <a:schemeClr val="dk1">
-                    <a:alpha val="40000"/>
-                  </a:schemeClr>
-                </a:outerShdw>
-              </a:effectLst>
-              <a:latin typeface="+mn-lt"/>
-            </a:endParaRPr>
-          </a:p>
-        </p:txBody>
-      </p:sp>
-      <p:sp>
-        <p:nvSpPr>
-          <p:cNvPr id="5" name="矩形 4"/>
-          <p:cNvSpPr/>
-          <p:nvPr/>
-        </p:nvSpPr>
-        <p:spPr>
-          <a:xfrm>
-            <a:off x="6611256" y="1930634"/>
-            <a:ext cx="1618343" cy="757177"/>
-          </a:xfrm>
-          <a:prstGeom prst="rect">
-            <a:avLst/>
-          </a:prstGeom>
-          <a:noFill/>
-          <a:ln w="19050">
-            <a:solidFill>
-              <a:srgbClr val="92D050"/>
+              <a:schemeClr val="tx1">
+                <a:lumMod val="20000"/>
+                <a:lumOff val="80000"/>
+              </a:schemeClr>
             </a:solidFill>
           </a:ln>
         </p:spPr>
@@ -7205,35 +12783,10 @@
                 <a:spcPts val="0"/>
               </a:spcAft>
             </a:pPr>
-            <a:r>
-              <a:rPr lang="en-US" altLang="zh-CN" sz="2000" dirty="0" smtClean="0">
-                <a:ln w="0"/>
-                <a:solidFill>
-                  <a:schemeClr val="tx1"/>
-                </a:solidFill>
-                <a:effectLst>
-                  <a:outerShdw blurRad="38100" dist="19050" dir="2700000" algn="tl" rotWithShape="0">
-                    <a:schemeClr val="dk1">
-                      <a:alpha val="40000"/>
-                    </a:schemeClr>
-                  </a:outerShdw>
-                </a:effectLst>
-                <a:latin typeface="+mn-lt"/>
-              </a:rPr>
-              <a:t>B</a:t>
-            </a:r>
             <a:endParaRPr lang="zh-CN" altLang="en-US" sz="2000" dirty="0" err="1" smtClean="0">
-              <a:ln w="0"/>
               <a:solidFill>
-                <a:schemeClr val="tx1"/>
+                <a:schemeClr val="tx2"/>
               </a:solidFill>
-              <a:effectLst>
-                <a:outerShdw blurRad="38100" dist="19050" dir="2700000" algn="tl" rotWithShape="0">
-                  <a:schemeClr val="dk1">
-                    <a:alpha val="40000"/>
-                  </a:schemeClr>
-                </a:outerShdw>
-              </a:effectLst>
               <a:latin typeface="+mn-lt"/>
             </a:endParaRPr>
           </a:p>
@@ -7241,24 +12794,428 @@
       </p:sp>
       <p:sp>
         <p:nvSpPr>
-          <p:cNvPr id="7" name="矩形 6"/>
+          <p:cNvPr id="8" name="矩形 7"/>
           <p:cNvSpPr/>
           <p:nvPr/>
         </p:nvSpPr>
         <p:spPr>
           <a:xfrm>
-            <a:off x="6611256" y="2949302"/>
-            <a:ext cx="1618343" cy="757177"/>
+            <a:off x="370844" y="1434720"/>
+            <a:ext cx="5530392" cy="1200329"/>
           </a:xfrm>
           <a:prstGeom prst="rect">
             <a:avLst/>
           </a:prstGeom>
+        </p:spPr>
+        <p:txBody>
+          <a:bodyPr wrap="square">
+            <a:spAutoFit/>
+          </a:bodyPr>
+          <a:lstStyle/>
+          <a:p>
+            <a:r>
+              <a:rPr lang="en-US" altLang="zh-CN" sz="1200" b="1" dirty="0" smtClean="0"/>
+              <a:t>parent.html</a:t>
+            </a:r>
+          </a:p>
+          <a:p>
+            <a:endParaRPr lang="en-US" altLang="zh-CN" sz="1200" b="1" dirty="0"/>
+          </a:p>
+          <a:p>
+            <a:r>
+              <a:rPr lang="en-US" altLang="zh-CN" sz="1200" dirty="0" smtClean="0"/>
+              <a:t>&lt;div&gt;</a:t>
+            </a:r>
+            <a:endParaRPr lang="en-US" altLang="zh-CN" sz="1200" dirty="0"/>
+          </a:p>
+          <a:p>
+            <a:r>
+              <a:rPr lang="en-US" altLang="zh-CN" sz="1200" dirty="0"/>
+              <a:t>  &lt;h2&gt;Parent&lt;/h2&gt;</a:t>
+            </a:r>
+          </a:p>
+          <a:p>
+            <a:r>
+              <a:rPr lang="en-US" altLang="zh-CN" sz="1200" dirty="0"/>
+              <a:t>  </a:t>
+            </a:r>
+            <a:r>
+              <a:rPr lang="en-US" altLang="zh-CN" sz="1200" b="1" dirty="0">
+                <a:solidFill>
+                  <a:srgbClr val="007DB8"/>
+                </a:solidFill>
+              </a:rPr>
+              <a:t>&lt;</a:t>
+            </a:r>
+            <a:r>
+              <a:rPr lang="en-US" altLang="zh-CN" sz="1200" b="1" dirty="0" smtClean="0">
+                <a:solidFill>
+                  <a:srgbClr val="007DB8"/>
+                </a:solidFill>
+              </a:rPr>
+              <a:t>page-child&gt;&lt;/</a:t>
+            </a:r>
+            <a:r>
+              <a:rPr lang="en-US" altLang="zh-CN" sz="1200" b="1" dirty="0">
+                <a:solidFill>
+                  <a:srgbClr val="007DB8"/>
+                </a:solidFill>
+              </a:rPr>
+              <a:t>page-child&gt;</a:t>
+            </a:r>
+          </a:p>
+          <a:p>
+            <a:r>
+              <a:rPr lang="en-US" altLang="zh-CN" sz="1200" dirty="0" smtClean="0"/>
+              <a:t>&lt;/div&gt;</a:t>
+            </a:r>
+            <a:endParaRPr lang="zh-CN" altLang="en-US" sz="1200" dirty="0"/>
+          </a:p>
+        </p:txBody>
+      </p:sp>
+      <p:cxnSp>
+        <p:nvCxnSpPr>
+          <p:cNvPr id="9" name="直接连接符 8"/>
+          <p:cNvCxnSpPr/>
+          <p:nvPr/>
+        </p:nvCxnSpPr>
+        <p:spPr>
+          <a:xfrm>
+            <a:off x="431020" y="1764398"/>
+            <a:ext cx="4300532" cy="0"/>
+          </a:xfrm>
+          <a:prstGeom prst="line">
+            <a:avLst/>
+          </a:prstGeom>
+          <a:ln w="12700" cmpd="sng">
+            <a:solidFill>
+              <a:srgbClr val="000000"/>
+            </a:solidFill>
+          </a:ln>
+          <a:effectLst/>
+        </p:spPr>
+        <p:style>
+          <a:lnRef idx="2">
+            <a:schemeClr val="accent1"/>
+          </a:lnRef>
+          <a:fillRef idx="0">
+            <a:schemeClr val="accent1"/>
+          </a:fillRef>
+          <a:effectRef idx="1">
+            <a:schemeClr val="accent1"/>
+          </a:effectRef>
+          <a:fontRef idx="minor">
+            <a:schemeClr val="tx1"/>
+          </a:fontRef>
+        </p:style>
+      </p:cxnSp>
+      <p:sp>
+        <p:nvSpPr>
+          <p:cNvPr id="10" name="文本框 9"/>
+          <p:cNvSpPr txBox="1"/>
+          <p:nvPr/>
+        </p:nvSpPr>
+        <p:spPr>
+          <a:xfrm>
+            <a:off x="333104" y="2832292"/>
+            <a:ext cx="4124596" cy="1815882"/>
+          </a:xfrm>
+          <a:prstGeom prst="rect">
+            <a:avLst/>
+          </a:prstGeom>
           <a:noFill/>
-          <a:ln w="19050">
+        </p:spPr>
+        <p:txBody>
+          <a:bodyPr wrap="square" rtlCol="0">
+            <a:spAutoFit/>
+          </a:bodyPr>
+          <a:lstStyle/>
+          <a:p>
+            <a:pPr>
+              <a:spcBef>
+                <a:spcPts val="0"/>
+              </a:spcBef>
+              <a:spcAft>
+                <a:spcPts val="0"/>
+              </a:spcAft>
+              <a:buClr>
+                <a:schemeClr val="bg1"/>
+              </a:buClr>
+            </a:pPr>
+            <a:r>
+              <a:rPr lang="en-US" altLang="zh-CN" sz="1200" b="1" dirty="0" err="1">
+                <a:solidFill>
+                  <a:schemeClr val="bg2"/>
+                </a:solidFill>
+                <a:latin typeface="+mn-lt"/>
+              </a:rPr>
+              <a:t>p</a:t>
+            </a:r>
+            <a:r>
+              <a:rPr lang="en-US" altLang="zh-CN" sz="1200" b="1" dirty="0" err="1" smtClean="0">
+                <a:solidFill>
+                  <a:schemeClr val="bg2"/>
+                </a:solidFill>
+                <a:latin typeface="+mn-lt"/>
+              </a:rPr>
+              <a:t>arent.ts</a:t>
+            </a:r>
+            <a:endParaRPr lang="en-US" altLang="zh-CN" sz="1400" b="1" dirty="0" smtClean="0">
+              <a:solidFill>
+                <a:schemeClr val="bg2"/>
+              </a:solidFill>
+              <a:latin typeface="+mn-lt"/>
+            </a:endParaRPr>
+          </a:p>
+          <a:p>
+            <a:pPr>
+              <a:spcBef>
+                <a:spcPts val="0"/>
+              </a:spcBef>
+              <a:spcAft>
+                <a:spcPts val="0"/>
+              </a:spcAft>
+              <a:buClr>
+                <a:schemeClr val="bg1"/>
+              </a:buClr>
+            </a:pPr>
+            <a:endParaRPr lang="en-US" altLang="zh-CN" sz="1400" dirty="0">
+              <a:solidFill>
+                <a:schemeClr val="bg2"/>
+              </a:solidFill>
+              <a:latin typeface="+mn-lt"/>
+            </a:endParaRPr>
+          </a:p>
+          <a:p>
+            <a:pPr>
+              <a:spcBef>
+                <a:spcPts val="0"/>
+              </a:spcBef>
+              <a:spcAft>
+                <a:spcPts val="0"/>
+              </a:spcAft>
+              <a:buClr>
+                <a:schemeClr val="bg1"/>
+              </a:buClr>
+            </a:pPr>
+            <a:r>
+              <a:rPr lang="en-US" altLang="zh-CN" sz="1200" dirty="0"/>
+              <a:t>import {</a:t>
+            </a:r>
+            <a:r>
+              <a:rPr lang="en-US" altLang="zh-CN" sz="1200" dirty="0" err="1"/>
+              <a:t>ViewChild</a:t>
+            </a:r>
+            <a:r>
+              <a:rPr lang="en-US" altLang="zh-CN" sz="1200" dirty="0"/>
+              <a:t>, Component } from '@angular/core';</a:t>
+            </a:r>
+          </a:p>
+          <a:p>
+            <a:pPr>
+              <a:spcBef>
+                <a:spcPts val="0"/>
+              </a:spcBef>
+              <a:spcAft>
+                <a:spcPts val="0"/>
+              </a:spcAft>
+              <a:buClr>
+                <a:schemeClr val="bg1"/>
+              </a:buClr>
+            </a:pPr>
+            <a:r>
+              <a:rPr lang="en-US" altLang="zh-CN" sz="1200" dirty="0"/>
+              <a:t>import{</a:t>
+            </a:r>
+            <a:r>
+              <a:rPr lang="en-US" altLang="zh-CN" sz="1200" dirty="0" err="1"/>
+              <a:t>ChildPage</a:t>
+            </a:r>
+            <a:r>
+              <a:rPr lang="en-US" altLang="zh-CN" sz="1200" dirty="0"/>
+              <a:t>}from '../child/child';</a:t>
+            </a:r>
+          </a:p>
+          <a:p>
+            <a:pPr>
+              <a:spcBef>
+                <a:spcPts val="0"/>
+              </a:spcBef>
+              <a:spcAft>
+                <a:spcPts val="0"/>
+              </a:spcAft>
+              <a:buClr>
+                <a:schemeClr val="bg1"/>
+              </a:buClr>
+            </a:pPr>
+            <a:r>
+              <a:rPr lang="en-US" altLang="zh-CN" sz="1200" dirty="0"/>
+              <a:t>…</a:t>
+            </a:r>
+          </a:p>
+          <a:p>
+            <a:pPr>
+              <a:spcBef>
+                <a:spcPts val="0"/>
+              </a:spcBef>
+              <a:spcAft>
+                <a:spcPts val="0"/>
+              </a:spcAft>
+              <a:buClr>
+                <a:schemeClr val="bg1"/>
+              </a:buClr>
+            </a:pPr>
+            <a:r>
+              <a:rPr lang="en-US" altLang="zh-CN" sz="1200" dirty="0"/>
+              <a:t>export class </a:t>
+            </a:r>
+            <a:r>
+              <a:rPr lang="en-US" altLang="zh-CN" sz="1200" dirty="0" err="1"/>
+              <a:t>ParentPage</a:t>
+            </a:r>
+            <a:r>
+              <a:rPr lang="en-US" altLang="zh-CN" sz="1200" dirty="0"/>
+              <a:t> {</a:t>
+            </a:r>
+          </a:p>
+          <a:p>
+            <a:pPr>
+              <a:spcBef>
+                <a:spcPts val="0"/>
+              </a:spcBef>
+              <a:spcAft>
+                <a:spcPts val="0"/>
+              </a:spcAft>
+              <a:buClr>
+                <a:schemeClr val="bg1"/>
+              </a:buClr>
+            </a:pPr>
+            <a:r>
+              <a:rPr lang="en-US" altLang="zh-CN" sz="1200" dirty="0"/>
+              <a:t>    </a:t>
+            </a:r>
+            <a:r>
+              <a:rPr lang="en-US" altLang="zh-CN" sz="1200" b="1" dirty="0">
+                <a:solidFill>
+                  <a:srgbClr val="007DB8"/>
+                </a:solidFill>
+              </a:rPr>
+              <a:t>@</a:t>
+            </a:r>
+            <a:r>
+              <a:rPr lang="en-US" altLang="zh-CN" sz="1200" b="1" dirty="0" err="1">
+                <a:solidFill>
+                  <a:srgbClr val="007DB8"/>
+                </a:solidFill>
+              </a:rPr>
+              <a:t>ViewChild</a:t>
+            </a:r>
+            <a:r>
+              <a:rPr lang="en-US" altLang="zh-CN" sz="1200" b="1" dirty="0">
+                <a:solidFill>
+                  <a:srgbClr val="007DB8"/>
+                </a:solidFill>
+              </a:rPr>
+              <a:t>(</a:t>
+            </a:r>
+            <a:r>
+              <a:rPr lang="en-US" altLang="zh-CN" sz="1200" b="1" dirty="0" err="1">
+                <a:solidFill>
+                  <a:srgbClr val="007DB8"/>
+                </a:solidFill>
+              </a:rPr>
+              <a:t>ChildPage</a:t>
+            </a:r>
+            <a:r>
+              <a:rPr lang="en-US" altLang="zh-CN" sz="1200" b="1" dirty="0">
+                <a:solidFill>
+                  <a:srgbClr val="007DB8"/>
+                </a:solidFill>
+              </a:rPr>
+              <a:t>) child</a:t>
+            </a:r>
+            <a:r>
+              <a:rPr lang="en-US" altLang="zh-CN" sz="1200" b="1" dirty="0" smtClean="0">
+                <a:solidFill>
+                  <a:srgbClr val="007DB8"/>
+                </a:solidFill>
+              </a:rPr>
+              <a:t>: </a:t>
+            </a:r>
+            <a:r>
+              <a:rPr lang="en-US" altLang="zh-CN" sz="1200" b="1" dirty="0" err="1" smtClean="0">
+                <a:solidFill>
+                  <a:srgbClr val="007DB8"/>
+                </a:solidFill>
+              </a:rPr>
+              <a:t>ChildPage</a:t>
+            </a:r>
+            <a:r>
+              <a:rPr lang="en-US" altLang="zh-CN" sz="1200" b="1" dirty="0">
+                <a:solidFill>
+                  <a:srgbClr val="007DB8"/>
+                </a:solidFill>
+              </a:rPr>
+              <a:t>;</a:t>
+            </a:r>
+          </a:p>
+          <a:p>
+            <a:pPr>
+              <a:spcBef>
+                <a:spcPts val="0"/>
+              </a:spcBef>
+              <a:spcAft>
+                <a:spcPts val="0"/>
+              </a:spcAft>
+              <a:buClr>
+                <a:schemeClr val="bg1"/>
+              </a:buClr>
+            </a:pPr>
+            <a:r>
+              <a:rPr lang="en-US" altLang="zh-CN" sz="1200" dirty="0"/>
+              <a:t>…</a:t>
+            </a:r>
+          </a:p>
+          <a:p>
+            <a:pPr>
+              <a:spcBef>
+                <a:spcPts val="0"/>
+              </a:spcBef>
+              <a:spcAft>
+                <a:spcPts val="0"/>
+              </a:spcAft>
+              <a:buClr>
+                <a:schemeClr val="bg1"/>
+              </a:buClr>
+            </a:pPr>
+            <a:r>
+              <a:rPr lang="en-US" altLang="zh-CN" sz="1200" dirty="0"/>
+              <a:t>}</a:t>
+            </a:r>
+            <a:endParaRPr lang="zh-CN" altLang="en-US" sz="1200" dirty="0" err="1"/>
+          </a:p>
+        </p:txBody>
+      </p:sp>
+      <p:sp>
+        <p:nvSpPr>
+          <p:cNvPr id="11" name="矩形 10"/>
+          <p:cNvSpPr/>
+          <p:nvPr/>
+        </p:nvSpPr>
+        <p:spPr>
+          <a:xfrm>
+            <a:off x="333104" y="2804726"/>
+            <a:ext cx="4609739" cy="1843448"/>
+          </a:xfrm>
+          <a:prstGeom prst="rect">
+            <a:avLst/>
+          </a:prstGeom>
+          <a:noFill/>
+          <a:ln>
             <a:solidFill>
-              <a:schemeClr val="accent3">
-                <a:lumMod val="60000"/>
-                <a:lumOff val="40000"/>
+              <a:schemeClr val="tx1">
+                <a:lumMod val="20000"/>
+                <a:lumOff val="80000"/>
               </a:schemeClr>
             </a:solidFill>
           </a:ln>
@@ -7294,35 +13251,115 @@
                 <a:spcPts val="0"/>
               </a:spcAft>
             </a:pPr>
-            <a:r>
-              <a:rPr lang="en-US" altLang="zh-CN" sz="2000" dirty="0" smtClean="0">
-                <a:ln w="0"/>
-                <a:solidFill>
-                  <a:schemeClr val="tx1"/>
-                </a:solidFill>
-                <a:effectLst>
-                  <a:outerShdw blurRad="38100" dist="19050" dir="2700000" algn="tl" rotWithShape="0">
-                    <a:schemeClr val="dk1">
-                      <a:alpha val="40000"/>
-                    </a:schemeClr>
-                  </a:outerShdw>
-                </a:effectLst>
+            <a:endParaRPr lang="zh-CN" altLang="en-US" sz="2000" dirty="0" err="1" smtClean="0">
+              <a:solidFill>
+                <a:schemeClr val="tx2"/>
+              </a:solidFill>
+              <a:latin typeface="+mn-lt"/>
+            </a:endParaRPr>
+          </a:p>
+        </p:txBody>
+      </p:sp>
+      <p:cxnSp>
+        <p:nvCxnSpPr>
+          <p:cNvPr id="12" name="直接连接符 11"/>
+          <p:cNvCxnSpPr/>
+          <p:nvPr/>
+        </p:nvCxnSpPr>
+        <p:spPr>
+          <a:xfrm>
+            <a:off x="431019" y="3172114"/>
+            <a:ext cx="4300532" cy="0"/>
+          </a:xfrm>
+          <a:prstGeom prst="line">
+            <a:avLst/>
+          </a:prstGeom>
+          <a:ln w="12700" cmpd="sng">
+            <a:solidFill>
+              <a:srgbClr val="000000"/>
+            </a:solidFill>
+          </a:ln>
+          <a:effectLst/>
+        </p:spPr>
+        <p:style>
+          <a:lnRef idx="2">
+            <a:schemeClr val="accent1"/>
+          </a:lnRef>
+          <a:fillRef idx="0">
+            <a:schemeClr val="accent1"/>
+          </a:fillRef>
+          <a:effectRef idx="1">
+            <a:schemeClr val="accent1"/>
+          </a:effectRef>
+          <a:fontRef idx="minor">
+            <a:schemeClr val="tx1"/>
+          </a:fontRef>
+        </p:style>
+      </p:cxnSp>
+      <p:sp>
+        <p:nvSpPr>
+          <p:cNvPr id="15" name="文本框 14"/>
+          <p:cNvSpPr txBox="1"/>
+          <p:nvPr/>
+        </p:nvSpPr>
+        <p:spPr>
+          <a:xfrm>
+            <a:off x="274319" y="803013"/>
+            <a:ext cx="7481945" cy="523220"/>
+          </a:xfrm>
+          <a:prstGeom prst="rect">
+            <a:avLst/>
+          </a:prstGeom>
+          <a:noFill/>
+        </p:spPr>
+        <p:txBody>
+          <a:bodyPr wrap="square" rtlCol="0">
+            <a:spAutoFit/>
+          </a:bodyPr>
+          <a:lstStyle/>
+          <a:p>
+            <a:pPr>
+              <a:spcBef>
+                <a:spcPts val="0"/>
+              </a:spcBef>
+              <a:spcAft>
+                <a:spcPts val="0"/>
+              </a:spcAft>
+              <a:buClr>
+                <a:schemeClr val="bg1"/>
+              </a:buClr>
+            </a:pPr>
+            <a:r>
+              <a:rPr lang="en-US" altLang="zh-CN" sz="1400" dirty="0">
+                <a:solidFill>
+                  <a:schemeClr val="bg2"/>
+                </a:solidFill>
                 <a:latin typeface="+mn-lt"/>
               </a:rPr>
-              <a:t>C</a:t>
-            </a:r>
-            <a:endParaRPr lang="zh-CN" altLang="en-US" sz="2000" dirty="0" err="1" smtClean="0">
-              <a:ln w="0"/>
+              <a:t>When the parent component class requires that kind of access, inject the child component into the parent as a </a:t>
+            </a:r>
+            <a:r>
+              <a:rPr lang="en-US" altLang="zh-CN" sz="1400" dirty="0" err="1">
+                <a:solidFill>
+                  <a:schemeClr val="bg2"/>
+                </a:solidFill>
+                <a:latin typeface="+mn-lt"/>
+              </a:rPr>
+              <a:t>ViewChild</a:t>
+            </a:r>
+            <a:r>
+              <a:rPr lang="en-US" altLang="zh-CN" sz="1400" dirty="0">
+                <a:solidFill>
+                  <a:schemeClr val="bg2"/>
+                </a:solidFill>
+                <a:latin typeface="+mn-lt"/>
+              </a:rPr>
+              <a:t>.</a:t>
+            </a:r>
+            <a:endParaRPr lang="zh-CN" altLang="en-US" sz="1400" dirty="0" err="1" smtClean="0">
               <a:solidFill>
-                <a:schemeClr val="tx1"/>
+                <a:schemeClr val="bg2"/>
               </a:solidFill>
-              <a:effectLst>
-                <a:outerShdw blurRad="38100" dist="19050" dir="2700000" algn="tl" rotWithShape="0">
-                  <a:schemeClr val="dk1">
-                    <a:alpha val="40000"/>
-                  </a:schemeClr>
-                </a:outerShdw>
-              </a:effectLst>
               <a:latin typeface="+mn-lt"/>
             </a:endParaRPr>
           </a:p>
@@ -7628,12 +13665,8 @@
           <a:lstStyle/>
           <a:p>
             <a:r>
-              <a:rPr lang="en-US" altLang="zh-CN" b="1" dirty="0"/>
-              <a:t>S</a:t>
-            </a:r>
-            <a:r>
               <a:rPr lang="en-US" altLang="zh-CN" b="1" dirty="0" smtClean="0"/>
-              <a:t>ervice</a:t>
+              <a:t>Service(1)</a:t>
             </a:r>
             <a:r>
               <a:rPr lang="en-US" altLang="zh-CN" b="1" dirty="0"/>
@@ -8031,6 +14064,549 @@
           </a:p>
         </p:txBody>
       </p:sp>
+      <p:sp>
+        <p:nvSpPr>
+          <p:cNvPr id="3" name="文本框 2"/>
+          <p:cNvSpPr txBox="1"/>
+          <p:nvPr/>
+        </p:nvSpPr>
+        <p:spPr>
+          <a:xfrm>
+            <a:off x="8095441" y="1923613"/>
+            <a:ext cx="284052" cy="307777"/>
+          </a:xfrm>
+          <a:prstGeom prst="rect">
+            <a:avLst/>
+          </a:prstGeom>
+          <a:noFill/>
+        </p:spPr>
+        <p:txBody>
+          <a:bodyPr wrap="none" rtlCol="0">
+            <a:spAutoFit/>
+          </a:bodyPr>
+          <a:lstStyle/>
+          <a:p>
+            <a:pPr>
+              <a:spcBef>
+                <a:spcPts val="0"/>
+              </a:spcBef>
+              <a:spcAft>
+                <a:spcPts val="0"/>
+              </a:spcAft>
+              <a:buClr>
+                <a:schemeClr val="bg1"/>
+              </a:buClr>
+            </a:pPr>
+            <a:r>
+              <a:rPr lang="en-US" altLang="zh-CN" sz="1400" dirty="0" smtClean="0">
+                <a:solidFill>
+                  <a:schemeClr val="bg2"/>
+                </a:solidFill>
+                <a:latin typeface="+mn-lt"/>
+              </a:rPr>
+              <a:t>1</a:t>
+            </a:r>
+            <a:endParaRPr lang="zh-CN" altLang="en-US" sz="1400" dirty="0" err="1" smtClean="0">
+              <a:solidFill>
+                <a:schemeClr val="bg2"/>
+              </a:solidFill>
+              <a:latin typeface="+mn-lt"/>
+            </a:endParaRPr>
+          </a:p>
+        </p:txBody>
+      </p:sp>
+      <p:sp>
+        <p:nvSpPr>
+          <p:cNvPr id="7" name="文本框 6"/>
+          <p:cNvSpPr txBox="1"/>
+          <p:nvPr/>
+        </p:nvSpPr>
+        <p:spPr>
+          <a:xfrm>
+            <a:off x="7061811" y="1924697"/>
+            <a:ext cx="284052" cy="307777"/>
+          </a:xfrm>
+          <a:prstGeom prst="rect">
+            <a:avLst/>
+          </a:prstGeom>
+          <a:noFill/>
+        </p:spPr>
+        <p:txBody>
+          <a:bodyPr wrap="none" rtlCol="0">
+            <a:spAutoFit/>
+          </a:bodyPr>
+          <a:lstStyle/>
+          <a:p>
+            <a:pPr>
+              <a:spcBef>
+                <a:spcPts val="0"/>
+              </a:spcBef>
+              <a:spcAft>
+                <a:spcPts val="0"/>
+              </a:spcAft>
+              <a:buClr>
+                <a:schemeClr val="bg1"/>
+              </a:buClr>
+            </a:pPr>
+            <a:r>
+              <a:rPr lang="en-US" altLang="zh-CN" sz="1400" dirty="0" smtClean="0">
+                <a:solidFill>
+                  <a:schemeClr val="bg2"/>
+                </a:solidFill>
+                <a:latin typeface="+mn-lt"/>
+              </a:rPr>
+              <a:t>2</a:t>
+            </a:r>
+            <a:endParaRPr lang="zh-CN" altLang="en-US" sz="1400" dirty="0" err="1" smtClean="0">
+              <a:solidFill>
+                <a:schemeClr val="bg2"/>
+              </a:solidFill>
+              <a:latin typeface="+mn-lt"/>
+            </a:endParaRPr>
+          </a:p>
+        </p:txBody>
+      </p:sp>
+      <p:sp>
+        <p:nvSpPr>
+          <p:cNvPr id="11" name="矩形 10"/>
+          <p:cNvSpPr/>
+          <p:nvPr/>
+        </p:nvSpPr>
+        <p:spPr>
+          <a:xfrm>
+            <a:off x="236580" y="2848214"/>
+            <a:ext cx="4764046" cy="1422705"/>
+          </a:xfrm>
+          <a:prstGeom prst="rect">
+            <a:avLst/>
+          </a:prstGeom>
+          <a:noFill/>
+          <a:ln>
+            <a:solidFill>
+              <a:schemeClr val="tx1">
+                <a:lumMod val="20000"/>
+                <a:lumOff val="80000"/>
+              </a:schemeClr>
+            </a:solidFill>
+          </a:ln>
+        </p:spPr>
+        <p:style>
+          <a:lnRef idx="1">
+            <a:schemeClr val="accent2"/>
+          </a:lnRef>
+          <a:fillRef idx="2">
+            <a:schemeClr val="accent2"/>
+          </a:fillRef>
+          <a:effectRef idx="1">
+            <a:schemeClr val="accent2"/>
+          </a:effectRef>
+          <a:fontRef idx="minor">
+            <a:schemeClr val="dk1"/>
+          </a:fontRef>
+        </p:style>
+        <p:txBody>
+          <a:bodyPr wrap="square" lIns="182880" tIns="137160" rIns="137160" bIns="137160" rtlCol="0" anchor="ctr">
+            <a:noAutofit/>
+          </a:bodyPr>
+          <a:lstStyle/>
+          <a:p>
+            <a:pPr algn="ctr">
+              <a:lnSpc>
+                <a:spcPct val="90000"/>
+              </a:lnSpc>
+              <a:spcBef>
+                <a:spcPts val="600"/>
+              </a:spcBef>
+              <a:spcAft>
+                <a:spcPts val="0"/>
+              </a:spcAft>
+            </a:pPr>
+            <a:endParaRPr lang="zh-CN" altLang="en-US" sz="2000" dirty="0" err="1" smtClean="0">
+              <a:solidFill>
+                <a:schemeClr val="tx2"/>
+              </a:solidFill>
+              <a:latin typeface="+mn-lt"/>
+            </a:endParaRPr>
+          </a:p>
+        </p:txBody>
+      </p:sp>
+      <p:sp>
+        <p:nvSpPr>
+          <p:cNvPr id="13" name="矩形 12"/>
+          <p:cNvSpPr/>
+          <p:nvPr/>
+        </p:nvSpPr>
+        <p:spPr>
+          <a:xfrm>
+            <a:off x="274319" y="2885924"/>
+            <a:ext cx="4726307" cy="1384995"/>
+          </a:xfrm>
+          <a:prstGeom prst="rect">
+            <a:avLst/>
+          </a:prstGeom>
+        </p:spPr>
+        <p:txBody>
+          <a:bodyPr wrap="square">
+            <a:spAutoFit/>
+          </a:bodyPr>
+          <a:lstStyle/>
+          <a:p>
+            <a:r>
+              <a:rPr lang="en-US" altLang="zh-CN" sz="1200" b="1" dirty="0" err="1" smtClean="0"/>
+              <a:t>parent.ts</a:t>
+            </a:r>
+            <a:endParaRPr lang="en-US" altLang="zh-CN" sz="1200" b="1" dirty="0" smtClean="0"/>
+          </a:p>
+          <a:p>
+            <a:endParaRPr lang="en-US" altLang="zh-CN" sz="1200" b="1" dirty="0"/>
+          </a:p>
+          <a:p>
+            <a:r>
+              <a:rPr lang="en-US" altLang="zh-CN" sz="1200" dirty="0"/>
+              <a:t>@Component</a:t>
+            </a:r>
+            <a:r>
+              <a:rPr lang="en-US" altLang="zh-CN" sz="1200" dirty="0" smtClean="0"/>
+              <a:t>({</a:t>
+            </a:r>
+          </a:p>
+          <a:p>
+            <a:r>
+              <a:rPr lang="en-US" altLang="zh-CN" sz="1200" dirty="0" smtClean="0"/>
+              <a:t>… </a:t>
+            </a:r>
+            <a:r>
+              <a:rPr lang="en-US" altLang="zh-CN" sz="1200" b="1" dirty="0" smtClean="0">
+                <a:solidFill>
+                  <a:srgbClr val="007DB8"/>
+                </a:solidFill>
+              </a:rPr>
+              <a:t>providers</a:t>
+            </a:r>
+            <a:r>
+              <a:rPr lang="en-US" altLang="zh-CN" sz="1200" b="1" dirty="0">
+                <a:solidFill>
+                  <a:srgbClr val="007DB8"/>
+                </a:solidFill>
+              </a:rPr>
+              <a:t>: </a:t>
+            </a:r>
+            <a:r>
+              <a:rPr lang="en-US" altLang="zh-CN" sz="1200" b="1" dirty="0" smtClean="0">
+                <a:solidFill>
+                  <a:srgbClr val="007DB8"/>
+                </a:solidFill>
+              </a:rPr>
+              <a:t>[</a:t>
+            </a:r>
+            <a:r>
+              <a:rPr lang="en-US" altLang="zh-CN" sz="1200" b="1" dirty="0" err="1" smtClean="0">
+                <a:solidFill>
+                  <a:srgbClr val="007DB8"/>
+                </a:solidFill>
+              </a:rPr>
+              <a:t>MyService</a:t>
+            </a:r>
+            <a:r>
+              <a:rPr lang="en-US" altLang="zh-CN" sz="1200" b="1" dirty="0">
+                <a:solidFill>
+                  <a:srgbClr val="007DB8"/>
+                </a:solidFill>
+              </a:rPr>
+              <a:t>]</a:t>
+            </a:r>
+          </a:p>
+          <a:p>
+            <a:r>
+              <a:rPr lang="en-US" altLang="zh-CN" sz="1200" dirty="0" smtClean="0"/>
+              <a:t>})</a:t>
+            </a:r>
+            <a:endParaRPr lang="en-US" altLang="zh-CN" sz="1200" dirty="0"/>
+          </a:p>
+          <a:p>
+            <a:r>
+              <a:rPr lang="en-US" altLang="zh-CN" sz="1200" dirty="0"/>
+              <a:t>export class </a:t>
+            </a:r>
+            <a:r>
+              <a:rPr lang="en-US" altLang="zh-CN" sz="1200" dirty="0" err="1"/>
+              <a:t>ParentPage</a:t>
+            </a:r>
+            <a:r>
+              <a:rPr lang="en-US" altLang="zh-CN" sz="1200" dirty="0"/>
+              <a:t> </a:t>
+            </a:r>
+            <a:r>
+              <a:rPr lang="en-US" altLang="zh-CN" sz="1200" dirty="0" smtClean="0"/>
+              <a:t>{</a:t>
+            </a:r>
+          </a:p>
+          <a:p>
+            <a:r>
+              <a:rPr lang="en-US" altLang="zh-CN" sz="1200" dirty="0"/>
+              <a:t> </a:t>
+            </a:r>
+            <a:r>
+              <a:rPr lang="en-US" altLang="zh-CN" sz="1200" dirty="0" smtClean="0"/>
+              <a:t>  constructor(</a:t>
+            </a:r>
+            <a:r>
+              <a:rPr lang="en-US" altLang="zh-CN" sz="1200" b="1" dirty="0" err="1" smtClean="0">
+                <a:solidFill>
+                  <a:srgbClr val="007DB8"/>
+                </a:solidFill>
+              </a:rPr>
+              <a:t>service:MyService</a:t>
+            </a:r>
+            <a:r>
+              <a:rPr lang="en-US" altLang="zh-CN" sz="1200" dirty="0"/>
+              <a:t>) </a:t>
+            </a:r>
+            <a:r>
+              <a:rPr lang="en-US" altLang="zh-CN" sz="1200" dirty="0" smtClean="0"/>
+              <a:t>{ </a:t>
+            </a:r>
+            <a:r>
+              <a:rPr lang="en-US" altLang="zh-CN" sz="1200" b="1" dirty="0" err="1" smtClean="0">
+                <a:solidFill>
+                  <a:srgbClr val="007DB8"/>
+                </a:solidFill>
+              </a:rPr>
+              <a:t>service.data</a:t>
+            </a:r>
+            <a:r>
+              <a:rPr lang="en-US" altLang="zh-CN" sz="1200" b="1" dirty="0" smtClean="0">
+                <a:solidFill>
+                  <a:srgbClr val="007DB8"/>
+                </a:solidFill>
+              </a:rPr>
+              <a:t> = 1;</a:t>
+            </a:r>
+            <a:r>
+              <a:rPr lang="en-US" altLang="zh-CN" sz="1200" dirty="0" smtClean="0"/>
+              <a:t> }  … }</a:t>
+            </a:r>
+            <a:endParaRPr lang="zh-CN" altLang="en-US" sz="1200" dirty="0"/>
+          </a:p>
+        </p:txBody>
+      </p:sp>
+      <p:cxnSp>
+        <p:nvCxnSpPr>
+          <p:cNvPr id="16" name="直接连接符 15"/>
+          <p:cNvCxnSpPr/>
+          <p:nvPr/>
+        </p:nvCxnSpPr>
+        <p:spPr>
+          <a:xfrm>
+            <a:off x="334495" y="3215602"/>
+            <a:ext cx="4300532" cy="0"/>
+          </a:xfrm>
+          <a:prstGeom prst="line">
+            <a:avLst/>
+          </a:prstGeom>
+          <a:ln w="12700" cmpd="sng">
+            <a:solidFill>
+              <a:srgbClr val="000000"/>
+            </a:solidFill>
+          </a:ln>
+          <a:effectLst/>
+        </p:spPr>
+        <p:style>
+          <a:lnRef idx="2">
+            <a:schemeClr val="accent1"/>
+          </a:lnRef>
+          <a:fillRef idx="0">
+            <a:schemeClr val="accent1"/>
+          </a:fillRef>
+          <a:effectRef idx="1">
+            <a:schemeClr val="accent1"/>
+          </a:effectRef>
+          <a:fontRef idx="minor">
+            <a:schemeClr val="tx1"/>
+          </a:fontRef>
+        </p:style>
+      </p:cxnSp>
+      <p:sp>
+        <p:nvSpPr>
+          <p:cNvPr id="17" name="矩形 16"/>
+          <p:cNvSpPr/>
+          <p:nvPr/>
+        </p:nvSpPr>
+        <p:spPr>
+          <a:xfrm>
+            <a:off x="236579" y="1455241"/>
+            <a:ext cx="4764047" cy="1275747"/>
+          </a:xfrm>
+          <a:prstGeom prst="rect">
+            <a:avLst/>
+          </a:prstGeom>
+          <a:noFill/>
+          <a:ln>
+            <a:solidFill>
+              <a:schemeClr val="tx1">
+                <a:lumMod val="20000"/>
+                <a:lumOff val="80000"/>
+              </a:schemeClr>
+            </a:solidFill>
+          </a:ln>
+        </p:spPr>
+        <p:style>
+          <a:lnRef idx="1">
+            <a:schemeClr val="accent2"/>
+          </a:lnRef>
+          <a:fillRef idx="2">
+            <a:schemeClr val="accent2"/>
+          </a:fillRef>
+          <a:effectRef idx="1">
+            <a:schemeClr val="accent2"/>
+          </a:effectRef>
+          <a:fontRef idx="minor">
+            <a:schemeClr val="dk1"/>
+          </a:fontRef>
+        </p:style>
+        <p:txBody>
+          <a:bodyPr wrap="square" lIns="182880" tIns="137160" rIns="137160" bIns="137160" rtlCol="0" anchor="ctr">
+            <a:noAutofit/>
+          </a:bodyPr>
+          <a:lstStyle/>
+          <a:p>
+            <a:pPr algn="ctr">
+              <a:lnSpc>
+                <a:spcPct val="90000"/>
+              </a:lnSpc>
+              <a:spcBef>
+                <a:spcPts val="600"/>
+              </a:spcBef>
+              <a:spcAft>
+                <a:spcPts val="0"/>
+              </a:spcAft>
+            </a:pPr>
+            <a:endParaRPr lang="zh-CN" altLang="en-US" sz="2000" dirty="0" err="1" smtClean="0">
+              <a:solidFill>
+                <a:schemeClr val="tx2"/>
+              </a:solidFill>
+              <a:latin typeface="+mn-lt"/>
+            </a:endParaRPr>
+          </a:p>
+        </p:txBody>
+      </p:sp>
+      <p:sp>
+        <p:nvSpPr>
+          <p:cNvPr id="18" name="矩形 17"/>
+          <p:cNvSpPr/>
+          <p:nvPr/>
+        </p:nvSpPr>
+        <p:spPr>
+          <a:xfrm>
+            <a:off x="274319" y="1492951"/>
+            <a:ext cx="4726307" cy="1200329"/>
+          </a:xfrm>
+          <a:prstGeom prst="rect">
+            <a:avLst/>
+          </a:prstGeom>
+        </p:spPr>
+        <p:txBody>
+          <a:bodyPr wrap="square">
+            <a:spAutoFit/>
+          </a:bodyPr>
+          <a:lstStyle/>
+          <a:p>
+            <a:r>
+              <a:rPr lang="en-US" altLang="zh-CN" sz="1200" b="1" dirty="0" smtClean="0"/>
+              <a:t>parent.html</a:t>
+            </a:r>
+          </a:p>
+          <a:p>
+            <a:endParaRPr lang="en-US" altLang="zh-CN" sz="1200" b="1" dirty="0"/>
+          </a:p>
+          <a:p>
+            <a:r>
+              <a:rPr lang="en-US" altLang="zh-CN" sz="1200" dirty="0" smtClean="0"/>
+              <a:t>&lt;div&gt;</a:t>
+            </a:r>
+            <a:endParaRPr lang="en-US" altLang="zh-CN" sz="1200" dirty="0"/>
+          </a:p>
+          <a:p>
+            <a:r>
+              <a:rPr lang="en-US" altLang="zh-CN" sz="1200" dirty="0"/>
+              <a:t>  &lt;h2&gt;Parent&lt;/h2&gt;</a:t>
+            </a:r>
+          </a:p>
+          <a:p>
+            <a:r>
+              <a:rPr lang="en-US" altLang="zh-CN" sz="1200" dirty="0"/>
+              <a:t>  </a:t>
+            </a:r>
+            <a:r>
+              <a:rPr lang="en-US" altLang="zh-CN" sz="1200" b="1" dirty="0">
+                <a:solidFill>
+                  <a:srgbClr val="007DB8"/>
+                </a:solidFill>
+              </a:rPr>
+              <a:t>&lt;</a:t>
+            </a:r>
+            <a:r>
+              <a:rPr lang="en-US" altLang="zh-CN" sz="1200" b="1" dirty="0" smtClean="0">
+                <a:solidFill>
+                  <a:srgbClr val="007DB8"/>
+                </a:solidFill>
+              </a:rPr>
+              <a:t>page-child&gt;&lt;/</a:t>
+            </a:r>
+            <a:r>
+              <a:rPr lang="en-US" altLang="zh-CN" sz="1200" b="1" dirty="0">
+                <a:solidFill>
+                  <a:srgbClr val="007DB8"/>
+                </a:solidFill>
+              </a:rPr>
+              <a:t>page-child&gt;</a:t>
+            </a:r>
+          </a:p>
+          <a:p>
+            <a:r>
+              <a:rPr lang="en-US" altLang="zh-CN" sz="1200" dirty="0" smtClean="0"/>
+              <a:t>&lt;/div&gt;</a:t>
+            </a:r>
+            <a:endParaRPr lang="zh-CN" altLang="en-US" sz="1200" dirty="0"/>
+          </a:p>
+        </p:txBody>
+      </p:sp>
+      <p:cxnSp>
+        <p:nvCxnSpPr>
+          <p:cNvPr id="19" name="直接连接符 18"/>
+          <p:cNvCxnSpPr/>
+          <p:nvPr/>
+        </p:nvCxnSpPr>
+        <p:spPr>
+          <a:xfrm>
+            <a:off x="334495" y="1822629"/>
+            <a:ext cx="4300532" cy="0"/>
+          </a:xfrm>
+          <a:prstGeom prst="line">
+            <a:avLst/>
+          </a:prstGeom>
+          <a:ln w="12700" cmpd="sng">
+            <a:solidFill>
+              <a:srgbClr val="000000"/>
+            </a:solidFill>
+          </a:ln>
+          <a:effectLst/>
+        </p:spPr>
+        <p:style>
+          <a:lnRef idx="2">
+            <a:schemeClr val="accent1"/>
+          </a:lnRef>
+          <a:fillRef idx="0">
+            <a:schemeClr val="accent1"/>
+          </a:fillRef>
+          <a:effectRef idx="1">
+            <a:schemeClr val="accent1"/>
+          </a:effectRef>
+          <a:fontRef idx="minor">
+            <a:schemeClr val="tx1"/>
+          </a:fontRef>
+        </p:style>
+      </p:cxnSp>
     </p:spTree>
     <p:extLst>
       <p:ext uri="{BB962C8B-B14F-4D97-AF65-F5344CB8AC3E}">
@@ -8073,37 +14649,7 @@
       </p:grpSpPr>
       <p:sp>
         <p:nvSpPr>
-          <p:cNvPr id="2" name="标题 1"/>
-          <p:cNvSpPr>
-            <a:spLocks noGrp="1"/>
-          </p:cNvSpPr>
-          <p:nvPr>
-            <p:ph type="title"/>
-          </p:nvPr>
-        </p:nvSpPr>
-        <p:spPr/>
-        <p:txBody>
-          <a:bodyPr/>
-          <a:lstStyle/>
-          <a:p>
-            <a:r>
-              <a:rPr lang="en-US" altLang="zh-CN" b="1" dirty="0" err="1"/>
-              <a:t>EventEmitter</a:t>
-            </a:r>
-            <a:r>
-              <a:rPr lang="en-US" altLang="zh-CN" b="1" dirty="0"/>
-              <a:t/>
-            </a:r>
-            <a:br>
-              <a:rPr lang="en-US" altLang="zh-CN" b="1" dirty="0"/>
-            </a:br>
-            <a:endParaRPr lang="zh-CN" altLang="en-US" dirty="0"/>
-          </a:p>
-        </p:txBody>
-      </p:sp>
-      <p:sp>
-        <p:nvSpPr>
-          <p:cNvPr id="4" name="矩形 3"/>
+          <p:cNvPr id="19" name="矩形 18"/>
           <p:cNvSpPr/>
           <p:nvPr/>
         </p:nvSpPr>
@@ -8347,7 +14893,42 @@
       </p:sp>
       <p:sp>
         <p:nvSpPr>
-          <p:cNvPr id="5" name="矩形 4"/>
+          <p:cNvPr id="20" name="标题 1"/>
+          <p:cNvSpPr>
+            <a:spLocks noGrp="1"/>
+          </p:cNvSpPr>
+          <p:nvPr>
+            <p:ph type="title"/>
+          </p:nvPr>
+        </p:nvSpPr>
+        <p:spPr>
+          <a:xfrm>
+            <a:off x="274319" y="271886"/>
+            <a:ext cx="7955280" cy="640080"/>
+          </a:xfrm>
+        </p:spPr>
+        <p:txBody>
+          <a:bodyPr/>
+          <a:lstStyle/>
+          <a:p>
+            <a:r>
+              <a:rPr lang="en-US" altLang="zh-CN" b="1" dirty="0" smtClean="0"/>
+              <a:t>Service(2)</a:t>
+            </a:r>
+            <a:r>
+              <a:rPr lang="en-US" altLang="zh-CN" b="1" dirty="0"/>
+              <a:t/>
+            </a:r>
+            <a:br>
+              <a:rPr lang="en-US" altLang="zh-CN" b="1" dirty="0"/>
+            </a:br>
+            <a:endParaRPr lang="zh-CN" altLang="en-US" dirty="0"/>
+          </a:p>
+        </p:txBody>
+      </p:sp>
+      <p:sp>
+        <p:nvSpPr>
+          <p:cNvPr id="21" name="矩形 20"/>
           <p:cNvSpPr/>
           <p:nvPr/>
         </p:nvSpPr>
@@ -8486,7 +15067,7 @@
       </p:sp>
       <p:sp>
         <p:nvSpPr>
-          <p:cNvPr id="6" name="矩形 5"/>
+          <p:cNvPr id="22" name="矩形 21"/>
           <p:cNvSpPr/>
           <p:nvPr/>
         </p:nvSpPr>
@@ -8571,7 +15152,7 @@
       </p:sp>
       <p:cxnSp>
         <p:nvCxnSpPr>
-          <p:cNvPr id="7" name="直接箭头连接符 6"/>
+          <p:cNvPr id="23" name="直接箭头连接符 22"/>
           <p:cNvCxnSpPr/>
           <p:nvPr/>
         </p:nvCxnSpPr>
@@ -8608,7 +15189,7 @@
       </p:cxnSp>
       <p:cxnSp>
         <p:nvCxnSpPr>
-          <p:cNvPr id="8" name="直接箭头连接符 7"/>
+          <p:cNvPr id="24" name="直接箭头连接符 23"/>
           <p:cNvCxnSpPr/>
           <p:nvPr/>
         </p:nvCxnSpPr>
@@ -8645,7 +15226,7 @@
       </p:cxnSp>
       <p:sp>
         <p:nvSpPr>
-          <p:cNvPr id="9" name="矩形 8"/>
+          <p:cNvPr id="25" name="矩形 24"/>
           <p:cNvSpPr/>
           <p:nvPr/>
         </p:nvSpPr>
@@ -8698,7 +15279,7 @@
               </a:spcAft>
             </a:pPr>
             <a:r>
-              <a:rPr lang="en-US" altLang="zh-CN" sz="1000" dirty="0" err="1" smtClean="0">
+              <a:rPr lang="en-US" altLang="zh-CN" sz="2000" dirty="0" smtClean="0">
                 <a:ln w="0"/>
                 <a:solidFill>
                   <a:schemeClr val="tx1"/>
@@ -8710,11 +15291,10 @@
                     </a:schemeClr>
                   </a:outerShdw>
                 </a:effectLst>
-                <a:latin typeface="+mn-lt"/>
-              </a:rPr>
-              <a:t>EventEmitter</a:t>
-            </a:r>
-            <a:endParaRPr lang="zh-CN" altLang="en-US" sz="1000" dirty="0" err="1" smtClean="0">
+              </a:rPr>
+              <a:t>Data</a:t>
+            </a:r>
+            <a:endParaRPr lang="zh-CN" altLang="en-US" sz="2000" dirty="0" err="1" smtClean="0">
               <a:ln w="0"/>
               <a:solidFill>
                 <a:schemeClr val="tx1"/>
@@ -8731,10 +15311,539 @@
           </a:p>
         </p:txBody>
       </p:sp>
+      <p:sp>
+        <p:nvSpPr>
+          <p:cNvPr id="26" name="文本框 25"/>
+          <p:cNvSpPr txBox="1"/>
+          <p:nvPr/>
+        </p:nvSpPr>
+        <p:spPr>
+          <a:xfrm>
+            <a:off x="8095441" y="1923613"/>
+            <a:ext cx="284052" cy="307777"/>
+          </a:xfrm>
+          <a:prstGeom prst="rect">
+            <a:avLst/>
+          </a:prstGeom>
+          <a:noFill/>
+        </p:spPr>
+        <p:txBody>
+          <a:bodyPr wrap="none" rtlCol="0">
+            <a:spAutoFit/>
+          </a:bodyPr>
+          <a:lstStyle/>
+          <a:p>
+            <a:pPr>
+              <a:spcBef>
+                <a:spcPts val="0"/>
+              </a:spcBef>
+              <a:spcAft>
+                <a:spcPts val="0"/>
+              </a:spcAft>
+              <a:buClr>
+                <a:schemeClr val="bg1"/>
+              </a:buClr>
+            </a:pPr>
+            <a:r>
+              <a:rPr lang="en-US" altLang="zh-CN" sz="1400" dirty="0" smtClean="0">
+                <a:solidFill>
+                  <a:schemeClr val="bg2"/>
+                </a:solidFill>
+                <a:latin typeface="+mn-lt"/>
+              </a:rPr>
+              <a:t>1</a:t>
+            </a:r>
+            <a:endParaRPr lang="zh-CN" altLang="en-US" sz="1400" dirty="0" err="1" smtClean="0">
+              <a:solidFill>
+                <a:schemeClr val="bg2"/>
+              </a:solidFill>
+              <a:latin typeface="+mn-lt"/>
+            </a:endParaRPr>
+          </a:p>
+        </p:txBody>
+      </p:sp>
+      <p:sp>
+        <p:nvSpPr>
+          <p:cNvPr id="27" name="文本框 26"/>
+          <p:cNvSpPr txBox="1"/>
+          <p:nvPr/>
+        </p:nvSpPr>
+        <p:spPr>
+          <a:xfrm>
+            <a:off x="7061811" y="1924697"/>
+            <a:ext cx="284052" cy="307777"/>
+          </a:xfrm>
+          <a:prstGeom prst="rect">
+            <a:avLst/>
+          </a:prstGeom>
+          <a:noFill/>
+        </p:spPr>
+        <p:txBody>
+          <a:bodyPr wrap="none" rtlCol="0">
+            <a:spAutoFit/>
+          </a:bodyPr>
+          <a:lstStyle/>
+          <a:p>
+            <a:pPr>
+              <a:spcBef>
+                <a:spcPts val="0"/>
+              </a:spcBef>
+              <a:spcAft>
+                <a:spcPts val="0"/>
+              </a:spcAft>
+              <a:buClr>
+                <a:schemeClr val="bg1"/>
+              </a:buClr>
+            </a:pPr>
+            <a:r>
+              <a:rPr lang="en-US" altLang="zh-CN" sz="1400" dirty="0" smtClean="0">
+                <a:solidFill>
+                  <a:schemeClr val="bg2"/>
+                </a:solidFill>
+                <a:latin typeface="+mn-lt"/>
+              </a:rPr>
+              <a:t>2</a:t>
+            </a:r>
+            <a:endParaRPr lang="zh-CN" altLang="en-US" sz="1400" dirty="0" err="1" smtClean="0">
+              <a:solidFill>
+                <a:schemeClr val="bg2"/>
+              </a:solidFill>
+              <a:latin typeface="+mn-lt"/>
+            </a:endParaRPr>
+          </a:p>
+        </p:txBody>
+      </p:sp>
+      <p:sp>
+        <p:nvSpPr>
+          <p:cNvPr id="28" name="矩形 27"/>
+          <p:cNvSpPr/>
+          <p:nvPr/>
+        </p:nvSpPr>
+        <p:spPr>
+          <a:xfrm>
+            <a:off x="236580" y="2901823"/>
+            <a:ext cx="4764046" cy="1422705"/>
+          </a:xfrm>
+          <a:prstGeom prst="rect">
+            <a:avLst/>
+          </a:prstGeom>
+          <a:noFill/>
+          <a:ln>
+            <a:solidFill>
+              <a:schemeClr val="tx1">
+                <a:lumMod val="20000"/>
+                <a:lumOff val="80000"/>
+              </a:schemeClr>
+            </a:solidFill>
+          </a:ln>
+        </p:spPr>
+        <p:style>
+          <a:lnRef idx="1">
+            <a:schemeClr val="accent2"/>
+          </a:lnRef>
+          <a:fillRef idx="2">
+            <a:schemeClr val="accent2"/>
+          </a:fillRef>
+          <a:effectRef idx="1">
+            <a:schemeClr val="accent2"/>
+          </a:effectRef>
+          <a:fontRef idx="minor">
+            <a:schemeClr val="dk1"/>
+          </a:fontRef>
+        </p:style>
+        <p:txBody>
+          <a:bodyPr wrap="square" lIns="182880" tIns="137160" rIns="137160" bIns="137160" rtlCol="0" anchor="ctr">
+            <a:noAutofit/>
+          </a:bodyPr>
+          <a:lstStyle/>
+          <a:p>
+            <a:pPr algn="ctr">
+              <a:lnSpc>
+                <a:spcPct val="90000"/>
+              </a:lnSpc>
+              <a:spcBef>
+                <a:spcPts val="600"/>
+              </a:spcBef>
+              <a:spcAft>
+                <a:spcPts val="0"/>
+              </a:spcAft>
+            </a:pPr>
+            <a:endParaRPr lang="zh-CN" altLang="en-US" sz="2000" dirty="0" err="1" smtClean="0">
+              <a:solidFill>
+                <a:schemeClr val="tx2"/>
+              </a:solidFill>
+              <a:latin typeface="+mn-lt"/>
+            </a:endParaRPr>
+          </a:p>
+        </p:txBody>
+      </p:sp>
+      <p:sp>
+        <p:nvSpPr>
+          <p:cNvPr id="29" name="矩形 28"/>
+          <p:cNvSpPr/>
+          <p:nvPr/>
+        </p:nvSpPr>
+        <p:spPr>
+          <a:xfrm>
+            <a:off x="236579" y="2920483"/>
+            <a:ext cx="4764047" cy="1384995"/>
+          </a:xfrm>
+          <a:prstGeom prst="rect">
+            <a:avLst/>
+          </a:prstGeom>
+        </p:spPr>
+        <p:txBody>
+          <a:bodyPr wrap="square">
+            <a:spAutoFit/>
+          </a:bodyPr>
+          <a:lstStyle/>
+          <a:p>
+            <a:r>
+              <a:rPr lang="en-US" altLang="zh-CN" sz="1200" b="1" dirty="0" err="1"/>
+              <a:t>m</a:t>
+            </a:r>
+            <a:r>
+              <a:rPr lang="en-US" altLang="zh-CN" sz="1200" b="1" dirty="0" err="1" smtClean="0"/>
+              <a:t>y.service.ts</a:t>
+            </a:r>
+            <a:endParaRPr lang="en-US" altLang="zh-CN" sz="1200" b="1" dirty="0" smtClean="0"/>
+          </a:p>
+          <a:p>
+            <a:endParaRPr lang="en-US" altLang="zh-CN" sz="1200" b="1" dirty="0"/>
+          </a:p>
+          <a:p>
+            <a:r>
+              <a:rPr lang="en-US" altLang="zh-CN" sz="1200" dirty="0"/>
+              <a:t>import{Injectable } from '@angular/core';</a:t>
+            </a:r>
+          </a:p>
+          <a:p>
+            <a:r>
+              <a:rPr lang="en-US" altLang="zh-CN" sz="1200" dirty="0"/>
+              <a:t>@Injectable()</a:t>
+            </a:r>
+          </a:p>
+          <a:p>
+            <a:r>
+              <a:rPr lang="en-US" altLang="zh-CN" sz="1200" dirty="0"/>
+              <a:t>export class </a:t>
+            </a:r>
+            <a:r>
+              <a:rPr lang="en-US" altLang="zh-CN" sz="1200" dirty="0" err="1"/>
+              <a:t>M</a:t>
+            </a:r>
+            <a:r>
+              <a:rPr lang="en-US" altLang="zh-CN" sz="1200" dirty="0" err="1" smtClean="0"/>
+              <a:t>yService</a:t>
+            </a:r>
+            <a:r>
+              <a:rPr lang="en-US" altLang="zh-CN" sz="1200" dirty="0" smtClean="0"/>
+              <a:t> </a:t>
+            </a:r>
+            <a:r>
+              <a:rPr lang="en-US" altLang="zh-CN" sz="1200" dirty="0"/>
+              <a:t>{</a:t>
+            </a:r>
+          </a:p>
+          <a:p>
+            <a:r>
+              <a:rPr lang="en-US" altLang="zh-CN" sz="1200" dirty="0"/>
+              <a:t>    </a:t>
+            </a:r>
+            <a:r>
+              <a:rPr lang="en-US" altLang="zh-CN" sz="1200" b="1" dirty="0" smtClean="0">
+                <a:solidFill>
+                  <a:srgbClr val="007DB8"/>
+                </a:solidFill>
+              </a:rPr>
+              <a:t>data: number </a:t>
+            </a:r>
+            <a:r>
+              <a:rPr lang="en-US" altLang="zh-CN" sz="1200" b="1" dirty="0">
+                <a:solidFill>
+                  <a:srgbClr val="007DB8"/>
+                </a:solidFill>
+              </a:rPr>
+              <a:t>= 0;</a:t>
+            </a:r>
+          </a:p>
+          <a:p>
+            <a:r>
+              <a:rPr lang="en-US" altLang="zh-CN" sz="1200" dirty="0"/>
+              <a:t>}</a:t>
+            </a:r>
+            <a:endParaRPr lang="zh-CN" altLang="en-US" sz="1200" dirty="0"/>
+          </a:p>
+        </p:txBody>
+      </p:sp>
+      <p:cxnSp>
+        <p:nvCxnSpPr>
+          <p:cNvPr id="30" name="直接连接符 29"/>
+          <p:cNvCxnSpPr/>
+          <p:nvPr/>
+        </p:nvCxnSpPr>
+        <p:spPr>
+          <a:xfrm>
+            <a:off x="334495" y="3269211"/>
+            <a:ext cx="4300532" cy="0"/>
+          </a:xfrm>
+          <a:prstGeom prst="line">
+            <a:avLst/>
+          </a:prstGeom>
+          <a:ln w="12700" cmpd="sng">
+            <a:solidFill>
+              <a:srgbClr val="000000"/>
+            </a:solidFill>
+          </a:ln>
+          <a:effectLst/>
+        </p:spPr>
+        <p:style>
+          <a:lnRef idx="2">
+            <a:schemeClr val="accent1"/>
+          </a:lnRef>
+          <a:fillRef idx="0">
+            <a:schemeClr val="accent1"/>
+          </a:fillRef>
+          <a:effectRef idx="1">
+            <a:schemeClr val="accent1"/>
+          </a:effectRef>
+          <a:fontRef idx="minor">
+            <a:schemeClr val="tx1"/>
+          </a:fontRef>
+        </p:style>
+      </p:cxnSp>
+      <p:sp>
+        <p:nvSpPr>
+          <p:cNvPr id="31" name="矩形 30"/>
+          <p:cNvSpPr/>
+          <p:nvPr/>
+        </p:nvSpPr>
+        <p:spPr>
+          <a:xfrm>
+            <a:off x="236579" y="1269216"/>
+            <a:ext cx="4764047" cy="1422705"/>
+          </a:xfrm>
+          <a:prstGeom prst="rect">
+            <a:avLst/>
+          </a:prstGeom>
+          <a:noFill/>
+          <a:ln>
+            <a:solidFill>
+              <a:schemeClr val="tx1">
+                <a:lumMod val="20000"/>
+                <a:lumOff val="80000"/>
+              </a:schemeClr>
+            </a:solidFill>
+          </a:ln>
+        </p:spPr>
+        <p:style>
+          <a:lnRef idx="1">
+            <a:schemeClr val="accent2"/>
+          </a:lnRef>
+          <a:fillRef idx="2">
+            <a:schemeClr val="accent2"/>
+          </a:fillRef>
+          <a:effectRef idx="1">
+            <a:schemeClr val="accent2"/>
+          </a:effectRef>
+          <a:fontRef idx="minor">
+            <a:schemeClr val="dk1"/>
+          </a:fontRef>
+        </p:style>
+        <p:txBody>
+          <a:bodyPr wrap="square" lIns="182880" tIns="137160" rIns="137160" bIns="137160" rtlCol="0" anchor="ctr">
+            <a:noAutofit/>
+          </a:bodyPr>
+          <a:lstStyle/>
+          <a:p>
+            <a:pPr algn="ctr">
+              <a:lnSpc>
+                <a:spcPct val="90000"/>
+              </a:lnSpc>
+              <a:spcBef>
+                <a:spcPts val="600"/>
+              </a:spcBef>
+              <a:spcAft>
+                <a:spcPts val="0"/>
+              </a:spcAft>
+            </a:pPr>
+            <a:endParaRPr lang="zh-CN" altLang="en-US" sz="2000" dirty="0" err="1" smtClean="0">
+              <a:solidFill>
+                <a:schemeClr val="tx2"/>
+              </a:solidFill>
+              <a:latin typeface="+mn-lt"/>
+            </a:endParaRPr>
+          </a:p>
+        </p:txBody>
+      </p:sp>
+      <p:sp>
+        <p:nvSpPr>
+          <p:cNvPr id="32" name="矩形 31"/>
+          <p:cNvSpPr/>
+          <p:nvPr/>
+        </p:nvSpPr>
+        <p:spPr>
+          <a:xfrm>
+            <a:off x="274319" y="1306926"/>
+            <a:ext cx="4726307" cy="1384995"/>
+          </a:xfrm>
+          <a:prstGeom prst="rect">
+            <a:avLst/>
+          </a:prstGeom>
+        </p:spPr>
+        <p:txBody>
+          <a:bodyPr wrap="square">
+            <a:spAutoFit/>
+          </a:bodyPr>
+          <a:lstStyle/>
+          <a:p>
+            <a:r>
+              <a:rPr lang="en-US" altLang="zh-CN" sz="1200" b="1" dirty="0" err="1"/>
+              <a:t>c</a:t>
+            </a:r>
+            <a:r>
+              <a:rPr lang="en-US" altLang="zh-CN" sz="1200" b="1" dirty="0" err="1" smtClean="0"/>
+              <a:t>hild.ts</a:t>
+            </a:r>
+            <a:endParaRPr lang="en-US" altLang="zh-CN" sz="1200" b="1" dirty="0" smtClean="0"/>
+          </a:p>
+          <a:p>
+            <a:endParaRPr lang="en-US" altLang="zh-CN" sz="1200" b="1" dirty="0"/>
+          </a:p>
+          <a:p>
+            <a:r>
+              <a:rPr lang="en-US" altLang="zh-CN" sz="1200" dirty="0"/>
+              <a:t>export class </a:t>
+            </a:r>
+            <a:r>
+              <a:rPr lang="en-US" altLang="zh-CN" sz="1200" dirty="0" err="1"/>
+              <a:t>ChildPage</a:t>
+            </a:r>
+            <a:r>
+              <a:rPr lang="en-US" altLang="zh-CN" sz="1200" dirty="0"/>
+              <a:t> {</a:t>
+            </a:r>
+          </a:p>
+          <a:p>
+            <a:r>
+              <a:rPr lang="en-US" altLang="zh-CN" sz="1200" dirty="0"/>
+              <a:t>    </a:t>
+            </a:r>
+            <a:r>
+              <a:rPr lang="en-US" altLang="zh-CN" sz="1200" b="1" dirty="0">
+                <a:solidFill>
+                  <a:srgbClr val="007DB8"/>
+                </a:solidFill>
+              </a:rPr>
+              <a:t>constructor(public </a:t>
+            </a:r>
+            <a:r>
+              <a:rPr lang="en-US" altLang="zh-CN" sz="1200" b="1" dirty="0" err="1" smtClean="0">
+                <a:solidFill>
+                  <a:srgbClr val="007DB8"/>
+                </a:solidFill>
+              </a:rPr>
+              <a:t>service:MyService</a:t>
+            </a:r>
+            <a:r>
+              <a:rPr lang="en-US" altLang="zh-CN" sz="1200" b="1" dirty="0" smtClean="0">
+                <a:solidFill>
+                  <a:srgbClr val="007DB8"/>
+                </a:solidFill>
+              </a:rPr>
+              <a:t>){</a:t>
+            </a:r>
+          </a:p>
+          <a:p>
+            <a:r>
+              <a:rPr lang="en-US" altLang="zh-CN" sz="1200" b="1" dirty="0" smtClean="0">
+                <a:solidFill>
+                  <a:srgbClr val="007DB8"/>
+                </a:solidFill>
+              </a:rPr>
+              <a:t>        console.log(</a:t>
+            </a:r>
+            <a:r>
+              <a:rPr lang="en-US" altLang="zh-CN" sz="1200" b="1" dirty="0" err="1" smtClean="0">
+                <a:solidFill>
+                  <a:srgbClr val="007DB8"/>
+                </a:solidFill>
+              </a:rPr>
+              <a:t>service.data</a:t>
+            </a:r>
+            <a:r>
+              <a:rPr lang="en-US" altLang="zh-CN" sz="1200" b="1" dirty="0" smtClean="0">
+                <a:solidFill>
+                  <a:srgbClr val="007DB8"/>
+                </a:solidFill>
+              </a:rPr>
+              <a:t>);</a:t>
+            </a:r>
+            <a:endParaRPr lang="en-US" altLang="zh-CN" sz="1200" b="1" dirty="0">
+              <a:solidFill>
+                <a:srgbClr val="007DB8"/>
+              </a:solidFill>
+            </a:endParaRPr>
+          </a:p>
+          <a:p>
+            <a:r>
+              <a:rPr lang="en-US" altLang="zh-CN" sz="1200" b="1" dirty="0">
+                <a:solidFill>
+                  <a:srgbClr val="007DB8"/>
+                </a:solidFill>
+              </a:rPr>
+              <a:t>    }</a:t>
+            </a:r>
+          </a:p>
+          <a:p>
+            <a:r>
+              <a:rPr lang="en-US" altLang="zh-CN" sz="1200" dirty="0"/>
+              <a:t>}</a:t>
+            </a:r>
+            <a:endParaRPr lang="zh-CN" altLang="en-US" sz="1200" dirty="0"/>
+          </a:p>
+        </p:txBody>
+      </p:sp>
+      <p:cxnSp>
+        <p:nvCxnSpPr>
+          <p:cNvPr id="33" name="直接连接符 32"/>
+          <p:cNvCxnSpPr/>
+          <p:nvPr/>
+        </p:nvCxnSpPr>
+        <p:spPr>
+          <a:xfrm>
+            <a:off x="334495" y="1636604"/>
+            <a:ext cx="4300532" cy="0"/>
+          </a:xfrm>
+          <a:prstGeom prst="line">
+            <a:avLst/>
+          </a:prstGeom>
+          <a:ln w="12700" cmpd="sng">
+            <a:solidFill>
+              <a:srgbClr val="000000"/>
+            </a:solidFill>
+          </a:ln>
+          <a:effectLst/>
+        </p:spPr>
+        <p:style>
+          <a:lnRef idx="2">
+            <a:schemeClr val="accent1"/>
+          </a:lnRef>
+          <a:fillRef idx="0">
+            <a:schemeClr val="accent1"/>
+          </a:fillRef>
+          <a:effectRef idx="1">
+            <a:schemeClr val="accent1"/>
+          </a:effectRef>
+          <a:fontRef idx="minor">
+            <a:schemeClr val="tx1"/>
+          </a:fontRef>
+        </p:style>
+      </p:cxnSp>
     </p:spTree>
     <p:extLst>
       <p:ext uri="{BB962C8B-B14F-4D97-AF65-F5344CB8AC3E}">
-        <p14:creationId xmlns:p14="http://schemas.microsoft.com/office/powerpoint/2010/main" val="1395926639"/>
+        <p14:creationId xmlns:p14="http://schemas.microsoft.com/office/powerpoint/2010/main" val="2200394595"/>
       </p:ext>
     </p:extLst>
   </p:cSld>
@@ -8744,13 +15853,6 @@
   <p:transition spd="med">
     <p:wipe dir="r"/>
   </p:transition>
-  <p:timing>
-    <p:tnLst>
-      <p:par>
-        <p:cTn id="1" dur="indefinite" restart="never" nodeType="tmRoot"/>
-      </p:par>
-    </p:tnLst>
-  </p:timing>
 </p:sld>
 </file>
 
@@ -8787,9 +15889,20 @@
           <a:lstStyle/>
           <a:p>
             <a:r>
-              <a:rPr lang="en-US" altLang="zh-CN" dirty="0"/>
-              <a:t>Subscribe</a:t>
-            </a:r>
+              <a:rPr lang="en-US" altLang="zh-CN" b="1" dirty="0" err="1" smtClean="0"/>
+              <a:t>EventEmitter</a:t>
+            </a:r>
+            <a:r>
+              <a:rPr lang="en-US" altLang="zh-CN" b="1" dirty="0" smtClean="0"/>
+              <a:t>(1)</a:t>
+            </a:r>
+            <a:r>
+              <a:rPr lang="en-US" altLang="zh-CN" b="1" dirty="0"/>
+              <a:t/>
+            </a:r>
+            <a:br>
+              <a:rPr lang="en-US" altLang="zh-CN" b="1" dirty="0"/>
+            </a:br>
             <a:endParaRPr lang="zh-CN" altLang="en-US" dirty="0"/>
           </a:p>
         </p:txBody>
@@ -8802,8 +15915,252 @@
         </p:nvSpPr>
         <p:spPr>
           <a:xfrm>
-            <a:off x="7170057" y="911966"/>
-            <a:ext cx="1618342" cy="757177"/>
+            <a:off x="6814456" y="544287"/>
+            <a:ext cx="1705429" cy="2540000"/>
+          </a:xfrm>
+          <a:prstGeom prst="rect">
+            <a:avLst/>
+          </a:prstGeom>
+          <a:noFill/>
+          <a:ln w="19050">
+            <a:solidFill>
+              <a:schemeClr val="accent3">
+                <a:lumMod val="60000"/>
+                <a:lumOff val="40000"/>
+              </a:schemeClr>
+            </a:solidFill>
+          </a:ln>
+        </p:spPr>
+        <p:style>
+          <a:lnRef idx="1">
+            <a:schemeClr val="accent2"/>
+          </a:lnRef>
+          <a:fillRef idx="2">
+            <a:schemeClr val="accent2"/>
+          </a:fillRef>
+          <a:effectRef idx="1">
+            <a:schemeClr val="accent2"/>
+          </a:effectRef>
+          <a:fontRef idx="minor">
+            <a:schemeClr val="dk1"/>
+          </a:fontRef>
+        </p:style>
+        <p:txBody>
+          <a:bodyPr wrap="square" lIns="182880" tIns="137160" rIns="137160" bIns="137160" rtlCol="0" anchor="ctr">
+            <a:noAutofit/>
+          </a:bodyPr>
+          <a:lstStyle/>
+          <a:p>
+            <a:pPr>
+              <a:lnSpc>
+                <a:spcPct val="90000"/>
+              </a:lnSpc>
+              <a:spcBef>
+                <a:spcPts val="600"/>
+              </a:spcBef>
+              <a:spcAft>
+                <a:spcPts val="0"/>
+              </a:spcAft>
+            </a:pPr>
+            <a:endParaRPr lang="en-US" altLang="zh-CN" sz="2000" dirty="0" smtClean="0">
+              <a:ln w="0"/>
+              <a:solidFill>
+                <a:schemeClr val="tx1"/>
+              </a:solidFill>
+              <a:effectLst>
+                <a:outerShdw blurRad="38100" dist="19050" dir="2700000" algn="tl" rotWithShape="0">
+                  <a:schemeClr val="dk1">
+                    <a:alpha val="40000"/>
+                  </a:schemeClr>
+                </a:outerShdw>
+              </a:effectLst>
+            </a:endParaRPr>
+          </a:p>
+          <a:p>
+            <a:pPr>
+              <a:lnSpc>
+                <a:spcPct val="90000"/>
+              </a:lnSpc>
+              <a:spcBef>
+                <a:spcPts val="600"/>
+              </a:spcBef>
+              <a:spcAft>
+                <a:spcPts val="0"/>
+              </a:spcAft>
+            </a:pPr>
+            <a:endParaRPr lang="en-US" altLang="zh-CN" sz="2000" dirty="0">
+              <a:ln w="0"/>
+              <a:solidFill>
+                <a:schemeClr val="tx1"/>
+              </a:solidFill>
+              <a:effectLst>
+                <a:outerShdw blurRad="38100" dist="19050" dir="2700000" algn="tl" rotWithShape="0">
+                  <a:schemeClr val="dk1">
+                    <a:alpha val="40000"/>
+                  </a:schemeClr>
+                </a:outerShdw>
+              </a:effectLst>
+            </a:endParaRPr>
+          </a:p>
+          <a:p>
+            <a:pPr>
+              <a:lnSpc>
+                <a:spcPct val="90000"/>
+              </a:lnSpc>
+              <a:spcBef>
+                <a:spcPts val="600"/>
+              </a:spcBef>
+              <a:spcAft>
+                <a:spcPts val="0"/>
+              </a:spcAft>
+            </a:pPr>
+            <a:endParaRPr lang="en-US" altLang="zh-CN" sz="2000" dirty="0" smtClean="0">
+              <a:ln w="0"/>
+              <a:solidFill>
+                <a:schemeClr val="tx1"/>
+              </a:solidFill>
+              <a:effectLst>
+                <a:outerShdw blurRad="38100" dist="19050" dir="2700000" algn="tl" rotWithShape="0">
+                  <a:schemeClr val="dk1">
+                    <a:alpha val="40000"/>
+                  </a:schemeClr>
+                </a:outerShdw>
+              </a:effectLst>
+            </a:endParaRPr>
+          </a:p>
+          <a:p>
+            <a:pPr>
+              <a:lnSpc>
+                <a:spcPct val="90000"/>
+              </a:lnSpc>
+              <a:spcBef>
+                <a:spcPts val="600"/>
+              </a:spcBef>
+              <a:spcAft>
+                <a:spcPts val="0"/>
+              </a:spcAft>
+            </a:pPr>
+            <a:endParaRPr lang="en-US" altLang="zh-CN" sz="2000" dirty="0">
+              <a:ln w="0"/>
+              <a:solidFill>
+                <a:schemeClr val="tx1"/>
+              </a:solidFill>
+              <a:effectLst>
+                <a:outerShdw blurRad="38100" dist="19050" dir="2700000" algn="tl" rotWithShape="0">
+                  <a:schemeClr val="dk1">
+                    <a:alpha val="40000"/>
+                  </a:schemeClr>
+                </a:outerShdw>
+              </a:effectLst>
+            </a:endParaRPr>
+          </a:p>
+          <a:p>
+            <a:pPr>
+              <a:lnSpc>
+                <a:spcPct val="90000"/>
+              </a:lnSpc>
+              <a:spcBef>
+                <a:spcPts val="600"/>
+              </a:spcBef>
+              <a:spcAft>
+                <a:spcPts val="0"/>
+              </a:spcAft>
+            </a:pPr>
+            <a:endParaRPr lang="en-US" altLang="zh-CN" sz="2000" dirty="0" smtClean="0">
+              <a:ln w="0"/>
+              <a:solidFill>
+                <a:schemeClr val="tx1"/>
+              </a:solidFill>
+              <a:effectLst>
+                <a:outerShdw blurRad="38100" dist="19050" dir="2700000" algn="tl" rotWithShape="0">
+                  <a:schemeClr val="dk1">
+                    <a:alpha val="40000"/>
+                  </a:schemeClr>
+                </a:outerShdw>
+              </a:effectLst>
+            </a:endParaRPr>
+          </a:p>
+          <a:p>
+            <a:pPr>
+              <a:lnSpc>
+                <a:spcPct val="90000"/>
+              </a:lnSpc>
+              <a:spcBef>
+                <a:spcPts val="600"/>
+              </a:spcBef>
+              <a:spcAft>
+                <a:spcPts val="0"/>
+              </a:spcAft>
+            </a:pPr>
+            <a:endParaRPr lang="en-US" altLang="zh-CN" sz="2000" dirty="0">
+              <a:ln w="0"/>
+              <a:solidFill>
+                <a:schemeClr val="tx1"/>
+              </a:solidFill>
+              <a:effectLst>
+                <a:outerShdw blurRad="38100" dist="19050" dir="2700000" algn="tl" rotWithShape="0">
+                  <a:schemeClr val="dk1">
+                    <a:alpha val="40000"/>
+                  </a:schemeClr>
+                </a:outerShdw>
+              </a:effectLst>
+            </a:endParaRPr>
+          </a:p>
+          <a:p>
+            <a:pPr>
+              <a:lnSpc>
+                <a:spcPct val="90000"/>
+              </a:lnSpc>
+              <a:spcBef>
+                <a:spcPts val="600"/>
+              </a:spcBef>
+              <a:spcAft>
+                <a:spcPts val="0"/>
+              </a:spcAft>
+            </a:pPr>
+            <a:r>
+              <a:rPr lang="en-US" altLang="zh-CN" sz="2000" dirty="0" smtClean="0">
+                <a:ln w="0"/>
+                <a:solidFill>
+                  <a:schemeClr val="tx1"/>
+                </a:solidFill>
+                <a:effectLst>
+                  <a:outerShdw blurRad="38100" dist="19050" dir="2700000" algn="tl" rotWithShape="0">
+                    <a:schemeClr val="dk1">
+                      <a:alpha val="40000"/>
+                    </a:schemeClr>
+                  </a:outerShdw>
+                </a:effectLst>
+              </a:rPr>
+              <a:t>Service</a:t>
+            </a:r>
+            <a:endParaRPr lang="zh-CN" altLang="en-US" sz="2000" dirty="0" err="1" smtClean="0">
+              <a:ln w="0"/>
+              <a:solidFill>
+                <a:schemeClr val="tx1"/>
+              </a:solidFill>
+              <a:effectLst>
+                <a:outerShdw blurRad="38100" dist="19050" dir="2700000" algn="tl" rotWithShape="0">
+                  <a:schemeClr val="dk1">
+                    <a:alpha val="40000"/>
+                  </a:schemeClr>
+                </a:outerShdw>
+              </a:effectLst>
+              <a:latin typeface="+mn-lt"/>
+            </a:endParaRPr>
+          </a:p>
+        </p:txBody>
+      </p:sp>
+      <p:sp>
+        <p:nvSpPr>
+          <p:cNvPr id="5" name="矩形 4"/>
+          <p:cNvSpPr/>
+          <p:nvPr/>
+        </p:nvSpPr>
+        <p:spPr>
+          <a:xfrm>
+            <a:off x="7050313" y="756876"/>
+            <a:ext cx="1353458" cy="1144495"/>
           </a:xfrm>
           <a:prstGeom prst="rect">
             <a:avLst/>
@@ -8835,7 +16192,7 @@
           </a:bodyPr>
           <a:lstStyle/>
           <a:p>
-            <a:pPr algn="ctr">
+            <a:pPr algn="r">
               <a:lnSpc>
                 <a:spcPct val="90000"/>
               </a:lnSpc>
@@ -8846,6 +16203,59 @@
                 <a:spcPts val="0"/>
               </a:spcAft>
             </a:pPr>
+            <a:endParaRPr lang="en-US" altLang="zh-CN" sz="2000" dirty="0" smtClean="0">
+              <a:ln w="0"/>
+              <a:solidFill>
+                <a:schemeClr val="tx1"/>
+              </a:solidFill>
+              <a:effectLst>
+                <a:outerShdw blurRad="38100" dist="19050" dir="2700000" algn="tl" rotWithShape="0">
+                  <a:schemeClr val="dk1">
+                    <a:alpha val="40000"/>
+                  </a:schemeClr>
+                </a:outerShdw>
+              </a:effectLst>
+              <a:latin typeface="+mn-lt"/>
+            </a:endParaRPr>
+          </a:p>
+          <a:p>
+            <a:pPr algn="r">
+              <a:lnSpc>
+                <a:spcPct val="90000"/>
+              </a:lnSpc>
+              <a:spcBef>
+                <a:spcPts val="600"/>
+              </a:spcBef>
+              <a:spcAft>
+                <a:spcPts val="0"/>
+              </a:spcAft>
+            </a:pPr>
+            <a:endParaRPr lang="en-US" altLang="zh-CN" sz="2000" dirty="0" smtClean="0">
+              <a:ln w="0"/>
+              <a:solidFill>
+                <a:schemeClr val="tx1"/>
+              </a:solidFill>
+              <a:effectLst>
+                <a:outerShdw blurRad="38100" dist="19050" dir="2700000" algn="tl" rotWithShape="0">
+                  <a:schemeClr val="dk1">
+                    <a:alpha val="40000"/>
+                  </a:schemeClr>
+                </a:outerShdw>
+              </a:effectLst>
+            </a:endParaRPr>
+          </a:p>
+          <a:p>
+            <a:pPr algn="r">
+              <a:lnSpc>
+                <a:spcPct val="90000"/>
+              </a:lnSpc>
+              <a:spcBef>
+                <a:spcPts val="600"/>
+              </a:spcBef>
+              <a:spcAft>
+                <a:spcPts val="0"/>
+              </a:spcAft>
+            </a:pPr>
             <a:r>
               <a:rPr lang="en-US" altLang="zh-CN" sz="2000" dirty="0" smtClean="0">
                 <a:ln w="0"/>
@@ -8859,8 +16269,9 @@
                     </a:schemeClr>
                   </a:outerShdw>
                 </a:effectLst>
-              </a:rPr>
-              <a:t>Parent</a:t>
+                <a:latin typeface="+mn-lt"/>
+              </a:rPr>
+              <a:t>Parent </a:t>
             </a:r>
             <a:endParaRPr lang="zh-CN" altLang="en-US" sz="2000" dirty="0" err="1" smtClean="0">
               <a:ln w="0"/>
@@ -8881,14 +16292,14 @@
       </p:sp>
       <p:sp>
         <p:nvSpPr>
-          <p:cNvPr id="5" name="矩形 4"/>
+          <p:cNvPr id="6" name="矩形 5"/>
           <p:cNvSpPr/>
           <p:nvPr/>
         </p:nvSpPr>
         <p:spPr>
           <a:xfrm>
-            <a:off x="7170057" y="1930634"/>
-            <a:ext cx="1618343" cy="757177"/>
+            <a:off x="7177314" y="911966"/>
+            <a:ext cx="1052285" cy="452610"/>
           </a:xfrm>
           <a:prstGeom prst="rect">
             <a:avLst/>
@@ -8964,16 +16375,90 @@
           </a:p>
         </p:txBody>
       </p:sp>
+      <p:cxnSp>
+        <p:nvCxnSpPr>
+          <p:cNvPr id="7" name="直接箭头连接符 6"/>
+          <p:cNvCxnSpPr/>
+          <p:nvPr/>
+        </p:nvCxnSpPr>
+        <p:spPr>
+          <a:xfrm>
+            <a:off x="8055429" y="1901371"/>
+            <a:ext cx="0" cy="384629"/>
+          </a:xfrm>
+          <a:prstGeom prst="straightConnector1">
+            <a:avLst/>
+          </a:prstGeom>
+          <a:ln w="12700" cmpd="sng">
+            <a:solidFill>
+              <a:srgbClr val="000000"/>
+            </a:solidFill>
+            <a:tailEnd type="triangle"/>
+          </a:ln>
+          <a:effectLst/>
+        </p:spPr>
+        <p:style>
+          <a:lnRef idx="2">
+            <a:schemeClr val="accent1"/>
+          </a:lnRef>
+          <a:fillRef idx="0">
+            <a:schemeClr val="accent1"/>
+          </a:fillRef>
+          <a:effectRef idx="1">
+            <a:schemeClr val="accent1"/>
+          </a:effectRef>
+          <a:fontRef idx="minor">
+            <a:schemeClr val="tx1"/>
+          </a:fontRef>
+        </p:style>
+      </p:cxnSp>
+      <p:cxnSp>
+        <p:nvCxnSpPr>
+          <p:cNvPr id="8" name="直接箭头连接符 7"/>
+          <p:cNvCxnSpPr/>
+          <p:nvPr/>
+        </p:nvCxnSpPr>
+        <p:spPr>
+          <a:xfrm flipV="1">
+            <a:off x="7344229" y="1364576"/>
+            <a:ext cx="0" cy="921424"/>
+          </a:xfrm>
+          <a:prstGeom prst="straightConnector1">
+            <a:avLst/>
+          </a:prstGeom>
+          <a:ln w="12700" cmpd="sng">
+            <a:solidFill>
+              <a:srgbClr val="000000"/>
+            </a:solidFill>
+            <a:tailEnd type="triangle"/>
+          </a:ln>
+          <a:effectLst/>
+        </p:spPr>
+        <p:style>
+          <a:lnRef idx="2">
+            <a:schemeClr val="accent1"/>
+          </a:lnRef>
+          <a:fillRef idx="0">
+            <a:schemeClr val="accent1"/>
+          </a:fillRef>
+          <a:effectRef idx="1">
+            <a:schemeClr val="accent1"/>
+          </a:effectRef>
+          <a:fontRef idx="minor">
+            <a:schemeClr val="tx1"/>
+          </a:fontRef>
+        </p:style>
+      </p:cxnSp>
       <p:sp>
         <p:nvSpPr>
-          <p:cNvPr id="6" name="矩形 5"/>
+          <p:cNvPr id="9" name="矩形 8"/>
           <p:cNvSpPr/>
           <p:nvPr/>
         </p:nvSpPr>
         <p:spPr>
           <a:xfrm>
-            <a:off x="5711371" y="911966"/>
-            <a:ext cx="1262742" cy="1775845"/>
+            <a:off x="7177313" y="2288319"/>
+            <a:ext cx="1052285" cy="346024"/>
           </a:xfrm>
           <a:prstGeom prst="rect">
             <a:avLst/>
@@ -8981,9 +16466,8 @@
           <a:noFill/>
           <a:ln w="19050">
             <a:solidFill>
-              <a:schemeClr val="accent3">
-                <a:lumMod val="60000"/>
-                <a:lumOff val="40000"/>
+              <a:schemeClr val="tx2">
+                <a:lumMod val="65000"/>
               </a:schemeClr>
             </a:solidFill>
           </a:ln>
@@ -9020,7 +16504,7 @@
               </a:spcAft>
             </a:pPr>
             <a:r>
-              <a:rPr lang="en-US" altLang="zh-CN" sz="2000" dirty="0" smtClean="0">
+              <a:rPr lang="en-US" altLang="zh-CN" sz="1000" dirty="0" err="1" smtClean="0">
                 <a:ln w="0"/>
                 <a:solidFill>
                   <a:schemeClr val="tx1"/>
@@ -9032,10 +16516,11 @@
                     </a:schemeClr>
                   </a:outerShdw>
                 </a:effectLst>
-              </a:rPr>
-              <a:t>Service</a:t>
-            </a:r>
-            <a:endParaRPr lang="zh-CN" altLang="en-US" sz="2000" dirty="0" err="1" smtClean="0">
+                <a:latin typeface="+mn-lt"/>
+              </a:rPr>
+              <a:t>EventEmitter</a:t>
+            </a:r>
+            <a:endParaRPr lang="zh-CN" altLang="en-US" sz="1000" dirty="0" err="1" smtClean="0">
               <a:ln w="0"/>
               <a:solidFill>
                 <a:schemeClr val="tx1"/>
@@ -9052,25 +16537,334 @@
           </a:p>
         </p:txBody>
       </p:sp>
+      <p:sp>
+        <p:nvSpPr>
+          <p:cNvPr id="10" name="文本框 9"/>
+          <p:cNvSpPr txBox="1"/>
+          <p:nvPr/>
+        </p:nvSpPr>
+        <p:spPr>
+          <a:xfrm>
+            <a:off x="8095441" y="1923613"/>
+            <a:ext cx="284052" cy="307777"/>
+          </a:xfrm>
+          <a:prstGeom prst="rect">
+            <a:avLst/>
+          </a:prstGeom>
+          <a:noFill/>
+        </p:spPr>
+        <p:txBody>
+          <a:bodyPr wrap="none" rtlCol="0">
+            <a:spAutoFit/>
+          </a:bodyPr>
+          <a:lstStyle/>
+          <a:p>
+            <a:pPr>
+              <a:spcBef>
+                <a:spcPts val="0"/>
+              </a:spcBef>
+              <a:spcAft>
+                <a:spcPts val="0"/>
+              </a:spcAft>
+              <a:buClr>
+                <a:schemeClr val="bg1"/>
+              </a:buClr>
+            </a:pPr>
+            <a:r>
+              <a:rPr lang="en-US" altLang="zh-CN" sz="1400" dirty="0" smtClean="0">
+                <a:solidFill>
+                  <a:schemeClr val="bg2"/>
+                </a:solidFill>
+                <a:latin typeface="+mn-lt"/>
+              </a:rPr>
+              <a:t>1</a:t>
+            </a:r>
+            <a:endParaRPr lang="zh-CN" altLang="en-US" sz="1400" dirty="0" err="1" smtClean="0">
+              <a:solidFill>
+                <a:schemeClr val="bg2"/>
+              </a:solidFill>
+              <a:latin typeface="+mn-lt"/>
+            </a:endParaRPr>
+          </a:p>
+        </p:txBody>
+      </p:sp>
+      <p:sp>
+        <p:nvSpPr>
+          <p:cNvPr id="11" name="文本框 10"/>
+          <p:cNvSpPr txBox="1"/>
+          <p:nvPr/>
+        </p:nvSpPr>
+        <p:spPr>
+          <a:xfrm>
+            <a:off x="7061811" y="1924697"/>
+            <a:ext cx="284052" cy="307777"/>
+          </a:xfrm>
+          <a:prstGeom prst="rect">
+            <a:avLst/>
+          </a:prstGeom>
+          <a:noFill/>
+        </p:spPr>
+        <p:txBody>
+          <a:bodyPr wrap="none" rtlCol="0">
+            <a:spAutoFit/>
+          </a:bodyPr>
+          <a:lstStyle/>
+          <a:p>
+            <a:pPr>
+              <a:spcBef>
+                <a:spcPts val="0"/>
+              </a:spcBef>
+              <a:spcAft>
+                <a:spcPts val="0"/>
+              </a:spcAft>
+              <a:buClr>
+                <a:schemeClr val="bg1"/>
+              </a:buClr>
+            </a:pPr>
+            <a:r>
+              <a:rPr lang="en-US" altLang="zh-CN" sz="1400" dirty="0" smtClean="0">
+                <a:solidFill>
+                  <a:schemeClr val="bg2"/>
+                </a:solidFill>
+                <a:latin typeface="+mn-lt"/>
+              </a:rPr>
+              <a:t>2</a:t>
+            </a:r>
+            <a:endParaRPr lang="zh-CN" altLang="en-US" sz="1400" dirty="0" err="1" smtClean="0">
+              <a:solidFill>
+                <a:schemeClr val="bg2"/>
+              </a:solidFill>
+              <a:latin typeface="+mn-lt"/>
+            </a:endParaRPr>
+          </a:p>
+        </p:txBody>
+      </p:sp>
+      <p:sp>
+        <p:nvSpPr>
+          <p:cNvPr id="16" name="矩形 15"/>
+          <p:cNvSpPr/>
+          <p:nvPr/>
+        </p:nvSpPr>
+        <p:spPr>
+          <a:xfrm>
+            <a:off x="236580" y="2848214"/>
+            <a:ext cx="4991636" cy="1422705"/>
+          </a:xfrm>
+          <a:prstGeom prst="rect">
+            <a:avLst/>
+          </a:prstGeom>
+          <a:noFill/>
+          <a:ln>
+            <a:solidFill>
+              <a:schemeClr val="tx1">
+                <a:lumMod val="20000"/>
+                <a:lumOff val="80000"/>
+              </a:schemeClr>
+            </a:solidFill>
+          </a:ln>
+        </p:spPr>
+        <p:style>
+          <a:lnRef idx="1">
+            <a:schemeClr val="accent2"/>
+          </a:lnRef>
+          <a:fillRef idx="2">
+            <a:schemeClr val="accent2"/>
+          </a:fillRef>
+          <a:effectRef idx="1">
+            <a:schemeClr val="accent2"/>
+          </a:effectRef>
+          <a:fontRef idx="minor">
+            <a:schemeClr val="dk1"/>
+          </a:fontRef>
+        </p:style>
+        <p:txBody>
+          <a:bodyPr wrap="square" lIns="182880" tIns="137160" rIns="137160" bIns="137160" rtlCol="0" anchor="ctr">
+            <a:noAutofit/>
+          </a:bodyPr>
+          <a:lstStyle/>
+          <a:p>
+            <a:pPr algn="ctr">
+              <a:lnSpc>
+                <a:spcPct val="90000"/>
+              </a:lnSpc>
+              <a:spcBef>
+                <a:spcPts val="600"/>
+              </a:spcBef>
+              <a:spcAft>
+                <a:spcPts val="0"/>
+              </a:spcAft>
+            </a:pPr>
+            <a:endParaRPr lang="zh-CN" altLang="en-US" sz="2000" dirty="0" err="1" smtClean="0">
+              <a:solidFill>
+                <a:schemeClr val="tx2"/>
+              </a:solidFill>
+              <a:latin typeface="+mn-lt"/>
+            </a:endParaRPr>
+          </a:p>
+        </p:txBody>
+      </p:sp>
+      <p:sp>
+        <p:nvSpPr>
+          <p:cNvPr id="17" name="矩形 16"/>
+          <p:cNvSpPr/>
+          <p:nvPr/>
+        </p:nvSpPr>
+        <p:spPr>
+          <a:xfrm>
+            <a:off x="274319" y="2885924"/>
+            <a:ext cx="4953897" cy="1384995"/>
+          </a:xfrm>
+          <a:prstGeom prst="rect">
+            <a:avLst/>
+          </a:prstGeom>
+        </p:spPr>
+        <p:txBody>
+          <a:bodyPr wrap="square">
+            <a:spAutoFit/>
+          </a:bodyPr>
+          <a:lstStyle/>
+          <a:p>
+            <a:r>
+              <a:rPr lang="en-US" altLang="zh-CN" sz="1200" b="1" dirty="0" err="1" smtClean="0"/>
+              <a:t>parent.ts</a:t>
+            </a:r>
+            <a:endParaRPr lang="en-US" altLang="zh-CN" sz="1200" b="1" dirty="0" smtClean="0"/>
+          </a:p>
+          <a:p>
+            <a:endParaRPr lang="en-US" altLang="zh-CN" sz="1200" b="1" dirty="0"/>
+          </a:p>
+          <a:p>
+            <a:r>
+              <a:rPr lang="en-US" altLang="zh-CN" sz="1200" dirty="0"/>
+              <a:t>@Component</a:t>
+            </a:r>
+            <a:r>
+              <a:rPr lang="en-US" altLang="zh-CN" sz="1200" dirty="0" smtClean="0"/>
+              <a:t>({</a:t>
+            </a:r>
+          </a:p>
+          <a:p>
+            <a:r>
+              <a:rPr lang="en-US" altLang="zh-CN" sz="1200" dirty="0" smtClean="0"/>
+              <a:t>… </a:t>
+            </a:r>
+            <a:r>
+              <a:rPr lang="en-US" altLang="zh-CN" sz="1200" b="1" dirty="0" smtClean="0">
+                <a:solidFill>
+                  <a:srgbClr val="007DB8"/>
+                </a:solidFill>
+              </a:rPr>
+              <a:t>providers</a:t>
+            </a:r>
+            <a:r>
+              <a:rPr lang="en-US" altLang="zh-CN" sz="1200" b="1" dirty="0">
+                <a:solidFill>
+                  <a:srgbClr val="007DB8"/>
+                </a:solidFill>
+              </a:rPr>
+              <a:t>: </a:t>
+            </a:r>
+            <a:r>
+              <a:rPr lang="en-US" altLang="zh-CN" sz="1200" b="1" dirty="0" smtClean="0">
+                <a:solidFill>
+                  <a:srgbClr val="007DB8"/>
+                </a:solidFill>
+              </a:rPr>
+              <a:t>[</a:t>
+            </a:r>
+            <a:r>
+              <a:rPr lang="en-US" altLang="zh-CN" sz="1200" b="1" dirty="0" err="1" smtClean="0">
+                <a:solidFill>
+                  <a:srgbClr val="007DB8"/>
+                </a:solidFill>
+              </a:rPr>
+              <a:t>MyService</a:t>
+            </a:r>
+            <a:r>
+              <a:rPr lang="en-US" altLang="zh-CN" sz="1200" b="1" dirty="0">
+                <a:solidFill>
+                  <a:srgbClr val="007DB8"/>
+                </a:solidFill>
+              </a:rPr>
+              <a:t>]</a:t>
+            </a:r>
+          </a:p>
+          <a:p>
+            <a:r>
+              <a:rPr lang="en-US" altLang="zh-CN" sz="1200" dirty="0" smtClean="0"/>
+              <a:t>})</a:t>
+            </a:r>
+            <a:endParaRPr lang="en-US" altLang="zh-CN" sz="1200" dirty="0"/>
+          </a:p>
+          <a:p>
+            <a:r>
+              <a:rPr lang="en-US" altLang="zh-CN" sz="1200" dirty="0"/>
+              <a:t>export class </a:t>
+            </a:r>
+            <a:r>
+              <a:rPr lang="en-US" altLang="zh-CN" sz="1200" dirty="0" err="1"/>
+              <a:t>ParentPage</a:t>
+            </a:r>
+            <a:r>
+              <a:rPr lang="en-US" altLang="zh-CN" sz="1200" dirty="0"/>
+              <a:t> </a:t>
+            </a:r>
+            <a:r>
+              <a:rPr lang="en-US" altLang="zh-CN" sz="1200" dirty="0" smtClean="0"/>
+              <a:t>{</a:t>
+            </a:r>
+          </a:p>
+          <a:p>
+            <a:r>
+              <a:rPr lang="en-US" altLang="zh-CN" sz="1200" dirty="0"/>
+              <a:t> </a:t>
+            </a:r>
+            <a:r>
+              <a:rPr lang="en-US" altLang="zh-CN" sz="1200" dirty="0" smtClean="0"/>
+              <a:t>  constructor(</a:t>
+            </a:r>
+            <a:r>
+              <a:rPr lang="en-US" altLang="zh-CN" sz="1200" b="1" dirty="0" err="1" smtClean="0">
+                <a:solidFill>
+                  <a:srgbClr val="007DB8"/>
+                </a:solidFill>
+              </a:rPr>
+              <a:t>service:MyService</a:t>
+            </a:r>
+            <a:r>
+              <a:rPr lang="en-US" altLang="zh-CN" sz="1200" dirty="0"/>
+              <a:t>) {</a:t>
+            </a:r>
+            <a:r>
+              <a:rPr lang="en-US" altLang="zh-CN" sz="1200" dirty="0" err="1" smtClean="0"/>
+              <a:t>service.change.emit</a:t>
+            </a:r>
+            <a:r>
+              <a:rPr lang="en-US" altLang="zh-CN" sz="1200" dirty="0" smtClean="0"/>
+              <a:t>(123);}  … }</a:t>
+            </a:r>
+            <a:endParaRPr lang="zh-CN" altLang="en-US" sz="1200" dirty="0"/>
+          </a:p>
+        </p:txBody>
+      </p:sp>
       <p:cxnSp>
         <p:nvCxnSpPr>
-          <p:cNvPr id="10" name="直接箭头连接符 9"/>
+          <p:cNvPr id="18" name="直接连接符 17"/>
           <p:cNvCxnSpPr/>
           <p:nvPr/>
         </p:nvCxnSpPr>
         <p:spPr>
-          <a:xfrm flipH="1">
-            <a:off x="6640286" y="1290554"/>
-            <a:ext cx="725714" cy="0"/>
-          </a:xfrm>
-          <a:prstGeom prst="straightConnector1">
+          <a:xfrm>
+            <a:off x="334495" y="3215602"/>
+            <a:ext cx="4300532" cy="0"/>
+          </a:xfrm>
+          <a:prstGeom prst="line">
             <a:avLst/>
           </a:prstGeom>
           <a:ln w="12700" cmpd="sng">
             <a:solidFill>
               <a:srgbClr val="000000"/>
             </a:solidFill>
-            <a:tailEnd type="triangle"/>
           </a:ln>
           <a:effectLst/>
         </p:spPr>
@@ -9089,25 +16883,169 @@
           </a:fontRef>
         </p:style>
       </p:cxnSp>
+      <p:sp>
+        <p:nvSpPr>
+          <p:cNvPr id="19" name="矩形 18"/>
+          <p:cNvSpPr/>
+          <p:nvPr/>
+        </p:nvSpPr>
+        <p:spPr>
+          <a:xfrm>
+            <a:off x="236579" y="1455241"/>
+            <a:ext cx="4991637" cy="1275747"/>
+          </a:xfrm>
+          <a:prstGeom prst="rect">
+            <a:avLst/>
+          </a:prstGeom>
+          <a:noFill/>
+          <a:ln>
+            <a:solidFill>
+              <a:schemeClr val="tx1">
+                <a:lumMod val="20000"/>
+                <a:lumOff val="80000"/>
+              </a:schemeClr>
+            </a:solidFill>
+          </a:ln>
+        </p:spPr>
+        <p:style>
+          <a:lnRef idx="1">
+            <a:schemeClr val="accent2"/>
+          </a:lnRef>
+          <a:fillRef idx="2">
+            <a:schemeClr val="accent2"/>
+          </a:fillRef>
+          <a:effectRef idx="1">
+            <a:schemeClr val="accent2"/>
+          </a:effectRef>
+          <a:fontRef idx="minor">
+            <a:schemeClr val="dk1"/>
+          </a:fontRef>
+        </p:style>
+        <p:txBody>
+          <a:bodyPr wrap="square" lIns="182880" tIns="137160" rIns="137160" bIns="137160" rtlCol="0" anchor="ctr">
+            <a:noAutofit/>
+          </a:bodyPr>
+          <a:lstStyle/>
+          <a:p>
+            <a:pPr algn="ctr">
+              <a:lnSpc>
+                <a:spcPct val="90000"/>
+              </a:lnSpc>
+              <a:spcBef>
+                <a:spcPts val="600"/>
+              </a:spcBef>
+              <a:spcAft>
+                <a:spcPts val="0"/>
+              </a:spcAft>
+            </a:pPr>
+            <a:endParaRPr lang="zh-CN" altLang="en-US" sz="2000" dirty="0" err="1" smtClean="0">
+              <a:solidFill>
+                <a:schemeClr val="tx2"/>
+              </a:solidFill>
+              <a:latin typeface="+mn-lt"/>
+            </a:endParaRPr>
+          </a:p>
+        </p:txBody>
+      </p:sp>
+      <p:sp>
+        <p:nvSpPr>
+          <p:cNvPr id="20" name="矩形 19"/>
+          <p:cNvSpPr/>
+          <p:nvPr/>
+        </p:nvSpPr>
+        <p:spPr>
+          <a:xfrm>
+            <a:off x="274319" y="1492951"/>
+            <a:ext cx="4726307" cy="1200329"/>
+          </a:xfrm>
+          <a:prstGeom prst="rect">
+            <a:avLst/>
+          </a:prstGeom>
+        </p:spPr>
+        <p:txBody>
+          <a:bodyPr wrap="square">
+            <a:spAutoFit/>
+          </a:bodyPr>
+          <a:lstStyle/>
+          <a:p>
+            <a:r>
+              <a:rPr lang="en-US" altLang="zh-CN" sz="1200" b="1" dirty="0" smtClean="0"/>
+              <a:t>parent.html</a:t>
+            </a:r>
+          </a:p>
+          <a:p>
+            <a:endParaRPr lang="en-US" altLang="zh-CN" sz="1200" b="1" dirty="0"/>
+          </a:p>
+          <a:p>
+            <a:r>
+              <a:rPr lang="en-US" altLang="zh-CN" sz="1200" dirty="0" smtClean="0"/>
+              <a:t>&lt;div&gt;</a:t>
+            </a:r>
+            <a:endParaRPr lang="en-US" altLang="zh-CN" sz="1200" dirty="0"/>
+          </a:p>
+          <a:p>
+            <a:r>
+              <a:rPr lang="en-US" altLang="zh-CN" sz="1200" dirty="0"/>
+              <a:t>  &lt;h2&gt;Parent&lt;/h2&gt;</a:t>
+            </a:r>
+          </a:p>
+          <a:p>
+            <a:r>
+              <a:rPr lang="en-US" altLang="zh-CN" sz="1200" dirty="0"/>
+              <a:t>  </a:t>
+            </a:r>
+            <a:r>
+              <a:rPr lang="en-US" altLang="zh-CN" sz="1200" b="1" dirty="0">
+                <a:solidFill>
+                  <a:srgbClr val="007DB8"/>
+                </a:solidFill>
+              </a:rPr>
+              <a:t>&lt;</a:t>
+            </a:r>
+            <a:r>
+              <a:rPr lang="en-US" altLang="zh-CN" sz="1200" b="1" dirty="0" smtClean="0">
+                <a:solidFill>
+                  <a:srgbClr val="007DB8"/>
+                </a:solidFill>
+              </a:rPr>
+              <a:t>page-child&gt;&lt;/</a:t>
+            </a:r>
+            <a:r>
+              <a:rPr lang="en-US" altLang="zh-CN" sz="1200" b="1" dirty="0">
+                <a:solidFill>
+                  <a:srgbClr val="007DB8"/>
+                </a:solidFill>
+              </a:rPr>
+              <a:t>page-child&gt;</a:t>
+            </a:r>
+          </a:p>
+          <a:p>
+            <a:r>
+              <a:rPr lang="en-US" altLang="zh-CN" sz="1200" dirty="0" smtClean="0"/>
+              <a:t>&lt;/div&gt;</a:t>
+            </a:r>
+            <a:endParaRPr lang="zh-CN" altLang="en-US" sz="1200" dirty="0"/>
+          </a:p>
+        </p:txBody>
+      </p:sp>
       <p:cxnSp>
         <p:nvCxnSpPr>
-          <p:cNvPr id="12" name="直接箭头连接符 11"/>
+          <p:cNvPr id="21" name="直接连接符 20"/>
           <p:cNvCxnSpPr/>
           <p:nvPr/>
         </p:nvCxnSpPr>
         <p:spPr>
           <a:xfrm>
-            <a:off x="6640286" y="2309222"/>
-            <a:ext cx="805543" cy="0"/>
-          </a:xfrm>
-          <a:prstGeom prst="straightConnector1">
+            <a:off x="334495" y="1822629"/>
+            <a:ext cx="4300532" cy="0"/>
+          </a:xfrm>
+          <a:prstGeom prst="line">
             <a:avLst/>
           </a:prstGeom>
           <a:ln w="12700" cmpd="sng">
             <a:solidFill>
               <a:srgbClr val="000000"/>
             </a:solidFill>
-            <a:tailEnd type="triangle"/>
           </a:ln>
           <a:effectLst/>
         </p:spPr>
@@ -9126,10 +17064,90 @@
           </a:fontRef>
         </p:style>
       </p:cxnSp>
+      <p:sp>
+        <p:nvSpPr>
+          <p:cNvPr id="22" name="文本框 21"/>
+          <p:cNvSpPr txBox="1"/>
+          <p:nvPr/>
+        </p:nvSpPr>
+        <p:spPr>
+          <a:xfrm>
+            <a:off x="100147" y="706550"/>
+            <a:ext cx="6251363" cy="954107"/>
+          </a:xfrm>
+          <a:prstGeom prst="rect">
+            <a:avLst/>
+          </a:prstGeom>
+          <a:noFill/>
+        </p:spPr>
+        <p:txBody>
+          <a:bodyPr wrap="square" rtlCol="0">
+            <a:spAutoFit/>
+          </a:bodyPr>
+          <a:lstStyle/>
+          <a:p>
+            <a:pPr>
+              <a:spcBef>
+                <a:spcPts val="0"/>
+              </a:spcBef>
+              <a:spcAft>
+                <a:spcPts val="0"/>
+              </a:spcAft>
+              <a:buClr>
+                <a:schemeClr val="bg1"/>
+              </a:buClr>
+            </a:pPr>
+            <a:r>
+              <a:rPr lang="en-US" altLang="zh-CN" sz="1400" dirty="0"/>
+              <a:t>Parent listens for child </a:t>
+            </a:r>
+            <a:r>
+              <a:rPr lang="en-US" altLang="zh-CN" sz="1400" dirty="0" smtClean="0"/>
+              <a:t>event</a:t>
+            </a:r>
+            <a:r>
+              <a:rPr lang="en-US" altLang="zh-CN" sz="1400" dirty="0" smtClean="0">
+                <a:solidFill>
+                  <a:schemeClr val="bg2"/>
+                </a:solidFill>
+                <a:latin typeface="+mn-lt"/>
+              </a:rPr>
+              <a:t>.</a:t>
+            </a:r>
+            <a:r>
+              <a:rPr lang="en-US" altLang="zh-CN" sz="1400" dirty="0"/>
+              <a:t> The child component exposes an </a:t>
+            </a:r>
+            <a:r>
+              <a:rPr lang="en-US" altLang="zh-CN" sz="1400" dirty="0" err="1"/>
+              <a:t>EventEmitter</a:t>
+            </a:r>
+            <a:r>
+              <a:rPr lang="en-US" altLang="zh-CN" sz="1400" dirty="0"/>
+              <a:t> property with which it emits events when something happens. The parent binds to that event property and reacts to those events.</a:t>
+            </a:r>
+            <a:endParaRPr lang="zh-CN" altLang="en-US" sz="1400" dirty="0"/>
+          </a:p>
+          <a:p>
+            <a:pPr>
+              <a:spcBef>
+                <a:spcPts val="0"/>
+              </a:spcBef>
+              <a:spcAft>
+                <a:spcPts val="0"/>
+              </a:spcAft>
+              <a:buClr>
+                <a:schemeClr val="bg1"/>
+              </a:buClr>
+            </a:pPr>
+            <a:endParaRPr lang="en-US" altLang="zh-CN" sz="1400" dirty="0"/>
+          </a:p>
+        </p:txBody>
+      </p:sp>
     </p:spTree>
     <p:extLst>
       <p:ext uri="{BB962C8B-B14F-4D97-AF65-F5344CB8AC3E}">
-        <p14:creationId xmlns:p14="http://schemas.microsoft.com/office/powerpoint/2010/main" val="1680421521"/>
+        <p14:creationId xmlns:p14="http://schemas.microsoft.com/office/powerpoint/2010/main" val="1395926639"/>
       </p:ext>
     </p:extLst>
   </p:cSld>
@@ -10144,18 +18162,18 @@
 </file>
 
 <file path=customXml/item2.xml><?xml version="1.0" encoding="utf-8"?>
+<p:properties xmlns:p="http://schemas.microsoft.com/office/2006/metadata/properties" xmlns:xsi="http://www.w3.org/2001/XMLSchema-instance">
+  <documentManagement/>
+</p:properties>
+</file>
+
+<file path=customXml/item3.xml><?xml version="1.0" encoding="utf-8"?>
 <?mso-contentType ?>
 <FormTemplates xmlns="http://schemas.microsoft.com/sharepoint/v3/contenttype/forms">
   <Display>DocumentLibraryForm</Display>
   <Edit>DocumentLibraryForm</Edit>
   <New>DocumentLibraryForm</New>
 </FormTemplates>
-</file>
-
-<file path=customXml/item3.xml><?xml version="1.0" encoding="utf-8"?>
-<p:properties xmlns:p="http://schemas.microsoft.com/office/2006/metadata/properties" xmlns:xsi="http://www.w3.org/2001/XMLSchema-instance">
-  <documentManagement/>
-</p:properties>
 </file>
 
 <file path=customXml/itemProps1.xml><?xml version="1.0" encoding="utf-8"?>
@@ -10174,14 +18192,6 @@
 </file>
 
 <file path=customXml/itemProps2.xml><?xml version="1.0" encoding="utf-8"?>
-<ds:datastoreItem xmlns:ds="http://schemas.openxmlformats.org/officeDocument/2006/customXml" ds:itemID="{86FC490B-1F77-48C5-AC70-1DD939DBDF04}">
-  <ds:schemaRefs>
-    <ds:schemaRef ds:uri="http://schemas.microsoft.com/sharepoint/v3/contenttype/forms"/>
-  </ds:schemaRefs>
-</ds:datastoreItem>
-</file>
-
-<file path=customXml/itemProps3.xml><?xml version="1.0" encoding="utf-8"?>
 <ds:datastoreItem xmlns:ds="http://schemas.openxmlformats.org/officeDocument/2006/customXml" ds:itemID="{0873BDD3-AA35-4F19-A12A-C6462BECFBD1}">
   <ds:schemaRefs>
     <ds:schemaRef ds:uri="http://schemas.microsoft.com/office/2006/documentManagement/types"/>
@@ -10193,4 +18203,12 @@
     <ds:schemaRef ds:uri="http://purl.org/dc/dcmitype/"/>
   </ds:schemaRefs>
 </ds:datastoreItem>
+</file>
+
+<file path=customXml/itemProps3.xml><?xml version="1.0" encoding="utf-8"?>
+<ds:datastoreItem xmlns:ds="http://schemas.openxmlformats.org/officeDocument/2006/customXml" ds:itemID="{86FC490B-1F77-48C5-AC70-1DD939DBDF04}">
+  <ds:schemaRefs>
+    <ds:schemaRef ds:uri="http://schemas.microsoft.com/sharepoint/v3/contenttype/forms"/>
+  </ds:schemaRefs>
+</ds:datastoreItem>
 </file>